--- a/4. Vue/Vue.pptx
+++ b/4. Vue/Vue.pptx
@@ -5,35 +5,21 @@
     <p:sldMasterId id="2147483660" r:id="rId4"/>
   </p:sldMasterIdLst>
   <p:notesMasterIdLst>
-    <p:notesMasterId r:id="rId28"/>
+    <p:notesMasterId r:id="rId14"/>
   </p:notesMasterIdLst>
   <p:handoutMasterIdLst>
-    <p:handoutMasterId r:id="rId29"/>
+    <p:handoutMasterId r:id="rId15"/>
   </p:handoutMasterIdLst>
   <p:sldIdLst>
     <p:sldId id="256" r:id="rId5"/>
     <p:sldId id="266" r:id="rId6"/>
-    <p:sldId id="286" r:id="rId7"/>
-    <p:sldId id="301" r:id="rId8"/>
-    <p:sldId id="262" r:id="rId9"/>
-    <p:sldId id="279" r:id="rId10"/>
-    <p:sldId id="277" r:id="rId11"/>
-    <p:sldId id="281" r:id="rId12"/>
-    <p:sldId id="282" r:id="rId13"/>
-    <p:sldId id="284" r:id="rId14"/>
-    <p:sldId id="285" r:id="rId15"/>
-    <p:sldId id="287" r:id="rId16"/>
-    <p:sldId id="289" r:id="rId17"/>
-    <p:sldId id="291" r:id="rId18"/>
-    <p:sldId id="293" r:id="rId19"/>
-    <p:sldId id="298" r:id="rId20"/>
-    <p:sldId id="292" r:id="rId21"/>
-    <p:sldId id="294" r:id="rId22"/>
-    <p:sldId id="303" r:id="rId23"/>
-    <p:sldId id="302" r:id="rId24"/>
-    <p:sldId id="295" r:id="rId25"/>
-    <p:sldId id="297" r:id="rId26"/>
-    <p:sldId id="299" r:id="rId27"/>
+    <p:sldId id="262" r:id="rId7"/>
+    <p:sldId id="279" r:id="rId8"/>
+    <p:sldId id="277" r:id="rId9"/>
+    <p:sldId id="281" r:id="rId10"/>
+    <p:sldId id="282" r:id="rId11"/>
+    <p:sldId id="284" r:id="rId12"/>
+    <p:sldId id="285" r:id="rId13"/>
   </p:sldIdLst>
   <p:sldSz cx="12192000" cy="6858000"/>
   <p:notesSz cx="6858000" cy="9144000"/>
@@ -237,7 +223,7 @@
           <a:p>
             <a:fld id="{18E9A1B5-1BE4-4CD6-80C4-143959F034D3}" type="datetimeFigureOut">
               <a:rPr lang="en-US" smtClean="0"/>
-              <a:t>11/30/2021</a:t>
+              <a:t>10/27/2022</a:t>
             </a:fld>
             <a:endParaRPr lang="en-US" dirty="0"/>
           </a:p>
@@ -414,7 +400,7 @@
           <a:p>
             <a:fld id="{D8E6120A-21AF-4F12-ABAA-66A70823631B}" type="datetimeFigureOut">
               <a:rPr lang="en-US" smtClean="0"/>
-              <a:t>11/30/2021</a:t>
+              <a:t>10/27/2022</a:t>
             </a:fld>
             <a:endParaRPr lang="en-US" dirty="0"/>
           </a:p>
@@ -1892,7 +1878,7 @@
           <a:p>
             <a:fld id="{EF63B152-7103-4FFE-90AC-D94EB7F44A7E}" type="datetimeFigureOut">
               <a:rPr lang="en-US" smtClean="0"/>
-              <a:t>11/30/2021</a:t>
+              <a:t>10/27/2022</a:t>
             </a:fld>
             <a:endParaRPr lang="en-US" dirty="0"/>
           </a:p>
@@ -2130,7 +2116,7 @@
           <a:p>
             <a:fld id="{EF63B152-7103-4FFE-90AC-D94EB7F44A7E}" type="datetimeFigureOut">
               <a:rPr lang="en-US" smtClean="0"/>
-              <a:t>11/30/2021</a:t>
+              <a:t>10/27/2022</a:t>
             </a:fld>
             <a:endParaRPr lang="en-US" dirty="0"/>
           </a:p>
@@ -2310,7 +2296,7 @@
           <a:p>
             <a:fld id="{EF63B152-7103-4FFE-90AC-D94EB7F44A7E}" type="datetimeFigureOut">
               <a:rPr lang="en-US" smtClean="0"/>
-              <a:t>11/30/2021</a:t>
+              <a:t>10/27/2022</a:t>
             </a:fld>
             <a:endParaRPr lang="en-US" dirty="0"/>
           </a:p>
@@ -2480,7 +2466,7 @@
           <a:p>
             <a:fld id="{EF63B152-7103-4FFE-90AC-D94EB7F44A7E}" type="datetimeFigureOut">
               <a:rPr lang="en-US" smtClean="0"/>
-              <a:t>11/30/2021</a:t>
+              <a:t>10/27/2022</a:t>
             </a:fld>
             <a:endParaRPr lang="en-US" dirty="0"/>
           </a:p>
@@ -2756,7 +2742,7 @@
           <a:p>
             <a:fld id="{EF63B152-7103-4FFE-90AC-D94EB7F44A7E}" type="datetimeFigureOut">
               <a:rPr lang="en-US" smtClean="0"/>
-              <a:t>11/30/2021</a:t>
+              <a:t>10/27/2022</a:t>
             </a:fld>
             <a:endParaRPr lang="en-US" dirty="0"/>
           </a:p>
@@ -3957,7 +3943,7 @@
           <a:p>
             <a:fld id="{EF63B152-7103-4FFE-90AC-D94EB7F44A7E}" type="datetimeFigureOut">
               <a:rPr lang="en-US" smtClean="0"/>
-              <a:t>11/30/2021</a:t>
+              <a:t>10/27/2022</a:t>
             </a:fld>
             <a:endParaRPr lang="en-US" dirty="0"/>
           </a:p>
@@ -4347,7 +4333,7 @@
           <a:p>
             <a:fld id="{EF63B152-7103-4FFE-90AC-D94EB7F44A7E}" type="datetimeFigureOut">
               <a:rPr lang="en-US" smtClean="0"/>
-              <a:t>11/30/2021</a:t>
+              <a:t>10/27/2022</a:t>
             </a:fld>
             <a:endParaRPr lang="en-US" dirty="0"/>
           </a:p>
@@ -4470,7 +4456,7 @@
           <a:p>
             <a:fld id="{EF63B152-7103-4FFE-90AC-D94EB7F44A7E}" type="datetimeFigureOut">
               <a:rPr lang="en-US" smtClean="0"/>
-              <a:t>11/30/2021</a:t>
+              <a:t>10/27/2022</a:t>
             </a:fld>
             <a:endParaRPr lang="en-US" dirty="0"/>
           </a:p>
@@ -4565,7 +4551,7 @@
           <a:p>
             <a:fld id="{EF63B152-7103-4FFE-90AC-D94EB7F44A7E}" type="datetimeFigureOut">
               <a:rPr lang="en-US" smtClean="0"/>
-              <a:t>11/30/2021</a:t>
+              <a:t>10/27/2022</a:t>
             </a:fld>
             <a:endParaRPr lang="en-US" dirty="0"/>
           </a:p>
@@ -5328,7 +5314,7 @@
           <a:p>
             <a:fld id="{EF63B152-7103-4FFE-90AC-D94EB7F44A7E}" type="datetimeFigureOut">
               <a:rPr lang="en-US" smtClean="0"/>
-              <a:t>11/30/2021</a:t>
+              <a:t>10/27/2022</a:t>
             </a:fld>
             <a:endParaRPr lang="en-US" dirty="0"/>
           </a:p>
@@ -6168,7 +6154,7 @@
           <a:p>
             <a:fld id="{EF63B152-7103-4FFE-90AC-D94EB7F44A7E}" type="datetimeFigureOut">
               <a:rPr lang="en-US" smtClean="0"/>
-              <a:t>11/30/2021</a:t>
+              <a:t>10/27/2022</a:t>
             </a:fld>
             <a:endParaRPr lang="en-US" dirty="0"/>
           </a:p>
@@ -6395,7 +6381,7 @@
           <a:p>
             <a:fld id="{EF63B152-7103-4FFE-90AC-D94EB7F44A7E}" type="datetimeFigureOut">
               <a:rPr lang="en-US" smtClean="0"/>
-              <a:t>11/30/2021</a:t>
+              <a:t>10/27/2022</a:t>
             </a:fld>
             <a:endParaRPr lang="en-US" dirty="0"/>
           </a:p>
@@ -7517,4375 +7503,6 @@
 </p:sld>
 </file>
 
-<file path=ppt/slides/slide10.xml><?xml version="1.0" encoding="utf-8"?>
-<p:sld xmlns:a="http://schemas.openxmlformats.org/drawingml/2006/main" xmlns:r="http://schemas.openxmlformats.org/officeDocument/2006/relationships" xmlns:p="http://schemas.openxmlformats.org/presentationml/2006/main">
-  <p:cSld>
-    <p:spTree>
-      <p:nvGrpSpPr>
-        <p:cNvPr id="1" name=""/>
-        <p:cNvGrpSpPr/>
-        <p:nvPr/>
-      </p:nvGrpSpPr>
-      <p:grpSpPr>
-        <a:xfrm>
-          <a:off x="0" y="0"/>
-          <a:ext cx="0" cy="0"/>
-          <a:chOff x="0" y="0"/>
-          <a:chExt cx="0" cy="0"/>
-        </a:xfrm>
-      </p:grpSpPr>
-      <p:sp>
-        <p:nvSpPr>
-          <p:cNvPr id="2" name="Title 1">
-            <a:extLst>
-              <a:ext uri="{FF2B5EF4-FFF2-40B4-BE49-F238E27FC236}">
-                <a16:creationId xmlns:a16="http://schemas.microsoft.com/office/drawing/2014/main" id="{8EDAE078-3CB3-4D1F-8E4E-75C6D5DA8D1A}"/>
-              </a:ext>
-            </a:extLst>
-          </p:cNvPr>
-          <p:cNvSpPr>
-            <a:spLocks noGrp="1"/>
-          </p:cNvSpPr>
-          <p:nvPr>
-            <p:ph type="title"/>
-          </p:nvPr>
-        </p:nvSpPr>
-        <p:spPr>
-          <a:xfrm>
-            <a:off x="1203434" y="382385"/>
-            <a:ext cx="10893973" cy="596023"/>
-          </a:xfrm>
-        </p:spPr>
-        <p:txBody>
-          <a:bodyPr>
-            <a:normAutofit fontScale="90000"/>
-          </a:bodyPr>
-          <a:lstStyle/>
-          <a:p>
-            <a:pPr algn="ctr"/>
-            <a:r>
-              <a:rPr lang="en-US" sz="4000" dirty="0" err="1">
-                <a:latin typeface="Gill Sans MT (Body)"/>
-              </a:rPr>
-              <a:t>Eventhantering</a:t>
-            </a:r>
-            <a:r>
-              <a:rPr lang="en-US" sz="4000" dirty="0">
-                <a:latin typeface="Gill Sans MT (Body)"/>
-              </a:rPr>
-              <a:t> - user input</a:t>
-            </a:r>
-          </a:p>
-        </p:txBody>
-      </p:sp>
-      <p:pic>
-        <p:nvPicPr>
-          <p:cNvPr id="4" name="Content Placeholder 3">
-            <a:extLst>
-              <a:ext uri="{FF2B5EF4-FFF2-40B4-BE49-F238E27FC236}">
-                <a16:creationId xmlns:a16="http://schemas.microsoft.com/office/drawing/2014/main" id="{0436265C-B557-4139-9ABD-4647B2029AF8}"/>
-              </a:ext>
-            </a:extLst>
-          </p:cNvPr>
-          <p:cNvPicPr>
-            <a:picLocks noGrp="1" noChangeAspect="1"/>
-          </p:cNvPicPr>
-          <p:nvPr>
-            <p:ph idx="1"/>
-          </p:nvPr>
-        </p:nvPicPr>
-        <p:blipFill>
-          <a:blip r:embed="rId2"/>
-          <a:stretch>
-            <a:fillRect/>
-          </a:stretch>
-        </p:blipFill>
-        <p:spPr>
-          <a:xfrm>
-            <a:off x="2033609" y="2260837"/>
-            <a:ext cx="4748733" cy="3867595"/>
-          </a:xfrm>
-          <a:prstGeom prst="rect">
-            <a:avLst/>
-          </a:prstGeom>
-        </p:spPr>
-      </p:pic>
-      <p:pic>
-        <p:nvPicPr>
-          <p:cNvPr id="5" name="Picture 4">
-            <a:extLst>
-              <a:ext uri="{FF2B5EF4-FFF2-40B4-BE49-F238E27FC236}">
-                <a16:creationId xmlns:a16="http://schemas.microsoft.com/office/drawing/2014/main" id="{3A97DDD1-98A3-4F71-BB59-E0A57287A446}"/>
-              </a:ext>
-            </a:extLst>
-          </p:cNvPr>
-          <p:cNvPicPr>
-            <a:picLocks noChangeAspect="1"/>
-          </p:cNvPicPr>
-          <p:nvPr/>
-        </p:nvPicPr>
-        <p:blipFill>
-          <a:blip r:embed="rId3"/>
-          <a:stretch>
-            <a:fillRect/>
-          </a:stretch>
-        </p:blipFill>
-        <p:spPr>
-          <a:xfrm>
-            <a:off x="2033609" y="6128432"/>
-            <a:ext cx="3328662" cy="694366"/>
-          </a:xfrm>
-          <a:prstGeom prst="rect">
-            <a:avLst/>
-          </a:prstGeom>
-        </p:spPr>
-      </p:pic>
-      <p:pic>
-        <p:nvPicPr>
-          <p:cNvPr id="7" name="Picture 6">
-            <a:extLst>
-              <a:ext uri="{FF2B5EF4-FFF2-40B4-BE49-F238E27FC236}">
-                <a16:creationId xmlns:a16="http://schemas.microsoft.com/office/drawing/2014/main" id="{25851527-5032-46AA-8462-EBC61213577F}"/>
-              </a:ext>
-            </a:extLst>
-          </p:cNvPr>
-          <p:cNvPicPr>
-            <a:picLocks noChangeAspect="1"/>
-          </p:cNvPicPr>
-          <p:nvPr/>
-        </p:nvPicPr>
-        <p:blipFill>
-          <a:blip r:embed="rId4"/>
-          <a:stretch>
-            <a:fillRect/>
-          </a:stretch>
-        </p:blipFill>
-        <p:spPr>
-          <a:xfrm>
-            <a:off x="7287639" y="2260837"/>
-            <a:ext cx="3448050" cy="3533775"/>
-          </a:xfrm>
-          <a:prstGeom prst="rect">
-            <a:avLst/>
-          </a:prstGeom>
-        </p:spPr>
-      </p:pic>
-      <p:sp>
-        <p:nvSpPr>
-          <p:cNvPr id="6" name="TextBox 5">
-            <a:extLst>
-              <a:ext uri="{FF2B5EF4-FFF2-40B4-BE49-F238E27FC236}">
-                <a16:creationId xmlns:a16="http://schemas.microsoft.com/office/drawing/2014/main" id="{143E6AC4-0354-4434-83B4-69ED984BB1C6}"/>
-              </a:ext>
-            </a:extLst>
-          </p:cNvPr>
-          <p:cNvSpPr txBox="1"/>
-          <p:nvPr/>
-        </p:nvSpPr>
-        <p:spPr>
-          <a:xfrm>
-            <a:off x="1359017" y="874053"/>
-            <a:ext cx="10494627" cy="1477328"/>
-          </a:xfrm>
-          <a:prstGeom prst="rect">
-            <a:avLst/>
-          </a:prstGeom>
-          <a:noFill/>
-        </p:spPr>
-        <p:txBody>
-          <a:bodyPr wrap="square" rtlCol="0">
-            <a:spAutoFit/>
-          </a:bodyPr>
-          <a:lstStyle/>
-          <a:p>
-            <a:pPr marL="285750" indent="-285750">
-              <a:buFont typeface="Arial" panose="020B0604020202020204" pitchFamily="34" charset="0"/>
-              <a:buChar char="•"/>
-            </a:pPr>
-            <a:r>
-              <a:rPr lang="sv-SE" dirty="0" err="1">
-                <a:solidFill>
-                  <a:schemeClr val="tx2">
-                    <a:lumMod val="75000"/>
-                    <a:lumOff val="25000"/>
-                  </a:schemeClr>
-                </a:solidFill>
-              </a:rPr>
-              <a:t>v-on:event-namn</a:t>
-            </a:r>
-            <a:r>
-              <a:rPr lang="sv-SE" dirty="0">
-                <a:solidFill>
-                  <a:schemeClr val="tx2">
-                    <a:lumMod val="75000"/>
-                    <a:lumOff val="25000"/>
-                  </a:schemeClr>
-                </a:solidFill>
-              </a:rPr>
-              <a:t> </a:t>
-            </a:r>
-            <a:r>
-              <a:rPr lang="sv-SE" dirty="0">
-                <a:solidFill>
-                  <a:schemeClr val="tx1">
-                    <a:lumMod val="65000"/>
-                    <a:lumOff val="35000"/>
-                  </a:schemeClr>
-                </a:solidFill>
-              </a:rPr>
-              <a:t>direktivet används för att applicera event på element. Direktivet kan </a:t>
-            </a:r>
-            <a:r>
-              <a:rPr lang="sv-SE" dirty="0" err="1">
-                <a:solidFill>
-                  <a:schemeClr val="tx1">
-                    <a:lumMod val="65000"/>
-                    <a:lumOff val="35000"/>
-                  </a:schemeClr>
-                </a:solidFill>
-              </a:rPr>
-              <a:t>forkortas</a:t>
-            </a:r>
-            <a:r>
-              <a:rPr lang="sv-SE" dirty="0">
-                <a:solidFill>
-                  <a:schemeClr val="tx1">
-                    <a:lumMod val="65000"/>
-                    <a:lumOff val="35000"/>
-                  </a:schemeClr>
-                </a:solidFill>
-              </a:rPr>
-              <a:t> ytterligare med </a:t>
-            </a:r>
-            <a:r>
-              <a:rPr lang="sv-SE" dirty="0">
-                <a:solidFill>
-                  <a:schemeClr val="tx2">
-                    <a:lumMod val="75000"/>
-                    <a:lumOff val="25000"/>
-                  </a:schemeClr>
-                </a:solidFill>
-              </a:rPr>
-              <a:t>@event-namn</a:t>
-            </a:r>
-            <a:r>
-              <a:rPr lang="sv-SE" dirty="0">
-                <a:solidFill>
-                  <a:schemeClr val="tx1">
-                    <a:lumMod val="65000"/>
-                    <a:lumOff val="35000"/>
-                  </a:schemeClr>
-                </a:solidFill>
-              </a:rPr>
-              <a:t>.</a:t>
-            </a:r>
-          </a:p>
-          <a:p>
-            <a:pPr marL="285750" indent="-285750">
-              <a:buFont typeface="Arial" panose="020B0604020202020204" pitchFamily="34" charset="0"/>
-              <a:buChar char="•"/>
-            </a:pPr>
-            <a:endParaRPr lang="sv-SE" dirty="0">
-              <a:solidFill>
-                <a:schemeClr val="tx1">
-                  <a:lumMod val="65000"/>
-                  <a:lumOff val="35000"/>
-                </a:schemeClr>
-              </a:solidFill>
-            </a:endParaRPr>
-          </a:p>
-          <a:p>
-            <a:pPr marL="285750" indent="-285750">
-              <a:buFont typeface="Arial" panose="020B0604020202020204" pitchFamily="34" charset="0"/>
-              <a:buChar char="•"/>
-            </a:pPr>
-            <a:r>
-              <a:rPr lang="sv-SE" dirty="0">
-                <a:solidFill>
-                  <a:schemeClr val="tx1">
-                    <a:lumMod val="65000"/>
-                    <a:lumOff val="35000"/>
-                  </a:schemeClr>
-                </a:solidFill>
-              </a:rPr>
-              <a:t>Vanligaste eventet är en knapp-tryckning/klick </a:t>
-            </a:r>
-            <a:r>
-              <a:rPr lang="sv-SE" dirty="0" err="1">
-                <a:solidFill>
-                  <a:schemeClr val="tx2">
-                    <a:lumMod val="75000"/>
-                    <a:lumOff val="25000"/>
-                  </a:schemeClr>
-                </a:solidFill>
-              </a:rPr>
-              <a:t>v-on:click</a:t>
-            </a:r>
-            <a:r>
-              <a:rPr lang="sv-SE" dirty="0">
-                <a:solidFill>
-                  <a:schemeClr val="tx2">
-                    <a:lumMod val="75000"/>
-                    <a:lumOff val="25000"/>
-                  </a:schemeClr>
-                </a:solidFill>
-              </a:rPr>
-              <a:t>=”</a:t>
-            </a:r>
-            <a:r>
-              <a:rPr lang="sv-SE" dirty="0" err="1">
-                <a:solidFill>
-                  <a:schemeClr val="tx2">
-                    <a:lumMod val="75000"/>
-                    <a:lumOff val="25000"/>
-                  </a:schemeClr>
-                </a:solidFill>
-              </a:rPr>
-              <a:t>method</a:t>
-            </a:r>
-            <a:r>
-              <a:rPr lang="sv-SE" dirty="0">
-                <a:solidFill>
-                  <a:schemeClr val="tx2">
-                    <a:lumMod val="75000"/>
-                    <a:lumOff val="25000"/>
-                  </a:schemeClr>
-                </a:solidFill>
-              </a:rPr>
-              <a:t>”</a:t>
-            </a:r>
-            <a:r>
-              <a:rPr lang="sv-SE" dirty="0">
-                <a:solidFill>
-                  <a:schemeClr val="tx1">
-                    <a:lumMod val="65000"/>
-                    <a:lumOff val="35000"/>
-                  </a:schemeClr>
-                </a:solidFill>
-              </a:rPr>
-              <a:t> alternativt </a:t>
-            </a:r>
-            <a:r>
-              <a:rPr lang="sv-SE" dirty="0">
-                <a:solidFill>
-                  <a:schemeClr val="tx2">
-                    <a:lumMod val="75000"/>
-                    <a:lumOff val="25000"/>
-                  </a:schemeClr>
-                </a:solidFill>
-              </a:rPr>
-              <a:t>@</a:t>
-            </a:r>
-            <a:r>
-              <a:rPr lang="sv-SE" dirty="0" err="1">
-                <a:solidFill>
-                  <a:schemeClr val="tx2">
-                    <a:lumMod val="75000"/>
-                    <a:lumOff val="25000"/>
-                  </a:schemeClr>
-                </a:solidFill>
-              </a:rPr>
-              <a:t>click</a:t>
-            </a:r>
-            <a:r>
-              <a:rPr lang="sv-SE" dirty="0">
-                <a:solidFill>
-                  <a:schemeClr val="tx2">
-                    <a:lumMod val="75000"/>
-                    <a:lumOff val="25000"/>
-                  </a:schemeClr>
-                </a:solidFill>
-              </a:rPr>
-              <a:t>=”</a:t>
-            </a:r>
-            <a:r>
-              <a:rPr lang="sv-SE" dirty="0" err="1">
-                <a:solidFill>
-                  <a:schemeClr val="tx2">
-                    <a:lumMod val="75000"/>
-                    <a:lumOff val="25000"/>
-                  </a:schemeClr>
-                </a:solidFill>
-              </a:rPr>
-              <a:t>method</a:t>
-            </a:r>
-            <a:r>
-              <a:rPr lang="sv-SE" dirty="0">
-                <a:solidFill>
-                  <a:schemeClr val="tx2">
-                    <a:lumMod val="75000"/>
-                    <a:lumOff val="25000"/>
-                  </a:schemeClr>
-                </a:solidFill>
-              </a:rPr>
-              <a:t>”.</a:t>
-            </a:r>
-          </a:p>
-          <a:p>
-            <a:endParaRPr lang="sv-SE" dirty="0">
-              <a:solidFill>
-                <a:schemeClr val="tx1">
-                  <a:lumMod val="65000"/>
-                  <a:lumOff val="35000"/>
-                </a:schemeClr>
-              </a:solidFill>
-            </a:endParaRPr>
-          </a:p>
-        </p:txBody>
-      </p:sp>
-    </p:spTree>
-    <p:extLst>
-      <p:ext uri="{BB962C8B-B14F-4D97-AF65-F5344CB8AC3E}">
-        <p14:creationId xmlns:p14="http://schemas.microsoft.com/office/powerpoint/2010/main" val="1072623882"/>
-      </p:ext>
-    </p:extLst>
-  </p:cSld>
-  <p:clrMapOvr>
-    <a:masterClrMapping/>
-  </p:clrMapOvr>
-</p:sld>
-</file>
-
-<file path=ppt/slides/slide11.xml><?xml version="1.0" encoding="utf-8"?>
-<p:sld xmlns:a="http://schemas.openxmlformats.org/drawingml/2006/main" xmlns:r="http://schemas.openxmlformats.org/officeDocument/2006/relationships" xmlns:p="http://schemas.openxmlformats.org/presentationml/2006/main">
-  <p:cSld>
-    <p:spTree>
-      <p:nvGrpSpPr>
-        <p:cNvPr id="1" name=""/>
-        <p:cNvGrpSpPr/>
-        <p:nvPr/>
-      </p:nvGrpSpPr>
-      <p:grpSpPr>
-        <a:xfrm>
-          <a:off x="0" y="0"/>
-          <a:ext cx="0" cy="0"/>
-          <a:chOff x="0" y="0"/>
-          <a:chExt cx="0" cy="0"/>
-        </a:xfrm>
-      </p:grpSpPr>
-      <p:sp>
-        <p:nvSpPr>
-          <p:cNvPr id="2" name="Title 1">
-            <a:extLst>
-              <a:ext uri="{FF2B5EF4-FFF2-40B4-BE49-F238E27FC236}">
-                <a16:creationId xmlns:a16="http://schemas.microsoft.com/office/drawing/2014/main" id="{8EDAE078-3CB3-4D1F-8E4E-75C6D5DA8D1A}"/>
-              </a:ext>
-            </a:extLst>
-          </p:cNvPr>
-          <p:cNvSpPr>
-            <a:spLocks noGrp="1"/>
-          </p:cNvSpPr>
-          <p:nvPr>
-            <p:ph type="title"/>
-          </p:nvPr>
-        </p:nvSpPr>
-        <p:spPr>
-          <a:xfrm>
-            <a:off x="1228601" y="228440"/>
-            <a:ext cx="10893973" cy="596023"/>
-          </a:xfrm>
-        </p:spPr>
-        <p:txBody>
-          <a:bodyPr>
-            <a:normAutofit fontScale="90000"/>
-          </a:bodyPr>
-          <a:lstStyle/>
-          <a:p>
-            <a:pPr algn="ctr"/>
-            <a:r>
-              <a:rPr lang="en-US" sz="4000" dirty="0">
-                <a:latin typeface="Gill Sans MT (Body)"/>
-              </a:rPr>
-              <a:t>Two-way Binding v-model</a:t>
-            </a:r>
-          </a:p>
-        </p:txBody>
-      </p:sp>
-      <p:pic>
-        <p:nvPicPr>
-          <p:cNvPr id="7" name="Content Placeholder 6">
-            <a:extLst>
-              <a:ext uri="{FF2B5EF4-FFF2-40B4-BE49-F238E27FC236}">
-                <a16:creationId xmlns:a16="http://schemas.microsoft.com/office/drawing/2014/main" id="{0C354551-B4B9-430C-B08A-6277981F166D}"/>
-              </a:ext>
-            </a:extLst>
-          </p:cNvPr>
-          <p:cNvPicPr>
-            <a:picLocks noGrp="1" noChangeAspect="1"/>
-          </p:cNvPicPr>
-          <p:nvPr>
-            <p:ph idx="1"/>
-          </p:nvPr>
-        </p:nvPicPr>
-        <p:blipFill>
-          <a:blip r:embed="rId2"/>
-          <a:stretch>
-            <a:fillRect/>
-          </a:stretch>
-        </p:blipFill>
-        <p:spPr>
-          <a:xfrm>
-            <a:off x="1825468" y="3040623"/>
-            <a:ext cx="5588142" cy="3594100"/>
-          </a:xfrm>
-          <a:prstGeom prst="rect">
-            <a:avLst/>
-          </a:prstGeom>
-        </p:spPr>
-      </p:pic>
-      <p:sp>
-        <p:nvSpPr>
-          <p:cNvPr id="8" name="TextBox 7">
-            <a:extLst>
-              <a:ext uri="{FF2B5EF4-FFF2-40B4-BE49-F238E27FC236}">
-                <a16:creationId xmlns:a16="http://schemas.microsoft.com/office/drawing/2014/main" id="{B1548BBC-62E6-467E-BFCA-ACF54B43493B}"/>
-              </a:ext>
-            </a:extLst>
-          </p:cNvPr>
-          <p:cNvSpPr txBox="1"/>
-          <p:nvPr/>
-        </p:nvSpPr>
-        <p:spPr>
-          <a:xfrm>
-            <a:off x="1900969" y="978408"/>
-            <a:ext cx="9127222" cy="1754326"/>
-          </a:xfrm>
-          <a:prstGeom prst="rect">
-            <a:avLst/>
-          </a:prstGeom>
-          <a:noFill/>
-        </p:spPr>
-        <p:txBody>
-          <a:bodyPr wrap="square" rtlCol="0">
-            <a:spAutoFit/>
-          </a:bodyPr>
-          <a:lstStyle/>
-          <a:p>
-            <a:pPr marL="285750" indent="-285750">
-              <a:buFont typeface="Arial" panose="020B0604020202020204" pitchFamily="34" charset="0"/>
-              <a:buChar char="•"/>
-            </a:pPr>
-            <a:r>
-              <a:rPr lang="sv-SE" u="sng" dirty="0">
-                <a:solidFill>
-                  <a:schemeClr val="tx2">
-                    <a:lumMod val="75000"/>
-                    <a:lumOff val="25000"/>
-                  </a:schemeClr>
-                </a:solidFill>
-                <a:latin typeface="Gill Sans MT (Body)"/>
-                <a:cs typeface="Times New Roman" panose="02020603050405020304" pitchFamily="18" charset="0"/>
-              </a:rPr>
-              <a:t>v-</a:t>
-            </a:r>
-            <a:r>
-              <a:rPr lang="sv-SE" u="sng" dirty="0" err="1">
-                <a:solidFill>
-                  <a:schemeClr val="tx2">
-                    <a:lumMod val="75000"/>
-                    <a:lumOff val="25000"/>
-                  </a:schemeClr>
-                </a:solidFill>
-                <a:latin typeface="Gill Sans MT (Body)"/>
-                <a:cs typeface="Times New Roman" panose="02020603050405020304" pitchFamily="18" charset="0"/>
-              </a:rPr>
-              <a:t>model</a:t>
-            </a:r>
-            <a:r>
-              <a:rPr lang="sv-SE" u="sng" dirty="0">
-                <a:solidFill>
-                  <a:schemeClr val="tx1">
-                    <a:lumMod val="65000"/>
-                    <a:lumOff val="35000"/>
-                  </a:schemeClr>
-                </a:solidFill>
-                <a:latin typeface="Gill Sans MT (Body)"/>
-                <a:cs typeface="Times New Roman" panose="02020603050405020304" pitchFamily="18" charset="0"/>
-              </a:rPr>
-              <a:t> </a:t>
-            </a:r>
-            <a:r>
-              <a:rPr lang="sv-SE" dirty="0">
-                <a:solidFill>
-                  <a:schemeClr val="tx1">
-                    <a:lumMod val="65000"/>
-                    <a:lumOff val="35000"/>
-                  </a:schemeClr>
-                </a:solidFill>
-                <a:latin typeface="Gill Sans MT (Body)"/>
-                <a:cs typeface="Times New Roman" panose="02020603050405020304" pitchFamily="18" charset="0"/>
-              </a:rPr>
-              <a:t>direktivet används för att göra tvåvägsbindning mellan HTML-elementet och data-variabeln.</a:t>
-            </a:r>
-          </a:p>
-          <a:p>
-            <a:pPr marL="285750" indent="-285750">
-              <a:buFont typeface="Arial" panose="020B0604020202020204" pitchFamily="34" charset="0"/>
-              <a:buChar char="•"/>
-            </a:pPr>
-            <a:endParaRPr lang="sv-SE" dirty="0">
-              <a:solidFill>
-                <a:schemeClr val="tx1">
-                  <a:lumMod val="65000"/>
-                  <a:lumOff val="35000"/>
-                </a:schemeClr>
-              </a:solidFill>
-              <a:latin typeface="Gill Sans MT (Body)"/>
-              <a:cs typeface="Times New Roman" panose="02020603050405020304" pitchFamily="18" charset="0"/>
-            </a:endParaRPr>
-          </a:p>
-          <a:p>
-            <a:pPr marL="285750" indent="-285750">
-              <a:buFont typeface="Arial" panose="020B0604020202020204" pitchFamily="34" charset="0"/>
-              <a:buChar char="•"/>
-            </a:pPr>
-            <a:r>
-              <a:rPr lang="sv-SE" dirty="0">
-                <a:solidFill>
-                  <a:schemeClr val="tx1">
-                    <a:lumMod val="65000"/>
-                    <a:lumOff val="35000"/>
-                  </a:schemeClr>
-                </a:solidFill>
-                <a:latin typeface="Gill Sans MT (Body)"/>
-                <a:cs typeface="Times New Roman" panose="02020603050405020304" pitchFamily="18" charset="0"/>
-              </a:rPr>
-              <a:t>Det innebär att värdet uppdateras om fältet ändras men även om variabeln ändras.</a:t>
-            </a:r>
-          </a:p>
-          <a:p>
-            <a:pPr marL="285750" indent="-285750">
-              <a:buFont typeface="Arial" panose="020B0604020202020204" pitchFamily="34" charset="0"/>
-              <a:buChar char="•"/>
-            </a:pPr>
-            <a:endParaRPr lang="sv-SE" dirty="0">
-              <a:solidFill>
-                <a:schemeClr val="tx1">
-                  <a:lumMod val="65000"/>
-                  <a:lumOff val="35000"/>
-                </a:schemeClr>
-              </a:solidFill>
-              <a:latin typeface="Gill Sans MT (Body)"/>
-              <a:cs typeface="Times New Roman" panose="02020603050405020304" pitchFamily="18" charset="0"/>
-            </a:endParaRPr>
-          </a:p>
-          <a:p>
-            <a:pPr marL="285750" indent="-285750">
-              <a:buFont typeface="Arial" panose="020B0604020202020204" pitchFamily="34" charset="0"/>
-              <a:buChar char="•"/>
-            </a:pPr>
-            <a:r>
-              <a:rPr lang="sv-SE" dirty="0">
-                <a:solidFill>
-                  <a:schemeClr val="tx1">
-                    <a:lumMod val="65000"/>
-                    <a:lumOff val="35000"/>
-                  </a:schemeClr>
-                </a:solidFill>
-                <a:latin typeface="Gill Sans MT (Body)"/>
-                <a:cs typeface="Times New Roman" panose="02020603050405020304" pitchFamily="18" charset="0"/>
-              </a:rPr>
-              <a:t>Används oftast för input-element och </a:t>
-            </a:r>
-            <a:r>
-              <a:rPr lang="sv-SE" dirty="0" err="1">
-                <a:solidFill>
-                  <a:schemeClr val="tx1">
-                    <a:lumMod val="65000"/>
-                    <a:lumOff val="35000"/>
-                  </a:schemeClr>
-                </a:solidFill>
-                <a:latin typeface="Gill Sans MT (Body)"/>
-                <a:cs typeface="Times New Roman" panose="02020603050405020304" pitchFamily="18" charset="0"/>
-              </a:rPr>
-              <a:t>förmulär</a:t>
-            </a:r>
-            <a:r>
-              <a:rPr lang="sv-SE" dirty="0">
-                <a:solidFill>
-                  <a:schemeClr val="tx1">
-                    <a:lumMod val="65000"/>
-                    <a:lumOff val="35000"/>
-                  </a:schemeClr>
-                </a:solidFill>
-                <a:latin typeface="Gill Sans MT (Body)"/>
-                <a:cs typeface="Times New Roman" panose="02020603050405020304" pitchFamily="18" charset="0"/>
-              </a:rPr>
-              <a:t>-element.</a:t>
-            </a:r>
-          </a:p>
-        </p:txBody>
-      </p:sp>
-      <p:pic>
-        <p:nvPicPr>
-          <p:cNvPr id="9" name="Picture 8">
-            <a:extLst>
-              <a:ext uri="{FF2B5EF4-FFF2-40B4-BE49-F238E27FC236}">
-                <a16:creationId xmlns:a16="http://schemas.microsoft.com/office/drawing/2014/main" id="{61D879F2-957A-4CB6-A011-BE00E8F19D01}"/>
-              </a:ext>
-            </a:extLst>
-          </p:cNvPr>
-          <p:cNvPicPr>
-            <a:picLocks noChangeAspect="1"/>
-          </p:cNvPicPr>
-          <p:nvPr/>
-        </p:nvPicPr>
-        <p:blipFill>
-          <a:blip r:embed="rId3"/>
-          <a:stretch>
-            <a:fillRect/>
-          </a:stretch>
-        </p:blipFill>
-        <p:spPr>
-          <a:xfrm>
-            <a:off x="7854542" y="3040623"/>
-            <a:ext cx="3429000" cy="1619250"/>
-          </a:xfrm>
-          <a:prstGeom prst="rect">
-            <a:avLst/>
-          </a:prstGeom>
-        </p:spPr>
-      </p:pic>
-    </p:spTree>
-    <p:extLst>
-      <p:ext uri="{BB962C8B-B14F-4D97-AF65-F5344CB8AC3E}">
-        <p14:creationId xmlns:p14="http://schemas.microsoft.com/office/powerpoint/2010/main" val="870116151"/>
-      </p:ext>
-    </p:extLst>
-  </p:cSld>
-  <p:clrMapOvr>
-    <a:masterClrMapping/>
-  </p:clrMapOvr>
-</p:sld>
-</file>
-
-<file path=ppt/slides/slide12.xml><?xml version="1.0" encoding="utf-8"?>
-<p:sld xmlns:a="http://schemas.openxmlformats.org/drawingml/2006/main" xmlns:r="http://schemas.openxmlformats.org/officeDocument/2006/relationships" xmlns:p="http://schemas.openxmlformats.org/presentationml/2006/main">
-  <p:cSld>
-    <p:spTree>
-      <p:nvGrpSpPr>
-        <p:cNvPr id="1" name=""/>
-        <p:cNvGrpSpPr/>
-        <p:nvPr/>
-      </p:nvGrpSpPr>
-      <p:grpSpPr>
-        <a:xfrm>
-          <a:off x="0" y="0"/>
-          <a:ext cx="0" cy="0"/>
-          <a:chOff x="0" y="0"/>
-          <a:chExt cx="0" cy="0"/>
-        </a:xfrm>
-      </p:grpSpPr>
-      <p:sp>
-        <p:nvSpPr>
-          <p:cNvPr id="2" name="Title 1">
-            <a:extLst>
-              <a:ext uri="{FF2B5EF4-FFF2-40B4-BE49-F238E27FC236}">
-                <a16:creationId xmlns:a16="http://schemas.microsoft.com/office/drawing/2014/main" id="{8EDAE078-3CB3-4D1F-8E4E-75C6D5DA8D1A}"/>
-              </a:ext>
-            </a:extLst>
-          </p:cNvPr>
-          <p:cNvSpPr>
-            <a:spLocks noGrp="1"/>
-          </p:cNvSpPr>
-          <p:nvPr>
-            <p:ph type="title"/>
-          </p:nvPr>
-        </p:nvSpPr>
-        <p:spPr>
-          <a:xfrm>
-            <a:off x="1222484" y="239772"/>
-            <a:ext cx="10893973" cy="596023"/>
-          </a:xfrm>
-        </p:spPr>
-        <p:txBody>
-          <a:bodyPr>
-            <a:normAutofit fontScale="90000"/>
-          </a:bodyPr>
-          <a:lstStyle/>
-          <a:p>
-            <a:pPr algn="ctr"/>
-            <a:r>
-              <a:rPr lang="en-US" sz="4000" dirty="0">
-                <a:latin typeface="Gill Sans MT (Body)"/>
-              </a:rPr>
-              <a:t>Computed properties</a:t>
-            </a:r>
-          </a:p>
-        </p:txBody>
-      </p:sp>
-      <p:pic>
-        <p:nvPicPr>
-          <p:cNvPr id="5" name="Picture 4">
-            <a:extLst>
-              <a:ext uri="{FF2B5EF4-FFF2-40B4-BE49-F238E27FC236}">
-                <a16:creationId xmlns:a16="http://schemas.microsoft.com/office/drawing/2014/main" id="{F1AEE381-9B54-45E2-8D97-D2EB25FD43A6}"/>
-              </a:ext>
-            </a:extLst>
-          </p:cNvPr>
-          <p:cNvPicPr>
-            <a:picLocks noChangeAspect="1"/>
-          </p:cNvPicPr>
-          <p:nvPr/>
-        </p:nvPicPr>
-        <p:blipFill>
-          <a:blip r:embed="rId2"/>
-          <a:stretch>
-            <a:fillRect/>
-          </a:stretch>
-        </p:blipFill>
-        <p:spPr>
-          <a:xfrm>
-            <a:off x="5981102" y="1166768"/>
-            <a:ext cx="5902584" cy="4295863"/>
-          </a:xfrm>
-          <a:prstGeom prst="rect">
-            <a:avLst/>
-          </a:prstGeom>
-        </p:spPr>
-      </p:pic>
-      <p:pic>
-        <p:nvPicPr>
-          <p:cNvPr id="6" name="Picture 5">
-            <a:extLst>
-              <a:ext uri="{FF2B5EF4-FFF2-40B4-BE49-F238E27FC236}">
-                <a16:creationId xmlns:a16="http://schemas.microsoft.com/office/drawing/2014/main" id="{EF51E776-05D7-47A1-B283-913B4E25D327}"/>
-              </a:ext>
-            </a:extLst>
-          </p:cNvPr>
-          <p:cNvPicPr>
-            <a:picLocks noChangeAspect="1"/>
-          </p:cNvPicPr>
-          <p:nvPr/>
-        </p:nvPicPr>
-        <p:blipFill>
-          <a:blip r:embed="rId3"/>
-          <a:stretch>
-            <a:fillRect/>
-          </a:stretch>
-        </p:blipFill>
-        <p:spPr>
-          <a:xfrm>
-            <a:off x="7105806" y="5462631"/>
-            <a:ext cx="3653175" cy="871012"/>
-          </a:xfrm>
-          <a:prstGeom prst="rect">
-            <a:avLst/>
-          </a:prstGeom>
-        </p:spPr>
-      </p:pic>
-      <p:sp>
-        <p:nvSpPr>
-          <p:cNvPr id="7" name="TextBox 6">
-            <a:extLst>
-              <a:ext uri="{FF2B5EF4-FFF2-40B4-BE49-F238E27FC236}">
-                <a16:creationId xmlns:a16="http://schemas.microsoft.com/office/drawing/2014/main" id="{0AB9403B-A104-42BD-A4C8-96EF9C391F17}"/>
-              </a:ext>
-            </a:extLst>
-          </p:cNvPr>
-          <p:cNvSpPr txBox="1"/>
-          <p:nvPr/>
-        </p:nvSpPr>
-        <p:spPr>
-          <a:xfrm>
-            <a:off x="813139" y="1233443"/>
-            <a:ext cx="4863761" cy="4801314"/>
-          </a:xfrm>
-          <a:prstGeom prst="rect">
-            <a:avLst/>
-          </a:prstGeom>
-          <a:noFill/>
-        </p:spPr>
-        <p:txBody>
-          <a:bodyPr wrap="square" rtlCol="0">
-            <a:spAutoFit/>
-          </a:bodyPr>
-          <a:lstStyle/>
-          <a:p>
-            <a:pPr marL="285750" indent="-285750">
-              <a:buFont typeface="Arial" panose="020B0604020202020204" pitchFamily="34" charset="0"/>
-              <a:buChar char="•"/>
-            </a:pPr>
-            <a:r>
-              <a:rPr lang="sv-SE" dirty="0">
-                <a:solidFill>
-                  <a:schemeClr val="tx1">
-                    <a:lumMod val="65000"/>
-                    <a:lumOff val="35000"/>
-                  </a:schemeClr>
-                </a:solidFill>
-                <a:latin typeface="Gill Sans MT (Body)"/>
-                <a:cs typeface="Times New Roman" panose="02020603050405020304" pitchFamily="18" charset="0"/>
-              </a:rPr>
-              <a:t>Beräknade variabler som oftast utgår från data variabler. Ska returnera ett värde med </a:t>
-            </a:r>
-            <a:r>
-              <a:rPr lang="sv-SE" dirty="0" err="1">
-                <a:solidFill>
-                  <a:schemeClr val="tx2">
-                    <a:lumMod val="75000"/>
-                    <a:lumOff val="25000"/>
-                  </a:schemeClr>
-                </a:solidFill>
-                <a:latin typeface="Gill Sans MT (Body)"/>
-                <a:cs typeface="Times New Roman" panose="02020603050405020304" pitchFamily="18" charset="0"/>
-              </a:rPr>
-              <a:t>return</a:t>
-            </a:r>
-            <a:r>
-              <a:rPr lang="sv-SE" dirty="0">
-                <a:solidFill>
-                  <a:schemeClr val="tx1">
-                    <a:lumMod val="65000"/>
-                    <a:lumOff val="35000"/>
-                  </a:schemeClr>
-                </a:solidFill>
-                <a:latin typeface="Gill Sans MT (Body)"/>
-                <a:cs typeface="Times New Roman" panose="02020603050405020304" pitchFamily="18" charset="0"/>
-              </a:rPr>
-              <a:t>.</a:t>
-            </a:r>
-          </a:p>
-          <a:p>
-            <a:pPr marL="285750" indent="-285750">
-              <a:buFont typeface="Arial" panose="020B0604020202020204" pitchFamily="34" charset="0"/>
-              <a:buChar char="•"/>
-            </a:pPr>
-            <a:endParaRPr lang="sv-SE" dirty="0">
-              <a:solidFill>
-                <a:schemeClr val="tx1">
-                  <a:lumMod val="65000"/>
-                  <a:lumOff val="35000"/>
-                </a:schemeClr>
-              </a:solidFill>
-              <a:latin typeface="Gill Sans MT (Body)"/>
-              <a:cs typeface="Times New Roman" panose="02020603050405020304" pitchFamily="18" charset="0"/>
-            </a:endParaRPr>
-          </a:p>
-          <a:p>
-            <a:pPr marL="285750" indent="-285750">
-              <a:buFont typeface="Arial" panose="020B0604020202020204" pitchFamily="34" charset="0"/>
-              <a:buChar char="•"/>
-            </a:pPr>
-            <a:endParaRPr lang="sv-SE" dirty="0">
-              <a:solidFill>
-                <a:schemeClr val="tx1">
-                  <a:lumMod val="65000"/>
-                  <a:lumOff val="35000"/>
-                </a:schemeClr>
-              </a:solidFill>
-              <a:latin typeface="Gill Sans MT (Body)"/>
-              <a:cs typeface="Times New Roman" panose="02020603050405020304" pitchFamily="18" charset="0"/>
-            </a:endParaRPr>
-          </a:p>
-          <a:p>
-            <a:pPr marL="285750" indent="-285750">
-              <a:buFont typeface="Arial" panose="020B0604020202020204" pitchFamily="34" charset="0"/>
-              <a:buChar char="•"/>
-            </a:pPr>
-            <a:endParaRPr lang="sv-SE" dirty="0">
-              <a:solidFill>
-                <a:schemeClr val="tx1">
-                  <a:lumMod val="65000"/>
-                  <a:lumOff val="35000"/>
-                </a:schemeClr>
-              </a:solidFill>
-              <a:latin typeface="Gill Sans MT (Body)"/>
-              <a:cs typeface="Times New Roman" panose="02020603050405020304" pitchFamily="18" charset="0"/>
-            </a:endParaRPr>
-          </a:p>
-          <a:p>
-            <a:pPr marL="285750" indent="-285750">
-              <a:buFont typeface="Arial" panose="020B0604020202020204" pitchFamily="34" charset="0"/>
-              <a:buChar char="•"/>
-            </a:pPr>
-            <a:r>
-              <a:rPr lang="sv-SE" dirty="0">
-                <a:solidFill>
-                  <a:schemeClr val="tx1">
-                    <a:lumMod val="65000"/>
-                    <a:lumOff val="35000"/>
-                  </a:schemeClr>
-                </a:solidFill>
-                <a:latin typeface="Gill Sans MT (Body)"/>
-                <a:cs typeface="Times New Roman" panose="02020603050405020304" pitchFamily="18" charset="0"/>
-              </a:rPr>
-              <a:t>Varje gång som en data variabel ändras så ändras också det beroende </a:t>
-            </a:r>
-            <a:r>
-              <a:rPr lang="sv-SE" dirty="0" err="1">
-                <a:solidFill>
-                  <a:schemeClr val="tx1">
-                    <a:lumMod val="65000"/>
-                    <a:lumOff val="35000"/>
-                  </a:schemeClr>
-                </a:solidFill>
-                <a:latin typeface="Gill Sans MT (Body)"/>
-                <a:cs typeface="Times New Roman" panose="02020603050405020304" pitchFamily="18" charset="0"/>
-              </a:rPr>
-              <a:t>computed</a:t>
-            </a:r>
-            <a:r>
-              <a:rPr lang="sv-SE" dirty="0">
-                <a:solidFill>
-                  <a:schemeClr val="tx1">
-                    <a:lumMod val="65000"/>
-                    <a:lumOff val="35000"/>
-                  </a:schemeClr>
-                </a:solidFill>
-                <a:latin typeface="Gill Sans MT (Body)"/>
-                <a:cs typeface="Times New Roman" panose="02020603050405020304" pitchFamily="18" charset="0"/>
-              </a:rPr>
-              <a:t> variabeln.</a:t>
-            </a:r>
-          </a:p>
-          <a:p>
-            <a:pPr marL="285750" indent="-285750">
-              <a:buFont typeface="Arial" panose="020B0604020202020204" pitchFamily="34" charset="0"/>
-              <a:buChar char="•"/>
-            </a:pPr>
-            <a:endParaRPr lang="sv-SE" dirty="0">
-              <a:solidFill>
-                <a:schemeClr val="tx1">
-                  <a:lumMod val="65000"/>
-                  <a:lumOff val="35000"/>
-                </a:schemeClr>
-              </a:solidFill>
-              <a:latin typeface="Gill Sans MT (Body)"/>
-              <a:cs typeface="Times New Roman" panose="02020603050405020304" pitchFamily="18" charset="0"/>
-            </a:endParaRPr>
-          </a:p>
-          <a:p>
-            <a:pPr marL="285750" indent="-285750">
-              <a:buFont typeface="Arial" panose="020B0604020202020204" pitchFamily="34" charset="0"/>
-              <a:buChar char="•"/>
-            </a:pPr>
-            <a:endParaRPr lang="sv-SE" dirty="0">
-              <a:solidFill>
-                <a:schemeClr val="tx1">
-                  <a:lumMod val="65000"/>
-                  <a:lumOff val="35000"/>
-                </a:schemeClr>
-              </a:solidFill>
-              <a:latin typeface="Gill Sans MT (Body)"/>
-              <a:cs typeface="Times New Roman" panose="02020603050405020304" pitchFamily="18" charset="0"/>
-            </a:endParaRPr>
-          </a:p>
-          <a:p>
-            <a:pPr marL="285750" indent="-285750">
-              <a:buFont typeface="Arial" panose="020B0604020202020204" pitchFamily="34" charset="0"/>
-              <a:buChar char="•"/>
-            </a:pPr>
-            <a:r>
-              <a:rPr lang="sv-SE" dirty="0">
-                <a:solidFill>
-                  <a:schemeClr val="tx1">
-                    <a:lumMod val="65000"/>
-                    <a:lumOff val="35000"/>
-                  </a:schemeClr>
-                </a:solidFill>
-                <a:latin typeface="Gill Sans MT (Body)"/>
-                <a:cs typeface="Times New Roman" panose="02020603050405020304" pitchFamily="18" charset="0"/>
-              </a:rPr>
-              <a:t>I exemplet så när </a:t>
-            </a:r>
-            <a:r>
-              <a:rPr lang="sv-SE" dirty="0" err="1">
-                <a:solidFill>
-                  <a:schemeClr val="tx2">
-                    <a:lumMod val="75000"/>
-                    <a:lumOff val="25000"/>
-                  </a:schemeClr>
-                </a:solidFill>
-                <a:latin typeface="Gill Sans MT (Body)"/>
-                <a:cs typeface="Times New Roman" panose="02020603050405020304" pitchFamily="18" charset="0"/>
-              </a:rPr>
-              <a:t>message</a:t>
-            </a:r>
-            <a:r>
-              <a:rPr lang="sv-SE" dirty="0">
-                <a:solidFill>
-                  <a:schemeClr val="tx1">
-                    <a:lumMod val="65000"/>
-                    <a:lumOff val="35000"/>
-                  </a:schemeClr>
-                </a:solidFill>
-                <a:latin typeface="Gill Sans MT (Body)"/>
-                <a:cs typeface="Times New Roman" panose="02020603050405020304" pitchFamily="18" charset="0"/>
-              </a:rPr>
-              <a:t> variabeln ändras så ändras även </a:t>
-            </a:r>
-            <a:r>
-              <a:rPr lang="sv-SE" dirty="0" err="1">
-                <a:solidFill>
-                  <a:schemeClr val="tx2">
-                    <a:lumMod val="75000"/>
-                    <a:lumOff val="25000"/>
-                  </a:schemeClr>
-                </a:solidFill>
-                <a:latin typeface="Gill Sans MT (Body)"/>
-                <a:cs typeface="Times New Roman" panose="02020603050405020304" pitchFamily="18" charset="0"/>
-              </a:rPr>
-              <a:t>reversedMessage</a:t>
-            </a:r>
-            <a:r>
-              <a:rPr lang="sv-SE" dirty="0">
-                <a:solidFill>
-                  <a:schemeClr val="tx1">
-                    <a:lumMod val="65000"/>
-                    <a:lumOff val="35000"/>
-                  </a:schemeClr>
-                </a:solidFill>
-                <a:latin typeface="Gill Sans MT (Body)"/>
-                <a:cs typeface="Times New Roman" panose="02020603050405020304" pitchFamily="18" charset="0"/>
-              </a:rPr>
-              <a:t> automatiskt.</a:t>
-            </a:r>
-          </a:p>
-          <a:p>
-            <a:pPr marL="285750" indent="-285750">
-              <a:buFont typeface="Arial" panose="020B0604020202020204" pitchFamily="34" charset="0"/>
-              <a:buChar char="•"/>
-            </a:pPr>
-            <a:endParaRPr lang="sv-SE" dirty="0">
-              <a:solidFill>
-                <a:schemeClr val="tx1">
-                  <a:lumMod val="65000"/>
-                  <a:lumOff val="35000"/>
-                </a:schemeClr>
-              </a:solidFill>
-              <a:latin typeface="Gill Sans MT (Body)"/>
-              <a:cs typeface="Times New Roman" panose="02020603050405020304" pitchFamily="18" charset="0"/>
-            </a:endParaRPr>
-          </a:p>
-          <a:p>
-            <a:pPr marL="285750" indent="-285750">
-              <a:buFont typeface="Arial" panose="020B0604020202020204" pitchFamily="34" charset="0"/>
-              <a:buChar char="•"/>
-            </a:pPr>
-            <a:endParaRPr lang="sv-SE" dirty="0">
-              <a:solidFill>
-                <a:schemeClr val="tx1">
-                  <a:lumMod val="65000"/>
-                  <a:lumOff val="35000"/>
-                </a:schemeClr>
-              </a:solidFill>
-              <a:latin typeface="Gill Sans MT (Body)"/>
-              <a:cs typeface="Times New Roman" panose="02020603050405020304" pitchFamily="18" charset="0"/>
-            </a:endParaRPr>
-          </a:p>
-          <a:p>
-            <a:pPr marL="285750" indent="-285750">
-              <a:buFont typeface="Arial" panose="020B0604020202020204" pitchFamily="34" charset="0"/>
-              <a:buChar char="•"/>
-            </a:pPr>
-            <a:endParaRPr lang="sv-SE" dirty="0">
-              <a:solidFill>
-                <a:schemeClr val="tx1">
-                  <a:lumMod val="65000"/>
-                  <a:lumOff val="35000"/>
-                </a:schemeClr>
-              </a:solidFill>
-              <a:latin typeface="Gill Sans MT (Body)"/>
-              <a:cs typeface="Times New Roman" panose="02020603050405020304" pitchFamily="18" charset="0"/>
-            </a:endParaRPr>
-          </a:p>
-          <a:p>
-            <a:pPr marL="285750" indent="-285750">
-              <a:buFont typeface="Arial" panose="020B0604020202020204" pitchFamily="34" charset="0"/>
-              <a:buChar char="•"/>
-            </a:pPr>
-            <a:r>
-              <a:rPr lang="sv-SE" dirty="0">
-                <a:solidFill>
-                  <a:schemeClr val="tx1">
-                    <a:lumMod val="65000"/>
-                    <a:lumOff val="35000"/>
-                  </a:schemeClr>
-                </a:solidFill>
-                <a:latin typeface="Gill Sans MT (Body)"/>
-                <a:cs typeface="Times New Roman" panose="02020603050405020304" pitchFamily="18" charset="0"/>
-              </a:rPr>
-              <a:t>Deklareras i </a:t>
-            </a:r>
-            <a:r>
-              <a:rPr lang="sv-SE" dirty="0" err="1">
-                <a:solidFill>
-                  <a:schemeClr val="tx2">
-                    <a:lumMod val="75000"/>
-                    <a:lumOff val="25000"/>
-                  </a:schemeClr>
-                </a:solidFill>
-                <a:latin typeface="Gill Sans MT (Body)"/>
-                <a:cs typeface="Times New Roman" panose="02020603050405020304" pitchFamily="18" charset="0"/>
-              </a:rPr>
-              <a:t>computed</a:t>
-            </a:r>
-            <a:r>
-              <a:rPr lang="sv-SE" dirty="0">
-                <a:solidFill>
-                  <a:schemeClr val="tx2">
-                    <a:lumMod val="75000"/>
-                    <a:lumOff val="25000"/>
-                  </a:schemeClr>
-                </a:solidFill>
-                <a:latin typeface="Gill Sans MT (Body)"/>
-                <a:cs typeface="Times New Roman" panose="02020603050405020304" pitchFamily="18" charset="0"/>
-              </a:rPr>
-              <a:t>: {…}</a:t>
-            </a:r>
-            <a:r>
-              <a:rPr lang="sv-SE" dirty="0">
-                <a:solidFill>
-                  <a:schemeClr val="tx1">
-                    <a:lumMod val="65000"/>
-                    <a:lumOff val="35000"/>
-                  </a:schemeClr>
-                </a:solidFill>
-                <a:latin typeface="Gill Sans MT (Body)"/>
-                <a:cs typeface="Times New Roman" panose="02020603050405020304" pitchFamily="18" charset="0"/>
-              </a:rPr>
-              <a:t> sektionen.</a:t>
-            </a:r>
-            <a:br>
-              <a:rPr lang="sv-SE" dirty="0">
-                <a:solidFill>
-                  <a:schemeClr val="tx1">
-                    <a:lumMod val="65000"/>
-                    <a:lumOff val="35000"/>
-                  </a:schemeClr>
-                </a:solidFill>
-                <a:latin typeface="Gill Sans MT (Body)"/>
-                <a:cs typeface="Times New Roman" panose="02020603050405020304" pitchFamily="18" charset="0"/>
-              </a:rPr>
-            </a:br>
-            <a:endParaRPr lang="sv-SE" dirty="0">
-              <a:solidFill>
-                <a:schemeClr val="tx1">
-                  <a:lumMod val="65000"/>
-                  <a:lumOff val="35000"/>
-                </a:schemeClr>
-              </a:solidFill>
-              <a:latin typeface="Gill Sans MT (Body)"/>
-              <a:cs typeface="Times New Roman" panose="02020603050405020304" pitchFamily="18" charset="0"/>
-            </a:endParaRPr>
-          </a:p>
-        </p:txBody>
-      </p:sp>
-    </p:spTree>
-    <p:extLst>
-      <p:ext uri="{BB962C8B-B14F-4D97-AF65-F5344CB8AC3E}">
-        <p14:creationId xmlns:p14="http://schemas.microsoft.com/office/powerpoint/2010/main" val="153036209"/>
-      </p:ext>
-    </p:extLst>
-  </p:cSld>
-  <p:clrMapOvr>
-    <a:masterClrMapping/>
-  </p:clrMapOvr>
-</p:sld>
-</file>
-
-<file path=ppt/slides/slide13.xml><?xml version="1.0" encoding="utf-8"?>
-<p:sld xmlns:a="http://schemas.openxmlformats.org/drawingml/2006/main" xmlns:r="http://schemas.openxmlformats.org/officeDocument/2006/relationships" xmlns:p="http://schemas.openxmlformats.org/presentationml/2006/main">
-  <p:cSld>
-    <p:spTree>
-      <p:nvGrpSpPr>
-        <p:cNvPr id="1" name=""/>
-        <p:cNvGrpSpPr/>
-        <p:nvPr/>
-      </p:nvGrpSpPr>
-      <p:grpSpPr>
-        <a:xfrm>
-          <a:off x="0" y="0"/>
-          <a:ext cx="0" cy="0"/>
-          <a:chOff x="0" y="0"/>
-          <a:chExt cx="0" cy="0"/>
-        </a:xfrm>
-      </p:grpSpPr>
-      <p:sp>
-        <p:nvSpPr>
-          <p:cNvPr id="2" name="Title 1">
-            <a:extLst>
-              <a:ext uri="{FF2B5EF4-FFF2-40B4-BE49-F238E27FC236}">
-                <a16:creationId xmlns:a16="http://schemas.microsoft.com/office/drawing/2014/main" id="{8EDAE078-3CB3-4D1F-8E4E-75C6D5DA8D1A}"/>
-              </a:ext>
-            </a:extLst>
-          </p:cNvPr>
-          <p:cNvSpPr>
-            <a:spLocks noGrp="1"/>
-          </p:cNvSpPr>
-          <p:nvPr>
-            <p:ph type="title"/>
-          </p:nvPr>
-        </p:nvSpPr>
-        <p:spPr>
-          <a:xfrm>
-            <a:off x="1203434" y="382385"/>
-            <a:ext cx="10893973" cy="596023"/>
-          </a:xfrm>
-        </p:spPr>
-        <p:txBody>
-          <a:bodyPr>
-            <a:normAutofit fontScale="90000"/>
-          </a:bodyPr>
-          <a:lstStyle/>
-          <a:p>
-            <a:pPr algn="ctr"/>
-            <a:r>
-              <a:rPr lang="en-US" sz="4000" dirty="0">
-                <a:latin typeface="Gill Sans MT (Body)"/>
-              </a:rPr>
-              <a:t>Watchers</a:t>
-            </a:r>
-          </a:p>
-        </p:txBody>
-      </p:sp>
-      <p:pic>
-        <p:nvPicPr>
-          <p:cNvPr id="8" name="Picture 7">
-            <a:extLst>
-              <a:ext uri="{FF2B5EF4-FFF2-40B4-BE49-F238E27FC236}">
-                <a16:creationId xmlns:a16="http://schemas.microsoft.com/office/drawing/2014/main" id="{FAE11B17-782F-4677-956C-6AB77CCFD62E}"/>
-              </a:ext>
-            </a:extLst>
-          </p:cNvPr>
-          <p:cNvPicPr>
-            <a:picLocks noChangeAspect="1"/>
-          </p:cNvPicPr>
-          <p:nvPr/>
-        </p:nvPicPr>
-        <p:blipFill>
-          <a:blip r:embed="rId2"/>
-          <a:stretch>
-            <a:fillRect/>
-          </a:stretch>
-        </p:blipFill>
-        <p:spPr>
-          <a:xfrm>
-            <a:off x="6895731" y="1300118"/>
-            <a:ext cx="6347430" cy="4482137"/>
-          </a:xfrm>
-          <a:prstGeom prst="rect">
-            <a:avLst/>
-          </a:prstGeom>
-        </p:spPr>
-      </p:pic>
-      <p:sp>
-        <p:nvSpPr>
-          <p:cNvPr id="4" name="TextBox 3">
-            <a:extLst>
-              <a:ext uri="{FF2B5EF4-FFF2-40B4-BE49-F238E27FC236}">
-                <a16:creationId xmlns:a16="http://schemas.microsoft.com/office/drawing/2014/main" id="{02FD3371-E4E8-4BCA-BA09-2BD1301FDB7A}"/>
-              </a:ext>
-            </a:extLst>
-          </p:cNvPr>
-          <p:cNvSpPr txBox="1"/>
-          <p:nvPr/>
-        </p:nvSpPr>
-        <p:spPr>
-          <a:xfrm>
-            <a:off x="1041739" y="1300118"/>
-            <a:ext cx="5578136" cy="3139321"/>
-          </a:xfrm>
-          <a:prstGeom prst="rect">
-            <a:avLst/>
-          </a:prstGeom>
-          <a:noFill/>
-        </p:spPr>
-        <p:txBody>
-          <a:bodyPr wrap="square" rtlCol="0">
-            <a:spAutoFit/>
-          </a:bodyPr>
-          <a:lstStyle/>
-          <a:p>
-            <a:pPr marL="285750" indent="-285750">
-              <a:buFont typeface="Arial" panose="020B0604020202020204" pitchFamily="34" charset="0"/>
-              <a:buChar char="•"/>
-            </a:pPr>
-            <a:r>
-              <a:rPr lang="sv-SE" dirty="0" err="1">
-                <a:solidFill>
-                  <a:schemeClr val="tx1">
-                    <a:lumMod val="65000"/>
-                    <a:lumOff val="35000"/>
-                  </a:schemeClr>
-                </a:solidFill>
-                <a:latin typeface="Gill Sans MT (Body)"/>
-                <a:cs typeface="Times New Roman" panose="02020603050405020304" pitchFamily="18" charset="0"/>
-              </a:rPr>
-              <a:t>Watchers</a:t>
-            </a:r>
-            <a:r>
-              <a:rPr lang="sv-SE" dirty="0">
-                <a:solidFill>
-                  <a:schemeClr val="tx1">
-                    <a:lumMod val="65000"/>
-                    <a:lumOff val="35000"/>
-                  </a:schemeClr>
-                </a:solidFill>
-                <a:latin typeface="Gill Sans MT (Body)"/>
-                <a:cs typeface="Times New Roman" panose="02020603050405020304" pitchFamily="18" charset="0"/>
-              </a:rPr>
-              <a:t> håller koll på en data variabel och varje gång den ändras körs en funktion som får in det ändrade värdet.</a:t>
-            </a:r>
-          </a:p>
-          <a:p>
-            <a:endParaRPr lang="sv-SE" dirty="0">
-              <a:solidFill>
-                <a:schemeClr val="tx1">
-                  <a:lumMod val="65000"/>
-                  <a:lumOff val="35000"/>
-                </a:schemeClr>
-              </a:solidFill>
-              <a:latin typeface="Gill Sans MT (Body)"/>
-              <a:cs typeface="Times New Roman" panose="02020603050405020304" pitchFamily="18" charset="0"/>
-            </a:endParaRPr>
-          </a:p>
-          <a:p>
-            <a:pPr marL="285750" indent="-285750">
-              <a:buFont typeface="Arial" panose="020B0604020202020204" pitchFamily="34" charset="0"/>
-              <a:buChar char="•"/>
-            </a:pPr>
-            <a:r>
-              <a:rPr lang="sv-SE" dirty="0">
-                <a:solidFill>
-                  <a:schemeClr val="tx1">
-                    <a:lumMod val="65000"/>
-                    <a:lumOff val="35000"/>
-                  </a:schemeClr>
-                </a:solidFill>
-                <a:latin typeface="Gill Sans MT (Body)"/>
-                <a:cs typeface="Times New Roman" panose="02020603050405020304" pitchFamily="18" charset="0"/>
-              </a:rPr>
-              <a:t>I exemplet så uppdateras </a:t>
-            </a:r>
-            <a:r>
-              <a:rPr lang="sv-SE" dirty="0" err="1">
-                <a:solidFill>
-                  <a:schemeClr val="tx2">
-                    <a:lumMod val="75000"/>
-                    <a:lumOff val="25000"/>
-                  </a:schemeClr>
-                </a:solidFill>
-                <a:latin typeface="Gill Sans MT (Body)"/>
-                <a:cs typeface="Times New Roman" panose="02020603050405020304" pitchFamily="18" charset="0"/>
-              </a:rPr>
-              <a:t>fullName</a:t>
-            </a:r>
-            <a:r>
-              <a:rPr lang="sv-SE" dirty="0">
-                <a:solidFill>
-                  <a:schemeClr val="tx1">
-                    <a:lumMod val="65000"/>
-                    <a:lumOff val="35000"/>
-                  </a:schemeClr>
-                </a:solidFill>
-                <a:latin typeface="Gill Sans MT (Body)"/>
-                <a:cs typeface="Times New Roman" panose="02020603050405020304" pitchFamily="18" charset="0"/>
-              </a:rPr>
-              <a:t> när </a:t>
-            </a:r>
-            <a:r>
-              <a:rPr lang="sv-SE" dirty="0" err="1">
-                <a:solidFill>
-                  <a:schemeClr val="tx2">
-                    <a:lumMod val="75000"/>
-                    <a:lumOff val="25000"/>
-                  </a:schemeClr>
-                </a:solidFill>
-                <a:latin typeface="Gill Sans MT (Body)"/>
-                <a:cs typeface="Times New Roman" panose="02020603050405020304" pitchFamily="18" charset="0"/>
-              </a:rPr>
-              <a:t>firstName</a:t>
-            </a:r>
-            <a:r>
-              <a:rPr lang="sv-SE" dirty="0">
-                <a:solidFill>
-                  <a:schemeClr val="tx1">
-                    <a:lumMod val="65000"/>
-                    <a:lumOff val="35000"/>
-                  </a:schemeClr>
-                </a:solidFill>
-                <a:latin typeface="Gill Sans MT (Body)"/>
-                <a:cs typeface="Times New Roman" panose="02020603050405020304" pitchFamily="18" charset="0"/>
-              </a:rPr>
-              <a:t> och </a:t>
-            </a:r>
-            <a:r>
-              <a:rPr lang="sv-SE" dirty="0" err="1">
-                <a:solidFill>
-                  <a:schemeClr val="tx2">
-                    <a:lumMod val="75000"/>
-                    <a:lumOff val="25000"/>
-                  </a:schemeClr>
-                </a:solidFill>
-                <a:latin typeface="Gill Sans MT (Body)"/>
-                <a:cs typeface="Times New Roman" panose="02020603050405020304" pitchFamily="18" charset="0"/>
-              </a:rPr>
-              <a:t>lastName</a:t>
-            </a:r>
-            <a:r>
-              <a:rPr lang="sv-SE" dirty="0">
-                <a:solidFill>
-                  <a:schemeClr val="tx1">
-                    <a:lumMod val="65000"/>
-                    <a:lumOff val="35000"/>
-                  </a:schemeClr>
-                </a:solidFill>
-                <a:latin typeface="Gill Sans MT (Body)"/>
-                <a:cs typeface="Times New Roman" panose="02020603050405020304" pitchFamily="18" charset="0"/>
-              </a:rPr>
-              <a:t> data variablerna ändras.</a:t>
-            </a:r>
-          </a:p>
-          <a:p>
-            <a:endParaRPr lang="sv-SE" dirty="0">
-              <a:solidFill>
-                <a:schemeClr val="tx1">
-                  <a:lumMod val="65000"/>
-                  <a:lumOff val="35000"/>
-                </a:schemeClr>
-              </a:solidFill>
-              <a:latin typeface="Gill Sans MT (Body)"/>
-              <a:cs typeface="Times New Roman" panose="02020603050405020304" pitchFamily="18" charset="0"/>
-            </a:endParaRPr>
-          </a:p>
-          <a:p>
-            <a:pPr marL="285750" indent="-285750">
-              <a:buFont typeface="Arial" panose="020B0604020202020204" pitchFamily="34" charset="0"/>
-              <a:buChar char="•"/>
-            </a:pPr>
-            <a:r>
-              <a:rPr lang="sv-SE" dirty="0">
-                <a:solidFill>
-                  <a:schemeClr val="tx1">
-                    <a:lumMod val="65000"/>
-                    <a:lumOff val="35000"/>
-                  </a:schemeClr>
-                </a:solidFill>
-                <a:latin typeface="Gill Sans MT (Body)"/>
-                <a:cs typeface="Times New Roman" panose="02020603050405020304" pitchFamily="18" charset="0"/>
-              </a:rPr>
-              <a:t>Deklareras i </a:t>
-            </a:r>
-            <a:r>
-              <a:rPr lang="sv-SE" dirty="0" err="1">
-                <a:solidFill>
-                  <a:schemeClr val="tx2">
-                    <a:lumMod val="75000"/>
-                    <a:lumOff val="25000"/>
-                  </a:schemeClr>
-                </a:solidFill>
-                <a:latin typeface="Gill Sans MT (Body)"/>
-                <a:cs typeface="Times New Roman" panose="02020603050405020304" pitchFamily="18" charset="0"/>
-              </a:rPr>
-              <a:t>watch</a:t>
-            </a:r>
-            <a:r>
-              <a:rPr lang="sv-SE" dirty="0">
-                <a:solidFill>
-                  <a:schemeClr val="tx2">
-                    <a:lumMod val="75000"/>
-                    <a:lumOff val="25000"/>
-                  </a:schemeClr>
-                </a:solidFill>
-                <a:latin typeface="Gill Sans MT (Body)"/>
-                <a:cs typeface="Times New Roman" panose="02020603050405020304" pitchFamily="18" charset="0"/>
-              </a:rPr>
-              <a:t>: {…}</a:t>
-            </a:r>
-            <a:r>
-              <a:rPr lang="sv-SE" dirty="0">
-                <a:solidFill>
-                  <a:schemeClr val="tx1">
-                    <a:lumMod val="65000"/>
-                    <a:lumOff val="35000"/>
-                  </a:schemeClr>
-                </a:solidFill>
-                <a:latin typeface="Gill Sans MT (Body)"/>
-                <a:cs typeface="Times New Roman" panose="02020603050405020304" pitchFamily="18" charset="0"/>
-              </a:rPr>
-              <a:t> sektionen.</a:t>
-            </a:r>
-            <a:br>
-              <a:rPr lang="sv-SE" dirty="0">
-                <a:solidFill>
-                  <a:schemeClr val="tx1">
-                    <a:lumMod val="65000"/>
-                    <a:lumOff val="35000"/>
-                  </a:schemeClr>
-                </a:solidFill>
-                <a:latin typeface="Gill Sans MT (Body)"/>
-                <a:cs typeface="Times New Roman" panose="02020603050405020304" pitchFamily="18" charset="0"/>
-              </a:rPr>
-            </a:br>
-            <a:endParaRPr lang="sv-SE" dirty="0">
-              <a:solidFill>
-                <a:schemeClr val="tx1">
-                  <a:lumMod val="65000"/>
-                  <a:lumOff val="35000"/>
-                </a:schemeClr>
-              </a:solidFill>
-              <a:latin typeface="Gill Sans MT (Body)"/>
-              <a:cs typeface="Times New Roman" panose="02020603050405020304" pitchFamily="18" charset="0"/>
-            </a:endParaRPr>
-          </a:p>
-          <a:p>
-            <a:pPr marL="285750" indent="-285750">
-              <a:buFont typeface="Arial" panose="020B0604020202020204" pitchFamily="34" charset="0"/>
-              <a:buChar char="•"/>
-            </a:pPr>
-            <a:r>
-              <a:rPr lang="sv-SE" dirty="0">
-                <a:solidFill>
-                  <a:schemeClr val="tx1">
-                    <a:lumMod val="65000"/>
-                    <a:lumOff val="35000"/>
-                  </a:schemeClr>
-                </a:solidFill>
-                <a:latin typeface="Gill Sans MT (Body)"/>
-                <a:cs typeface="Times New Roman" panose="02020603050405020304" pitchFamily="18" charset="0"/>
-              </a:rPr>
-              <a:t>Väldigt bra att använda när man ska implementera sök-fält som tex Google.</a:t>
-            </a:r>
-          </a:p>
-        </p:txBody>
-      </p:sp>
-      <p:pic>
-        <p:nvPicPr>
-          <p:cNvPr id="3" name="Picture 2">
-            <a:extLst>
-              <a:ext uri="{FF2B5EF4-FFF2-40B4-BE49-F238E27FC236}">
-                <a16:creationId xmlns:a16="http://schemas.microsoft.com/office/drawing/2014/main" id="{1F52AF88-63C6-40CB-97C1-639D2AFA5827}"/>
-              </a:ext>
-            </a:extLst>
-          </p:cNvPr>
-          <p:cNvPicPr>
-            <a:picLocks noChangeAspect="1"/>
-          </p:cNvPicPr>
-          <p:nvPr/>
-        </p:nvPicPr>
-        <p:blipFill>
-          <a:blip r:embed="rId3"/>
-          <a:stretch>
-            <a:fillRect/>
-          </a:stretch>
-        </p:blipFill>
-        <p:spPr>
-          <a:xfrm>
-            <a:off x="1411413" y="4366044"/>
-            <a:ext cx="4435224" cy="2491956"/>
-          </a:xfrm>
-          <a:prstGeom prst="rect">
-            <a:avLst/>
-          </a:prstGeom>
-        </p:spPr>
-      </p:pic>
-    </p:spTree>
-    <p:extLst>
-      <p:ext uri="{BB962C8B-B14F-4D97-AF65-F5344CB8AC3E}">
-        <p14:creationId xmlns:p14="http://schemas.microsoft.com/office/powerpoint/2010/main" val="528661781"/>
-      </p:ext>
-    </p:extLst>
-  </p:cSld>
-  <p:clrMapOvr>
-    <a:masterClrMapping/>
-  </p:clrMapOvr>
-</p:sld>
-</file>
-
-<file path=ppt/slides/slide14.xml><?xml version="1.0" encoding="utf-8"?>
-<p:sld xmlns:a="http://schemas.openxmlformats.org/drawingml/2006/main" xmlns:r="http://schemas.openxmlformats.org/officeDocument/2006/relationships" xmlns:p="http://schemas.openxmlformats.org/presentationml/2006/main">
-  <p:cSld>
-    <p:spTree>
-      <p:nvGrpSpPr>
-        <p:cNvPr id="1" name=""/>
-        <p:cNvGrpSpPr/>
-        <p:nvPr/>
-      </p:nvGrpSpPr>
-      <p:grpSpPr>
-        <a:xfrm>
-          <a:off x="0" y="0"/>
-          <a:ext cx="0" cy="0"/>
-          <a:chOff x="0" y="0"/>
-          <a:chExt cx="0" cy="0"/>
-        </a:xfrm>
-      </p:grpSpPr>
-      <p:sp>
-        <p:nvSpPr>
-          <p:cNvPr id="2" name="Title 1">
-            <a:extLst>
-              <a:ext uri="{FF2B5EF4-FFF2-40B4-BE49-F238E27FC236}">
-                <a16:creationId xmlns:a16="http://schemas.microsoft.com/office/drawing/2014/main" id="{8EDAE078-3CB3-4D1F-8E4E-75C6D5DA8D1A}"/>
-              </a:ext>
-            </a:extLst>
-          </p:cNvPr>
-          <p:cNvSpPr>
-            <a:spLocks noGrp="1"/>
-          </p:cNvSpPr>
-          <p:nvPr>
-            <p:ph type="title"/>
-          </p:nvPr>
-        </p:nvSpPr>
-        <p:spPr>
-          <a:xfrm>
-            <a:off x="1203433" y="136828"/>
-            <a:ext cx="10893973" cy="596023"/>
-          </a:xfrm>
-        </p:spPr>
-        <p:txBody>
-          <a:bodyPr>
-            <a:normAutofit fontScale="90000"/>
-          </a:bodyPr>
-          <a:lstStyle/>
-          <a:p>
-            <a:pPr algn="ctr"/>
-            <a:r>
-              <a:rPr lang="en-US" sz="4000" dirty="0">
-                <a:latin typeface="Gill Sans MT (Body)"/>
-              </a:rPr>
-              <a:t>Class binding</a:t>
-            </a:r>
-          </a:p>
-        </p:txBody>
-      </p:sp>
-      <p:pic>
-        <p:nvPicPr>
-          <p:cNvPr id="5" name="Picture 4">
-            <a:extLst>
-              <a:ext uri="{FF2B5EF4-FFF2-40B4-BE49-F238E27FC236}">
-                <a16:creationId xmlns:a16="http://schemas.microsoft.com/office/drawing/2014/main" id="{16CCF429-9D2B-4E83-A2E6-BD04525D6DC3}"/>
-              </a:ext>
-            </a:extLst>
-          </p:cNvPr>
-          <p:cNvPicPr>
-            <a:picLocks noChangeAspect="1"/>
-          </p:cNvPicPr>
-          <p:nvPr/>
-        </p:nvPicPr>
-        <p:blipFill>
-          <a:blip r:embed="rId2"/>
-          <a:stretch>
-            <a:fillRect/>
-          </a:stretch>
-        </p:blipFill>
-        <p:spPr>
-          <a:xfrm>
-            <a:off x="945187" y="2432482"/>
-            <a:ext cx="5954530" cy="3631841"/>
-          </a:xfrm>
-          <a:prstGeom prst="rect">
-            <a:avLst/>
-          </a:prstGeom>
-        </p:spPr>
-      </p:pic>
-      <p:pic>
-        <p:nvPicPr>
-          <p:cNvPr id="4" name="Picture 3">
-            <a:extLst>
-              <a:ext uri="{FF2B5EF4-FFF2-40B4-BE49-F238E27FC236}">
-                <a16:creationId xmlns:a16="http://schemas.microsoft.com/office/drawing/2014/main" id="{46C78681-B4C7-4516-BCB8-CC048384EFC9}"/>
-              </a:ext>
-            </a:extLst>
-          </p:cNvPr>
-          <p:cNvPicPr>
-            <a:picLocks noChangeAspect="1"/>
-          </p:cNvPicPr>
-          <p:nvPr/>
-        </p:nvPicPr>
-        <p:blipFill>
-          <a:blip r:embed="rId3"/>
-          <a:stretch>
-            <a:fillRect/>
-          </a:stretch>
-        </p:blipFill>
-        <p:spPr>
-          <a:xfrm>
-            <a:off x="6828123" y="2432482"/>
-            <a:ext cx="5291449" cy="1855443"/>
-          </a:xfrm>
-          <a:prstGeom prst="rect">
-            <a:avLst/>
-          </a:prstGeom>
-        </p:spPr>
-      </p:pic>
-      <p:sp>
-        <p:nvSpPr>
-          <p:cNvPr id="9" name="TextBox 8">
-            <a:extLst>
-              <a:ext uri="{FF2B5EF4-FFF2-40B4-BE49-F238E27FC236}">
-                <a16:creationId xmlns:a16="http://schemas.microsoft.com/office/drawing/2014/main" id="{99CDBD65-7792-4A38-9673-BA0DBDEF02B5}"/>
-              </a:ext>
-            </a:extLst>
-          </p:cNvPr>
-          <p:cNvSpPr txBox="1"/>
-          <p:nvPr/>
-        </p:nvSpPr>
-        <p:spPr>
-          <a:xfrm>
-            <a:off x="1728131" y="671837"/>
-            <a:ext cx="9999049" cy="923330"/>
-          </a:xfrm>
-          <a:prstGeom prst="rect">
-            <a:avLst/>
-          </a:prstGeom>
-          <a:noFill/>
-        </p:spPr>
-        <p:txBody>
-          <a:bodyPr wrap="square" rtlCol="0">
-            <a:spAutoFit/>
-          </a:bodyPr>
-          <a:lstStyle/>
-          <a:p>
-            <a:pPr marL="285750" indent="-285750">
-              <a:buFont typeface="Arial" panose="020B0604020202020204" pitchFamily="34" charset="0"/>
-              <a:buChar char="•"/>
-            </a:pPr>
-            <a:r>
-              <a:rPr lang="sv-SE" dirty="0">
-                <a:solidFill>
-                  <a:schemeClr val="tx1">
-                    <a:lumMod val="65000"/>
-                    <a:lumOff val="35000"/>
-                  </a:schemeClr>
-                </a:solidFill>
-              </a:rPr>
-              <a:t>Class bindning tillåter oss applicera klasser på element om variablerna som kontrolleras är sanna.</a:t>
-            </a:r>
-          </a:p>
-          <a:p>
-            <a:pPr marL="285750" indent="-285750">
-              <a:buFont typeface="Arial" panose="020B0604020202020204" pitchFamily="34" charset="0"/>
-              <a:buChar char="•"/>
-            </a:pPr>
-            <a:endParaRPr lang="sv-SE" dirty="0">
-              <a:solidFill>
-                <a:schemeClr val="tx1">
-                  <a:lumMod val="65000"/>
-                  <a:lumOff val="35000"/>
-                </a:schemeClr>
-              </a:solidFill>
-            </a:endParaRPr>
-          </a:p>
-          <a:p>
-            <a:pPr marL="285750" indent="-285750">
-              <a:buFont typeface="Arial" panose="020B0604020202020204" pitchFamily="34" charset="0"/>
-              <a:buChar char="•"/>
-            </a:pPr>
-            <a:r>
-              <a:rPr lang="sv-SE" dirty="0">
-                <a:solidFill>
-                  <a:schemeClr val="tx1">
-                    <a:lumMod val="65000"/>
-                    <a:lumOff val="35000"/>
-                  </a:schemeClr>
-                </a:solidFill>
-              </a:rPr>
-              <a:t>Om </a:t>
-            </a:r>
-            <a:r>
-              <a:rPr lang="sv-SE" dirty="0" err="1">
-                <a:solidFill>
-                  <a:schemeClr val="tx2">
-                    <a:lumMod val="75000"/>
-                    <a:lumOff val="25000"/>
-                  </a:schemeClr>
-                </a:solidFill>
-              </a:rPr>
-              <a:t>isActive</a:t>
-            </a:r>
-            <a:r>
-              <a:rPr lang="sv-SE" dirty="0">
-                <a:solidFill>
-                  <a:schemeClr val="tx1">
-                    <a:lumMod val="65000"/>
-                    <a:lumOff val="35000"/>
-                  </a:schemeClr>
-                </a:solidFill>
-              </a:rPr>
-              <a:t> är sant, kommer klassen </a:t>
-            </a:r>
-            <a:r>
-              <a:rPr lang="sv-SE" dirty="0">
-                <a:solidFill>
-                  <a:schemeClr val="tx2">
-                    <a:lumMod val="75000"/>
-                    <a:lumOff val="25000"/>
-                  </a:schemeClr>
-                </a:solidFill>
-              </a:rPr>
-              <a:t>’</a:t>
-            </a:r>
-            <a:r>
-              <a:rPr lang="sv-SE" dirty="0" err="1">
-                <a:solidFill>
-                  <a:schemeClr val="tx2">
-                    <a:lumMod val="75000"/>
-                    <a:lumOff val="25000"/>
-                  </a:schemeClr>
-                </a:solidFill>
-              </a:rPr>
-              <a:t>active</a:t>
-            </a:r>
-            <a:r>
-              <a:rPr lang="sv-SE" dirty="0">
-                <a:solidFill>
-                  <a:schemeClr val="tx1">
-                    <a:lumMod val="65000"/>
-                    <a:lumOff val="35000"/>
-                  </a:schemeClr>
-                </a:solidFill>
-              </a:rPr>
-              <a:t>’ appliceras. Samma sak gäller för om </a:t>
-            </a:r>
-            <a:r>
-              <a:rPr lang="sv-SE" dirty="0" err="1">
-                <a:solidFill>
-                  <a:schemeClr val="tx2">
-                    <a:lumMod val="75000"/>
-                    <a:lumOff val="25000"/>
-                  </a:schemeClr>
-                </a:solidFill>
-              </a:rPr>
-              <a:t>hasError</a:t>
-            </a:r>
-            <a:r>
-              <a:rPr lang="sv-SE" dirty="0">
-                <a:solidFill>
-                  <a:schemeClr val="tx1">
-                    <a:lumMod val="65000"/>
-                    <a:lumOff val="35000"/>
-                  </a:schemeClr>
-                </a:solidFill>
-              </a:rPr>
-              <a:t> är sant.</a:t>
-            </a:r>
-          </a:p>
-        </p:txBody>
-      </p:sp>
-    </p:spTree>
-    <p:extLst>
-      <p:ext uri="{BB962C8B-B14F-4D97-AF65-F5344CB8AC3E}">
-        <p14:creationId xmlns:p14="http://schemas.microsoft.com/office/powerpoint/2010/main" val="876587191"/>
-      </p:ext>
-    </p:extLst>
-  </p:cSld>
-  <p:clrMapOvr>
-    <a:masterClrMapping/>
-  </p:clrMapOvr>
-</p:sld>
-</file>
-
-<file path=ppt/slides/slide15.xml><?xml version="1.0" encoding="utf-8"?>
-<p:sld xmlns:a="http://schemas.openxmlformats.org/drawingml/2006/main" xmlns:r="http://schemas.openxmlformats.org/officeDocument/2006/relationships" xmlns:p="http://schemas.openxmlformats.org/presentationml/2006/main">
-  <p:cSld>
-    <p:spTree>
-      <p:nvGrpSpPr>
-        <p:cNvPr id="1" name=""/>
-        <p:cNvGrpSpPr/>
-        <p:nvPr/>
-      </p:nvGrpSpPr>
-      <p:grpSpPr>
-        <a:xfrm>
-          <a:off x="0" y="0"/>
-          <a:ext cx="0" cy="0"/>
-          <a:chOff x="0" y="0"/>
-          <a:chExt cx="0" cy="0"/>
-        </a:xfrm>
-      </p:grpSpPr>
-      <p:sp>
-        <p:nvSpPr>
-          <p:cNvPr id="2" name="Title 1">
-            <a:extLst>
-              <a:ext uri="{FF2B5EF4-FFF2-40B4-BE49-F238E27FC236}">
-                <a16:creationId xmlns:a16="http://schemas.microsoft.com/office/drawing/2014/main" id="{8EDAE078-3CB3-4D1F-8E4E-75C6D5DA8D1A}"/>
-              </a:ext>
-            </a:extLst>
-          </p:cNvPr>
-          <p:cNvSpPr>
-            <a:spLocks noGrp="1"/>
-          </p:cNvSpPr>
-          <p:nvPr>
-            <p:ph type="title"/>
-          </p:nvPr>
-        </p:nvSpPr>
-        <p:spPr>
-          <a:xfrm>
-            <a:off x="1041509" y="134735"/>
-            <a:ext cx="10893973" cy="596023"/>
-          </a:xfrm>
-        </p:spPr>
-        <p:txBody>
-          <a:bodyPr>
-            <a:normAutofit fontScale="90000"/>
-          </a:bodyPr>
-          <a:lstStyle/>
-          <a:p>
-            <a:pPr algn="ctr"/>
-            <a:r>
-              <a:rPr lang="en-US" sz="4000" dirty="0">
-                <a:latin typeface="Gill Sans MT (Body)"/>
-              </a:rPr>
-              <a:t>Style binding</a:t>
-            </a:r>
-          </a:p>
-        </p:txBody>
-      </p:sp>
-      <p:pic>
-        <p:nvPicPr>
-          <p:cNvPr id="7" name="Picture 6">
-            <a:extLst>
-              <a:ext uri="{FF2B5EF4-FFF2-40B4-BE49-F238E27FC236}">
-                <a16:creationId xmlns:a16="http://schemas.microsoft.com/office/drawing/2014/main" id="{D2AF4823-9BA9-4472-B82C-1427113D71B5}"/>
-              </a:ext>
-            </a:extLst>
-          </p:cNvPr>
-          <p:cNvPicPr>
-            <a:picLocks noChangeAspect="1"/>
-          </p:cNvPicPr>
-          <p:nvPr/>
-        </p:nvPicPr>
-        <p:blipFill>
-          <a:blip r:embed="rId2"/>
-          <a:stretch>
-            <a:fillRect/>
-          </a:stretch>
-        </p:blipFill>
-        <p:spPr>
-          <a:xfrm>
-            <a:off x="5600408" y="1023937"/>
-            <a:ext cx="6715125" cy="4810125"/>
-          </a:xfrm>
-          <a:prstGeom prst="rect">
-            <a:avLst/>
-          </a:prstGeom>
-        </p:spPr>
-      </p:pic>
-      <p:sp>
-        <p:nvSpPr>
-          <p:cNvPr id="4" name="TextBox 3">
-            <a:extLst>
-              <a:ext uri="{FF2B5EF4-FFF2-40B4-BE49-F238E27FC236}">
-                <a16:creationId xmlns:a16="http://schemas.microsoft.com/office/drawing/2014/main" id="{65BEC0D4-5A9A-4E52-B67F-B133B96E20C0}"/>
-              </a:ext>
-            </a:extLst>
-          </p:cNvPr>
-          <p:cNvSpPr txBox="1"/>
-          <p:nvPr/>
-        </p:nvSpPr>
-        <p:spPr>
-          <a:xfrm>
-            <a:off x="922021" y="1023937"/>
-            <a:ext cx="4678387" cy="2862322"/>
-          </a:xfrm>
-          <a:prstGeom prst="rect">
-            <a:avLst/>
-          </a:prstGeom>
-          <a:noFill/>
-        </p:spPr>
-        <p:txBody>
-          <a:bodyPr wrap="square" rtlCol="0">
-            <a:spAutoFit/>
-          </a:bodyPr>
-          <a:lstStyle/>
-          <a:p>
-            <a:pPr marL="285750" indent="-285750">
-              <a:buFont typeface="Arial" panose="020B0604020202020204" pitchFamily="34" charset="0"/>
-              <a:buChar char="•"/>
-            </a:pPr>
-            <a:r>
-              <a:rPr lang="sv-SE" dirty="0">
-                <a:solidFill>
-                  <a:schemeClr val="tx1">
-                    <a:lumMod val="65000"/>
-                    <a:lumOff val="35000"/>
-                  </a:schemeClr>
-                </a:solidFill>
-                <a:latin typeface="Gill Sans MT (Body)"/>
-                <a:cs typeface="Times New Roman" panose="02020603050405020304" pitchFamily="18" charset="0"/>
-              </a:rPr>
-              <a:t>Vill man applicera </a:t>
-            </a:r>
-            <a:r>
-              <a:rPr lang="sv-SE" dirty="0" err="1">
-                <a:solidFill>
-                  <a:schemeClr val="tx1">
-                    <a:lumMod val="65000"/>
-                    <a:lumOff val="35000"/>
-                  </a:schemeClr>
-                </a:solidFill>
-                <a:latin typeface="Gill Sans MT (Body)"/>
-                <a:cs typeface="Times New Roman" panose="02020603050405020304" pitchFamily="18" charset="0"/>
-              </a:rPr>
-              <a:t>css-styles</a:t>
-            </a:r>
-            <a:r>
-              <a:rPr lang="sv-SE" dirty="0">
-                <a:solidFill>
-                  <a:schemeClr val="tx1">
-                    <a:lumMod val="65000"/>
-                    <a:lumOff val="35000"/>
-                  </a:schemeClr>
-                </a:solidFill>
-                <a:latin typeface="Gill Sans MT (Body)"/>
-                <a:cs typeface="Times New Roman" panose="02020603050405020304" pitchFamily="18" charset="0"/>
-              </a:rPr>
-              <a:t> på element med värden på data variabler kan man använda style-bindning.</a:t>
-            </a:r>
-          </a:p>
-          <a:p>
-            <a:pPr marL="285750" indent="-285750">
-              <a:buFont typeface="Arial" panose="020B0604020202020204" pitchFamily="34" charset="0"/>
-              <a:buChar char="•"/>
-            </a:pPr>
-            <a:endParaRPr lang="sv-SE" dirty="0">
-              <a:solidFill>
-                <a:schemeClr val="tx1">
-                  <a:lumMod val="65000"/>
-                  <a:lumOff val="35000"/>
-                </a:schemeClr>
-              </a:solidFill>
-              <a:latin typeface="Gill Sans MT (Body)"/>
-              <a:cs typeface="Times New Roman" panose="02020603050405020304" pitchFamily="18" charset="0"/>
-            </a:endParaRPr>
-          </a:p>
-          <a:p>
-            <a:pPr marL="285750" indent="-285750">
-              <a:buFont typeface="Arial" panose="020B0604020202020204" pitchFamily="34" charset="0"/>
-              <a:buChar char="•"/>
-            </a:pPr>
-            <a:endParaRPr lang="sv-SE" dirty="0">
-              <a:solidFill>
-                <a:schemeClr val="tx1">
-                  <a:lumMod val="65000"/>
-                  <a:lumOff val="35000"/>
-                </a:schemeClr>
-              </a:solidFill>
-              <a:latin typeface="Gill Sans MT (Body)"/>
-              <a:cs typeface="Times New Roman" panose="02020603050405020304" pitchFamily="18" charset="0"/>
-            </a:endParaRPr>
-          </a:p>
-          <a:p>
-            <a:pPr marL="285750" indent="-285750">
-              <a:buFont typeface="Arial" panose="020B0604020202020204" pitchFamily="34" charset="0"/>
-              <a:buChar char="•"/>
-            </a:pPr>
-            <a:r>
-              <a:rPr lang="sv-SE" dirty="0">
-                <a:solidFill>
-                  <a:schemeClr val="tx1">
-                    <a:lumMod val="65000"/>
-                    <a:lumOff val="35000"/>
-                  </a:schemeClr>
-                </a:solidFill>
-                <a:latin typeface="Gill Sans MT (Body)"/>
-                <a:cs typeface="Times New Roman" panose="02020603050405020304" pitchFamily="18" charset="0"/>
-              </a:rPr>
-              <a:t>Man binder till ett objekt med egenskaperna:</a:t>
-            </a:r>
-            <a:br>
-              <a:rPr lang="sv-SE" dirty="0">
-                <a:solidFill>
-                  <a:schemeClr val="tx1">
-                    <a:lumMod val="65000"/>
-                    <a:lumOff val="35000"/>
-                  </a:schemeClr>
-                </a:solidFill>
-                <a:latin typeface="Gill Sans MT (Body)"/>
-                <a:cs typeface="Times New Roman" panose="02020603050405020304" pitchFamily="18" charset="0"/>
-              </a:rPr>
-            </a:br>
-            <a:r>
-              <a:rPr lang="sv-SE" dirty="0">
-                <a:solidFill>
-                  <a:schemeClr val="tx1">
-                    <a:lumMod val="65000"/>
-                    <a:lumOff val="35000"/>
-                  </a:schemeClr>
-                </a:solidFill>
-                <a:latin typeface="Gill Sans MT (Body)"/>
-                <a:cs typeface="Times New Roman" panose="02020603050405020304" pitchFamily="18" charset="0"/>
-              </a:rPr>
-              <a:t>’</a:t>
-            </a:r>
-            <a:r>
-              <a:rPr lang="sv-SE" dirty="0">
-                <a:solidFill>
-                  <a:schemeClr val="tx2">
-                    <a:lumMod val="75000"/>
-                    <a:lumOff val="25000"/>
-                  </a:schemeClr>
-                </a:solidFill>
-                <a:latin typeface="Gill Sans MT (Body)"/>
-                <a:cs typeface="Times New Roman" panose="02020603050405020304" pitchFamily="18" charset="0"/>
-              </a:rPr>
-              <a:t>{</a:t>
-            </a:r>
-            <a:r>
-              <a:rPr lang="sv-SE" dirty="0" err="1">
-                <a:solidFill>
-                  <a:schemeClr val="tx2">
-                    <a:lumMod val="75000"/>
-                    <a:lumOff val="25000"/>
-                  </a:schemeClr>
-                </a:solidFill>
-                <a:latin typeface="Gill Sans MT (Body)"/>
-                <a:cs typeface="Times New Roman" panose="02020603050405020304" pitchFamily="18" charset="0"/>
-              </a:rPr>
-              <a:t>css</a:t>
-            </a:r>
-            <a:r>
-              <a:rPr lang="sv-SE" dirty="0">
-                <a:solidFill>
-                  <a:schemeClr val="tx2">
-                    <a:lumMod val="75000"/>
-                    <a:lumOff val="25000"/>
-                  </a:schemeClr>
-                </a:solidFill>
-                <a:latin typeface="Gill Sans MT (Body)"/>
-                <a:cs typeface="Times New Roman" panose="02020603050405020304" pitchFamily="18" charset="0"/>
-              </a:rPr>
-              <a:t>-regel: data-variabel, …}</a:t>
-            </a:r>
-            <a:r>
-              <a:rPr lang="sv-SE" dirty="0">
-                <a:solidFill>
-                  <a:schemeClr val="tx1">
-                    <a:lumMod val="65000"/>
-                    <a:lumOff val="35000"/>
-                  </a:schemeClr>
-                </a:solidFill>
-                <a:latin typeface="Gill Sans MT (Body)"/>
-                <a:cs typeface="Times New Roman" panose="02020603050405020304" pitchFamily="18" charset="0"/>
-              </a:rPr>
-              <a:t>’ som till i exemplet:</a:t>
-            </a:r>
-            <a:br>
-              <a:rPr lang="sv-SE" dirty="0">
-                <a:solidFill>
-                  <a:schemeClr val="tx1">
-                    <a:lumMod val="65000"/>
-                    <a:lumOff val="35000"/>
-                  </a:schemeClr>
-                </a:solidFill>
-                <a:latin typeface="Gill Sans MT (Body)"/>
-                <a:cs typeface="Times New Roman" panose="02020603050405020304" pitchFamily="18" charset="0"/>
-              </a:rPr>
-            </a:br>
-            <a:r>
-              <a:rPr lang="sv-SE" dirty="0">
-                <a:solidFill>
-                  <a:schemeClr val="tx2">
-                    <a:lumMod val="75000"/>
-                    <a:lumOff val="25000"/>
-                  </a:schemeClr>
-                </a:solidFill>
-                <a:latin typeface="Gill Sans MT (Body)"/>
-                <a:cs typeface="Times New Roman" panose="02020603050405020304" pitchFamily="18" charset="0"/>
-              </a:rPr>
-              <a:t>:style=”{color: </a:t>
-            </a:r>
-            <a:r>
-              <a:rPr lang="sv-SE" dirty="0" err="1">
-                <a:solidFill>
-                  <a:schemeClr val="tx2">
-                    <a:lumMod val="75000"/>
-                    <a:lumOff val="25000"/>
-                  </a:schemeClr>
-                </a:solidFill>
-                <a:latin typeface="Gill Sans MT (Body)"/>
-                <a:cs typeface="Times New Roman" panose="02020603050405020304" pitchFamily="18" charset="0"/>
-              </a:rPr>
-              <a:t>activeColor</a:t>
-            </a:r>
-            <a:r>
-              <a:rPr lang="sv-SE" dirty="0">
-                <a:solidFill>
-                  <a:schemeClr val="tx2">
-                    <a:lumMod val="75000"/>
-                    <a:lumOff val="25000"/>
-                  </a:schemeClr>
-                </a:solidFill>
-                <a:latin typeface="Gill Sans MT (Body)"/>
-                <a:cs typeface="Times New Roman" panose="02020603050405020304" pitchFamily="18" charset="0"/>
-              </a:rPr>
-              <a:t>,  </a:t>
-            </a:r>
-            <a:r>
-              <a:rPr lang="sv-SE" dirty="0" err="1">
-                <a:solidFill>
-                  <a:schemeClr val="tx2">
-                    <a:lumMod val="75000"/>
-                    <a:lumOff val="25000"/>
-                  </a:schemeClr>
-                </a:solidFill>
-                <a:latin typeface="Gill Sans MT (Body)"/>
-                <a:cs typeface="Times New Roman" panose="02020603050405020304" pitchFamily="18" charset="0"/>
-              </a:rPr>
-              <a:t>fontSize</a:t>
-            </a:r>
-            <a:r>
-              <a:rPr lang="sv-SE" dirty="0">
-                <a:solidFill>
-                  <a:schemeClr val="tx2">
-                    <a:lumMod val="75000"/>
-                    <a:lumOff val="25000"/>
-                  </a:schemeClr>
-                </a:solidFill>
-                <a:latin typeface="Gill Sans MT (Body)"/>
-                <a:cs typeface="Times New Roman" panose="02020603050405020304" pitchFamily="18" charset="0"/>
-              </a:rPr>
-              <a:t>:  </a:t>
-            </a:r>
-            <a:r>
-              <a:rPr lang="sv-SE" dirty="0" err="1">
-                <a:solidFill>
-                  <a:schemeClr val="tx2">
-                    <a:lumMod val="75000"/>
-                    <a:lumOff val="25000"/>
-                  </a:schemeClr>
-                </a:solidFill>
-                <a:latin typeface="Gill Sans MT (Body)"/>
-                <a:cs typeface="Times New Roman" panose="02020603050405020304" pitchFamily="18" charset="0"/>
-              </a:rPr>
-              <a:t>fontsize</a:t>
-            </a:r>
-            <a:r>
-              <a:rPr lang="sv-SE" dirty="0">
-                <a:solidFill>
-                  <a:schemeClr val="tx2">
-                    <a:lumMod val="75000"/>
-                    <a:lumOff val="25000"/>
-                  </a:schemeClr>
-                </a:solidFill>
-                <a:latin typeface="Gill Sans MT (Body)"/>
-                <a:cs typeface="Times New Roman" panose="02020603050405020304" pitchFamily="18" charset="0"/>
-              </a:rPr>
-              <a:t> + ’</a:t>
-            </a:r>
-            <a:r>
-              <a:rPr lang="sv-SE" dirty="0" err="1">
-                <a:solidFill>
-                  <a:schemeClr val="tx2">
-                    <a:lumMod val="75000"/>
-                    <a:lumOff val="25000"/>
-                  </a:schemeClr>
-                </a:solidFill>
-                <a:latin typeface="Gill Sans MT (Body)"/>
-                <a:cs typeface="Times New Roman" panose="02020603050405020304" pitchFamily="18" charset="0"/>
-              </a:rPr>
-              <a:t>px</a:t>
-            </a:r>
-            <a:r>
-              <a:rPr lang="sv-SE" dirty="0">
-                <a:solidFill>
-                  <a:schemeClr val="tx2">
-                    <a:lumMod val="75000"/>
-                    <a:lumOff val="25000"/>
-                  </a:schemeClr>
-                </a:solidFill>
-                <a:latin typeface="Gill Sans MT (Body)"/>
-                <a:cs typeface="Times New Roman" panose="02020603050405020304" pitchFamily="18" charset="0"/>
-              </a:rPr>
-              <a:t>’}”</a:t>
-            </a:r>
-          </a:p>
-        </p:txBody>
-      </p:sp>
-    </p:spTree>
-    <p:extLst>
-      <p:ext uri="{BB962C8B-B14F-4D97-AF65-F5344CB8AC3E}">
-        <p14:creationId xmlns:p14="http://schemas.microsoft.com/office/powerpoint/2010/main" val="4119562930"/>
-      </p:ext>
-    </p:extLst>
-  </p:cSld>
-  <p:clrMapOvr>
-    <a:masterClrMapping/>
-  </p:clrMapOvr>
-</p:sld>
-</file>
-
-<file path=ppt/slides/slide16.xml><?xml version="1.0" encoding="utf-8"?>
-<p:sld xmlns:a="http://schemas.openxmlformats.org/drawingml/2006/main" xmlns:r="http://schemas.openxmlformats.org/officeDocument/2006/relationships" xmlns:p="http://schemas.openxmlformats.org/presentationml/2006/main">
-  <p:cSld>
-    <p:spTree>
-      <p:nvGrpSpPr>
-        <p:cNvPr id="1" name=""/>
-        <p:cNvGrpSpPr/>
-        <p:nvPr/>
-      </p:nvGrpSpPr>
-      <p:grpSpPr>
-        <a:xfrm>
-          <a:off x="0" y="0"/>
-          <a:ext cx="0" cy="0"/>
-          <a:chOff x="0" y="0"/>
-          <a:chExt cx="0" cy="0"/>
-        </a:xfrm>
-      </p:grpSpPr>
-      <p:pic>
-        <p:nvPicPr>
-          <p:cNvPr id="6" name="Picture 5">
-            <a:extLst>
-              <a:ext uri="{FF2B5EF4-FFF2-40B4-BE49-F238E27FC236}">
-                <a16:creationId xmlns:a16="http://schemas.microsoft.com/office/drawing/2014/main" id="{167FAE5B-A3FE-4C6A-9787-D164F3CF4A48}"/>
-              </a:ext>
-            </a:extLst>
-          </p:cNvPr>
-          <p:cNvPicPr>
-            <a:picLocks noChangeAspect="1"/>
-          </p:cNvPicPr>
-          <p:nvPr/>
-        </p:nvPicPr>
-        <p:blipFill>
-          <a:blip r:embed="rId2"/>
-          <a:stretch>
-            <a:fillRect/>
-          </a:stretch>
-        </p:blipFill>
-        <p:spPr>
-          <a:xfrm>
-            <a:off x="1571141" y="1393267"/>
-            <a:ext cx="3813043" cy="5464733"/>
-          </a:xfrm>
-          <a:prstGeom prst="rect">
-            <a:avLst/>
-          </a:prstGeom>
-        </p:spPr>
-      </p:pic>
-      <p:sp>
-        <p:nvSpPr>
-          <p:cNvPr id="10" name="Title 1">
-            <a:extLst>
-              <a:ext uri="{FF2B5EF4-FFF2-40B4-BE49-F238E27FC236}">
-                <a16:creationId xmlns:a16="http://schemas.microsoft.com/office/drawing/2014/main" id="{5F76EF17-0812-40F6-8652-AC721F1304A8}"/>
-              </a:ext>
-            </a:extLst>
-          </p:cNvPr>
-          <p:cNvSpPr>
-            <a:spLocks noGrp="1"/>
-          </p:cNvSpPr>
-          <p:nvPr>
-            <p:ph type="title"/>
-          </p:nvPr>
-        </p:nvSpPr>
-        <p:spPr>
-          <a:xfrm>
-            <a:off x="1203434" y="63603"/>
-            <a:ext cx="10893973" cy="596023"/>
-          </a:xfrm>
-        </p:spPr>
-        <p:txBody>
-          <a:bodyPr>
-            <a:normAutofit fontScale="90000"/>
-          </a:bodyPr>
-          <a:lstStyle/>
-          <a:p>
-            <a:pPr algn="ctr"/>
-            <a:r>
-              <a:rPr lang="en-US" sz="4000" dirty="0" err="1">
-                <a:latin typeface="Gill Sans MT (Body)"/>
-              </a:rPr>
-              <a:t>Komponent</a:t>
-            </a:r>
-            <a:r>
-              <a:rPr lang="en-US" sz="4000" dirty="0">
-                <a:latin typeface="Gill Sans MT (Body)"/>
-              </a:rPr>
-              <a:t> </a:t>
-            </a:r>
-            <a:r>
-              <a:rPr lang="en-US" sz="4000" dirty="0" err="1">
-                <a:latin typeface="Gill Sans MT (Body)"/>
-              </a:rPr>
-              <a:t>Anatomi</a:t>
-            </a:r>
-            <a:endParaRPr lang="en-US" sz="4000" dirty="0">
-              <a:latin typeface="Gill Sans MT (Body)"/>
-            </a:endParaRPr>
-          </a:p>
-        </p:txBody>
-      </p:sp>
-      <p:sp>
-        <p:nvSpPr>
-          <p:cNvPr id="12" name="TextBox 11">
-            <a:extLst>
-              <a:ext uri="{FF2B5EF4-FFF2-40B4-BE49-F238E27FC236}">
-                <a16:creationId xmlns:a16="http://schemas.microsoft.com/office/drawing/2014/main" id="{ABFB8212-2005-4A45-9BDC-3B99EB969C4E}"/>
-              </a:ext>
-            </a:extLst>
-          </p:cNvPr>
-          <p:cNvSpPr txBox="1"/>
-          <p:nvPr/>
-        </p:nvSpPr>
-        <p:spPr>
-          <a:xfrm>
-            <a:off x="6096000" y="1632643"/>
-            <a:ext cx="5623420" cy="4985980"/>
-          </a:xfrm>
-          <a:prstGeom prst="rect">
-            <a:avLst/>
-          </a:prstGeom>
-          <a:noFill/>
-        </p:spPr>
-        <p:txBody>
-          <a:bodyPr wrap="square" rtlCol="0">
-            <a:spAutoFit/>
-          </a:bodyPr>
-          <a:lstStyle/>
-          <a:p>
-            <a:pPr marL="285750" indent="-285750">
-              <a:buFont typeface="Arial" panose="020B0604020202020204" pitchFamily="34" charset="0"/>
-              <a:buChar char="•"/>
-            </a:pPr>
-            <a:r>
-              <a:rPr lang="sv-SE" dirty="0">
-                <a:solidFill>
-                  <a:schemeClr val="tx2">
-                    <a:lumMod val="75000"/>
-                    <a:lumOff val="25000"/>
-                  </a:schemeClr>
-                </a:solidFill>
-                <a:latin typeface="Gill Sans MT (Body)"/>
-                <a:cs typeface="Times New Roman" panose="02020603050405020304" pitchFamily="18" charset="0"/>
-              </a:rPr>
-              <a:t>components: {…}</a:t>
-            </a:r>
-          </a:p>
-          <a:p>
-            <a:pPr marL="742950" lvl="1" indent="-285750">
-              <a:buFont typeface="Arial" panose="020B0604020202020204" pitchFamily="34" charset="0"/>
-              <a:buChar char="•"/>
-            </a:pPr>
-            <a:r>
-              <a:rPr lang="sv-SE" sz="1600" dirty="0">
-                <a:solidFill>
-                  <a:schemeClr val="tx1">
-                    <a:lumMod val="65000"/>
-                    <a:lumOff val="35000"/>
-                  </a:schemeClr>
-                </a:solidFill>
-                <a:latin typeface="Gill Sans MT (Body)"/>
-                <a:cs typeface="Times New Roman" panose="02020603050405020304" pitchFamily="18" charset="0"/>
-              </a:rPr>
-              <a:t>Externa komponenter som den här komponenten använder</a:t>
-            </a:r>
-          </a:p>
-          <a:p>
-            <a:pPr marL="285750" indent="-285750">
-              <a:buFont typeface="Arial" panose="020B0604020202020204" pitchFamily="34" charset="0"/>
-              <a:buChar char="•"/>
-            </a:pPr>
-            <a:endParaRPr lang="sv-SE" dirty="0">
-              <a:solidFill>
-                <a:schemeClr val="tx1">
-                  <a:lumMod val="65000"/>
-                  <a:lumOff val="35000"/>
-                </a:schemeClr>
-              </a:solidFill>
-              <a:latin typeface="Gill Sans MT (Body)"/>
-              <a:cs typeface="Times New Roman" panose="02020603050405020304" pitchFamily="18" charset="0"/>
-            </a:endParaRPr>
-          </a:p>
-          <a:p>
-            <a:pPr marL="285750" indent="-285750">
-              <a:buFont typeface="Arial" panose="020B0604020202020204" pitchFamily="34" charset="0"/>
-              <a:buChar char="•"/>
-            </a:pPr>
-            <a:r>
-              <a:rPr lang="sv-SE" dirty="0">
-                <a:solidFill>
-                  <a:schemeClr val="tx2">
-                    <a:lumMod val="75000"/>
-                    <a:lumOff val="25000"/>
-                  </a:schemeClr>
-                </a:solidFill>
-                <a:latin typeface="Gill Sans MT (Body)"/>
-                <a:cs typeface="Times New Roman" panose="02020603050405020304" pitchFamily="18" charset="0"/>
-              </a:rPr>
-              <a:t>props: {…}</a:t>
-            </a:r>
-          </a:p>
-          <a:p>
-            <a:pPr marL="742950" lvl="1" indent="-285750">
-              <a:buFont typeface="Arial" panose="020B0604020202020204" pitchFamily="34" charset="0"/>
-              <a:buChar char="•"/>
-            </a:pPr>
-            <a:r>
-              <a:rPr lang="sv-SE" sz="1600" dirty="0">
-                <a:solidFill>
-                  <a:schemeClr val="tx1">
-                    <a:lumMod val="65000"/>
-                    <a:lumOff val="35000"/>
-                  </a:schemeClr>
-                </a:solidFill>
-                <a:latin typeface="Gill Sans MT (Body)"/>
-                <a:cs typeface="Times New Roman" panose="02020603050405020304" pitchFamily="18" charset="0"/>
-              </a:rPr>
-              <a:t>Värden som den här komponenten kan ta emot</a:t>
-            </a:r>
-          </a:p>
-          <a:p>
-            <a:pPr marL="742950" lvl="1" indent="-285750">
-              <a:buFont typeface="Arial" panose="020B0604020202020204" pitchFamily="34" charset="0"/>
-              <a:buChar char="•"/>
-            </a:pPr>
-            <a:endParaRPr lang="sv-SE" dirty="0">
-              <a:solidFill>
-                <a:schemeClr val="tx1">
-                  <a:lumMod val="65000"/>
-                  <a:lumOff val="35000"/>
-                </a:schemeClr>
-              </a:solidFill>
-              <a:latin typeface="Gill Sans MT (Body)"/>
-              <a:cs typeface="Times New Roman" panose="02020603050405020304" pitchFamily="18" charset="0"/>
-            </a:endParaRPr>
-          </a:p>
-          <a:p>
-            <a:pPr marL="285750" indent="-285750">
-              <a:buFont typeface="Arial" panose="020B0604020202020204" pitchFamily="34" charset="0"/>
-              <a:buChar char="•"/>
-            </a:pPr>
-            <a:r>
-              <a:rPr lang="sv-SE" dirty="0">
-                <a:solidFill>
-                  <a:schemeClr val="tx2">
-                    <a:lumMod val="75000"/>
-                    <a:lumOff val="25000"/>
-                  </a:schemeClr>
-                </a:solidFill>
-                <a:latin typeface="Gill Sans MT (Body)"/>
-                <a:cs typeface="Times New Roman" panose="02020603050405020304" pitchFamily="18" charset="0"/>
-              </a:rPr>
-              <a:t>data: {…}</a:t>
-            </a:r>
-          </a:p>
-          <a:p>
-            <a:pPr marL="742950" lvl="1" indent="-285750">
-              <a:buFont typeface="Arial" panose="020B0604020202020204" pitchFamily="34" charset="0"/>
-              <a:buChar char="•"/>
-            </a:pPr>
-            <a:r>
-              <a:rPr lang="sv-SE" sz="1600" dirty="0">
-                <a:solidFill>
-                  <a:schemeClr val="tx1">
-                    <a:lumMod val="65000"/>
-                    <a:lumOff val="35000"/>
-                  </a:schemeClr>
-                </a:solidFill>
-                <a:latin typeface="Gill Sans MT (Body)"/>
-                <a:cs typeface="Times New Roman" panose="02020603050405020304" pitchFamily="18" charset="0"/>
-              </a:rPr>
-              <a:t>Komponentens reaktiva data/variabler</a:t>
-            </a:r>
-          </a:p>
-          <a:p>
-            <a:pPr marL="285750" indent="-285750">
-              <a:buFont typeface="Arial" panose="020B0604020202020204" pitchFamily="34" charset="0"/>
-              <a:buChar char="•"/>
-            </a:pPr>
-            <a:endParaRPr lang="sv-SE" dirty="0">
-              <a:solidFill>
-                <a:schemeClr val="tx1">
-                  <a:lumMod val="65000"/>
-                  <a:lumOff val="35000"/>
-                </a:schemeClr>
-              </a:solidFill>
-              <a:latin typeface="Gill Sans MT (Body)"/>
-              <a:cs typeface="Times New Roman" panose="02020603050405020304" pitchFamily="18" charset="0"/>
-            </a:endParaRPr>
-          </a:p>
-          <a:p>
-            <a:pPr marL="285750" indent="-285750">
-              <a:buFont typeface="Arial" panose="020B0604020202020204" pitchFamily="34" charset="0"/>
-              <a:buChar char="•"/>
-            </a:pPr>
-            <a:r>
-              <a:rPr lang="sv-SE" dirty="0" err="1">
-                <a:solidFill>
-                  <a:schemeClr val="tx2">
-                    <a:lumMod val="75000"/>
-                    <a:lumOff val="25000"/>
-                  </a:schemeClr>
-                </a:solidFill>
-                <a:latin typeface="Gill Sans MT (Body)"/>
-                <a:cs typeface="Times New Roman" panose="02020603050405020304" pitchFamily="18" charset="0"/>
-              </a:rPr>
-              <a:t>computed</a:t>
-            </a:r>
-            <a:r>
-              <a:rPr lang="sv-SE" dirty="0">
-                <a:solidFill>
-                  <a:schemeClr val="tx2">
-                    <a:lumMod val="75000"/>
-                    <a:lumOff val="25000"/>
-                  </a:schemeClr>
-                </a:solidFill>
-                <a:latin typeface="Gill Sans MT (Body)"/>
-                <a:cs typeface="Times New Roman" panose="02020603050405020304" pitchFamily="18" charset="0"/>
-              </a:rPr>
-              <a:t>: {…}</a:t>
-            </a:r>
-          </a:p>
-          <a:p>
-            <a:pPr marL="742950" lvl="1" indent="-285750">
-              <a:buFont typeface="Arial" panose="020B0604020202020204" pitchFamily="34" charset="0"/>
-              <a:buChar char="•"/>
-            </a:pPr>
-            <a:r>
-              <a:rPr lang="sv-SE" sz="1600" dirty="0">
-                <a:solidFill>
-                  <a:schemeClr val="tx1">
-                    <a:lumMod val="65000"/>
-                    <a:lumOff val="35000"/>
-                  </a:schemeClr>
-                </a:solidFill>
-                <a:latin typeface="Gill Sans MT (Body)"/>
-                <a:cs typeface="Times New Roman" panose="02020603050405020304" pitchFamily="18" charset="0"/>
-              </a:rPr>
-              <a:t>Beräknade reaktiva variabler baserade på data variabler </a:t>
-            </a:r>
-          </a:p>
-          <a:p>
-            <a:pPr marL="285750" indent="-285750">
-              <a:buFont typeface="Arial" panose="020B0604020202020204" pitchFamily="34" charset="0"/>
-              <a:buChar char="•"/>
-            </a:pPr>
-            <a:endParaRPr lang="sv-SE" dirty="0">
-              <a:solidFill>
-                <a:schemeClr val="tx1">
-                  <a:lumMod val="65000"/>
-                  <a:lumOff val="35000"/>
-                </a:schemeClr>
-              </a:solidFill>
-              <a:latin typeface="Gill Sans MT (Body)"/>
-              <a:cs typeface="Times New Roman" panose="02020603050405020304" pitchFamily="18" charset="0"/>
-            </a:endParaRPr>
-          </a:p>
-          <a:p>
-            <a:pPr marL="285750" indent="-285750">
-              <a:buFont typeface="Arial" panose="020B0604020202020204" pitchFamily="34" charset="0"/>
-              <a:buChar char="•"/>
-            </a:pPr>
-            <a:r>
-              <a:rPr lang="sv-SE" dirty="0" err="1">
-                <a:solidFill>
-                  <a:schemeClr val="tx2">
-                    <a:lumMod val="75000"/>
-                    <a:lumOff val="25000"/>
-                  </a:schemeClr>
-                </a:solidFill>
-                <a:latin typeface="Gill Sans MT (Body)"/>
-                <a:cs typeface="Times New Roman" panose="02020603050405020304" pitchFamily="18" charset="0"/>
-              </a:rPr>
-              <a:t>watch</a:t>
-            </a:r>
-            <a:r>
-              <a:rPr lang="sv-SE" dirty="0">
-                <a:solidFill>
-                  <a:schemeClr val="tx2">
-                    <a:lumMod val="75000"/>
-                    <a:lumOff val="25000"/>
-                  </a:schemeClr>
-                </a:solidFill>
-                <a:latin typeface="Gill Sans MT (Body)"/>
-                <a:cs typeface="Times New Roman" panose="02020603050405020304" pitchFamily="18" charset="0"/>
-              </a:rPr>
-              <a:t>: {…}</a:t>
-            </a:r>
-          </a:p>
-          <a:p>
-            <a:pPr marL="742950" lvl="1" indent="-285750">
-              <a:buFont typeface="Arial" panose="020B0604020202020204" pitchFamily="34" charset="0"/>
-              <a:buChar char="•"/>
-            </a:pPr>
-            <a:r>
-              <a:rPr lang="sv-SE" sz="1600" dirty="0" err="1">
-                <a:solidFill>
-                  <a:schemeClr val="tx1">
-                    <a:lumMod val="65000"/>
-                    <a:lumOff val="35000"/>
-                  </a:schemeClr>
-                </a:solidFill>
-                <a:latin typeface="Gill Sans MT (Body)"/>
-                <a:cs typeface="Times New Roman" panose="02020603050405020304" pitchFamily="18" charset="0"/>
-              </a:rPr>
-              <a:t>Funtioner</a:t>
-            </a:r>
-            <a:r>
-              <a:rPr lang="sv-SE" sz="1600" dirty="0">
-                <a:solidFill>
-                  <a:schemeClr val="tx1">
-                    <a:lumMod val="65000"/>
-                    <a:lumOff val="35000"/>
-                  </a:schemeClr>
-                </a:solidFill>
-                <a:latin typeface="Gill Sans MT (Body)"/>
-                <a:cs typeface="Times New Roman" panose="02020603050405020304" pitchFamily="18" charset="0"/>
-              </a:rPr>
-              <a:t> som triggas när en viss variabel ändrar på sig</a:t>
-            </a:r>
-          </a:p>
-          <a:p>
-            <a:pPr marL="285750" indent="-285750">
-              <a:buFont typeface="Arial" panose="020B0604020202020204" pitchFamily="34" charset="0"/>
-              <a:buChar char="•"/>
-            </a:pPr>
-            <a:endParaRPr lang="sv-SE" dirty="0">
-              <a:solidFill>
-                <a:schemeClr val="tx1">
-                  <a:lumMod val="65000"/>
-                  <a:lumOff val="35000"/>
-                </a:schemeClr>
-              </a:solidFill>
-              <a:latin typeface="Gill Sans MT (Body)"/>
-              <a:cs typeface="Times New Roman" panose="02020603050405020304" pitchFamily="18" charset="0"/>
-            </a:endParaRPr>
-          </a:p>
-          <a:p>
-            <a:pPr marL="285750" indent="-285750">
-              <a:buFont typeface="Arial" panose="020B0604020202020204" pitchFamily="34" charset="0"/>
-              <a:buChar char="•"/>
-            </a:pPr>
-            <a:r>
-              <a:rPr lang="sv-SE" dirty="0" err="1">
-                <a:solidFill>
-                  <a:schemeClr val="tx2">
-                    <a:lumMod val="75000"/>
-                    <a:lumOff val="25000"/>
-                  </a:schemeClr>
-                </a:solidFill>
-                <a:latin typeface="Gill Sans MT (Body)"/>
-                <a:cs typeface="Times New Roman" panose="02020603050405020304" pitchFamily="18" charset="0"/>
-              </a:rPr>
-              <a:t>methods</a:t>
-            </a:r>
-            <a:r>
-              <a:rPr lang="sv-SE" dirty="0">
-                <a:solidFill>
-                  <a:schemeClr val="tx2">
-                    <a:lumMod val="75000"/>
-                    <a:lumOff val="25000"/>
-                  </a:schemeClr>
-                </a:solidFill>
-                <a:latin typeface="Gill Sans MT (Body)"/>
-                <a:cs typeface="Times New Roman" panose="02020603050405020304" pitchFamily="18" charset="0"/>
-              </a:rPr>
-              <a:t>: {…}</a:t>
-            </a:r>
-          </a:p>
-          <a:p>
-            <a:pPr marL="742950" lvl="1" indent="-285750">
-              <a:buFont typeface="Arial" panose="020B0604020202020204" pitchFamily="34" charset="0"/>
-              <a:buChar char="•"/>
-            </a:pPr>
-            <a:r>
-              <a:rPr lang="sv-SE" dirty="0">
-                <a:solidFill>
-                  <a:schemeClr val="tx1">
-                    <a:lumMod val="65000"/>
-                    <a:lumOff val="35000"/>
-                  </a:schemeClr>
-                </a:solidFill>
-                <a:latin typeface="Gill Sans MT (Body)"/>
-                <a:cs typeface="Times New Roman" panose="02020603050405020304" pitchFamily="18" charset="0"/>
-              </a:rPr>
-              <a:t>Komponentens metoder</a:t>
-            </a:r>
-          </a:p>
-        </p:txBody>
-      </p:sp>
-      <p:sp>
-        <p:nvSpPr>
-          <p:cNvPr id="2" name="TextBox 1">
-            <a:extLst>
-              <a:ext uri="{FF2B5EF4-FFF2-40B4-BE49-F238E27FC236}">
-                <a16:creationId xmlns:a16="http://schemas.microsoft.com/office/drawing/2014/main" id="{9DA8D604-02D3-4428-B494-23A0433B815F}"/>
-              </a:ext>
-            </a:extLst>
-          </p:cNvPr>
-          <p:cNvSpPr txBox="1"/>
-          <p:nvPr/>
-        </p:nvSpPr>
-        <p:spPr>
-          <a:xfrm>
-            <a:off x="1571141" y="619065"/>
-            <a:ext cx="9644939" cy="707886"/>
-          </a:xfrm>
-          <a:prstGeom prst="rect">
-            <a:avLst/>
-          </a:prstGeom>
-          <a:noFill/>
-        </p:spPr>
-        <p:txBody>
-          <a:bodyPr wrap="square" rtlCol="0">
-            <a:spAutoFit/>
-          </a:bodyPr>
-          <a:lstStyle/>
-          <a:p>
-            <a:pPr marL="342900" indent="-342900">
-              <a:buFont typeface="Arial" panose="020B0604020202020204" pitchFamily="34" charset="0"/>
-              <a:buChar char="•"/>
-            </a:pPr>
-            <a:r>
-              <a:rPr lang="sv-SE" sz="2000" dirty="0">
-                <a:solidFill>
-                  <a:schemeClr val="tx1">
-                    <a:lumMod val="65000"/>
-                    <a:lumOff val="35000"/>
-                  </a:schemeClr>
-                </a:solidFill>
-              </a:rPr>
-              <a:t>Varje komponent består av ett antal sektioner/delar och man lägger till dem </a:t>
-            </a:r>
-            <a:br>
-              <a:rPr lang="sv-SE" sz="2000" dirty="0">
-                <a:solidFill>
-                  <a:schemeClr val="tx1">
-                    <a:lumMod val="65000"/>
-                    <a:lumOff val="35000"/>
-                  </a:schemeClr>
-                </a:solidFill>
-              </a:rPr>
-            </a:br>
-            <a:r>
-              <a:rPr lang="sv-SE" sz="2000" dirty="0">
-                <a:solidFill>
-                  <a:schemeClr val="tx1">
-                    <a:lumMod val="65000"/>
-                    <a:lumOff val="35000"/>
-                  </a:schemeClr>
-                </a:solidFill>
-              </a:rPr>
-              <a:t>sektionerna/delarna man vill använda.</a:t>
-            </a:r>
-          </a:p>
-        </p:txBody>
-      </p:sp>
-    </p:spTree>
-    <p:extLst>
-      <p:ext uri="{BB962C8B-B14F-4D97-AF65-F5344CB8AC3E}">
-        <p14:creationId xmlns:p14="http://schemas.microsoft.com/office/powerpoint/2010/main" val="3613696029"/>
-      </p:ext>
-    </p:extLst>
-  </p:cSld>
-  <p:clrMapOvr>
-    <a:masterClrMapping/>
-  </p:clrMapOvr>
-</p:sld>
-</file>
-
-<file path=ppt/slides/slide17.xml><?xml version="1.0" encoding="utf-8"?>
-<p:sld xmlns:a="http://schemas.openxmlformats.org/drawingml/2006/main" xmlns:r="http://schemas.openxmlformats.org/officeDocument/2006/relationships" xmlns:p="http://schemas.openxmlformats.org/presentationml/2006/main">
-  <p:cSld>
-    <p:spTree>
-      <p:nvGrpSpPr>
-        <p:cNvPr id="1" name=""/>
-        <p:cNvGrpSpPr/>
-        <p:nvPr/>
-      </p:nvGrpSpPr>
-      <p:grpSpPr>
-        <a:xfrm>
-          <a:off x="0" y="0"/>
-          <a:ext cx="0" cy="0"/>
-          <a:chOff x="0" y="0"/>
-          <a:chExt cx="0" cy="0"/>
-        </a:xfrm>
-      </p:grpSpPr>
-      <p:pic>
-        <p:nvPicPr>
-          <p:cNvPr id="4" name="Picture 3" descr="A screenshot of a cell phone&#10;&#10;Description automatically generated">
-            <a:extLst>
-              <a:ext uri="{FF2B5EF4-FFF2-40B4-BE49-F238E27FC236}">
-                <a16:creationId xmlns:a16="http://schemas.microsoft.com/office/drawing/2014/main" id="{99B5C3CE-40EA-4EAD-AB6E-B103C39D2438}"/>
-              </a:ext>
-            </a:extLst>
-          </p:cNvPr>
-          <p:cNvPicPr>
-            <a:picLocks noChangeAspect="1"/>
-          </p:cNvPicPr>
-          <p:nvPr/>
-        </p:nvPicPr>
-        <p:blipFill>
-          <a:blip r:embed="rId2">
-            <a:extLst>
-              <a:ext uri="{28A0092B-C50C-407E-A947-70E740481C1C}">
-                <a14:useLocalDpi xmlns:a14="http://schemas.microsoft.com/office/drawing/2010/main" val="0"/>
-              </a:ext>
-            </a:extLst>
-          </a:blip>
-          <a:stretch>
-            <a:fillRect/>
-          </a:stretch>
-        </p:blipFill>
-        <p:spPr>
-          <a:xfrm>
-            <a:off x="1277538" y="53655"/>
-            <a:ext cx="10065642" cy="6750690"/>
-          </a:xfrm>
-          <a:prstGeom prst="rect">
-            <a:avLst/>
-          </a:prstGeom>
-        </p:spPr>
-      </p:pic>
-    </p:spTree>
-    <p:extLst>
-      <p:ext uri="{BB962C8B-B14F-4D97-AF65-F5344CB8AC3E}">
-        <p14:creationId xmlns:p14="http://schemas.microsoft.com/office/powerpoint/2010/main" val="979076401"/>
-      </p:ext>
-    </p:extLst>
-  </p:cSld>
-  <p:clrMapOvr>
-    <a:masterClrMapping/>
-  </p:clrMapOvr>
-</p:sld>
-</file>
-
-<file path=ppt/slides/slide18.xml><?xml version="1.0" encoding="utf-8"?>
-<p:sld xmlns:a="http://schemas.openxmlformats.org/drawingml/2006/main" xmlns:r="http://schemas.openxmlformats.org/officeDocument/2006/relationships" xmlns:p="http://schemas.openxmlformats.org/presentationml/2006/main">
-  <p:cSld>
-    <p:spTree>
-      <p:nvGrpSpPr>
-        <p:cNvPr id="1" name=""/>
-        <p:cNvGrpSpPr/>
-        <p:nvPr/>
-      </p:nvGrpSpPr>
-      <p:grpSpPr>
-        <a:xfrm>
-          <a:off x="0" y="0"/>
-          <a:ext cx="0" cy="0"/>
-          <a:chOff x="0" y="0"/>
-          <a:chExt cx="0" cy="0"/>
-        </a:xfrm>
-      </p:grpSpPr>
-      <p:sp>
-        <p:nvSpPr>
-          <p:cNvPr id="2" name="Title 1">
-            <a:extLst>
-              <a:ext uri="{FF2B5EF4-FFF2-40B4-BE49-F238E27FC236}">
-                <a16:creationId xmlns:a16="http://schemas.microsoft.com/office/drawing/2014/main" id="{8EDAE078-3CB3-4D1F-8E4E-75C6D5DA8D1A}"/>
-              </a:ext>
-            </a:extLst>
-          </p:cNvPr>
-          <p:cNvSpPr>
-            <a:spLocks noGrp="1"/>
-          </p:cNvSpPr>
-          <p:nvPr>
-            <p:ph type="title"/>
-          </p:nvPr>
-        </p:nvSpPr>
-        <p:spPr>
-          <a:xfrm>
-            <a:off x="1203434" y="382385"/>
-            <a:ext cx="10893973" cy="596023"/>
-          </a:xfrm>
-        </p:spPr>
-        <p:txBody>
-          <a:bodyPr>
-            <a:normAutofit fontScale="90000"/>
-          </a:bodyPr>
-          <a:lstStyle/>
-          <a:p>
-            <a:pPr algn="ctr"/>
-            <a:r>
-              <a:rPr lang="en-US" sz="4000" dirty="0" err="1">
-                <a:latin typeface="Gill Sans MT (Body)"/>
-              </a:rPr>
-              <a:t>Bygga</a:t>
-            </a:r>
-            <a:r>
-              <a:rPr lang="en-US" sz="4000" dirty="0">
-                <a:latin typeface="Gill Sans MT (Body)"/>
-              </a:rPr>
-              <a:t> med </a:t>
-            </a:r>
-            <a:r>
-              <a:rPr lang="en-US" sz="4000" dirty="0" err="1">
-                <a:latin typeface="Gill Sans MT (Body)"/>
-              </a:rPr>
-              <a:t>komponenter</a:t>
-            </a:r>
-            <a:r>
-              <a:rPr lang="en-US" sz="4000" dirty="0">
-                <a:latin typeface="Gill Sans MT (Body)"/>
-              </a:rPr>
-              <a:t> </a:t>
-            </a:r>
-            <a:r>
-              <a:rPr lang="en-US" sz="4000" dirty="0" err="1">
-                <a:latin typeface="Gill Sans MT (Body)"/>
-              </a:rPr>
-              <a:t>Exempel</a:t>
-            </a:r>
-            <a:endParaRPr lang="en-US" sz="4000" dirty="0">
-              <a:latin typeface="Bodoni MT" panose="02070603080606020203" pitchFamily="18" charset="0"/>
-            </a:endParaRPr>
-          </a:p>
-        </p:txBody>
-      </p:sp>
-      <p:sp>
-        <p:nvSpPr>
-          <p:cNvPr id="5" name="TextBox 4">
-            <a:extLst>
-              <a:ext uri="{FF2B5EF4-FFF2-40B4-BE49-F238E27FC236}">
-                <a16:creationId xmlns:a16="http://schemas.microsoft.com/office/drawing/2014/main" id="{49F22C67-242E-4365-A378-2807E93FEC00}"/>
-              </a:ext>
-            </a:extLst>
-          </p:cNvPr>
-          <p:cNvSpPr txBox="1"/>
-          <p:nvPr/>
-        </p:nvSpPr>
-        <p:spPr>
-          <a:xfrm>
-            <a:off x="1900969" y="978408"/>
-            <a:ext cx="9127222" cy="923330"/>
-          </a:xfrm>
-          <a:prstGeom prst="rect">
-            <a:avLst/>
-          </a:prstGeom>
-          <a:noFill/>
-        </p:spPr>
-        <p:txBody>
-          <a:bodyPr wrap="square" rtlCol="0">
-            <a:spAutoFit/>
-          </a:bodyPr>
-          <a:lstStyle/>
-          <a:p>
-            <a:pPr marL="285750" indent="-285750">
-              <a:buFont typeface="Arial" panose="020B0604020202020204" pitchFamily="34" charset="0"/>
-              <a:buChar char="•"/>
-            </a:pPr>
-            <a:r>
-              <a:rPr lang="sv-SE" dirty="0">
-                <a:solidFill>
-                  <a:schemeClr val="tx1">
-                    <a:lumMod val="65000"/>
-                    <a:lumOff val="35000"/>
-                  </a:schemeClr>
-                </a:solidFill>
-                <a:latin typeface="Gill Sans MT (Body)"/>
-                <a:cs typeface="Times New Roman" panose="02020603050405020304" pitchFamily="18" charset="0"/>
-              </a:rPr>
-              <a:t>Importera en komponent i en annan komponent</a:t>
-            </a:r>
-          </a:p>
-          <a:p>
-            <a:pPr marL="285750" indent="-285750">
-              <a:buFont typeface="Arial" panose="020B0604020202020204" pitchFamily="34" charset="0"/>
-              <a:buChar char="•"/>
-            </a:pPr>
-            <a:r>
-              <a:rPr lang="sv-SE" dirty="0">
-                <a:solidFill>
-                  <a:schemeClr val="tx1">
-                    <a:lumMod val="65000"/>
-                    <a:lumOff val="35000"/>
-                  </a:schemeClr>
-                </a:solidFill>
-                <a:latin typeface="Gill Sans MT (Body)"/>
-                <a:cs typeface="Times New Roman" panose="02020603050405020304" pitchFamily="18" charset="0"/>
-              </a:rPr>
-              <a:t>Följ 3 steg</a:t>
-            </a:r>
-            <a:br>
-              <a:rPr lang="sv-SE" dirty="0">
-                <a:solidFill>
-                  <a:schemeClr val="tx1">
-                    <a:lumMod val="65000"/>
-                    <a:lumOff val="35000"/>
-                  </a:schemeClr>
-                </a:solidFill>
-                <a:latin typeface="Gill Sans MT (Body)"/>
-                <a:cs typeface="Times New Roman" panose="02020603050405020304" pitchFamily="18" charset="0"/>
-              </a:rPr>
-            </a:br>
-            <a:endParaRPr lang="sv-SE" dirty="0">
-              <a:solidFill>
-                <a:schemeClr val="tx1">
-                  <a:lumMod val="65000"/>
-                  <a:lumOff val="35000"/>
-                </a:schemeClr>
-              </a:solidFill>
-              <a:latin typeface="Gill Sans MT (Body)"/>
-              <a:cs typeface="Times New Roman" panose="02020603050405020304" pitchFamily="18" charset="0"/>
-            </a:endParaRPr>
-          </a:p>
-        </p:txBody>
-      </p:sp>
-      <p:pic>
-        <p:nvPicPr>
-          <p:cNvPr id="4" name="Picture 3">
-            <a:extLst>
-              <a:ext uri="{FF2B5EF4-FFF2-40B4-BE49-F238E27FC236}">
-                <a16:creationId xmlns:a16="http://schemas.microsoft.com/office/drawing/2014/main" id="{D2E205CE-DF99-45F2-A4BE-9FDB6FD88E71}"/>
-              </a:ext>
-            </a:extLst>
-          </p:cNvPr>
-          <p:cNvPicPr>
-            <a:picLocks noChangeAspect="1"/>
-          </p:cNvPicPr>
-          <p:nvPr/>
-        </p:nvPicPr>
-        <p:blipFill>
-          <a:blip r:embed="rId2"/>
-          <a:stretch>
-            <a:fillRect/>
-          </a:stretch>
-        </p:blipFill>
-        <p:spPr>
-          <a:xfrm>
-            <a:off x="1124125" y="2010037"/>
-            <a:ext cx="7275832" cy="4332276"/>
-          </a:xfrm>
-          <a:prstGeom prst="rect">
-            <a:avLst/>
-          </a:prstGeom>
-        </p:spPr>
-      </p:pic>
-      <p:sp>
-        <p:nvSpPr>
-          <p:cNvPr id="7" name="TextBox 6">
-            <a:extLst>
-              <a:ext uri="{FF2B5EF4-FFF2-40B4-BE49-F238E27FC236}">
-                <a16:creationId xmlns:a16="http://schemas.microsoft.com/office/drawing/2014/main" id="{1DF5BE25-9557-45D5-8396-FA029F99811D}"/>
-              </a:ext>
-            </a:extLst>
-          </p:cNvPr>
-          <p:cNvSpPr txBox="1"/>
-          <p:nvPr/>
-        </p:nvSpPr>
-        <p:spPr>
-          <a:xfrm>
-            <a:off x="7841040" y="3612095"/>
-            <a:ext cx="4023794" cy="830997"/>
-          </a:xfrm>
-          <a:prstGeom prst="rect">
-            <a:avLst/>
-          </a:prstGeom>
-          <a:noFill/>
-        </p:spPr>
-        <p:txBody>
-          <a:bodyPr wrap="none" rtlCol="0">
-            <a:spAutoFit/>
-          </a:bodyPr>
-          <a:lstStyle/>
-          <a:p>
-            <a:r>
-              <a:rPr lang="en-US" sz="1600" dirty="0">
-                <a:solidFill>
-                  <a:schemeClr val="accent1">
-                    <a:lumMod val="75000"/>
-                  </a:schemeClr>
-                </a:solidFill>
-              </a:rPr>
-              <a:t>1. </a:t>
-            </a:r>
-            <a:r>
-              <a:rPr lang="en-US" sz="1600" dirty="0" err="1">
-                <a:solidFill>
-                  <a:schemeClr val="accent1">
-                    <a:lumMod val="75000"/>
-                  </a:schemeClr>
-                </a:solidFill>
-              </a:rPr>
-              <a:t>Importera</a:t>
-            </a:r>
-            <a:r>
-              <a:rPr lang="en-US" sz="1600" dirty="0">
-                <a:solidFill>
-                  <a:schemeClr val="accent1">
-                    <a:lumMod val="75000"/>
-                  </a:schemeClr>
-                </a:solidFill>
-              </a:rPr>
-              <a:t> </a:t>
-            </a:r>
-            <a:r>
-              <a:rPr lang="en-US" sz="1600" dirty="0" err="1">
-                <a:solidFill>
-                  <a:schemeClr val="accent1">
-                    <a:lumMod val="75000"/>
-                  </a:schemeClr>
-                </a:solidFill>
-              </a:rPr>
-              <a:t>komponenten</a:t>
-            </a:r>
-            <a:r>
-              <a:rPr lang="en-US" sz="1600" dirty="0">
-                <a:solidFill>
-                  <a:schemeClr val="accent1">
-                    <a:lumMod val="75000"/>
-                  </a:schemeClr>
-                </a:solidFill>
-              </a:rPr>
-              <a:t>, </a:t>
-            </a:r>
-            <a:br>
-              <a:rPr lang="en-US" sz="1600" dirty="0">
-                <a:solidFill>
-                  <a:schemeClr val="accent1">
-                    <a:lumMod val="75000"/>
-                  </a:schemeClr>
-                </a:solidFill>
-              </a:rPr>
-            </a:br>
-            <a:r>
-              <a:rPr lang="en-US" sz="1600" dirty="0" err="1">
-                <a:solidFill>
-                  <a:schemeClr val="accent1">
-                    <a:lumMod val="75000"/>
-                  </a:schemeClr>
-                </a:solidFill>
-              </a:rPr>
-              <a:t>kom</a:t>
-            </a:r>
-            <a:r>
-              <a:rPr lang="en-US" sz="1600" dirty="0">
-                <a:solidFill>
-                  <a:schemeClr val="accent1">
-                    <a:lumMod val="75000"/>
-                  </a:schemeClr>
-                </a:solidFill>
-              </a:rPr>
-              <a:t> </a:t>
-            </a:r>
-            <a:r>
-              <a:rPr lang="en-US" sz="1600" dirty="0" err="1">
-                <a:solidFill>
-                  <a:schemeClr val="accent1">
-                    <a:lumMod val="75000"/>
-                  </a:schemeClr>
-                </a:solidFill>
-              </a:rPr>
-              <a:t>ihåg</a:t>
-            </a:r>
-            <a:r>
-              <a:rPr lang="en-US" sz="1600" dirty="0">
-                <a:solidFill>
-                  <a:schemeClr val="accent1">
-                    <a:lumMod val="75000"/>
-                  </a:schemeClr>
-                </a:solidFill>
-              </a:rPr>
-              <a:t> ./ </a:t>
-            </a:r>
-            <a:r>
-              <a:rPr lang="en-US" sz="1600" dirty="0" err="1">
-                <a:solidFill>
-                  <a:schemeClr val="accent1">
-                    <a:lumMod val="75000"/>
-                  </a:schemeClr>
-                </a:solidFill>
-              </a:rPr>
-              <a:t>betyder</a:t>
-            </a:r>
-            <a:r>
-              <a:rPr lang="en-US" sz="1600" dirty="0">
-                <a:solidFill>
-                  <a:schemeClr val="accent1">
-                    <a:lumMod val="75000"/>
-                  </a:schemeClr>
-                </a:solidFill>
-              </a:rPr>
-              <a:t> </a:t>
-            </a:r>
-            <a:r>
-              <a:rPr lang="en-US" sz="1600" dirty="0" err="1">
-                <a:solidFill>
-                  <a:schemeClr val="accent1">
-                    <a:lumMod val="75000"/>
-                  </a:schemeClr>
-                </a:solidFill>
-              </a:rPr>
-              <a:t>utgå</a:t>
-            </a:r>
-            <a:r>
-              <a:rPr lang="en-US" sz="1600" dirty="0">
-                <a:solidFill>
-                  <a:schemeClr val="accent1">
-                    <a:lumMod val="75000"/>
-                  </a:schemeClr>
-                </a:solidFill>
-              </a:rPr>
-              <a:t> </a:t>
-            </a:r>
-            <a:r>
-              <a:rPr lang="en-US" sz="1600" dirty="0" err="1">
-                <a:solidFill>
-                  <a:schemeClr val="accent1">
-                    <a:lumMod val="75000"/>
-                  </a:schemeClr>
-                </a:solidFill>
-              </a:rPr>
-              <a:t>från</a:t>
-            </a:r>
-            <a:r>
-              <a:rPr lang="en-US" sz="1600" dirty="0">
-                <a:solidFill>
-                  <a:schemeClr val="accent1">
-                    <a:lumMod val="75000"/>
-                  </a:schemeClr>
-                </a:solidFill>
-              </a:rPr>
-              <a:t> den </a:t>
-            </a:r>
-            <a:r>
-              <a:rPr lang="en-US" sz="1600" dirty="0" err="1">
-                <a:solidFill>
-                  <a:schemeClr val="accent1">
-                    <a:lumMod val="75000"/>
-                  </a:schemeClr>
-                </a:solidFill>
-              </a:rPr>
-              <a:t>här</a:t>
-            </a:r>
-            <a:r>
-              <a:rPr lang="en-US" sz="1600" dirty="0">
-                <a:solidFill>
-                  <a:schemeClr val="accent1">
-                    <a:lumMod val="75000"/>
-                  </a:schemeClr>
-                </a:solidFill>
-              </a:rPr>
-              <a:t> </a:t>
-            </a:r>
-            <a:r>
-              <a:rPr lang="en-US" sz="1600" dirty="0" err="1">
-                <a:solidFill>
-                  <a:schemeClr val="accent1">
-                    <a:lumMod val="75000"/>
-                  </a:schemeClr>
-                </a:solidFill>
-              </a:rPr>
-              <a:t>mappen</a:t>
-            </a:r>
-            <a:r>
-              <a:rPr lang="en-US" sz="1600" dirty="0">
-                <a:solidFill>
-                  <a:schemeClr val="accent1">
-                    <a:lumMod val="75000"/>
-                  </a:schemeClr>
-                </a:solidFill>
-              </a:rPr>
-              <a:t>,</a:t>
-            </a:r>
-            <a:br>
-              <a:rPr lang="en-US" sz="1600" dirty="0">
-                <a:solidFill>
-                  <a:schemeClr val="accent1">
-                    <a:lumMod val="75000"/>
-                  </a:schemeClr>
-                </a:solidFill>
-              </a:rPr>
-            </a:br>
-            <a:r>
-              <a:rPr lang="en-US" sz="1600" dirty="0">
-                <a:solidFill>
-                  <a:schemeClr val="accent1">
-                    <a:lumMod val="75000"/>
-                  </a:schemeClr>
-                </a:solidFill>
-              </a:rPr>
-              <a:t>../ </a:t>
-            </a:r>
-            <a:r>
-              <a:rPr lang="en-US" sz="1600" dirty="0" err="1">
-                <a:solidFill>
-                  <a:schemeClr val="accent1">
-                    <a:lumMod val="75000"/>
-                  </a:schemeClr>
-                </a:solidFill>
-              </a:rPr>
-              <a:t>betyder</a:t>
-            </a:r>
-            <a:r>
-              <a:rPr lang="en-US" sz="1600" dirty="0">
-                <a:solidFill>
-                  <a:schemeClr val="accent1">
-                    <a:lumMod val="75000"/>
-                  </a:schemeClr>
-                </a:solidFill>
-              </a:rPr>
-              <a:t> </a:t>
-            </a:r>
-            <a:r>
-              <a:rPr lang="en-US" sz="1600" dirty="0" err="1">
-                <a:solidFill>
-                  <a:schemeClr val="accent1">
-                    <a:lumMod val="75000"/>
-                  </a:schemeClr>
-                </a:solidFill>
-              </a:rPr>
-              <a:t>gå</a:t>
-            </a:r>
-            <a:r>
-              <a:rPr lang="en-US" sz="1600" dirty="0">
-                <a:solidFill>
-                  <a:schemeClr val="accent1">
-                    <a:lumMod val="75000"/>
-                  </a:schemeClr>
-                </a:solidFill>
-              </a:rPr>
-              <a:t> </a:t>
-            </a:r>
-            <a:r>
-              <a:rPr lang="en-US" sz="1600" dirty="0" err="1">
-                <a:solidFill>
-                  <a:schemeClr val="accent1">
-                    <a:lumMod val="75000"/>
-                  </a:schemeClr>
-                </a:solidFill>
-              </a:rPr>
-              <a:t>upp</a:t>
-            </a:r>
-            <a:r>
-              <a:rPr lang="en-US" sz="1600" dirty="0">
-                <a:solidFill>
-                  <a:schemeClr val="accent1">
-                    <a:lumMod val="75000"/>
-                  </a:schemeClr>
-                </a:solidFill>
-              </a:rPr>
-              <a:t> </a:t>
-            </a:r>
-            <a:r>
-              <a:rPr lang="en-US" sz="1600" dirty="0" err="1">
-                <a:solidFill>
-                  <a:schemeClr val="accent1">
-                    <a:lumMod val="75000"/>
-                  </a:schemeClr>
-                </a:solidFill>
-              </a:rPr>
-              <a:t>en</a:t>
-            </a:r>
-            <a:r>
-              <a:rPr lang="en-US" sz="1600" dirty="0">
-                <a:solidFill>
-                  <a:schemeClr val="accent1">
-                    <a:lumMod val="75000"/>
-                  </a:schemeClr>
-                </a:solidFill>
-              </a:rPr>
-              <a:t> </a:t>
-            </a:r>
-            <a:r>
-              <a:rPr lang="en-US" sz="1600" dirty="0" err="1">
-                <a:solidFill>
-                  <a:schemeClr val="accent1">
-                    <a:lumMod val="75000"/>
-                  </a:schemeClr>
-                </a:solidFill>
-              </a:rPr>
-              <a:t>mapp</a:t>
-            </a:r>
-            <a:endParaRPr lang="en-SE" sz="1600" dirty="0">
-              <a:solidFill>
-                <a:schemeClr val="accent1">
-                  <a:lumMod val="75000"/>
-                </a:schemeClr>
-              </a:solidFill>
-            </a:endParaRPr>
-          </a:p>
-        </p:txBody>
-      </p:sp>
-      <p:sp>
-        <p:nvSpPr>
-          <p:cNvPr id="9" name="TextBox 8">
-            <a:extLst>
-              <a:ext uri="{FF2B5EF4-FFF2-40B4-BE49-F238E27FC236}">
-                <a16:creationId xmlns:a16="http://schemas.microsoft.com/office/drawing/2014/main" id="{784E0EC9-5821-4973-8E19-A91004AE1EBB}"/>
-              </a:ext>
-            </a:extLst>
-          </p:cNvPr>
-          <p:cNvSpPr txBox="1"/>
-          <p:nvPr/>
-        </p:nvSpPr>
-        <p:spPr>
-          <a:xfrm>
-            <a:off x="6218968" y="4958907"/>
-            <a:ext cx="4349909" cy="338554"/>
-          </a:xfrm>
-          <a:prstGeom prst="rect">
-            <a:avLst/>
-          </a:prstGeom>
-          <a:noFill/>
-        </p:spPr>
-        <p:txBody>
-          <a:bodyPr wrap="none" rtlCol="0">
-            <a:spAutoFit/>
-          </a:bodyPr>
-          <a:lstStyle/>
-          <a:p>
-            <a:r>
-              <a:rPr lang="en-US" sz="1600" dirty="0">
-                <a:solidFill>
-                  <a:schemeClr val="accent1">
-                    <a:lumMod val="75000"/>
-                  </a:schemeClr>
-                </a:solidFill>
-              </a:rPr>
-              <a:t>2. </a:t>
-            </a:r>
-            <a:r>
-              <a:rPr lang="en-US" sz="1600" dirty="0" err="1">
-                <a:solidFill>
-                  <a:schemeClr val="accent1">
-                    <a:lumMod val="75000"/>
-                  </a:schemeClr>
-                </a:solidFill>
-              </a:rPr>
-              <a:t>Definera</a:t>
-            </a:r>
-            <a:r>
-              <a:rPr lang="en-US" sz="1600" dirty="0">
-                <a:solidFill>
-                  <a:schemeClr val="accent1">
-                    <a:lumMod val="75000"/>
-                  </a:schemeClr>
-                </a:solidFill>
-              </a:rPr>
-              <a:t> </a:t>
-            </a:r>
-            <a:r>
-              <a:rPr lang="en-US" sz="1600" dirty="0" err="1">
-                <a:solidFill>
-                  <a:schemeClr val="accent1">
-                    <a:lumMod val="75000"/>
-                  </a:schemeClr>
-                </a:solidFill>
-              </a:rPr>
-              <a:t>komponenten</a:t>
-            </a:r>
-            <a:r>
-              <a:rPr lang="en-US" sz="1600" dirty="0">
-                <a:solidFill>
-                  <a:schemeClr val="accent1">
-                    <a:lumMod val="75000"/>
-                  </a:schemeClr>
-                </a:solidFill>
-              </a:rPr>
-              <a:t> </a:t>
-            </a:r>
-            <a:r>
-              <a:rPr lang="en-US" sz="1600" dirty="0" err="1">
-                <a:solidFill>
-                  <a:schemeClr val="accent1">
-                    <a:lumMod val="75000"/>
-                  </a:schemeClr>
-                </a:solidFill>
-              </a:rPr>
-              <a:t>i</a:t>
-            </a:r>
-            <a:r>
-              <a:rPr lang="en-US" sz="1600" dirty="0">
-                <a:solidFill>
-                  <a:schemeClr val="accent1">
-                    <a:lumMod val="75000"/>
-                  </a:schemeClr>
-                </a:solidFill>
-              </a:rPr>
-              <a:t> components </a:t>
-            </a:r>
-            <a:r>
-              <a:rPr lang="en-US" sz="1600" dirty="0" err="1">
-                <a:solidFill>
-                  <a:schemeClr val="accent1">
-                    <a:lumMod val="75000"/>
-                  </a:schemeClr>
-                </a:solidFill>
-              </a:rPr>
-              <a:t>sektionen</a:t>
-            </a:r>
-            <a:endParaRPr lang="en-SE" sz="1600" dirty="0">
-              <a:solidFill>
-                <a:schemeClr val="accent1">
-                  <a:lumMod val="75000"/>
-                </a:schemeClr>
-              </a:solidFill>
-            </a:endParaRPr>
-          </a:p>
-        </p:txBody>
-      </p:sp>
-      <p:sp>
-        <p:nvSpPr>
-          <p:cNvPr id="11" name="TextBox 10">
-            <a:extLst>
-              <a:ext uri="{FF2B5EF4-FFF2-40B4-BE49-F238E27FC236}">
-                <a16:creationId xmlns:a16="http://schemas.microsoft.com/office/drawing/2014/main" id="{5ECD41CF-3EBD-40DD-A7D7-5C0883770EB6}"/>
-              </a:ext>
-            </a:extLst>
-          </p:cNvPr>
-          <p:cNvSpPr txBox="1"/>
-          <p:nvPr/>
-        </p:nvSpPr>
-        <p:spPr>
-          <a:xfrm>
-            <a:off x="5925085" y="2796487"/>
-            <a:ext cx="4403257" cy="584775"/>
-          </a:xfrm>
-          <a:prstGeom prst="rect">
-            <a:avLst/>
-          </a:prstGeom>
-          <a:noFill/>
-        </p:spPr>
-        <p:txBody>
-          <a:bodyPr wrap="none" rtlCol="0">
-            <a:spAutoFit/>
-          </a:bodyPr>
-          <a:lstStyle/>
-          <a:p>
-            <a:r>
-              <a:rPr lang="en-US" sz="1600" dirty="0">
-                <a:solidFill>
-                  <a:schemeClr val="accent1">
-                    <a:lumMod val="75000"/>
-                  </a:schemeClr>
-                </a:solidFill>
-              </a:rPr>
-              <a:t>3. </a:t>
-            </a:r>
-            <a:r>
-              <a:rPr lang="en-US" sz="1600" dirty="0" err="1">
-                <a:solidFill>
-                  <a:schemeClr val="accent1">
-                    <a:lumMod val="75000"/>
-                  </a:schemeClr>
-                </a:solidFill>
-              </a:rPr>
-              <a:t>Använd</a:t>
-            </a:r>
-            <a:r>
-              <a:rPr lang="en-US" sz="1600" dirty="0">
-                <a:solidFill>
-                  <a:schemeClr val="accent1">
-                    <a:lumMod val="75000"/>
-                  </a:schemeClr>
-                </a:solidFill>
-              </a:rPr>
-              <a:t> </a:t>
-            </a:r>
-            <a:r>
-              <a:rPr lang="en-US" sz="1600" dirty="0" err="1">
-                <a:solidFill>
-                  <a:schemeClr val="accent1">
-                    <a:lumMod val="75000"/>
-                  </a:schemeClr>
-                </a:solidFill>
-              </a:rPr>
-              <a:t>komponenten</a:t>
-            </a:r>
-            <a:r>
-              <a:rPr lang="en-US" sz="1600" dirty="0">
-                <a:solidFill>
-                  <a:schemeClr val="accent1">
-                    <a:lumMod val="75000"/>
-                  </a:schemeClr>
-                </a:solidFill>
-              </a:rPr>
-              <a:t> </a:t>
-            </a:r>
-            <a:r>
-              <a:rPr lang="en-US" sz="1600" dirty="0" err="1">
-                <a:solidFill>
-                  <a:schemeClr val="accent1">
-                    <a:lumMod val="75000"/>
-                  </a:schemeClr>
-                </a:solidFill>
-              </a:rPr>
-              <a:t>som</a:t>
-            </a:r>
-            <a:r>
-              <a:rPr lang="en-US" sz="1600" dirty="0">
-                <a:solidFill>
-                  <a:schemeClr val="accent1">
-                    <a:lumMod val="75000"/>
-                  </a:schemeClr>
-                </a:solidFill>
-              </a:rPr>
-              <a:t> </a:t>
-            </a:r>
-            <a:r>
-              <a:rPr lang="en-US" sz="1600" dirty="0" err="1">
-                <a:solidFill>
-                  <a:schemeClr val="accent1">
-                    <a:lumMod val="75000"/>
-                  </a:schemeClr>
-                </a:solidFill>
-              </a:rPr>
-              <a:t>en</a:t>
-            </a:r>
-            <a:r>
-              <a:rPr lang="en-US" sz="1600" dirty="0">
-                <a:solidFill>
-                  <a:schemeClr val="accent1">
-                    <a:lumMod val="75000"/>
-                  </a:schemeClr>
-                </a:solidFill>
-              </a:rPr>
-              <a:t> </a:t>
-            </a:r>
-            <a:r>
-              <a:rPr lang="en-US" sz="1600" dirty="0" err="1">
-                <a:solidFill>
-                  <a:schemeClr val="accent1">
-                    <a:lumMod val="75000"/>
-                  </a:schemeClr>
-                </a:solidFill>
-              </a:rPr>
-              <a:t>vanlig</a:t>
-            </a:r>
-            <a:r>
-              <a:rPr lang="en-US" sz="1600" dirty="0">
-                <a:solidFill>
-                  <a:schemeClr val="accent1">
-                    <a:lumMod val="75000"/>
-                  </a:schemeClr>
-                </a:solidFill>
-              </a:rPr>
-              <a:t> HTML </a:t>
-            </a:r>
-            <a:r>
-              <a:rPr lang="en-US" sz="1600" dirty="0" err="1">
-                <a:solidFill>
-                  <a:schemeClr val="accent1">
-                    <a:lumMod val="75000"/>
-                  </a:schemeClr>
-                </a:solidFill>
-              </a:rPr>
-              <a:t>tagg</a:t>
-            </a:r>
-            <a:r>
-              <a:rPr lang="en-US" sz="1600" dirty="0">
-                <a:solidFill>
-                  <a:schemeClr val="accent1">
-                    <a:lumMod val="75000"/>
-                  </a:schemeClr>
-                </a:solidFill>
-              </a:rPr>
-              <a:t> </a:t>
-            </a:r>
-            <a:br>
-              <a:rPr lang="en-US" sz="1600" dirty="0">
-                <a:solidFill>
-                  <a:schemeClr val="accent1">
-                    <a:lumMod val="75000"/>
-                  </a:schemeClr>
-                </a:solidFill>
-              </a:rPr>
-            </a:br>
-            <a:r>
-              <a:rPr lang="en-US" sz="1600" dirty="0">
-                <a:solidFill>
-                  <a:schemeClr val="accent1">
-                    <a:lumMod val="75000"/>
-                  </a:schemeClr>
-                </a:solidFill>
-              </a:rPr>
-              <a:t>men med </a:t>
-            </a:r>
-            <a:r>
-              <a:rPr lang="en-US" sz="1600" dirty="0" err="1">
-                <a:solidFill>
-                  <a:schemeClr val="accent1">
-                    <a:lumMod val="75000"/>
-                  </a:schemeClr>
-                </a:solidFill>
-              </a:rPr>
-              <a:t>komponentens</a:t>
-            </a:r>
-            <a:r>
-              <a:rPr lang="en-US" sz="1600" dirty="0">
-                <a:solidFill>
-                  <a:schemeClr val="accent1">
-                    <a:lumMod val="75000"/>
-                  </a:schemeClr>
-                </a:solidFill>
-              </a:rPr>
-              <a:t> </a:t>
-            </a:r>
-            <a:r>
-              <a:rPr lang="en-US" sz="1600" dirty="0" err="1">
-                <a:solidFill>
-                  <a:schemeClr val="accent1">
-                    <a:lumMod val="75000"/>
-                  </a:schemeClr>
-                </a:solidFill>
-              </a:rPr>
-              <a:t>namn</a:t>
-            </a:r>
-            <a:endParaRPr lang="en-SE" sz="1600" dirty="0">
-              <a:solidFill>
-                <a:schemeClr val="accent1">
-                  <a:lumMod val="75000"/>
-                </a:schemeClr>
-              </a:solidFill>
-            </a:endParaRPr>
-          </a:p>
-        </p:txBody>
-      </p:sp>
-    </p:spTree>
-    <p:extLst>
-      <p:ext uri="{BB962C8B-B14F-4D97-AF65-F5344CB8AC3E}">
-        <p14:creationId xmlns:p14="http://schemas.microsoft.com/office/powerpoint/2010/main" val="685013374"/>
-      </p:ext>
-    </p:extLst>
-  </p:cSld>
-  <p:clrMapOvr>
-    <a:masterClrMapping/>
-  </p:clrMapOvr>
-</p:sld>
-</file>
-
-<file path=ppt/slides/slide19.xml><?xml version="1.0" encoding="utf-8"?>
-<p:sld xmlns:a="http://schemas.openxmlformats.org/drawingml/2006/main" xmlns:r="http://schemas.openxmlformats.org/officeDocument/2006/relationships" xmlns:p="http://schemas.openxmlformats.org/presentationml/2006/main">
-  <p:cSld>
-    <p:spTree>
-      <p:nvGrpSpPr>
-        <p:cNvPr id="1" name=""/>
-        <p:cNvGrpSpPr/>
-        <p:nvPr/>
-      </p:nvGrpSpPr>
-      <p:grpSpPr>
-        <a:xfrm>
-          <a:off x="0" y="0"/>
-          <a:ext cx="0" cy="0"/>
-          <a:chOff x="0" y="0"/>
-          <a:chExt cx="0" cy="0"/>
-        </a:xfrm>
-      </p:grpSpPr>
-      <p:sp>
-        <p:nvSpPr>
-          <p:cNvPr id="2" name="Title 1">
-            <a:extLst>
-              <a:ext uri="{FF2B5EF4-FFF2-40B4-BE49-F238E27FC236}">
-                <a16:creationId xmlns:a16="http://schemas.microsoft.com/office/drawing/2014/main" id="{8EDAE078-3CB3-4D1F-8E4E-75C6D5DA8D1A}"/>
-              </a:ext>
-            </a:extLst>
-          </p:cNvPr>
-          <p:cNvSpPr>
-            <a:spLocks noGrp="1"/>
-          </p:cNvSpPr>
-          <p:nvPr>
-            <p:ph type="title"/>
-          </p:nvPr>
-        </p:nvSpPr>
-        <p:spPr>
-          <a:xfrm>
-            <a:off x="1203434" y="382385"/>
-            <a:ext cx="10893973" cy="596023"/>
-          </a:xfrm>
-        </p:spPr>
-        <p:txBody>
-          <a:bodyPr>
-            <a:normAutofit fontScale="90000"/>
-          </a:bodyPr>
-          <a:lstStyle/>
-          <a:p>
-            <a:pPr algn="ctr"/>
-            <a:r>
-              <a:rPr lang="en-US" sz="4000" dirty="0" err="1">
-                <a:latin typeface="Gill Sans MT (Body)"/>
-              </a:rPr>
-              <a:t>Bygga</a:t>
-            </a:r>
-            <a:r>
-              <a:rPr lang="en-US" sz="4000" dirty="0">
-                <a:latin typeface="Gill Sans MT (Body)"/>
-              </a:rPr>
-              <a:t> med </a:t>
-            </a:r>
-            <a:r>
-              <a:rPr lang="en-US" sz="4000" dirty="0" err="1">
-                <a:latin typeface="Gill Sans MT (Body)"/>
-              </a:rPr>
-              <a:t>komponenter</a:t>
-            </a:r>
-            <a:r>
-              <a:rPr lang="en-US" sz="4000" dirty="0">
-                <a:latin typeface="Gill Sans MT (Body)"/>
-              </a:rPr>
-              <a:t> </a:t>
-            </a:r>
-            <a:r>
-              <a:rPr lang="en-US" sz="4000" dirty="0" err="1">
-                <a:latin typeface="Gill Sans MT (Body)"/>
-              </a:rPr>
-              <a:t>Exempel</a:t>
-            </a:r>
-            <a:endParaRPr lang="en-US" sz="4000" dirty="0">
-              <a:latin typeface="Bodoni MT" panose="02070603080606020203" pitchFamily="18" charset="0"/>
-            </a:endParaRPr>
-          </a:p>
-        </p:txBody>
-      </p:sp>
-      <p:pic>
-        <p:nvPicPr>
-          <p:cNvPr id="10" name="Picture 9">
-            <a:extLst>
-              <a:ext uri="{FF2B5EF4-FFF2-40B4-BE49-F238E27FC236}">
-                <a16:creationId xmlns:a16="http://schemas.microsoft.com/office/drawing/2014/main" id="{54DCF84D-7185-4E6D-926A-784B9F2D7673}"/>
-              </a:ext>
-            </a:extLst>
-          </p:cNvPr>
-          <p:cNvPicPr>
-            <a:picLocks noChangeAspect="1"/>
-          </p:cNvPicPr>
-          <p:nvPr/>
-        </p:nvPicPr>
-        <p:blipFill>
-          <a:blip r:embed="rId2"/>
-          <a:stretch>
-            <a:fillRect/>
-          </a:stretch>
-        </p:blipFill>
-        <p:spPr>
-          <a:xfrm>
-            <a:off x="1042381" y="3051759"/>
-            <a:ext cx="5735010" cy="3230638"/>
-          </a:xfrm>
-          <a:prstGeom prst="rect">
-            <a:avLst/>
-          </a:prstGeom>
-        </p:spPr>
-      </p:pic>
-      <p:sp>
-        <p:nvSpPr>
-          <p:cNvPr id="5" name="TextBox 4">
-            <a:extLst>
-              <a:ext uri="{FF2B5EF4-FFF2-40B4-BE49-F238E27FC236}">
-                <a16:creationId xmlns:a16="http://schemas.microsoft.com/office/drawing/2014/main" id="{49F22C67-242E-4365-A378-2807E93FEC00}"/>
-              </a:ext>
-            </a:extLst>
-          </p:cNvPr>
-          <p:cNvSpPr txBox="1"/>
-          <p:nvPr/>
-        </p:nvSpPr>
-        <p:spPr>
-          <a:xfrm>
-            <a:off x="1900969" y="978408"/>
-            <a:ext cx="9127222" cy="2031325"/>
-          </a:xfrm>
-          <a:prstGeom prst="rect">
-            <a:avLst/>
-          </a:prstGeom>
-          <a:noFill/>
-        </p:spPr>
-        <p:txBody>
-          <a:bodyPr wrap="square" rtlCol="0">
-            <a:spAutoFit/>
-          </a:bodyPr>
-          <a:lstStyle/>
-          <a:p>
-            <a:pPr marL="285750" indent="-285750">
-              <a:buFont typeface="Arial" panose="020B0604020202020204" pitchFamily="34" charset="0"/>
-              <a:buChar char="•"/>
-            </a:pPr>
-            <a:r>
-              <a:rPr lang="sv-SE" dirty="0">
-                <a:solidFill>
-                  <a:schemeClr val="tx1">
-                    <a:lumMod val="65000"/>
-                    <a:lumOff val="35000"/>
-                  </a:schemeClr>
-                </a:solidFill>
-                <a:latin typeface="Gill Sans MT (Body)"/>
-                <a:cs typeface="Times New Roman" panose="02020603050405020304" pitchFamily="18" charset="0"/>
-              </a:rPr>
-              <a:t>Vi har en huvudkomponent </a:t>
-            </a:r>
-            <a:r>
-              <a:rPr lang="sv-SE" dirty="0">
-                <a:solidFill>
-                  <a:schemeClr val="tx2">
-                    <a:lumMod val="75000"/>
-                    <a:lumOff val="25000"/>
-                  </a:schemeClr>
-                </a:solidFill>
-                <a:latin typeface="Gill Sans MT (Body)"/>
-                <a:cs typeface="Times New Roman" panose="02020603050405020304" pitchFamily="18" charset="0"/>
-              </a:rPr>
-              <a:t>app-7</a:t>
-            </a:r>
-            <a:r>
-              <a:rPr lang="sv-SE" dirty="0">
-                <a:solidFill>
-                  <a:schemeClr val="tx1">
-                    <a:lumMod val="65000"/>
-                    <a:lumOff val="35000"/>
-                  </a:schemeClr>
-                </a:solidFill>
-                <a:latin typeface="Gill Sans MT (Body)"/>
-                <a:cs typeface="Times New Roman" panose="02020603050405020304" pitchFamily="18" charset="0"/>
-              </a:rPr>
-              <a:t> och en </a:t>
-            </a:r>
-            <a:r>
-              <a:rPr lang="sv-SE" dirty="0" err="1">
-                <a:solidFill>
-                  <a:schemeClr val="tx1">
-                    <a:lumMod val="65000"/>
-                    <a:lumOff val="35000"/>
-                  </a:schemeClr>
-                </a:solidFill>
-                <a:latin typeface="Gill Sans MT (Body)"/>
-                <a:cs typeface="Times New Roman" panose="02020603050405020304" pitchFamily="18" charset="0"/>
-              </a:rPr>
-              <a:t>child</a:t>
-            </a:r>
-            <a:r>
-              <a:rPr lang="sv-SE" dirty="0">
-                <a:solidFill>
-                  <a:schemeClr val="tx1">
-                    <a:lumMod val="65000"/>
-                    <a:lumOff val="35000"/>
-                  </a:schemeClr>
-                </a:solidFill>
-                <a:latin typeface="Gill Sans MT (Body)"/>
-                <a:cs typeface="Times New Roman" panose="02020603050405020304" pitchFamily="18" charset="0"/>
-              </a:rPr>
-              <a:t>-komponent </a:t>
-            </a:r>
-            <a:r>
-              <a:rPr lang="sv-SE" dirty="0" err="1">
-                <a:solidFill>
-                  <a:schemeClr val="tx2">
-                    <a:lumMod val="75000"/>
-                    <a:lumOff val="25000"/>
-                  </a:schemeClr>
-                </a:solidFill>
-                <a:latin typeface="Gill Sans MT (Body)"/>
-                <a:cs typeface="Times New Roman" panose="02020603050405020304" pitchFamily="18" charset="0"/>
-              </a:rPr>
-              <a:t>todo</a:t>
-            </a:r>
-            <a:r>
-              <a:rPr lang="sv-SE" dirty="0">
-                <a:solidFill>
-                  <a:schemeClr val="tx2">
-                    <a:lumMod val="75000"/>
-                    <a:lumOff val="25000"/>
-                  </a:schemeClr>
-                </a:solidFill>
-                <a:latin typeface="Gill Sans MT (Body)"/>
-                <a:cs typeface="Times New Roman" panose="02020603050405020304" pitchFamily="18" charset="0"/>
-              </a:rPr>
-              <a:t>-item</a:t>
-            </a:r>
-            <a:r>
-              <a:rPr lang="sv-SE" dirty="0">
-                <a:solidFill>
-                  <a:schemeClr val="tx1">
-                    <a:lumMod val="65000"/>
-                    <a:lumOff val="35000"/>
-                  </a:schemeClr>
-                </a:solidFill>
-                <a:latin typeface="Gill Sans MT (Body)"/>
-                <a:cs typeface="Times New Roman" panose="02020603050405020304" pitchFamily="18" charset="0"/>
-              </a:rPr>
-              <a:t>. </a:t>
-            </a:r>
-          </a:p>
-          <a:p>
-            <a:pPr marL="285750" indent="-285750">
-              <a:buFont typeface="Arial" panose="020B0604020202020204" pitchFamily="34" charset="0"/>
-              <a:buChar char="•"/>
-            </a:pPr>
-            <a:endParaRPr lang="sv-SE" dirty="0">
-              <a:solidFill>
-                <a:schemeClr val="tx1">
-                  <a:lumMod val="65000"/>
-                  <a:lumOff val="35000"/>
-                </a:schemeClr>
-              </a:solidFill>
-              <a:latin typeface="Gill Sans MT (Body)"/>
-              <a:cs typeface="Times New Roman" panose="02020603050405020304" pitchFamily="18" charset="0"/>
-            </a:endParaRPr>
-          </a:p>
-          <a:p>
-            <a:pPr marL="285750" indent="-285750">
-              <a:buFont typeface="Arial" panose="020B0604020202020204" pitchFamily="34" charset="0"/>
-              <a:buChar char="•"/>
-            </a:pPr>
-            <a:r>
-              <a:rPr lang="sv-SE" dirty="0">
-                <a:solidFill>
-                  <a:schemeClr val="tx1">
-                    <a:lumMod val="65000"/>
-                    <a:lumOff val="35000"/>
-                  </a:schemeClr>
-                </a:solidFill>
-                <a:latin typeface="Gill Sans MT (Body)"/>
-                <a:cs typeface="Times New Roman" panose="02020603050405020304" pitchFamily="18" charset="0"/>
-              </a:rPr>
-              <a:t>I exemplet har vi inkluderat  </a:t>
-            </a:r>
-            <a:r>
-              <a:rPr lang="sv-SE" dirty="0" err="1">
-                <a:solidFill>
-                  <a:schemeClr val="tx1">
-                    <a:lumMod val="65000"/>
-                    <a:lumOff val="35000"/>
-                  </a:schemeClr>
-                </a:solidFill>
-                <a:latin typeface="Gill Sans MT (Body)"/>
-                <a:cs typeface="Times New Roman" panose="02020603050405020304" pitchFamily="18" charset="0"/>
-              </a:rPr>
-              <a:t>Vue</a:t>
-            </a:r>
-            <a:r>
-              <a:rPr lang="sv-SE" dirty="0">
-                <a:solidFill>
-                  <a:schemeClr val="tx1">
-                    <a:lumMod val="65000"/>
-                    <a:lumOff val="35000"/>
-                  </a:schemeClr>
-                </a:solidFill>
-                <a:latin typeface="Gill Sans MT (Body)"/>
-                <a:cs typeface="Times New Roman" panose="02020603050405020304" pitchFamily="18" charset="0"/>
-              </a:rPr>
-              <a:t>, men i ett CLI-projekt måste man importera och inkludera komponenter som man vill använda.</a:t>
-            </a:r>
-          </a:p>
-          <a:p>
-            <a:pPr marL="285750" indent="-285750">
-              <a:buFont typeface="Arial" panose="020B0604020202020204" pitchFamily="34" charset="0"/>
-              <a:buChar char="•"/>
-            </a:pPr>
-            <a:endParaRPr lang="sv-SE" dirty="0">
-              <a:solidFill>
-                <a:schemeClr val="tx1">
-                  <a:lumMod val="65000"/>
-                  <a:lumOff val="35000"/>
-                </a:schemeClr>
-              </a:solidFill>
-              <a:latin typeface="Gill Sans MT (Body)"/>
-              <a:cs typeface="Times New Roman" panose="02020603050405020304" pitchFamily="18" charset="0"/>
-            </a:endParaRPr>
-          </a:p>
-          <a:p>
-            <a:pPr marL="285750" indent="-285750">
-              <a:buFont typeface="Arial" panose="020B0604020202020204" pitchFamily="34" charset="0"/>
-              <a:buChar char="•"/>
-            </a:pPr>
-            <a:r>
-              <a:rPr lang="sv-SE" dirty="0">
-                <a:solidFill>
-                  <a:schemeClr val="tx1">
-                    <a:lumMod val="65000"/>
-                    <a:lumOff val="35000"/>
-                  </a:schemeClr>
-                </a:solidFill>
-                <a:latin typeface="Gill Sans MT (Body)"/>
-                <a:cs typeface="Times New Roman" panose="02020603050405020304" pitchFamily="18" charset="0"/>
-              </a:rPr>
-              <a:t>Komponenten </a:t>
-            </a:r>
-            <a:r>
-              <a:rPr lang="sv-SE" dirty="0" err="1">
-                <a:solidFill>
-                  <a:schemeClr val="tx2">
-                    <a:lumMod val="75000"/>
-                    <a:lumOff val="25000"/>
-                  </a:schemeClr>
-                </a:solidFill>
-                <a:latin typeface="Gill Sans MT (Body)"/>
-                <a:cs typeface="Times New Roman" panose="02020603050405020304" pitchFamily="18" charset="0"/>
-              </a:rPr>
-              <a:t>todo</a:t>
-            </a:r>
-            <a:r>
-              <a:rPr lang="sv-SE" dirty="0">
-                <a:solidFill>
-                  <a:schemeClr val="tx2">
-                    <a:lumMod val="75000"/>
-                    <a:lumOff val="25000"/>
-                  </a:schemeClr>
-                </a:solidFill>
-                <a:latin typeface="Gill Sans MT (Body)"/>
-                <a:cs typeface="Times New Roman" panose="02020603050405020304" pitchFamily="18" charset="0"/>
-              </a:rPr>
-              <a:t>-item</a:t>
-            </a:r>
-            <a:r>
-              <a:rPr lang="sv-SE" dirty="0">
-                <a:solidFill>
-                  <a:schemeClr val="tx1">
-                    <a:lumMod val="65000"/>
-                    <a:lumOff val="35000"/>
-                  </a:schemeClr>
-                </a:solidFill>
-                <a:latin typeface="Gill Sans MT (Body)"/>
-                <a:cs typeface="Times New Roman" panose="02020603050405020304" pitchFamily="18" charset="0"/>
-              </a:rPr>
-              <a:t> skriver får in ett objekt och skriver ut det.</a:t>
-            </a:r>
-            <a:br>
-              <a:rPr lang="sv-SE" dirty="0">
-                <a:solidFill>
-                  <a:schemeClr val="tx1">
-                    <a:lumMod val="65000"/>
-                    <a:lumOff val="35000"/>
-                  </a:schemeClr>
-                </a:solidFill>
-                <a:latin typeface="Gill Sans MT (Body)"/>
-                <a:cs typeface="Times New Roman" panose="02020603050405020304" pitchFamily="18" charset="0"/>
-              </a:rPr>
-            </a:br>
-            <a:endParaRPr lang="sv-SE" dirty="0">
-              <a:solidFill>
-                <a:schemeClr val="tx1">
-                  <a:lumMod val="65000"/>
-                  <a:lumOff val="35000"/>
-                </a:schemeClr>
-              </a:solidFill>
-              <a:latin typeface="Gill Sans MT (Body)"/>
-              <a:cs typeface="Times New Roman" panose="02020603050405020304" pitchFamily="18" charset="0"/>
-            </a:endParaRPr>
-          </a:p>
-        </p:txBody>
-      </p:sp>
-      <p:pic>
-        <p:nvPicPr>
-          <p:cNvPr id="6" name="Picture 5">
-            <a:extLst>
-              <a:ext uri="{FF2B5EF4-FFF2-40B4-BE49-F238E27FC236}">
-                <a16:creationId xmlns:a16="http://schemas.microsoft.com/office/drawing/2014/main" id="{33C20DFF-7F25-441B-9AC7-5D5B44FBAC7D}"/>
-              </a:ext>
-            </a:extLst>
-          </p:cNvPr>
-          <p:cNvPicPr>
-            <a:picLocks noChangeAspect="1"/>
-          </p:cNvPicPr>
-          <p:nvPr/>
-        </p:nvPicPr>
-        <p:blipFill>
-          <a:blip r:embed="rId3"/>
-          <a:stretch>
-            <a:fillRect/>
-          </a:stretch>
-        </p:blipFill>
-        <p:spPr>
-          <a:xfrm>
-            <a:off x="6391275" y="2669544"/>
-            <a:ext cx="5124000" cy="4020814"/>
-          </a:xfrm>
-          <a:prstGeom prst="rect">
-            <a:avLst/>
-          </a:prstGeom>
-        </p:spPr>
-      </p:pic>
-    </p:spTree>
-    <p:extLst>
-      <p:ext uri="{BB962C8B-B14F-4D97-AF65-F5344CB8AC3E}">
-        <p14:creationId xmlns:p14="http://schemas.microsoft.com/office/powerpoint/2010/main" val="848908645"/>
-      </p:ext>
-    </p:extLst>
-  </p:cSld>
-  <p:clrMapOvr>
-    <a:masterClrMapping/>
-  </p:clrMapOvr>
-</p:sld>
-</file>
-
 <file path=ppt/slides/slide2.xml><?xml version="1.0" encoding="utf-8"?>
 <p:sld xmlns:a="http://schemas.openxmlformats.org/drawingml/2006/main" xmlns:r="http://schemas.openxmlformats.org/officeDocument/2006/relationships" xmlns:p="http://schemas.openxmlformats.org/presentationml/2006/main">
   <p:cSld>
@@ -11936,321 +7553,17 @@
               <a:rPr lang="en-US" sz="4000" dirty="0">
                 <a:latin typeface="Gill Sans MT (Body)"/>
               </a:rPr>
-              <a:t>Vue.js</a:t>
-            </a:r>
-          </a:p>
-        </p:txBody>
-      </p:sp>
-      <p:sp>
-        <p:nvSpPr>
-          <p:cNvPr id="3" name="Content Placeholder 2">
-            <a:extLst>
-              <a:ext uri="{FF2B5EF4-FFF2-40B4-BE49-F238E27FC236}">
-                <a16:creationId xmlns:a16="http://schemas.microsoft.com/office/drawing/2014/main" id="{6797BDE5-A8BD-4286-8221-21664A41BD79}"/>
-              </a:ext>
-            </a:extLst>
-          </p:cNvPr>
-          <p:cNvSpPr>
-            <a:spLocks noGrp="1"/>
-          </p:cNvSpPr>
-          <p:nvPr>
-            <p:ph idx="1"/>
-          </p:nvPr>
-        </p:nvSpPr>
-        <p:spPr>
-          <a:xfrm>
-            <a:off x="1444183" y="1085228"/>
-            <a:ext cx="10178322" cy="5508077"/>
-          </a:xfrm>
-        </p:spPr>
-        <p:txBody>
-          <a:bodyPr>
-            <a:normAutofit fontScale="77500" lnSpcReduction="20000"/>
-          </a:bodyPr>
-          <a:lstStyle/>
-          <a:p>
-            <a:r>
-              <a:rPr lang="sv-SE" sz="2800" dirty="0" err="1">
-                <a:latin typeface="Gill Sans MT (Body)"/>
-                <a:cs typeface="Times New Roman" panose="02020603050405020304" pitchFamily="18" charset="0"/>
-              </a:rPr>
-              <a:t>Vue</a:t>
-            </a:r>
-            <a:r>
-              <a:rPr lang="sv-SE" sz="2800" dirty="0">
-                <a:latin typeface="Gill Sans MT (Body)"/>
-                <a:cs typeface="Times New Roman" panose="02020603050405020304" pitchFamily="18" charset="0"/>
-              </a:rPr>
-              <a:t> är ett </a:t>
-            </a:r>
-            <a:r>
-              <a:rPr lang="sv-SE" sz="2800" u="sng" dirty="0">
-                <a:latin typeface="Gill Sans MT (Body)"/>
-                <a:cs typeface="Times New Roman" panose="02020603050405020304" pitchFamily="18" charset="0"/>
-              </a:rPr>
-              <a:t>progressivt</a:t>
-            </a:r>
-            <a:r>
-              <a:rPr lang="sv-SE" sz="2800" dirty="0">
-                <a:latin typeface="Gill Sans MT (Body)"/>
-                <a:cs typeface="Times New Roman" panose="02020603050405020304" pitchFamily="18" charset="0"/>
-              </a:rPr>
-              <a:t> ramverk för att bygga användargränssnitt</a:t>
-            </a:r>
-          </a:p>
-          <a:p>
-            <a:endParaRPr lang="en-US" sz="2800" dirty="0">
-              <a:latin typeface="Gill Sans MT (Body)"/>
-              <a:cs typeface="Times New Roman" panose="02020603050405020304" pitchFamily="18" charset="0"/>
-            </a:endParaRPr>
-          </a:p>
-          <a:p>
-            <a:r>
-              <a:rPr lang="sv-SE" sz="2800" dirty="0" err="1">
-                <a:latin typeface="Gill Sans MT (Body)"/>
-                <a:cs typeface="Times New Roman" panose="02020603050405020304" pitchFamily="18" charset="0"/>
-              </a:rPr>
-              <a:t>Core</a:t>
-            </a:r>
-            <a:r>
-              <a:rPr lang="sv-SE" sz="2800" dirty="0">
-                <a:latin typeface="Gill Sans MT (Body)"/>
-                <a:cs typeface="Times New Roman" panose="02020603050405020304" pitchFamily="18" charset="0"/>
-              </a:rPr>
-              <a:t> delen av ramverket är endast fokuserat på visningsskiktet och är enkelt att komma igång med</a:t>
-            </a:r>
-          </a:p>
-          <a:p>
-            <a:endParaRPr lang="sv-SE" sz="2800" dirty="0">
-              <a:latin typeface="Gill Sans MT (Body)"/>
-              <a:cs typeface="Times New Roman" panose="02020603050405020304" pitchFamily="18" charset="0"/>
-            </a:endParaRPr>
-          </a:p>
-          <a:p>
-            <a:r>
-              <a:rPr lang="sv-SE" sz="2800" dirty="0" err="1">
-                <a:latin typeface="Gill Sans MT (Body)"/>
-                <a:cs typeface="Times New Roman" panose="02020603050405020304" pitchFamily="18" charset="0"/>
-              </a:rPr>
-              <a:t>Vue</a:t>
-            </a:r>
-            <a:r>
-              <a:rPr lang="sv-SE" sz="2800" dirty="0">
-                <a:latin typeface="Gill Sans MT (Body)"/>
-                <a:cs typeface="Times New Roman" panose="02020603050405020304" pitchFamily="18" charset="0"/>
-              </a:rPr>
-              <a:t> är också fullt kapabelt att bygga sofistikerade applikationer (</a:t>
-            </a:r>
-            <a:r>
-              <a:rPr lang="sv-SE" sz="2800" dirty="0" err="1">
-                <a:latin typeface="Gill Sans MT (Body)"/>
-                <a:cs typeface="Times New Roman" panose="02020603050405020304" pitchFamily="18" charset="0"/>
-              </a:rPr>
-              <a:t>Single</a:t>
-            </a:r>
-            <a:r>
-              <a:rPr lang="sv-SE" sz="2800" dirty="0">
-                <a:latin typeface="Gill Sans MT (Body)"/>
-                <a:cs typeface="Times New Roman" panose="02020603050405020304" pitchFamily="18" charset="0"/>
-              </a:rPr>
-              <a:t> Page </a:t>
-            </a:r>
-            <a:r>
-              <a:rPr lang="sv-SE" sz="2800" dirty="0" err="1">
-                <a:latin typeface="Gill Sans MT (Body)"/>
-                <a:cs typeface="Times New Roman" panose="02020603050405020304" pitchFamily="18" charset="0"/>
-              </a:rPr>
-              <a:t>Applications</a:t>
-            </a:r>
-            <a:r>
-              <a:rPr lang="sv-SE" sz="2800" dirty="0">
-                <a:latin typeface="Gill Sans MT (Body)"/>
-                <a:cs typeface="Times New Roman" panose="02020603050405020304" pitchFamily="18" charset="0"/>
-              </a:rPr>
-              <a:t>)</a:t>
-            </a:r>
-          </a:p>
-          <a:p>
-            <a:endParaRPr lang="sv-SE" sz="2800" dirty="0">
-              <a:latin typeface="Gill Sans MT (Body)"/>
-              <a:cs typeface="Times New Roman" panose="02020603050405020304" pitchFamily="18" charset="0"/>
-            </a:endParaRPr>
-          </a:p>
-          <a:p>
-            <a:r>
-              <a:rPr lang="sv-SE" sz="2800" dirty="0" err="1">
-                <a:latin typeface="Gill Sans MT (Body)"/>
-                <a:cs typeface="Times New Roman" panose="02020603050405020304" pitchFamily="18" charset="0"/>
-              </a:rPr>
-              <a:t>Vue</a:t>
-            </a:r>
-            <a:r>
-              <a:rPr lang="sv-SE" sz="2800" dirty="0">
-                <a:latin typeface="Gill Sans MT (Body)"/>
-                <a:cs typeface="Times New Roman" panose="02020603050405020304" pitchFamily="18" charset="0"/>
-              </a:rPr>
-              <a:t> är flexibelt och enkelt</a:t>
-            </a:r>
-          </a:p>
-          <a:p>
-            <a:endParaRPr lang="sv-SE" sz="2800" dirty="0">
-              <a:latin typeface="Gill Sans MT (Body)"/>
-              <a:cs typeface="Times New Roman" panose="02020603050405020304" pitchFamily="18" charset="0"/>
-            </a:endParaRPr>
-          </a:p>
-          <a:p>
-            <a:r>
-              <a:rPr lang="sv-SE" sz="2800" dirty="0" err="1">
-                <a:latin typeface="Gill Sans MT (Body)"/>
-                <a:cs typeface="Times New Roman" panose="02020603050405020304" pitchFamily="18" charset="0"/>
-              </a:rPr>
-              <a:t>Vue</a:t>
-            </a:r>
-            <a:r>
-              <a:rPr lang="sv-SE" sz="2800" dirty="0">
-                <a:latin typeface="Gill Sans MT (Body)"/>
-                <a:cs typeface="Times New Roman" panose="02020603050405020304" pitchFamily="18" charset="0"/>
-              </a:rPr>
-              <a:t> tillåter dig att använde det i en del av en befintlig applikation (plugin) eller hantera hela applikationen från start (CLI)</a:t>
-            </a:r>
-          </a:p>
-          <a:p>
-            <a:endParaRPr lang="sv-SE" sz="2800" dirty="0">
-              <a:latin typeface="Gill Sans MT (Body)"/>
-              <a:cs typeface="Times New Roman" panose="02020603050405020304" pitchFamily="18" charset="0"/>
-            </a:endParaRPr>
-          </a:p>
-          <a:p>
-            <a:r>
-              <a:rPr lang="sv-SE" sz="2800" dirty="0" err="1">
-                <a:latin typeface="Gill Sans MT (Body)"/>
-                <a:cs typeface="Times New Roman" panose="02020603050405020304" pitchFamily="18" charset="0"/>
-              </a:rPr>
-              <a:t>Vue-Directives</a:t>
-            </a:r>
-            <a:r>
-              <a:rPr lang="sv-SE" sz="2800" dirty="0">
-                <a:latin typeface="Gill Sans MT (Body)"/>
-                <a:cs typeface="Times New Roman" panose="02020603050405020304" pitchFamily="18" charset="0"/>
-              </a:rPr>
-              <a:t> är den del av Vue.js som lägger speciell betydelse och beteende till vanliga html-element på sidan.</a:t>
-            </a:r>
-          </a:p>
-          <a:p>
-            <a:endParaRPr lang="sv-SE" sz="2800" dirty="0">
-              <a:latin typeface="Gill Sans MT (Body)"/>
-              <a:cs typeface="Times New Roman" panose="02020603050405020304" pitchFamily="18" charset="0"/>
-            </a:endParaRPr>
-          </a:p>
-          <a:p>
-            <a:endParaRPr lang="en-US" sz="2800" dirty="0">
-              <a:latin typeface="Gill Sans MT (Body)"/>
-              <a:cs typeface="Times New Roman" panose="02020603050405020304" pitchFamily="18" charset="0"/>
-            </a:endParaRPr>
-          </a:p>
-        </p:txBody>
-      </p:sp>
-    </p:spTree>
-    <p:extLst>
-      <p:ext uri="{BB962C8B-B14F-4D97-AF65-F5344CB8AC3E}">
-        <p14:creationId xmlns:p14="http://schemas.microsoft.com/office/powerpoint/2010/main" val="1650278780"/>
-      </p:ext>
-    </p:extLst>
-  </p:cSld>
-  <p:clrMapOvr>
-    <a:masterClrMapping/>
-  </p:clrMapOvr>
-</p:sld>
-</file>
-
-<file path=ppt/slides/slide20.xml><?xml version="1.0" encoding="utf-8"?>
-<p:sld xmlns:a="http://schemas.openxmlformats.org/drawingml/2006/main" xmlns:r="http://schemas.openxmlformats.org/officeDocument/2006/relationships" xmlns:p="http://schemas.openxmlformats.org/presentationml/2006/main">
-  <p:cSld>
-    <p:spTree>
-      <p:nvGrpSpPr>
-        <p:cNvPr id="1" name=""/>
-        <p:cNvGrpSpPr/>
-        <p:nvPr/>
-      </p:nvGrpSpPr>
-      <p:grpSpPr>
-        <a:xfrm>
-          <a:off x="0" y="0"/>
-          <a:ext cx="0" cy="0"/>
-          <a:chOff x="0" y="0"/>
-          <a:chExt cx="0" cy="0"/>
-        </a:xfrm>
-      </p:grpSpPr>
-      <p:sp>
-        <p:nvSpPr>
-          <p:cNvPr id="2" name="Title 1">
-            <a:extLst>
-              <a:ext uri="{FF2B5EF4-FFF2-40B4-BE49-F238E27FC236}">
-                <a16:creationId xmlns:a16="http://schemas.microsoft.com/office/drawing/2014/main" id="{8EDAE078-3CB3-4D1F-8E4E-75C6D5DA8D1A}"/>
-              </a:ext>
-            </a:extLst>
-          </p:cNvPr>
-          <p:cNvSpPr>
-            <a:spLocks noGrp="1"/>
-          </p:cNvSpPr>
-          <p:nvPr>
-            <p:ph type="title"/>
-          </p:nvPr>
-        </p:nvSpPr>
-        <p:spPr>
-          <a:xfrm>
-            <a:off x="1203434" y="382385"/>
-            <a:ext cx="10893973" cy="596023"/>
-          </a:xfrm>
-        </p:spPr>
-        <p:txBody>
-          <a:bodyPr>
-            <a:normAutofit fontScale="90000"/>
-          </a:bodyPr>
-          <a:lstStyle/>
-          <a:p>
-            <a:pPr algn="ctr"/>
-            <a:r>
-              <a:rPr lang="en-US" sz="4000" dirty="0" err="1">
-                <a:latin typeface="Gill Sans MT (Body)"/>
-              </a:rPr>
-              <a:t>Bygga</a:t>
-            </a:r>
-            <a:r>
-              <a:rPr lang="en-US" sz="4000" dirty="0">
-                <a:latin typeface="Gill Sans MT (Body)"/>
-              </a:rPr>
-              <a:t> med </a:t>
-            </a:r>
-            <a:r>
-              <a:rPr lang="en-US" sz="4000" dirty="0" err="1">
-                <a:latin typeface="Gill Sans MT (Body)"/>
-              </a:rPr>
-              <a:t>komponenter</a:t>
-            </a:r>
-            <a:r>
-              <a:rPr lang="en-US" sz="4000" dirty="0">
-                <a:latin typeface="Gill Sans MT (Body)"/>
-              </a:rPr>
-              <a:t> </a:t>
-            </a:r>
-            <a:r>
-              <a:rPr lang="en-US" sz="4000" dirty="0" err="1">
-                <a:latin typeface="Gill Sans MT (Body)"/>
-              </a:rPr>
-              <a:t>Exempel</a:t>
-            </a:r>
-            <a:endParaRPr lang="en-US" sz="4000" dirty="0">
-              <a:latin typeface="Bodoni MT" panose="02070603080606020203" pitchFamily="18" charset="0"/>
-            </a:endParaRPr>
+              <a:t>Petite-Vue</a:t>
+            </a:r>
           </a:p>
         </p:txBody>
       </p:sp>
       <p:pic>
         <p:nvPicPr>
-          <p:cNvPr id="10" name="Picture 9">
+          <p:cNvPr id="9" name="Picture 8">
             <a:extLst>
               <a:ext uri="{FF2B5EF4-FFF2-40B4-BE49-F238E27FC236}">
-                <a16:creationId xmlns:a16="http://schemas.microsoft.com/office/drawing/2014/main" id="{54DCF84D-7185-4E6D-926A-784B9F2D7673}"/>
+                <a16:creationId xmlns:a16="http://schemas.microsoft.com/office/drawing/2014/main" id="{E7FE06B3-99C2-1E65-FD43-53B7FA386844}"/>
               </a:ext>
             </a:extLst>
           </p:cNvPr>
@@ -12267,334 +7580,8 @@
         </p:blipFill>
         <p:spPr>
           <a:xfrm>
-            <a:off x="1042381" y="3051759"/>
-            <a:ext cx="5735010" cy="3230638"/>
-          </a:xfrm>
-          <a:prstGeom prst="rect">
-            <a:avLst/>
-          </a:prstGeom>
-        </p:spPr>
-      </p:pic>
-      <p:sp>
-        <p:nvSpPr>
-          <p:cNvPr id="5" name="TextBox 4">
-            <a:extLst>
-              <a:ext uri="{FF2B5EF4-FFF2-40B4-BE49-F238E27FC236}">
-                <a16:creationId xmlns:a16="http://schemas.microsoft.com/office/drawing/2014/main" id="{49F22C67-242E-4365-A378-2807E93FEC00}"/>
-              </a:ext>
-            </a:extLst>
-          </p:cNvPr>
-          <p:cNvSpPr txBox="1"/>
-          <p:nvPr/>
-        </p:nvSpPr>
-        <p:spPr>
-          <a:xfrm>
-            <a:off x="1900969" y="978408"/>
-            <a:ext cx="9127222" cy="2031325"/>
-          </a:xfrm>
-          <a:prstGeom prst="rect">
-            <a:avLst/>
-          </a:prstGeom>
-          <a:noFill/>
-        </p:spPr>
-        <p:txBody>
-          <a:bodyPr wrap="square" rtlCol="0">
-            <a:spAutoFit/>
-          </a:bodyPr>
-          <a:lstStyle/>
-          <a:p>
-            <a:pPr marL="285750" indent="-285750">
-              <a:buFont typeface="Arial" panose="020B0604020202020204" pitchFamily="34" charset="0"/>
-              <a:buChar char="•"/>
-            </a:pPr>
-            <a:r>
-              <a:rPr lang="sv-SE" dirty="0">
-                <a:solidFill>
-                  <a:schemeClr val="tx1">
-                    <a:lumMod val="65000"/>
-                    <a:lumOff val="35000"/>
-                  </a:schemeClr>
-                </a:solidFill>
-                <a:latin typeface="Gill Sans MT (Body)"/>
-                <a:cs typeface="Times New Roman" panose="02020603050405020304" pitchFamily="18" charset="0"/>
-              </a:rPr>
-              <a:t>Vi har en huvudkomponent </a:t>
-            </a:r>
-            <a:r>
-              <a:rPr lang="sv-SE" dirty="0">
-                <a:solidFill>
-                  <a:schemeClr val="tx2">
-                    <a:lumMod val="75000"/>
-                    <a:lumOff val="25000"/>
-                  </a:schemeClr>
-                </a:solidFill>
-                <a:latin typeface="Gill Sans MT (Body)"/>
-                <a:cs typeface="Times New Roman" panose="02020603050405020304" pitchFamily="18" charset="0"/>
-              </a:rPr>
-              <a:t>app-7</a:t>
-            </a:r>
-            <a:r>
-              <a:rPr lang="sv-SE" dirty="0">
-                <a:solidFill>
-                  <a:schemeClr val="tx1">
-                    <a:lumMod val="65000"/>
-                    <a:lumOff val="35000"/>
-                  </a:schemeClr>
-                </a:solidFill>
-                <a:latin typeface="Gill Sans MT (Body)"/>
-                <a:cs typeface="Times New Roman" panose="02020603050405020304" pitchFamily="18" charset="0"/>
-              </a:rPr>
-              <a:t> och en </a:t>
-            </a:r>
-            <a:r>
-              <a:rPr lang="sv-SE" dirty="0" err="1">
-                <a:solidFill>
-                  <a:schemeClr val="tx1">
-                    <a:lumMod val="65000"/>
-                    <a:lumOff val="35000"/>
-                  </a:schemeClr>
-                </a:solidFill>
-                <a:latin typeface="Gill Sans MT (Body)"/>
-                <a:cs typeface="Times New Roman" panose="02020603050405020304" pitchFamily="18" charset="0"/>
-              </a:rPr>
-              <a:t>child</a:t>
-            </a:r>
-            <a:r>
-              <a:rPr lang="sv-SE" dirty="0">
-                <a:solidFill>
-                  <a:schemeClr val="tx1">
-                    <a:lumMod val="65000"/>
-                    <a:lumOff val="35000"/>
-                  </a:schemeClr>
-                </a:solidFill>
-                <a:latin typeface="Gill Sans MT (Body)"/>
-                <a:cs typeface="Times New Roman" panose="02020603050405020304" pitchFamily="18" charset="0"/>
-              </a:rPr>
-              <a:t>-komponent </a:t>
-            </a:r>
-            <a:r>
-              <a:rPr lang="sv-SE" dirty="0" err="1">
-                <a:solidFill>
-                  <a:schemeClr val="tx2">
-                    <a:lumMod val="75000"/>
-                    <a:lumOff val="25000"/>
-                  </a:schemeClr>
-                </a:solidFill>
-                <a:latin typeface="Gill Sans MT (Body)"/>
-                <a:cs typeface="Times New Roman" panose="02020603050405020304" pitchFamily="18" charset="0"/>
-              </a:rPr>
-              <a:t>todo</a:t>
-            </a:r>
-            <a:r>
-              <a:rPr lang="sv-SE" dirty="0">
-                <a:solidFill>
-                  <a:schemeClr val="tx2">
-                    <a:lumMod val="75000"/>
-                    <a:lumOff val="25000"/>
-                  </a:schemeClr>
-                </a:solidFill>
-                <a:latin typeface="Gill Sans MT (Body)"/>
-                <a:cs typeface="Times New Roman" panose="02020603050405020304" pitchFamily="18" charset="0"/>
-              </a:rPr>
-              <a:t>-item</a:t>
-            </a:r>
-            <a:r>
-              <a:rPr lang="sv-SE" dirty="0">
-                <a:solidFill>
-                  <a:schemeClr val="tx1">
-                    <a:lumMod val="65000"/>
-                    <a:lumOff val="35000"/>
-                  </a:schemeClr>
-                </a:solidFill>
-                <a:latin typeface="Gill Sans MT (Body)"/>
-                <a:cs typeface="Times New Roman" panose="02020603050405020304" pitchFamily="18" charset="0"/>
-              </a:rPr>
-              <a:t>. </a:t>
-            </a:r>
-          </a:p>
-          <a:p>
-            <a:pPr marL="285750" indent="-285750">
-              <a:buFont typeface="Arial" panose="020B0604020202020204" pitchFamily="34" charset="0"/>
-              <a:buChar char="•"/>
-            </a:pPr>
-            <a:endParaRPr lang="sv-SE" dirty="0">
-              <a:solidFill>
-                <a:schemeClr val="tx1">
-                  <a:lumMod val="65000"/>
-                  <a:lumOff val="35000"/>
-                </a:schemeClr>
-              </a:solidFill>
-              <a:latin typeface="Gill Sans MT (Body)"/>
-              <a:cs typeface="Times New Roman" panose="02020603050405020304" pitchFamily="18" charset="0"/>
-            </a:endParaRPr>
-          </a:p>
-          <a:p>
-            <a:pPr marL="285750" indent="-285750">
-              <a:buFont typeface="Arial" panose="020B0604020202020204" pitchFamily="34" charset="0"/>
-              <a:buChar char="•"/>
-            </a:pPr>
-            <a:r>
-              <a:rPr lang="sv-SE" dirty="0">
-                <a:solidFill>
-                  <a:schemeClr val="tx1">
-                    <a:lumMod val="65000"/>
-                    <a:lumOff val="35000"/>
-                  </a:schemeClr>
-                </a:solidFill>
-                <a:latin typeface="Gill Sans MT (Body)"/>
-                <a:cs typeface="Times New Roman" panose="02020603050405020304" pitchFamily="18" charset="0"/>
-              </a:rPr>
-              <a:t>I exemplet har vi inkluderat  </a:t>
-            </a:r>
-            <a:r>
-              <a:rPr lang="sv-SE" dirty="0" err="1">
-                <a:solidFill>
-                  <a:schemeClr val="tx1">
-                    <a:lumMod val="65000"/>
-                    <a:lumOff val="35000"/>
-                  </a:schemeClr>
-                </a:solidFill>
-                <a:latin typeface="Gill Sans MT (Body)"/>
-                <a:cs typeface="Times New Roman" panose="02020603050405020304" pitchFamily="18" charset="0"/>
-              </a:rPr>
-              <a:t>Vue</a:t>
-            </a:r>
-            <a:r>
-              <a:rPr lang="sv-SE" dirty="0">
-                <a:solidFill>
-                  <a:schemeClr val="tx1">
-                    <a:lumMod val="65000"/>
-                    <a:lumOff val="35000"/>
-                  </a:schemeClr>
-                </a:solidFill>
-                <a:latin typeface="Gill Sans MT (Body)"/>
-                <a:cs typeface="Times New Roman" panose="02020603050405020304" pitchFamily="18" charset="0"/>
-              </a:rPr>
-              <a:t>, men i ett CLI-projekt måste man importera och inkludera komponenter som man vill använda.</a:t>
-            </a:r>
-          </a:p>
-          <a:p>
-            <a:pPr marL="285750" indent="-285750">
-              <a:buFont typeface="Arial" panose="020B0604020202020204" pitchFamily="34" charset="0"/>
-              <a:buChar char="•"/>
-            </a:pPr>
-            <a:endParaRPr lang="sv-SE" dirty="0">
-              <a:solidFill>
-                <a:schemeClr val="tx1">
-                  <a:lumMod val="65000"/>
-                  <a:lumOff val="35000"/>
-                </a:schemeClr>
-              </a:solidFill>
-              <a:latin typeface="Gill Sans MT (Body)"/>
-              <a:cs typeface="Times New Roman" panose="02020603050405020304" pitchFamily="18" charset="0"/>
-            </a:endParaRPr>
-          </a:p>
-          <a:p>
-            <a:pPr marL="285750" indent="-285750">
-              <a:buFont typeface="Arial" panose="020B0604020202020204" pitchFamily="34" charset="0"/>
-              <a:buChar char="•"/>
-            </a:pPr>
-            <a:r>
-              <a:rPr lang="sv-SE" dirty="0">
-                <a:solidFill>
-                  <a:schemeClr val="tx1">
-                    <a:lumMod val="65000"/>
-                    <a:lumOff val="35000"/>
-                  </a:schemeClr>
-                </a:solidFill>
-                <a:latin typeface="Gill Sans MT (Body)"/>
-                <a:cs typeface="Times New Roman" panose="02020603050405020304" pitchFamily="18" charset="0"/>
-              </a:rPr>
-              <a:t>Komponenten </a:t>
-            </a:r>
-            <a:r>
-              <a:rPr lang="sv-SE" dirty="0" err="1">
-                <a:solidFill>
-                  <a:schemeClr val="tx2">
-                    <a:lumMod val="75000"/>
-                    <a:lumOff val="25000"/>
-                  </a:schemeClr>
-                </a:solidFill>
-                <a:latin typeface="Gill Sans MT (Body)"/>
-                <a:cs typeface="Times New Roman" panose="02020603050405020304" pitchFamily="18" charset="0"/>
-              </a:rPr>
-              <a:t>todo</a:t>
-            </a:r>
-            <a:r>
-              <a:rPr lang="sv-SE" dirty="0">
-                <a:solidFill>
-                  <a:schemeClr val="tx2">
-                    <a:lumMod val="75000"/>
-                    <a:lumOff val="25000"/>
-                  </a:schemeClr>
-                </a:solidFill>
-                <a:latin typeface="Gill Sans MT (Body)"/>
-                <a:cs typeface="Times New Roman" panose="02020603050405020304" pitchFamily="18" charset="0"/>
-              </a:rPr>
-              <a:t>-item</a:t>
-            </a:r>
-            <a:r>
-              <a:rPr lang="sv-SE" dirty="0">
-                <a:solidFill>
-                  <a:schemeClr val="tx1">
-                    <a:lumMod val="65000"/>
-                    <a:lumOff val="35000"/>
-                  </a:schemeClr>
-                </a:solidFill>
-                <a:latin typeface="Gill Sans MT (Body)"/>
-                <a:cs typeface="Times New Roman" panose="02020603050405020304" pitchFamily="18" charset="0"/>
-              </a:rPr>
-              <a:t> skriver får in ett objekt och skriver ut det.</a:t>
-            </a:r>
-            <a:br>
-              <a:rPr lang="sv-SE" dirty="0">
-                <a:solidFill>
-                  <a:schemeClr val="tx1">
-                    <a:lumMod val="65000"/>
-                    <a:lumOff val="35000"/>
-                  </a:schemeClr>
-                </a:solidFill>
-                <a:latin typeface="Gill Sans MT (Body)"/>
-                <a:cs typeface="Times New Roman" panose="02020603050405020304" pitchFamily="18" charset="0"/>
-              </a:rPr>
-            </a:br>
-            <a:endParaRPr lang="sv-SE" dirty="0">
-              <a:solidFill>
-                <a:schemeClr val="tx1">
-                  <a:lumMod val="65000"/>
-                  <a:lumOff val="35000"/>
-                </a:schemeClr>
-              </a:solidFill>
-              <a:latin typeface="Gill Sans MT (Body)"/>
-              <a:cs typeface="Times New Roman" panose="02020603050405020304" pitchFamily="18" charset="0"/>
-            </a:endParaRPr>
-          </a:p>
-        </p:txBody>
-      </p:sp>
-      <p:pic>
-        <p:nvPicPr>
-          <p:cNvPr id="6" name="Picture 5">
-            <a:extLst>
-              <a:ext uri="{FF2B5EF4-FFF2-40B4-BE49-F238E27FC236}">
-                <a16:creationId xmlns:a16="http://schemas.microsoft.com/office/drawing/2014/main" id="{33C20DFF-7F25-441B-9AC7-5D5B44FBAC7D}"/>
-              </a:ext>
-            </a:extLst>
-          </p:cNvPr>
-          <p:cNvPicPr>
-            <a:picLocks noChangeAspect="1"/>
-          </p:cNvPicPr>
-          <p:nvPr/>
-        </p:nvPicPr>
-        <p:blipFill>
-          <a:blip r:embed="rId3"/>
-          <a:stretch>
-            <a:fillRect/>
-          </a:stretch>
-        </p:blipFill>
-        <p:spPr>
-          <a:xfrm>
-            <a:off x="6391275" y="2669544"/>
-            <a:ext cx="5124000" cy="4020814"/>
+            <a:off x="2751461" y="1301523"/>
+            <a:ext cx="7267575" cy="5038725"/>
           </a:xfrm>
           <a:prstGeom prst="rect">
             <a:avLst/>
@@ -12604,710 +7591,7 @@
     </p:spTree>
     <p:extLst>
       <p:ext uri="{BB962C8B-B14F-4D97-AF65-F5344CB8AC3E}">
-        <p14:creationId xmlns:p14="http://schemas.microsoft.com/office/powerpoint/2010/main" val="2412394865"/>
-      </p:ext>
-    </p:extLst>
-  </p:cSld>
-  <p:clrMapOvr>
-    <a:masterClrMapping/>
-  </p:clrMapOvr>
-</p:sld>
-</file>
-
-<file path=ppt/slides/slide21.xml><?xml version="1.0" encoding="utf-8"?>
-<p:sld xmlns:a="http://schemas.openxmlformats.org/drawingml/2006/main" xmlns:r="http://schemas.openxmlformats.org/officeDocument/2006/relationships" xmlns:p="http://schemas.openxmlformats.org/presentationml/2006/main">
-  <p:cSld>
-    <p:spTree>
-      <p:nvGrpSpPr>
-        <p:cNvPr id="1" name=""/>
-        <p:cNvGrpSpPr/>
-        <p:nvPr/>
-      </p:nvGrpSpPr>
-      <p:grpSpPr>
-        <a:xfrm>
-          <a:off x="0" y="0"/>
-          <a:ext cx="0" cy="0"/>
-          <a:chOff x="0" y="0"/>
-          <a:chExt cx="0" cy="0"/>
-        </a:xfrm>
-      </p:grpSpPr>
-      <p:sp>
-        <p:nvSpPr>
-          <p:cNvPr id="2" name="Title 1">
-            <a:extLst>
-              <a:ext uri="{FF2B5EF4-FFF2-40B4-BE49-F238E27FC236}">
-                <a16:creationId xmlns:a16="http://schemas.microsoft.com/office/drawing/2014/main" id="{8EDAE078-3CB3-4D1F-8E4E-75C6D5DA8D1A}"/>
-              </a:ext>
-            </a:extLst>
-          </p:cNvPr>
-          <p:cNvSpPr>
-            <a:spLocks noGrp="1"/>
-          </p:cNvSpPr>
-          <p:nvPr>
-            <p:ph type="title"/>
-          </p:nvPr>
-        </p:nvSpPr>
-        <p:spPr>
-          <a:xfrm>
-            <a:off x="1203434" y="135110"/>
-            <a:ext cx="10893973" cy="596023"/>
-          </a:xfrm>
-        </p:spPr>
-        <p:txBody>
-          <a:bodyPr>
-            <a:normAutofit fontScale="90000"/>
-          </a:bodyPr>
-          <a:lstStyle/>
-          <a:p>
-            <a:pPr algn="ctr"/>
-            <a:r>
-              <a:rPr lang="en-US" sz="4000" dirty="0">
-                <a:latin typeface="Gill Sans MT (Body)"/>
-              </a:rPr>
-              <a:t>Component Communication</a:t>
-            </a:r>
-          </a:p>
-        </p:txBody>
-      </p:sp>
-      <p:pic>
-        <p:nvPicPr>
-          <p:cNvPr id="7170" name="Picture 2" descr="The Perfect Wrapper Components in Vue 2.6 and soon Vue 3.0 | by Vaibhav  Namburi | Noteworthy - The Journal Blog">
-            <a:extLst>
-              <a:ext uri="{FF2B5EF4-FFF2-40B4-BE49-F238E27FC236}">
-                <a16:creationId xmlns:a16="http://schemas.microsoft.com/office/drawing/2014/main" id="{52EE8D40-CE2E-403A-BCDB-64FA8D310B40}"/>
-              </a:ext>
-            </a:extLst>
-          </p:cNvPr>
-          <p:cNvPicPr>
-            <a:picLocks noChangeAspect="1" noChangeArrowheads="1"/>
-          </p:cNvPicPr>
-          <p:nvPr/>
-        </p:nvPicPr>
-        <p:blipFill>
-          <a:blip r:embed="rId2">
-            <a:extLst>
-              <a:ext uri="{28A0092B-C50C-407E-A947-70E740481C1C}">
-                <a14:useLocalDpi xmlns:a14="http://schemas.microsoft.com/office/drawing/2010/main" val="0"/>
-              </a:ext>
-            </a:extLst>
-          </a:blip>
-          <a:srcRect/>
-          <a:stretch>
-            <a:fillRect/>
-          </a:stretch>
-        </p:blipFill>
-        <p:spPr bwMode="auto">
-          <a:xfrm>
-            <a:off x="4142460" y="615760"/>
-            <a:ext cx="4276725" cy="2138363"/>
-          </a:xfrm>
-          <a:prstGeom prst="rect">
-            <a:avLst/>
-          </a:prstGeom>
-          <a:noFill/>
-          <a:extLst>
-            <a:ext uri="{909E8E84-426E-40DD-AFC4-6F175D3DCCD1}">
-              <a14:hiddenFill xmlns:a14="http://schemas.microsoft.com/office/drawing/2010/main">
-                <a:solidFill>
-                  <a:srgbClr val="FFFFFF"/>
-                </a:solidFill>
-              </a14:hiddenFill>
-            </a:ext>
-          </a:extLst>
-        </p:spPr>
-      </p:pic>
-      <p:pic>
-        <p:nvPicPr>
-          <p:cNvPr id="7172" name="Picture 4">
-            <a:extLst>
-              <a:ext uri="{FF2B5EF4-FFF2-40B4-BE49-F238E27FC236}">
-                <a16:creationId xmlns:a16="http://schemas.microsoft.com/office/drawing/2014/main" id="{877F3F4A-C6EE-4262-B9E5-23012706DC32}"/>
-              </a:ext>
-            </a:extLst>
-          </p:cNvPr>
-          <p:cNvPicPr>
-            <a:picLocks noChangeAspect="1" noChangeArrowheads="1"/>
-          </p:cNvPicPr>
-          <p:nvPr/>
-        </p:nvPicPr>
-        <p:blipFill>
-          <a:blip r:embed="rId3">
-            <a:extLst>
-              <a:ext uri="{28A0092B-C50C-407E-A947-70E740481C1C}">
-                <a14:useLocalDpi xmlns:a14="http://schemas.microsoft.com/office/drawing/2010/main" val="0"/>
-              </a:ext>
-            </a:extLst>
-          </a:blip>
-          <a:srcRect/>
-          <a:stretch>
-            <a:fillRect/>
-          </a:stretch>
-        </p:blipFill>
-        <p:spPr bwMode="auto">
-          <a:xfrm>
-            <a:off x="6840333" y="4084334"/>
-            <a:ext cx="4815080" cy="1749479"/>
-          </a:xfrm>
-          <a:prstGeom prst="rect">
-            <a:avLst/>
-          </a:prstGeom>
-          <a:noFill/>
-          <a:extLst>
-            <a:ext uri="{909E8E84-426E-40DD-AFC4-6F175D3DCCD1}">
-              <a14:hiddenFill xmlns:a14="http://schemas.microsoft.com/office/drawing/2010/main">
-                <a:solidFill>
-                  <a:srgbClr val="FFFFFF"/>
-                </a:solidFill>
-              </a14:hiddenFill>
-            </a:ext>
-          </a:extLst>
-        </p:spPr>
-      </p:pic>
-      <p:pic>
-        <p:nvPicPr>
-          <p:cNvPr id="7174" name="Picture 6">
-            <a:extLst>
-              <a:ext uri="{FF2B5EF4-FFF2-40B4-BE49-F238E27FC236}">
-                <a16:creationId xmlns:a16="http://schemas.microsoft.com/office/drawing/2014/main" id="{1ED7EB82-DB80-4705-A1C0-0D5E43013695}"/>
-              </a:ext>
-            </a:extLst>
-          </p:cNvPr>
-          <p:cNvPicPr>
-            <a:picLocks noChangeAspect="1" noChangeArrowheads="1"/>
-          </p:cNvPicPr>
-          <p:nvPr/>
-        </p:nvPicPr>
-        <p:blipFill>
-          <a:blip r:embed="rId4">
-            <a:extLst>
-              <a:ext uri="{28A0092B-C50C-407E-A947-70E740481C1C}">
-                <a14:useLocalDpi xmlns:a14="http://schemas.microsoft.com/office/drawing/2010/main" val="0"/>
-              </a:ext>
-            </a:extLst>
-          </a:blip>
-          <a:srcRect/>
-          <a:stretch>
-            <a:fillRect/>
-          </a:stretch>
-        </p:blipFill>
-        <p:spPr bwMode="auto">
-          <a:xfrm>
-            <a:off x="1203434" y="3429000"/>
-            <a:ext cx="5077389" cy="3384926"/>
-          </a:xfrm>
-          <a:prstGeom prst="rect">
-            <a:avLst/>
-          </a:prstGeom>
-          <a:noFill/>
-          <a:extLst>
-            <a:ext uri="{909E8E84-426E-40DD-AFC4-6F175D3DCCD1}">
-              <a14:hiddenFill xmlns:a14="http://schemas.microsoft.com/office/drawing/2010/main">
-                <a:solidFill>
-                  <a:srgbClr val="FFFFFF"/>
-                </a:solidFill>
-              </a14:hiddenFill>
-            </a:ext>
-          </a:extLst>
-        </p:spPr>
-      </p:pic>
-      <p:sp>
-        <p:nvSpPr>
-          <p:cNvPr id="7" name="Title 1">
-            <a:extLst>
-              <a:ext uri="{FF2B5EF4-FFF2-40B4-BE49-F238E27FC236}">
-                <a16:creationId xmlns:a16="http://schemas.microsoft.com/office/drawing/2014/main" id="{82694E16-5AA0-4F22-84C0-BE2A869806E6}"/>
-              </a:ext>
-            </a:extLst>
-          </p:cNvPr>
-          <p:cNvSpPr txBox="1">
-            <a:spLocks/>
-          </p:cNvSpPr>
-          <p:nvPr/>
-        </p:nvSpPr>
-        <p:spPr>
-          <a:xfrm>
-            <a:off x="1203434" y="2711874"/>
-            <a:ext cx="10893973" cy="464464"/>
-          </a:xfrm>
-          <a:prstGeom prst="rect">
-            <a:avLst/>
-          </a:prstGeom>
-        </p:spPr>
-        <p:txBody>
-          <a:bodyPr vert="horz" lIns="91440" tIns="45720" rIns="91440" bIns="45720" rtlCol="0" anchor="t">
-            <a:normAutofit fontScale="97500"/>
-          </a:bodyPr>
-          <a:lstStyle>
-            <a:lvl1pPr algn="l" defTabSz="914400" rtl="0" eaLnBrk="1" latinLnBrk="0" hangingPunct="1">
-              <a:lnSpc>
-                <a:spcPct val="90000"/>
-              </a:lnSpc>
-              <a:spcBef>
-                <a:spcPct val="0"/>
-              </a:spcBef>
-              <a:buNone/>
-              <a:defRPr sz="5100" kern="1200" cap="all" spc="200" baseline="0">
-                <a:solidFill>
-                  <a:schemeClr val="tx2"/>
-                </a:solidFill>
-                <a:latin typeface="+mj-lt"/>
-                <a:ea typeface="+mj-ea"/>
-                <a:cs typeface="+mj-cs"/>
-              </a:defRPr>
-            </a:lvl1pPr>
-          </a:lstStyle>
-          <a:p>
-            <a:pPr algn="ctr"/>
-            <a:r>
-              <a:rPr lang="en-US" sz="2400" dirty="0">
-                <a:latin typeface="Gill Sans MT (Body)"/>
-              </a:rPr>
-              <a:t>Parent -&gt; Child Communication : PROPS</a:t>
-            </a:r>
-          </a:p>
-        </p:txBody>
-      </p:sp>
-    </p:spTree>
-    <p:extLst>
-      <p:ext uri="{BB962C8B-B14F-4D97-AF65-F5344CB8AC3E}">
-        <p14:creationId xmlns:p14="http://schemas.microsoft.com/office/powerpoint/2010/main" val="287259337"/>
-      </p:ext>
-    </p:extLst>
-  </p:cSld>
-  <p:clrMapOvr>
-    <a:masterClrMapping/>
-  </p:clrMapOvr>
-</p:sld>
-</file>
-
-<file path=ppt/slides/slide22.xml><?xml version="1.0" encoding="utf-8"?>
-<p:sld xmlns:a="http://schemas.openxmlformats.org/drawingml/2006/main" xmlns:r="http://schemas.openxmlformats.org/officeDocument/2006/relationships" xmlns:p="http://schemas.openxmlformats.org/presentationml/2006/main">
-  <p:cSld>
-    <p:spTree>
-      <p:nvGrpSpPr>
-        <p:cNvPr id="1" name=""/>
-        <p:cNvGrpSpPr/>
-        <p:nvPr/>
-      </p:nvGrpSpPr>
-      <p:grpSpPr>
-        <a:xfrm>
-          <a:off x="0" y="0"/>
-          <a:ext cx="0" cy="0"/>
-          <a:chOff x="0" y="0"/>
-          <a:chExt cx="0" cy="0"/>
-        </a:xfrm>
-      </p:grpSpPr>
-      <p:sp>
-        <p:nvSpPr>
-          <p:cNvPr id="2" name="Title 1">
-            <a:extLst>
-              <a:ext uri="{FF2B5EF4-FFF2-40B4-BE49-F238E27FC236}">
-                <a16:creationId xmlns:a16="http://schemas.microsoft.com/office/drawing/2014/main" id="{8EDAE078-3CB3-4D1F-8E4E-75C6D5DA8D1A}"/>
-              </a:ext>
-            </a:extLst>
-          </p:cNvPr>
-          <p:cNvSpPr>
-            <a:spLocks noGrp="1"/>
-          </p:cNvSpPr>
-          <p:nvPr>
-            <p:ph type="title"/>
-          </p:nvPr>
-        </p:nvSpPr>
-        <p:spPr>
-          <a:xfrm>
-            <a:off x="1242571" y="108893"/>
-            <a:ext cx="10893973" cy="596023"/>
-          </a:xfrm>
-        </p:spPr>
-        <p:txBody>
-          <a:bodyPr>
-            <a:normAutofit fontScale="90000"/>
-          </a:bodyPr>
-          <a:lstStyle/>
-          <a:p>
-            <a:pPr algn="ctr"/>
-            <a:r>
-              <a:rPr lang="en-US" sz="4000" dirty="0">
-                <a:latin typeface="Gill Sans MT (Body)"/>
-              </a:rPr>
-              <a:t>Component Communication</a:t>
-            </a:r>
-          </a:p>
-        </p:txBody>
-      </p:sp>
-      <p:pic>
-        <p:nvPicPr>
-          <p:cNvPr id="7170" name="Picture 2" descr="The Perfect Wrapper Components in Vue 2.6 and soon Vue 3.0 | by Vaibhav  Namburi | Noteworthy - The Journal Blog">
-            <a:extLst>
-              <a:ext uri="{FF2B5EF4-FFF2-40B4-BE49-F238E27FC236}">
-                <a16:creationId xmlns:a16="http://schemas.microsoft.com/office/drawing/2014/main" id="{52EE8D40-CE2E-403A-BCDB-64FA8D310B40}"/>
-              </a:ext>
-            </a:extLst>
-          </p:cNvPr>
-          <p:cNvPicPr>
-            <a:picLocks noChangeAspect="1" noChangeArrowheads="1"/>
-          </p:cNvPicPr>
-          <p:nvPr/>
-        </p:nvPicPr>
-        <p:blipFill>
-          <a:blip r:embed="rId2">
-            <a:extLst>
-              <a:ext uri="{28A0092B-C50C-407E-A947-70E740481C1C}">
-                <a14:useLocalDpi xmlns:a14="http://schemas.microsoft.com/office/drawing/2010/main" val="0"/>
-              </a:ext>
-            </a:extLst>
-          </a:blip>
-          <a:srcRect/>
-          <a:stretch>
-            <a:fillRect/>
-          </a:stretch>
-        </p:blipFill>
-        <p:spPr bwMode="auto">
-          <a:xfrm>
-            <a:off x="4005411" y="623844"/>
-            <a:ext cx="3778354" cy="1889178"/>
-          </a:xfrm>
-          <a:prstGeom prst="rect">
-            <a:avLst/>
-          </a:prstGeom>
-          <a:noFill/>
-          <a:extLst>
-            <a:ext uri="{909E8E84-426E-40DD-AFC4-6F175D3DCCD1}">
-              <a14:hiddenFill xmlns:a14="http://schemas.microsoft.com/office/drawing/2010/main">
-                <a:solidFill>
-                  <a:srgbClr val="FFFFFF"/>
-                </a:solidFill>
-              </a14:hiddenFill>
-            </a:ext>
-          </a:extLst>
-        </p:spPr>
-      </p:pic>
-      <p:pic>
-        <p:nvPicPr>
-          <p:cNvPr id="8194" name="Picture 2">
-            <a:extLst>
-              <a:ext uri="{FF2B5EF4-FFF2-40B4-BE49-F238E27FC236}">
-                <a16:creationId xmlns:a16="http://schemas.microsoft.com/office/drawing/2014/main" id="{AE6935B7-33F0-45D2-8824-5A45D77C9B14}"/>
-              </a:ext>
-            </a:extLst>
-          </p:cNvPr>
-          <p:cNvPicPr>
-            <a:picLocks noChangeAspect="1" noChangeArrowheads="1"/>
-          </p:cNvPicPr>
-          <p:nvPr/>
-        </p:nvPicPr>
-        <p:blipFill>
-          <a:blip r:embed="rId3">
-            <a:extLst>
-              <a:ext uri="{28A0092B-C50C-407E-A947-70E740481C1C}">
-                <a14:useLocalDpi xmlns:a14="http://schemas.microsoft.com/office/drawing/2010/main" val="0"/>
-              </a:ext>
-            </a:extLst>
-          </a:blip>
-          <a:srcRect/>
-          <a:stretch>
-            <a:fillRect/>
-          </a:stretch>
-        </p:blipFill>
-        <p:spPr bwMode="auto">
-          <a:xfrm>
-            <a:off x="978844" y="2968142"/>
-            <a:ext cx="4866047" cy="3851600"/>
-          </a:xfrm>
-          <a:prstGeom prst="rect">
-            <a:avLst/>
-          </a:prstGeom>
-          <a:noFill/>
-          <a:extLst>
-            <a:ext uri="{909E8E84-426E-40DD-AFC4-6F175D3DCCD1}">
-              <a14:hiddenFill xmlns:a14="http://schemas.microsoft.com/office/drawing/2010/main">
-                <a:solidFill>
-                  <a:srgbClr val="FFFFFF"/>
-                </a:solidFill>
-              </a14:hiddenFill>
-            </a:ext>
-          </a:extLst>
-        </p:spPr>
-      </p:pic>
-      <p:pic>
-        <p:nvPicPr>
-          <p:cNvPr id="8196" name="Picture 4">
-            <a:extLst>
-              <a:ext uri="{FF2B5EF4-FFF2-40B4-BE49-F238E27FC236}">
-                <a16:creationId xmlns:a16="http://schemas.microsoft.com/office/drawing/2014/main" id="{62C7F704-C40E-4109-B2EC-85BDA098CB09}"/>
-              </a:ext>
-            </a:extLst>
-          </p:cNvPr>
-          <p:cNvPicPr>
-            <a:picLocks noChangeAspect="1" noChangeArrowheads="1"/>
-          </p:cNvPicPr>
-          <p:nvPr/>
-        </p:nvPicPr>
-        <p:blipFill>
-          <a:blip r:embed="rId4">
-            <a:extLst>
-              <a:ext uri="{28A0092B-C50C-407E-A947-70E740481C1C}">
-                <a14:useLocalDpi xmlns:a14="http://schemas.microsoft.com/office/drawing/2010/main" val="0"/>
-              </a:ext>
-            </a:extLst>
-          </a:blip>
-          <a:srcRect/>
-          <a:stretch>
-            <a:fillRect/>
-          </a:stretch>
-        </p:blipFill>
-        <p:spPr bwMode="auto">
-          <a:xfrm>
-            <a:off x="6261386" y="2904948"/>
-            <a:ext cx="5588215" cy="3949005"/>
-          </a:xfrm>
-          <a:prstGeom prst="rect">
-            <a:avLst/>
-          </a:prstGeom>
-          <a:noFill/>
-          <a:extLst>
-            <a:ext uri="{909E8E84-426E-40DD-AFC4-6F175D3DCCD1}">
-              <a14:hiddenFill xmlns:a14="http://schemas.microsoft.com/office/drawing/2010/main">
-                <a:solidFill>
-                  <a:srgbClr val="FFFFFF"/>
-                </a:solidFill>
-              </a14:hiddenFill>
-            </a:ext>
-          </a:extLst>
-        </p:spPr>
-      </p:pic>
-      <p:sp>
-        <p:nvSpPr>
-          <p:cNvPr id="9" name="Title 1">
-            <a:extLst>
-              <a:ext uri="{FF2B5EF4-FFF2-40B4-BE49-F238E27FC236}">
-                <a16:creationId xmlns:a16="http://schemas.microsoft.com/office/drawing/2014/main" id="{2AEA6821-E32D-4B97-BEDE-CDC1DBB218BE}"/>
-              </a:ext>
-            </a:extLst>
-          </p:cNvPr>
-          <p:cNvSpPr txBox="1">
-            <a:spLocks/>
-          </p:cNvSpPr>
-          <p:nvPr/>
-        </p:nvSpPr>
-        <p:spPr>
-          <a:xfrm>
-            <a:off x="944012" y="2513022"/>
-            <a:ext cx="11192531" cy="477193"/>
-          </a:xfrm>
-          <a:prstGeom prst="rect">
-            <a:avLst/>
-          </a:prstGeom>
-        </p:spPr>
-        <p:txBody>
-          <a:bodyPr vert="horz" lIns="91440" tIns="45720" rIns="91440" bIns="45720" rtlCol="0" anchor="t">
-            <a:normAutofit fontScale="97500"/>
-          </a:bodyPr>
-          <a:lstStyle>
-            <a:lvl1pPr algn="l" defTabSz="914400" rtl="0" eaLnBrk="1" latinLnBrk="0" hangingPunct="1">
-              <a:lnSpc>
-                <a:spcPct val="90000"/>
-              </a:lnSpc>
-              <a:spcBef>
-                <a:spcPct val="0"/>
-              </a:spcBef>
-              <a:buNone/>
-              <a:defRPr sz="5100" kern="1200" cap="all" spc="200" baseline="0">
-                <a:solidFill>
-                  <a:schemeClr val="tx2"/>
-                </a:solidFill>
-                <a:latin typeface="+mj-lt"/>
-                <a:ea typeface="+mj-ea"/>
-                <a:cs typeface="+mj-cs"/>
-              </a:defRPr>
-            </a:lvl1pPr>
-          </a:lstStyle>
-          <a:p>
-            <a:pPr algn="ctr"/>
-            <a:r>
-              <a:rPr lang="en-US" sz="2400" dirty="0">
-                <a:latin typeface="Gill Sans MT (Body)"/>
-              </a:rPr>
-              <a:t>Child -&gt; Parent Communication : Events</a:t>
-            </a:r>
-          </a:p>
-        </p:txBody>
-      </p:sp>
-      <p:pic>
-        <p:nvPicPr>
-          <p:cNvPr id="4" name="Picture 3">
-            <a:extLst>
-              <a:ext uri="{FF2B5EF4-FFF2-40B4-BE49-F238E27FC236}">
-                <a16:creationId xmlns:a16="http://schemas.microsoft.com/office/drawing/2014/main" id="{2C76B9EB-09AF-47D4-8D53-74A5B64494F3}"/>
-              </a:ext>
-            </a:extLst>
-          </p:cNvPr>
-          <p:cNvPicPr>
-            <a:picLocks noChangeAspect="1"/>
-          </p:cNvPicPr>
-          <p:nvPr/>
-        </p:nvPicPr>
-        <p:blipFill>
-          <a:blip r:embed="rId5"/>
-          <a:stretch>
-            <a:fillRect/>
-          </a:stretch>
-        </p:blipFill>
-        <p:spPr>
-          <a:xfrm>
-            <a:off x="7937951" y="1292406"/>
-            <a:ext cx="3648075" cy="504825"/>
-          </a:xfrm>
-          <a:prstGeom prst="rect">
-            <a:avLst/>
-          </a:prstGeom>
-        </p:spPr>
-      </p:pic>
-    </p:spTree>
-    <p:extLst>
-      <p:ext uri="{BB962C8B-B14F-4D97-AF65-F5344CB8AC3E}">
-        <p14:creationId xmlns:p14="http://schemas.microsoft.com/office/powerpoint/2010/main" val="1311342941"/>
-      </p:ext>
-    </p:extLst>
-  </p:cSld>
-  <p:clrMapOvr>
-    <a:masterClrMapping/>
-  </p:clrMapOvr>
-</p:sld>
-</file>
-
-<file path=ppt/slides/slide23.xml><?xml version="1.0" encoding="utf-8"?>
-<p:sld xmlns:a="http://schemas.openxmlformats.org/drawingml/2006/main" xmlns:r="http://schemas.openxmlformats.org/officeDocument/2006/relationships" xmlns:p="http://schemas.openxmlformats.org/presentationml/2006/main">
-  <p:cSld>
-    <p:spTree>
-      <p:nvGrpSpPr>
-        <p:cNvPr id="1" name=""/>
-        <p:cNvGrpSpPr/>
-        <p:nvPr/>
-      </p:nvGrpSpPr>
-      <p:grpSpPr>
-        <a:xfrm>
-          <a:off x="0" y="0"/>
-          <a:ext cx="0" cy="0"/>
-          <a:chOff x="0" y="0"/>
-          <a:chExt cx="0" cy="0"/>
-        </a:xfrm>
-      </p:grpSpPr>
-      <p:sp>
-        <p:nvSpPr>
-          <p:cNvPr id="2" name="Title 1">
-            <a:extLst>
-              <a:ext uri="{FF2B5EF4-FFF2-40B4-BE49-F238E27FC236}">
-                <a16:creationId xmlns:a16="http://schemas.microsoft.com/office/drawing/2014/main" id="{8EDAE078-3CB3-4D1F-8E4E-75C6D5DA8D1A}"/>
-              </a:ext>
-            </a:extLst>
-          </p:cNvPr>
-          <p:cNvSpPr>
-            <a:spLocks noGrp="1"/>
-          </p:cNvSpPr>
-          <p:nvPr>
-            <p:ph type="title"/>
-          </p:nvPr>
-        </p:nvSpPr>
-        <p:spPr>
-          <a:xfrm>
-            <a:off x="1203434" y="382385"/>
-            <a:ext cx="10893973" cy="596023"/>
-          </a:xfrm>
-        </p:spPr>
-        <p:txBody>
-          <a:bodyPr>
-            <a:normAutofit fontScale="90000"/>
-          </a:bodyPr>
-          <a:lstStyle/>
-          <a:p>
-            <a:pPr algn="ctr"/>
-            <a:r>
-              <a:rPr lang="en-US" sz="4000" dirty="0">
-                <a:latin typeface="Gill Sans MT (Body)"/>
-              </a:rPr>
-              <a:t>Vue.js </a:t>
-            </a:r>
-            <a:r>
-              <a:rPr lang="en-US" sz="4000" dirty="0" err="1">
-                <a:latin typeface="Gill Sans MT (Body)"/>
-              </a:rPr>
-              <a:t>Resten</a:t>
-            </a:r>
-            <a:r>
-              <a:rPr lang="en-US" sz="4000" dirty="0">
-                <a:latin typeface="Gill Sans MT (Body)"/>
-              </a:rPr>
-              <a:t> av </a:t>
-            </a:r>
-            <a:r>
-              <a:rPr lang="en-US" sz="4000" dirty="0" err="1">
-                <a:latin typeface="Gill Sans MT (Body)"/>
-              </a:rPr>
-              <a:t>övningarna</a:t>
-            </a:r>
-            <a:endParaRPr lang="en-US" sz="4000" dirty="0">
-              <a:latin typeface="Gill Sans MT (Body)"/>
-            </a:endParaRPr>
-          </a:p>
-        </p:txBody>
-      </p:sp>
-      <p:sp>
-        <p:nvSpPr>
-          <p:cNvPr id="3" name="Content Placeholder 2">
-            <a:extLst>
-              <a:ext uri="{FF2B5EF4-FFF2-40B4-BE49-F238E27FC236}">
-                <a16:creationId xmlns:a16="http://schemas.microsoft.com/office/drawing/2014/main" id="{6797BDE5-A8BD-4286-8221-21664A41BD79}"/>
-              </a:ext>
-            </a:extLst>
-          </p:cNvPr>
-          <p:cNvSpPr>
-            <a:spLocks noGrp="1"/>
-          </p:cNvSpPr>
-          <p:nvPr>
-            <p:ph idx="1"/>
-          </p:nvPr>
-        </p:nvSpPr>
-        <p:spPr>
-          <a:xfrm>
-            <a:off x="1444183" y="1085228"/>
-            <a:ext cx="10178322" cy="5508077"/>
-          </a:xfrm>
-        </p:spPr>
-        <p:txBody>
-          <a:bodyPr>
-            <a:normAutofit/>
-          </a:bodyPr>
-          <a:lstStyle/>
-          <a:p>
-            <a:r>
-              <a:rPr lang="sv-SE" sz="2800" dirty="0">
-                <a:latin typeface="Gill Sans MT (Body)"/>
-                <a:cs typeface="Times New Roman" panose="02020603050405020304" pitchFamily="18" charset="0"/>
-              </a:rPr>
-              <a:t>Gör resten </a:t>
-            </a:r>
-            <a:r>
-              <a:rPr lang="sv-SE" sz="2800">
-                <a:latin typeface="Gill Sans MT (Body)"/>
-                <a:cs typeface="Times New Roman" panose="02020603050405020304" pitchFamily="18" charset="0"/>
-              </a:rPr>
-              <a:t>av övningarna </a:t>
-            </a:r>
-            <a:r>
-              <a:rPr lang="sv-SE" sz="2800" dirty="0">
-                <a:latin typeface="Gill Sans MT (Body)"/>
-                <a:cs typeface="Times New Roman" panose="02020603050405020304" pitchFamily="18" charset="0"/>
-              </a:rPr>
-              <a:t>på Vue.js</a:t>
-            </a:r>
-          </a:p>
-        </p:txBody>
-      </p:sp>
-    </p:spTree>
-    <p:extLst>
-      <p:ext uri="{BB962C8B-B14F-4D97-AF65-F5344CB8AC3E}">
-        <p14:creationId xmlns:p14="http://schemas.microsoft.com/office/powerpoint/2010/main" val="3383785063"/>
+        <p14:creationId xmlns:p14="http://schemas.microsoft.com/office/powerpoint/2010/main" val="1650278780"/>
       </p:ext>
     </p:extLst>
   </p:cSld>
@@ -13318,1330 +7602,6 @@
 </file>
 
 <file path=ppt/slides/slide3.xml><?xml version="1.0" encoding="utf-8"?>
-<p:sld xmlns:a="http://schemas.openxmlformats.org/drawingml/2006/main" xmlns:r="http://schemas.openxmlformats.org/officeDocument/2006/relationships" xmlns:p="http://schemas.openxmlformats.org/presentationml/2006/main">
-  <p:cSld>
-    <p:spTree>
-      <p:nvGrpSpPr>
-        <p:cNvPr id="1" name=""/>
-        <p:cNvGrpSpPr/>
-        <p:nvPr/>
-      </p:nvGrpSpPr>
-      <p:grpSpPr>
-        <a:xfrm>
-          <a:off x="0" y="0"/>
-          <a:ext cx="0" cy="0"/>
-          <a:chOff x="0" y="0"/>
-          <a:chExt cx="0" cy="0"/>
-        </a:xfrm>
-      </p:grpSpPr>
-      <p:sp>
-        <p:nvSpPr>
-          <p:cNvPr id="2" name="Title 1">
-            <a:extLst>
-              <a:ext uri="{FF2B5EF4-FFF2-40B4-BE49-F238E27FC236}">
-                <a16:creationId xmlns:a16="http://schemas.microsoft.com/office/drawing/2014/main" id="{8EDAE078-3CB3-4D1F-8E4E-75C6D5DA8D1A}"/>
-              </a:ext>
-            </a:extLst>
-          </p:cNvPr>
-          <p:cNvSpPr>
-            <a:spLocks noGrp="1"/>
-          </p:cNvSpPr>
-          <p:nvPr>
-            <p:ph type="title"/>
-          </p:nvPr>
-        </p:nvSpPr>
-        <p:spPr>
-          <a:xfrm>
-            <a:off x="1195045" y="292227"/>
-            <a:ext cx="10893973" cy="596023"/>
-          </a:xfrm>
-        </p:spPr>
-        <p:txBody>
-          <a:bodyPr>
-            <a:normAutofit fontScale="90000"/>
-          </a:bodyPr>
-          <a:lstStyle/>
-          <a:p>
-            <a:pPr algn="ctr"/>
-            <a:r>
-              <a:rPr lang="en-US" sz="4000" dirty="0" err="1">
-                <a:latin typeface="Gill Sans MT (Body)"/>
-              </a:rPr>
-              <a:t>Bygga</a:t>
-            </a:r>
-            <a:r>
-              <a:rPr lang="en-US" sz="4000" dirty="0">
-                <a:latin typeface="Gill Sans MT (Body)"/>
-              </a:rPr>
-              <a:t> med </a:t>
-            </a:r>
-            <a:r>
-              <a:rPr lang="en-US" sz="4000" dirty="0" err="1">
-                <a:latin typeface="Gill Sans MT (Body)"/>
-              </a:rPr>
-              <a:t>komponenter</a:t>
-            </a:r>
-            <a:endParaRPr lang="en-US" sz="4000" dirty="0">
-              <a:latin typeface="Gill Sans MT (Body)"/>
-            </a:endParaRPr>
-          </a:p>
-        </p:txBody>
-      </p:sp>
-      <p:pic>
-        <p:nvPicPr>
-          <p:cNvPr id="2050" name="Picture 2" descr="Component Tree">
-            <a:extLst>
-              <a:ext uri="{FF2B5EF4-FFF2-40B4-BE49-F238E27FC236}">
-                <a16:creationId xmlns:a16="http://schemas.microsoft.com/office/drawing/2014/main" id="{54961F40-8048-4A41-99B5-7724B47F21A5}"/>
-              </a:ext>
-            </a:extLst>
-          </p:cNvPr>
-          <p:cNvPicPr>
-            <a:picLocks noGrp="1" noChangeAspect="1" noChangeArrowheads="1"/>
-          </p:cNvPicPr>
-          <p:nvPr>
-            <p:ph idx="1"/>
-          </p:nvPr>
-        </p:nvPicPr>
-        <p:blipFill>
-          <a:blip r:embed="rId2">
-            <a:extLst>
-              <a:ext uri="{28A0092B-C50C-407E-A947-70E740481C1C}">
-                <a14:useLocalDpi xmlns:a14="http://schemas.microsoft.com/office/drawing/2010/main" val="0"/>
-              </a:ext>
-            </a:extLst>
-          </a:blip>
-          <a:srcRect/>
-          <a:stretch>
-            <a:fillRect/>
-          </a:stretch>
-        </p:blipFill>
-        <p:spPr bwMode="auto">
-          <a:xfrm>
-            <a:off x="1110142" y="2808206"/>
-            <a:ext cx="6188280" cy="2776070"/>
-          </a:xfrm>
-          <a:prstGeom prst="rect">
-            <a:avLst/>
-          </a:prstGeom>
-          <a:noFill/>
-          <a:extLst>
-            <a:ext uri="{909E8E84-426E-40DD-AFC4-6F175D3DCCD1}">
-              <a14:hiddenFill xmlns:a14="http://schemas.microsoft.com/office/drawing/2010/main">
-                <a:solidFill>
-                  <a:srgbClr val="FFFFFF"/>
-                </a:solidFill>
-              </a14:hiddenFill>
-            </a:ext>
-          </a:extLst>
-        </p:spPr>
-      </p:pic>
-      <p:sp>
-        <p:nvSpPr>
-          <p:cNvPr id="8" name="Rectangle 7">
-            <a:extLst>
-              <a:ext uri="{FF2B5EF4-FFF2-40B4-BE49-F238E27FC236}">
-                <a16:creationId xmlns:a16="http://schemas.microsoft.com/office/drawing/2014/main" id="{0AF1965B-4B8D-440F-B5A7-6606859B3E01}"/>
-              </a:ext>
-            </a:extLst>
-          </p:cNvPr>
-          <p:cNvSpPr/>
-          <p:nvPr/>
-        </p:nvSpPr>
-        <p:spPr>
-          <a:xfrm>
-            <a:off x="1300294" y="978408"/>
-            <a:ext cx="9899009" cy="1015663"/>
-          </a:xfrm>
-          <a:prstGeom prst="rect">
-            <a:avLst/>
-          </a:prstGeom>
-        </p:spPr>
-        <p:txBody>
-          <a:bodyPr wrap="square">
-            <a:spAutoFit/>
-          </a:bodyPr>
-          <a:lstStyle/>
-          <a:p>
-            <a:pPr marL="285750" indent="-285750">
-              <a:buFont typeface="Arial" panose="020B0604020202020204" pitchFamily="34" charset="0"/>
-              <a:buChar char="•"/>
-            </a:pPr>
-            <a:r>
-              <a:rPr lang="sv-SE" sz="2000" dirty="0">
-                <a:solidFill>
-                  <a:schemeClr val="tx1">
-                    <a:lumMod val="65000"/>
-                    <a:lumOff val="35000"/>
-                  </a:schemeClr>
-                </a:solidFill>
-                <a:latin typeface="Gill Sans MT (Body)"/>
-                <a:cs typeface="Times New Roman" panose="02020603050405020304" pitchFamily="18" charset="0"/>
-              </a:rPr>
-              <a:t>Komponenter är återanvändbara strukturer med inkapslade funktionaliteter. Det vill säga element som har html, </a:t>
-            </a:r>
-            <a:r>
-              <a:rPr lang="sv-SE" sz="2000" dirty="0" err="1">
-                <a:solidFill>
-                  <a:schemeClr val="tx1">
-                    <a:lumMod val="65000"/>
-                    <a:lumOff val="35000"/>
-                  </a:schemeClr>
-                </a:solidFill>
-                <a:latin typeface="Gill Sans MT (Body)"/>
-                <a:cs typeface="Times New Roman" panose="02020603050405020304" pitchFamily="18" charset="0"/>
-              </a:rPr>
-              <a:t>css</a:t>
-            </a:r>
-            <a:r>
-              <a:rPr lang="sv-SE" sz="2000" dirty="0">
-                <a:solidFill>
-                  <a:schemeClr val="tx1">
-                    <a:lumMod val="65000"/>
-                    <a:lumOff val="35000"/>
-                  </a:schemeClr>
-                </a:solidFill>
-                <a:latin typeface="Gill Sans MT (Body)"/>
-                <a:cs typeface="Times New Roman" panose="02020603050405020304" pitchFamily="18" charset="0"/>
-              </a:rPr>
-              <a:t> och </a:t>
-            </a:r>
-            <a:r>
-              <a:rPr lang="sv-SE" sz="2000" dirty="0" err="1">
-                <a:solidFill>
-                  <a:schemeClr val="tx1">
-                    <a:lumMod val="65000"/>
-                    <a:lumOff val="35000"/>
-                  </a:schemeClr>
-                </a:solidFill>
-                <a:latin typeface="Gill Sans MT (Body)"/>
-                <a:cs typeface="Times New Roman" panose="02020603050405020304" pitchFamily="18" charset="0"/>
-              </a:rPr>
-              <a:t>javascript</a:t>
-            </a:r>
-            <a:r>
-              <a:rPr lang="sv-SE" sz="2000" dirty="0">
-                <a:solidFill>
-                  <a:schemeClr val="tx1">
-                    <a:lumMod val="65000"/>
-                    <a:lumOff val="35000"/>
-                  </a:schemeClr>
-                </a:solidFill>
-                <a:latin typeface="Gill Sans MT (Body)"/>
-                <a:cs typeface="Times New Roman" panose="02020603050405020304" pitchFamily="18" charset="0"/>
-              </a:rPr>
-              <a:t> inkapslat och som kan vara antingen inom samma komponent eller till och med i andra projekt.</a:t>
-            </a:r>
-          </a:p>
-        </p:txBody>
-      </p:sp>
-      <p:pic>
-        <p:nvPicPr>
-          <p:cNvPr id="2052" name="Picture 4" descr="Getting started with Vue JS.">
-            <a:extLst>
-              <a:ext uri="{FF2B5EF4-FFF2-40B4-BE49-F238E27FC236}">
-                <a16:creationId xmlns:a16="http://schemas.microsoft.com/office/drawing/2014/main" id="{3C3A4C77-A454-4F74-A104-454F96E706FC}"/>
-              </a:ext>
-            </a:extLst>
-          </p:cNvPr>
-          <p:cNvPicPr>
-            <a:picLocks noChangeAspect="1" noChangeArrowheads="1"/>
-          </p:cNvPicPr>
-          <p:nvPr/>
-        </p:nvPicPr>
-        <p:blipFill>
-          <a:blip r:embed="rId3">
-            <a:extLst>
-              <a:ext uri="{28A0092B-C50C-407E-A947-70E740481C1C}">
-                <a14:useLocalDpi xmlns:a14="http://schemas.microsoft.com/office/drawing/2010/main" val="0"/>
-              </a:ext>
-            </a:extLst>
-          </a:blip>
-          <a:srcRect/>
-          <a:stretch>
-            <a:fillRect/>
-          </a:stretch>
-        </p:blipFill>
-        <p:spPr bwMode="auto">
-          <a:xfrm>
-            <a:off x="7394970" y="1939952"/>
-            <a:ext cx="4181873" cy="4194495"/>
-          </a:xfrm>
-          <a:prstGeom prst="rect">
-            <a:avLst/>
-          </a:prstGeom>
-          <a:noFill/>
-          <a:extLst>
-            <a:ext uri="{909E8E84-426E-40DD-AFC4-6F175D3DCCD1}">
-              <a14:hiddenFill xmlns:a14="http://schemas.microsoft.com/office/drawing/2010/main">
-                <a:solidFill>
-                  <a:srgbClr val="FFFFFF"/>
-                </a:solidFill>
-              </a14:hiddenFill>
-            </a:ext>
-          </a:extLst>
-        </p:spPr>
-      </p:pic>
-      <p:sp>
-        <p:nvSpPr>
-          <p:cNvPr id="6" name="Rectangle 5">
-            <a:extLst>
-              <a:ext uri="{FF2B5EF4-FFF2-40B4-BE49-F238E27FC236}">
-                <a16:creationId xmlns:a16="http://schemas.microsoft.com/office/drawing/2014/main" id="{90467F6D-BE32-4951-A349-E8823605A3D6}"/>
-              </a:ext>
-            </a:extLst>
-          </p:cNvPr>
-          <p:cNvSpPr/>
-          <p:nvPr/>
-        </p:nvSpPr>
-        <p:spPr>
-          <a:xfrm>
-            <a:off x="1110142" y="5734337"/>
-            <a:ext cx="9899009" cy="400110"/>
-          </a:xfrm>
-          <a:prstGeom prst="rect">
-            <a:avLst/>
-          </a:prstGeom>
-        </p:spPr>
-        <p:txBody>
-          <a:bodyPr wrap="square">
-            <a:spAutoFit/>
-          </a:bodyPr>
-          <a:lstStyle/>
-          <a:p>
-            <a:pPr marL="285750" indent="-285750">
-              <a:buFont typeface="Arial" panose="020B0604020202020204" pitchFamily="34" charset="0"/>
-              <a:buChar char="•"/>
-            </a:pPr>
-            <a:r>
-              <a:rPr lang="sv-SE" sz="2000" dirty="0" err="1">
-                <a:solidFill>
-                  <a:schemeClr val="tx1">
-                    <a:lumMod val="65000"/>
-                    <a:lumOff val="35000"/>
-                  </a:schemeClr>
-                </a:solidFill>
-                <a:latin typeface="Gill Sans MT (Body)"/>
-                <a:cs typeface="Times New Roman" panose="02020603050405020304" pitchFamily="18" charset="0"/>
-              </a:rPr>
-              <a:t>Vue</a:t>
-            </a:r>
-            <a:r>
-              <a:rPr lang="sv-SE" sz="2000" dirty="0">
-                <a:solidFill>
-                  <a:schemeClr val="tx1">
-                    <a:lumMod val="65000"/>
-                    <a:lumOff val="35000"/>
-                  </a:schemeClr>
-                </a:solidFill>
-                <a:latin typeface="Gill Sans MT (Body)"/>
-                <a:cs typeface="Times New Roman" panose="02020603050405020304" pitchFamily="18" charset="0"/>
-              </a:rPr>
-              <a:t> filer har filändelsen .</a:t>
-            </a:r>
-            <a:r>
-              <a:rPr lang="sv-SE" sz="2000" dirty="0" err="1">
-                <a:solidFill>
-                  <a:schemeClr val="tx1">
-                    <a:lumMod val="65000"/>
-                    <a:lumOff val="35000"/>
-                  </a:schemeClr>
-                </a:solidFill>
-                <a:latin typeface="Gill Sans MT (Body)"/>
-                <a:cs typeface="Times New Roman" panose="02020603050405020304" pitchFamily="18" charset="0"/>
-              </a:rPr>
-              <a:t>vue</a:t>
-            </a:r>
-            <a:r>
-              <a:rPr lang="sv-SE" sz="2000" dirty="0">
-                <a:solidFill>
-                  <a:schemeClr val="tx1">
-                    <a:lumMod val="65000"/>
-                    <a:lumOff val="35000"/>
-                  </a:schemeClr>
-                </a:solidFill>
-                <a:latin typeface="Gill Sans MT (Body)"/>
-                <a:cs typeface="Times New Roman" panose="02020603050405020304" pitchFamily="18" charset="0"/>
-              </a:rPr>
-              <a:t> och inte .html eller .</a:t>
-            </a:r>
-            <a:r>
-              <a:rPr lang="sv-SE" sz="2000" dirty="0" err="1">
-                <a:solidFill>
-                  <a:schemeClr val="tx1">
-                    <a:lumMod val="65000"/>
-                    <a:lumOff val="35000"/>
-                  </a:schemeClr>
-                </a:solidFill>
-                <a:latin typeface="Gill Sans MT (Body)"/>
-                <a:cs typeface="Times New Roman" panose="02020603050405020304" pitchFamily="18" charset="0"/>
-              </a:rPr>
-              <a:t>js</a:t>
-            </a:r>
-            <a:endParaRPr lang="sv-SE" sz="2000" dirty="0">
-              <a:solidFill>
-                <a:schemeClr val="tx1">
-                  <a:lumMod val="65000"/>
-                  <a:lumOff val="35000"/>
-                </a:schemeClr>
-              </a:solidFill>
-              <a:latin typeface="Gill Sans MT (Body)"/>
-              <a:cs typeface="Times New Roman" panose="02020603050405020304" pitchFamily="18" charset="0"/>
-            </a:endParaRPr>
-          </a:p>
-        </p:txBody>
-      </p:sp>
-      <p:sp>
-        <p:nvSpPr>
-          <p:cNvPr id="7" name="Rectangle 6">
-            <a:extLst>
-              <a:ext uri="{FF2B5EF4-FFF2-40B4-BE49-F238E27FC236}">
-                <a16:creationId xmlns:a16="http://schemas.microsoft.com/office/drawing/2014/main" id="{6095043D-79C2-462D-993A-00B834754B7E}"/>
-              </a:ext>
-            </a:extLst>
-          </p:cNvPr>
-          <p:cNvSpPr/>
-          <p:nvPr/>
-        </p:nvSpPr>
-        <p:spPr>
-          <a:xfrm>
-            <a:off x="1300294" y="2114723"/>
-            <a:ext cx="9899009" cy="400110"/>
-          </a:xfrm>
-          <a:prstGeom prst="rect">
-            <a:avLst/>
-          </a:prstGeom>
-        </p:spPr>
-        <p:txBody>
-          <a:bodyPr wrap="square">
-            <a:spAutoFit/>
-          </a:bodyPr>
-          <a:lstStyle/>
-          <a:p>
-            <a:pPr marL="285750" indent="-285750">
-              <a:buFont typeface="Arial" panose="020B0604020202020204" pitchFamily="34" charset="0"/>
-              <a:buChar char="•"/>
-            </a:pPr>
-            <a:r>
-              <a:rPr lang="sv-SE" sz="2000" dirty="0">
-                <a:solidFill>
-                  <a:schemeClr val="tx1">
-                    <a:lumMod val="65000"/>
-                    <a:lumOff val="35000"/>
-                  </a:schemeClr>
-                </a:solidFill>
-                <a:latin typeface="Gill Sans MT (Body)"/>
-                <a:cs typeface="Times New Roman" panose="02020603050405020304" pitchFamily="18" charset="0"/>
-              </a:rPr>
-              <a:t>Tänk legobitar för webbapplikationer.</a:t>
-            </a:r>
-          </a:p>
-        </p:txBody>
-      </p:sp>
-    </p:spTree>
-    <p:extLst>
-      <p:ext uri="{BB962C8B-B14F-4D97-AF65-F5344CB8AC3E}">
-        <p14:creationId xmlns:p14="http://schemas.microsoft.com/office/powerpoint/2010/main" val="1369894597"/>
-      </p:ext>
-    </p:extLst>
-  </p:cSld>
-  <p:clrMapOvr>
-    <a:masterClrMapping/>
-  </p:clrMapOvr>
-</p:sld>
-</file>
-
-<file path=ppt/slides/slide4.xml><?xml version="1.0" encoding="utf-8"?>
-<p:sld xmlns:a="http://schemas.openxmlformats.org/drawingml/2006/main" xmlns:r="http://schemas.openxmlformats.org/officeDocument/2006/relationships" xmlns:p="http://schemas.openxmlformats.org/presentationml/2006/main">
-  <p:cSld>
-    <p:spTree>
-      <p:nvGrpSpPr>
-        <p:cNvPr id="1" name=""/>
-        <p:cNvGrpSpPr/>
-        <p:nvPr/>
-      </p:nvGrpSpPr>
-      <p:grpSpPr>
-        <a:xfrm>
-          <a:off x="0" y="0"/>
-          <a:ext cx="0" cy="0"/>
-          <a:chOff x="0" y="0"/>
-          <a:chExt cx="0" cy="0"/>
-        </a:xfrm>
-      </p:grpSpPr>
-      <p:sp>
-        <p:nvSpPr>
-          <p:cNvPr id="2" name="Title 1">
-            <a:extLst>
-              <a:ext uri="{FF2B5EF4-FFF2-40B4-BE49-F238E27FC236}">
-                <a16:creationId xmlns:a16="http://schemas.microsoft.com/office/drawing/2014/main" id="{8EDAE078-3CB3-4D1F-8E4E-75C6D5DA8D1A}"/>
-              </a:ext>
-            </a:extLst>
-          </p:cNvPr>
-          <p:cNvSpPr>
-            <a:spLocks noGrp="1"/>
-          </p:cNvSpPr>
-          <p:nvPr>
-            <p:ph type="title"/>
-          </p:nvPr>
-        </p:nvSpPr>
-        <p:spPr>
-          <a:xfrm>
-            <a:off x="1195045" y="292227"/>
-            <a:ext cx="10893973" cy="596023"/>
-          </a:xfrm>
-        </p:spPr>
-        <p:txBody>
-          <a:bodyPr>
-            <a:normAutofit fontScale="90000"/>
-          </a:bodyPr>
-          <a:lstStyle/>
-          <a:p>
-            <a:pPr algn="ctr"/>
-            <a:r>
-              <a:rPr lang="en-US" sz="4000" dirty="0" err="1">
-                <a:latin typeface="Gill Sans MT (Body)"/>
-              </a:rPr>
-              <a:t>Mappstruktur</a:t>
-            </a:r>
-            <a:r>
-              <a:rPr lang="en-US" sz="4000" dirty="0">
-                <a:latin typeface="Gill Sans MT (Body)"/>
-              </a:rPr>
-              <a:t> I </a:t>
-            </a:r>
-            <a:r>
-              <a:rPr lang="en-US" sz="4000" dirty="0" err="1">
-                <a:latin typeface="Gill Sans MT (Body)"/>
-              </a:rPr>
-              <a:t>ett</a:t>
-            </a:r>
-            <a:r>
-              <a:rPr lang="en-US" sz="4000" dirty="0">
-                <a:latin typeface="Gill Sans MT (Body)"/>
-              </a:rPr>
-              <a:t> Vue </a:t>
-            </a:r>
-            <a:r>
-              <a:rPr lang="en-US" sz="4000" dirty="0" err="1">
-                <a:latin typeface="Gill Sans MT (Body)"/>
-              </a:rPr>
-              <a:t>projekt</a:t>
-            </a:r>
-            <a:endParaRPr lang="en-US" sz="4000" dirty="0">
-              <a:latin typeface="Gill Sans MT (Body)"/>
-            </a:endParaRPr>
-          </a:p>
-        </p:txBody>
-      </p:sp>
-      <p:sp>
-        <p:nvSpPr>
-          <p:cNvPr id="8" name="Rectangle 7">
-            <a:extLst>
-              <a:ext uri="{FF2B5EF4-FFF2-40B4-BE49-F238E27FC236}">
-                <a16:creationId xmlns:a16="http://schemas.microsoft.com/office/drawing/2014/main" id="{0AF1965B-4B8D-440F-B5A7-6606859B3E01}"/>
-              </a:ext>
-            </a:extLst>
-          </p:cNvPr>
-          <p:cNvSpPr/>
-          <p:nvPr/>
-        </p:nvSpPr>
-        <p:spPr>
-          <a:xfrm>
-            <a:off x="1300294" y="978408"/>
-            <a:ext cx="9899009" cy="1015663"/>
-          </a:xfrm>
-          <a:prstGeom prst="rect">
-            <a:avLst/>
-          </a:prstGeom>
-        </p:spPr>
-        <p:txBody>
-          <a:bodyPr wrap="square">
-            <a:spAutoFit/>
-          </a:bodyPr>
-          <a:lstStyle/>
-          <a:p>
-            <a:pPr marL="285750" indent="-285750">
-              <a:buFont typeface="Arial" panose="020B0604020202020204" pitchFamily="34" charset="0"/>
-              <a:buChar char="•"/>
-            </a:pPr>
-            <a:r>
-              <a:rPr lang="sv-SE" sz="2000" dirty="0">
-                <a:solidFill>
-                  <a:schemeClr val="tx1">
-                    <a:lumMod val="65000"/>
-                    <a:lumOff val="35000"/>
-                  </a:schemeClr>
-                </a:solidFill>
-                <a:latin typeface="Gill Sans MT (Body)"/>
-                <a:cs typeface="Times New Roman" panose="02020603050405020304" pitchFamily="18" charset="0"/>
-              </a:rPr>
-              <a:t>Komponenter är återanvändbara strukturer med inkapslade funktionaliteter. Det vill säga element som har html, </a:t>
-            </a:r>
-            <a:r>
-              <a:rPr lang="sv-SE" sz="2000" dirty="0" err="1">
-                <a:solidFill>
-                  <a:schemeClr val="tx1">
-                    <a:lumMod val="65000"/>
-                    <a:lumOff val="35000"/>
-                  </a:schemeClr>
-                </a:solidFill>
-                <a:latin typeface="Gill Sans MT (Body)"/>
-                <a:cs typeface="Times New Roman" panose="02020603050405020304" pitchFamily="18" charset="0"/>
-              </a:rPr>
-              <a:t>css</a:t>
-            </a:r>
-            <a:r>
-              <a:rPr lang="sv-SE" sz="2000" dirty="0">
-                <a:solidFill>
-                  <a:schemeClr val="tx1">
-                    <a:lumMod val="65000"/>
-                    <a:lumOff val="35000"/>
-                  </a:schemeClr>
-                </a:solidFill>
-                <a:latin typeface="Gill Sans MT (Body)"/>
-                <a:cs typeface="Times New Roman" panose="02020603050405020304" pitchFamily="18" charset="0"/>
-              </a:rPr>
-              <a:t> och </a:t>
-            </a:r>
-            <a:r>
-              <a:rPr lang="sv-SE" sz="2000" dirty="0" err="1">
-                <a:solidFill>
-                  <a:schemeClr val="tx1">
-                    <a:lumMod val="65000"/>
-                    <a:lumOff val="35000"/>
-                  </a:schemeClr>
-                </a:solidFill>
-                <a:latin typeface="Gill Sans MT (Body)"/>
-                <a:cs typeface="Times New Roman" panose="02020603050405020304" pitchFamily="18" charset="0"/>
-              </a:rPr>
-              <a:t>javascript</a:t>
-            </a:r>
-            <a:r>
-              <a:rPr lang="sv-SE" sz="2000" dirty="0">
-                <a:solidFill>
-                  <a:schemeClr val="tx1">
-                    <a:lumMod val="65000"/>
-                    <a:lumOff val="35000"/>
-                  </a:schemeClr>
-                </a:solidFill>
-                <a:latin typeface="Gill Sans MT (Body)"/>
-                <a:cs typeface="Times New Roman" panose="02020603050405020304" pitchFamily="18" charset="0"/>
-              </a:rPr>
-              <a:t> inkapslat och som kan vara antingen inom samma komponent eller till och med i andra projekt</a:t>
-            </a:r>
-          </a:p>
-        </p:txBody>
-      </p:sp>
-      <p:sp>
-        <p:nvSpPr>
-          <p:cNvPr id="3" name="Content Placeholder 2">
-            <a:extLst>
-              <a:ext uri="{FF2B5EF4-FFF2-40B4-BE49-F238E27FC236}">
-                <a16:creationId xmlns:a16="http://schemas.microsoft.com/office/drawing/2014/main" id="{BADF4A04-8223-49E2-A410-0D2B9F246536}"/>
-              </a:ext>
-            </a:extLst>
-          </p:cNvPr>
-          <p:cNvSpPr>
-            <a:spLocks noGrp="1"/>
-          </p:cNvSpPr>
-          <p:nvPr>
-            <p:ph idx="1"/>
-          </p:nvPr>
-        </p:nvSpPr>
-        <p:spPr>
-          <a:xfrm>
-            <a:off x="1251678" y="1994071"/>
-            <a:ext cx="6635022" cy="3885521"/>
-          </a:xfrm>
-        </p:spPr>
-        <p:txBody>
-          <a:bodyPr>
-            <a:normAutofit lnSpcReduction="10000"/>
-          </a:bodyPr>
-          <a:lstStyle/>
-          <a:p>
-            <a:r>
-              <a:rPr lang="en-US" sz="1400" b="1" dirty="0" err="1"/>
-              <a:t>node_modules</a:t>
-            </a:r>
-            <a:endParaRPr lang="en-US" sz="1400" b="1" dirty="0"/>
-          </a:p>
-          <a:p>
-            <a:pPr lvl="1"/>
-            <a:r>
-              <a:rPr lang="en-US" sz="1400" dirty="0"/>
-              <a:t>Mapp med </a:t>
-            </a:r>
-            <a:r>
-              <a:rPr lang="en-US" sz="1400" dirty="0" err="1"/>
-              <a:t>alla</a:t>
-            </a:r>
-            <a:r>
-              <a:rPr lang="en-US" sz="1400" dirty="0"/>
-              <a:t> </a:t>
-            </a:r>
-            <a:r>
-              <a:rPr lang="en-US" sz="1400" dirty="0" err="1"/>
-              <a:t>javascript</a:t>
-            </a:r>
-            <a:r>
-              <a:rPr lang="en-US" sz="1400" dirty="0"/>
-              <a:t> </a:t>
-            </a:r>
-            <a:r>
-              <a:rPr lang="en-US" sz="1400" dirty="0" err="1"/>
-              <a:t>bibliotek</a:t>
-            </a:r>
-            <a:r>
-              <a:rPr lang="en-US" sz="1400" dirty="0"/>
-              <a:t> </a:t>
-            </a:r>
-            <a:r>
-              <a:rPr lang="en-US" sz="1400" dirty="0" err="1"/>
-              <a:t>som</a:t>
-            </a:r>
-            <a:r>
-              <a:rPr lang="en-US" sz="1400" dirty="0"/>
-              <a:t> </a:t>
-            </a:r>
-            <a:r>
-              <a:rPr lang="en-US" sz="1400" dirty="0" err="1"/>
-              <a:t>projektet</a:t>
-            </a:r>
-            <a:r>
-              <a:rPr lang="en-US" sz="1400" dirty="0"/>
-              <a:t> </a:t>
-            </a:r>
-            <a:r>
-              <a:rPr lang="en-US" sz="1400" dirty="0" err="1"/>
-              <a:t>är</a:t>
-            </a:r>
-            <a:r>
-              <a:rPr lang="en-US" sz="1400" dirty="0"/>
-              <a:t> </a:t>
-            </a:r>
-            <a:r>
-              <a:rPr lang="en-US" sz="1400" dirty="0" err="1"/>
-              <a:t>beroende</a:t>
-            </a:r>
-            <a:r>
-              <a:rPr lang="en-US" sz="1400" dirty="0"/>
-              <a:t> </a:t>
-            </a:r>
-            <a:r>
-              <a:rPr lang="en-US" sz="1400" dirty="0" err="1"/>
-              <a:t>utav</a:t>
-            </a:r>
-            <a:r>
-              <a:rPr lang="en-US" sz="1400" dirty="0"/>
-              <a:t>, </a:t>
-            </a:r>
-            <a:r>
-              <a:rPr lang="en-US" sz="1400" dirty="0" err="1"/>
-              <a:t>behöver</a:t>
-            </a:r>
-            <a:r>
-              <a:rPr lang="en-US" sz="1400" dirty="0"/>
-              <a:t> </a:t>
-            </a:r>
-            <a:r>
-              <a:rPr lang="en-US" sz="1400" dirty="0" err="1"/>
-              <a:t>alldrig</a:t>
-            </a:r>
-            <a:r>
-              <a:rPr lang="en-US" sz="1400" dirty="0"/>
-              <a:t> </a:t>
-            </a:r>
-            <a:r>
-              <a:rPr lang="en-US" sz="1400" dirty="0" err="1"/>
-              <a:t>ändra</a:t>
-            </a:r>
-            <a:r>
-              <a:rPr lang="en-US" sz="1400" dirty="0"/>
-              <a:t> </a:t>
-            </a:r>
-            <a:r>
-              <a:rPr lang="en-US" sz="1400" dirty="0" err="1"/>
-              <a:t>eller</a:t>
-            </a:r>
-            <a:r>
-              <a:rPr lang="en-US" sz="1400" dirty="0"/>
-              <a:t> </a:t>
-            </a:r>
-            <a:r>
-              <a:rPr lang="en-US" sz="1400" dirty="0" err="1"/>
-              <a:t>pilla</a:t>
-            </a:r>
-            <a:r>
-              <a:rPr lang="en-US" sz="1400" dirty="0"/>
-              <a:t> </a:t>
-            </a:r>
-            <a:r>
-              <a:rPr lang="en-US" sz="1400" dirty="0" err="1"/>
-              <a:t>i</a:t>
-            </a:r>
-            <a:r>
-              <a:rPr lang="en-US" sz="1400" dirty="0"/>
-              <a:t> </a:t>
-            </a:r>
-          </a:p>
-          <a:p>
-            <a:r>
-              <a:rPr lang="en-US" sz="1400" b="1" dirty="0" err="1"/>
-              <a:t>src</a:t>
-            </a:r>
-            <a:endParaRPr lang="en-US" sz="1400" b="1" dirty="0"/>
-          </a:p>
-          <a:p>
-            <a:pPr lvl="1"/>
-            <a:r>
-              <a:rPr lang="en-US" sz="1400" dirty="0" err="1"/>
-              <a:t>Projektets</a:t>
-            </a:r>
-            <a:r>
-              <a:rPr lang="en-US" sz="1400" dirty="0"/>
-              <a:t> </a:t>
-            </a:r>
-            <a:r>
-              <a:rPr lang="en-US" sz="1400" dirty="0" err="1"/>
-              <a:t>viktigaste</a:t>
-            </a:r>
-            <a:r>
-              <a:rPr lang="en-US" sz="1400" dirty="0"/>
-              <a:t> </a:t>
-            </a:r>
-            <a:r>
-              <a:rPr lang="en-US" sz="1400" dirty="0" err="1"/>
-              <a:t>mapp</a:t>
-            </a:r>
-            <a:r>
-              <a:rPr lang="en-US" sz="1400" dirty="0"/>
-              <a:t> </a:t>
-            </a:r>
-            <a:r>
-              <a:rPr lang="en-US" sz="1400" dirty="0" err="1"/>
-              <a:t>där</a:t>
-            </a:r>
-            <a:r>
-              <a:rPr lang="en-US" sz="1400" dirty="0"/>
-              <a:t> all er </a:t>
-            </a:r>
-            <a:r>
-              <a:rPr lang="en-US" sz="1400" dirty="0" err="1"/>
-              <a:t>kod</a:t>
-            </a:r>
-            <a:r>
-              <a:rPr lang="en-US" sz="1400" dirty="0"/>
-              <a:t> </a:t>
-            </a:r>
-            <a:r>
-              <a:rPr lang="en-US" sz="1400" dirty="0" err="1"/>
-              <a:t>och</a:t>
-            </a:r>
-            <a:r>
-              <a:rPr lang="en-US" sz="1400" dirty="0"/>
-              <a:t> </a:t>
-            </a:r>
-            <a:r>
-              <a:rPr lang="en-US" sz="1400" dirty="0" err="1"/>
-              <a:t>komponenter</a:t>
-            </a:r>
-            <a:r>
-              <a:rPr lang="en-US" sz="1400" dirty="0"/>
-              <a:t> </a:t>
-            </a:r>
-            <a:r>
-              <a:rPr lang="en-US" sz="1400" dirty="0" err="1"/>
-              <a:t>kommer</a:t>
-            </a:r>
-            <a:r>
-              <a:rPr lang="en-US" sz="1400" dirty="0"/>
-              <a:t> </a:t>
-            </a:r>
-            <a:r>
-              <a:rPr lang="en-US" sz="1400" dirty="0" err="1"/>
-              <a:t>ligga</a:t>
-            </a:r>
-            <a:r>
-              <a:rPr lang="en-US" sz="1400" dirty="0"/>
-              <a:t>. 99% av </a:t>
-            </a:r>
-            <a:r>
-              <a:rPr lang="en-US" sz="1400" dirty="0" err="1"/>
-              <a:t>tiden</a:t>
-            </a:r>
-            <a:r>
-              <a:rPr lang="en-US" sz="1400" dirty="0"/>
-              <a:t> </a:t>
-            </a:r>
-            <a:r>
-              <a:rPr lang="en-US" sz="1400" dirty="0" err="1"/>
-              <a:t>jobbar</a:t>
-            </a:r>
-            <a:r>
-              <a:rPr lang="en-US" sz="1400" dirty="0"/>
-              <a:t> vi </a:t>
-            </a:r>
-            <a:r>
-              <a:rPr lang="en-US" sz="1400" dirty="0" err="1"/>
-              <a:t>i</a:t>
-            </a:r>
-            <a:r>
-              <a:rPr lang="en-US" sz="1400" dirty="0"/>
-              <a:t> den </a:t>
-            </a:r>
-            <a:r>
-              <a:rPr lang="en-US" sz="1400" dirty="0" err="1"/>
-              <a:t>mappen</a:t>
-            </a:r>
-            <a:r>
-              <a:rPr lang="en-US" sz="1400" dirty="0"/>
-              <a:t>.</a:t>
-            </a:r>
-          </a:p>
-          <a:p>
-            <a:pPr lvl="1"/>
-            <a:r>
-              <a:rPr lang="en-US" sz="1400" b="1" dirty="0"/>
-              <a:t>assets </a:t>
-            </a:r>
-            <a:r>
-              <a:rPr lang="en-US" sz="1400" dirty="0"/>
-              <a:t>– </a:t>
-            </a:r>
-            <a:r>
-              <a:rPr lang="en-US" sz="1400" dirty="0" err="1"/>
-              <a:t>resurser</a:t>
-            </a:r>
-            <a:r>
-              <a:rPr lang="en-US" sz="1400" dirty="0"/>
-              <a:t> </a:t>
-            </a:r>
-            <a:r>
-              <a:rPr lang="en-US" sz="1400" dirty="0" err="1"/>
-              <a:t>som</a:t>
-            </a:r>
-            <a:r>
-              <a:rPr lang="en-US" sz="1400" dirty="0"/>
-              <a:t> man </a:t>
-            </a:r>
-            <a:r>
-              <a:rPr lang="en-US" sz="1400" dirty="0" err="1"/>
-              <a:t>vill</a:t>
-            </a:r>
-            <a:r>
-              <a:rPr lang="en-US" sz="1400" dirty="0"/>
-              <a:t> </a:t>
-            </a:r>
-            <a:r>
-              <a:rPr lang="en-US" sz="1400" dirty="0" err="1"/>
-              <a:t>komma</a:t>
-            </a:r>
-            <a:r>
-              <a:rPr lang="en-US" sz="1400" dirty="0"/>
-              <a:t> </a:t>
-            </a:r>
-            <a:r>
-              <a:rPr lang="en-US" sz="1400" dirty="0" err="1"/>
-              <a:t>åt</a:t>
-            </a:r>
-            <a:r>
-              <a:rPr lang="en-US" sz="1400" dirty="0"/>
-              <a:t> </a:t>
-            </a:r>
-            <a:r>
-              <a:rPr lang="en-US" sz="1400" dirty="0" err="1"/>
-              <a:t>i</a:t>
-            </a:r>
-            <a:r>
-              <a:rPr lang="en-US" sz="1400" dirty="0"/>
-              <a:t> </a:t>
-            </a:r>
-            <a:r>
-              <a:rPr lang="en-US" sz="1400" dirty="0" err="1"/>
-              <a:t>applikationen</a:t>
-            </a:r>
-            <a:r>
-              <a:rPr lang="en-US" sz="1400" dirty="0"/>
-              <a:t> </a:t>
-            </a:r>
-            <a:r>
-              <a:rPr lang="en-US" sz="1400" dirty="0" err="1"/>
-              <a:t>som</a:t>
-            </a:r>
-            <a:r>
-              <a:rPr lang="en-US" sz="1400" dirty="0"/>
-              <a:t> </a:t>
-            </a:r>
-            <a:r>
-              <a:rPr lang="en-US" sz="1400" dirty="0" err="1"/>
-              <a:t>bilder</a:t>
-            </a:r>
-            <a:r>
-              <a:rPr lang="en-US" sz="1400" dirty="0"/>
-              <a:t> </a:t>
-            </a:r>
-            <a:r>
-              <a:rPr lang="en-US" sz="1400" dirty="0" err="1"/>
-              <a:t>osv</a:t>
-            </a:r>
-            <a:r>
-              <a:rPr lang="en-US" sz="1400" dirty="0"/>
-              <a:t>.</a:t>
-            </a:r>
-          </a:p>
-          <a:p>
-            <a:pPr lvl="1"/>
-            <a:r>
-              <a:rPr lang="en-US" sz="1400" b="1" dirty="0"/>
-              <a:t>components </a:t>
-            </a:r>
-            <a:r>
-              <a:rPr lang="en-US" sz="1400" dirty="0"/>
-              <a:t>– </a:t>
-            </a:r>
-            <a:r>
-              <a:rPr lang="en-US" sz="1400" dirty="0" err="1"/>
-              <a:t>där</a:t>
-            </a:r>
-            <a:r>
-              <a:rPr lang="en-US" sz="1400" dirty="0"/>
-              <a:t> man </a:t>
-            </a:r>
-            <a:r>
-              <a:rPr lang="en-US" sz="1400" dirty="0" err="1"/>
-              <a:t>skapar</a:t>
-            </a:r>
-            <a:r>
-              <a:rPr lang="en-US" sz="1400" dirty="0"/>
-              <a:t> </a:t>
-            </a:r>
-            <a:r>
-              <a:rPr lang="en-US" sz="1400" dirty="0" err="1"/>
-              <a:t>sina</a:t>
-            </a:r>
-            <a:r>
-              <a:rPr lang="en-US" sz="1400" dirty="0"/>
-              <a:t> </a:t>
-            </a:r>
-            <a:r>
-              <a:rPr lang="en-US" sz="1400" dirty="0" err="1"/>
-              <a:t>componenter</a:t>
-            </a:r>
-            <a:r>
-              <a:rPr lang="en-US" sz="1400" dirty="0"/>
-              <a:t> om man </a:t>
-            </a:r>
-            <a:r>
-              <a:rPr lang="en-US" sz="1400" dirty="0" err="1"/>
-              <a:t>vill</a:t>
-            </a:r>
-            <a:r>
-              <a:rPr lang="en-US" sz="1400" dirty="0"/>
-              <a:t> </a:t>
-            </a:r>
-            <a:r>
-              <a:rPr lang="en-US" sz="1400" dirty="0" err="1"/>
-              <a:t>inte</a:t>
-            </a:r>
-            <a:r>
-              <a:rPr lang="en-US" sz="1400" dirty="0"/>
-              <a:t> </a:t>
-            </a:r>
-            <a:r>
-              <a:rPr lang="en-US" sz="1400" dirty="0" err="1"/>
-              <a:t>nödvändigt</a:t>
-            </a:r>
-            <a:r>
-              <a:rPr lang="en-US" sz="1400" dirty="0"/>
-              <a:t> </a:t>
-            </a:r>
-            <a:r>
-              <a:rPr lang="en-US" sz="1400" dirty="0" err="1"/>
-              <a:t>så</a:t>
-            </a:r>
-            <a:r>
-              <a:rPr lang="en-US" sz="1400" dirty="0"/>
-              <a:t> </a:t>
-            </a:r>
-            <a:r>
-              <a:rPr lang="en-US" sz="1400" dirty="0" err="1"/>
-              <a:t>länge</a:t>
-            </a:r>
-            <a:r>
-              <a:rPr lang="en-US" sz="1400" dirty="0"/>
-              <a:t> de </a:t>
-            </a:r>
-            <a:r>
-              <a:rPr lang="en-US" sz="1400" dirty="0" err="1"/>
-              <a:t>är</a:t>
-            </a:r>
-            <a:r>
-              <a:rPr lang="en-US" sz="1400" dirty="0"/>
-              <a:t> I </a:t>
-            </a:r>
-            <a:r>
-              <a:rPr lang="en-US" sz="1400" dirty="0" err="1"/>
-              <a:t>src</a:t>
-            </a:r>
-            <a:r>
-              <a:rPr lang="en-US" sz="1400" dirty="0"/>
-              <a:t> </a:t>
-            </a:r>
-            <a:r>
-              <a:rPr lang="en-US" sz="1400" dirty="0" err="1"/>
-              <a:t>mappen</a:t>
-            </a:r>
-            <a:r>
-              <a:rPr lang="en-US" sz="1400" dirty="0"/>
-              <a:t>.</a:t>
-            </a:r>
-          </a:p>
-          <a:p>
-            <a:pPr lvl="1"/>
-            <a:r>
-              <a:rPr lang="en-US" sz="1400" b="1" dirty="0"/>
-              <a:t>main.js </a:t>
-            </a:r>
-            <a:r>
-              <a:rPr lang="en-US" sz="1400" dirty="0"/>
-              <a:t>– </a:t>
-            </a:r>
-            <a:r>
-              <a:rPr lang="en-US" sz="1400" dirty="0" err="1"/>
-              <a:t>där</a:t>
-            </a:r>
-            <a:r>
-              <a:rPr lang="en-US" sz="1400" dirty="0"/>
-              <a:t> </a:t>
-            </a:r>
-            <a:r>
-              <a:rPr lang="en-US" sz="1400" dirty="0" err="1"/>
-              <a:t>applikationen</a:t>
-            </a:r>
-            <a:r>
-              <a:rPr lang="en-US" sz="1400" dirty="0"/>
-              <a:t> </a:t>
-            </a:r>
-            <a:r>
-              <a:rPr lang="en-US" sz="1400" dirty="0" err="1"/>
-              <a:t>initieras</a:t>
-            </a:r>
-            <a:r>
-              <a:rPr lang="en-US" sz="1400" dirty="0"/>
-              <a:t> </a:t>
-            </a:r>
-            <a:r>
-              <a:rPr lang="en-US" sz="1400" dirty="0" err="1"/>
-              <a:t>och</a:t>
-            </a:r>
-            <a:r>
-              <a:rPr lang="en-US" sz="1400" dirty="0"/>
-              <a:t> </a:t>
-            </a:r>
-            <a:r>
-              <a:rPr lang="en-US" sz="1400" dirty="0" err="1"/>
-              <a:t>andra</a:t>
-            </a:r>
-            <a:r>
-              <a:rPr lang="en-US" sz="1400" dirty="0"/>
-              <a:t> </a:t>
-            </a:r>
-            <a:r>
-              <a:rPr lang="en-US" sz="1400" dirty="0" err="1"/>
-              <a:t>beroenden</a:t>
-            </a:r>
-            <a:r>
-              <a:rPr lang="en-US" sz="1400" dirty="0"/>
-              <a:t> </a:t>
-            </a:r>
-            <a:r>
-              <a:rPr lang="en-US" sz="1400" dirty="0" err="1"/>
-              <a:t>som</a:t>
-            </a:r>
-            <a:r>
-              <a:rPr lang="en-US" sz="1400" dirty="0"/>
-              <a:t> </a:t>
-            </a:r>
-            <a:r>
-              <a:rPr lang="en-US" sz="1400" dirty="0" err="1"/>
-              <a:t>applikationen</a:t>
-            </a:r>
-            <a:r>
-              <a:rPr lang="en-US" sz="1400" dirty="0"/>
-              <a:t> </a:t>
-            </a:r>
-            <a:r>
-              <a:rPr lang="en-US" sz="1400" dirty="0" err="1"/>
-              <a:t>använder</a:t>
-            </a:r>
-            <a:r>
-              <a:rPr lang="en-US" sz="1400" dirty="0"/>
-              <a:t>.</a:t>
-            </a:r>
-            <a:endParaRPr lang="en-US" sz="1400" b="1" dirty="0"/>
-          </a:p>
-          <a:p>
-            <a:r>
-              <a:rPr lang="en-US" sz="1400" b="1" dirty="0" err="1"/>
-              <a:t>package.json</a:t>
-            </a:r>
-            <a:endParaRPr lang="en-US" sz="1400" b="1" dirty="0"/>
-          </a:p>
-          <a:p>
-            <a:pPr lvl="1"/>
-            <a:r>
-              <a:rPr lang="en-US" sz="1200" dirty="0" err="1"/>
-              <a:t>Listar</a:t>
-            </a:r>
-            <a:r>
-              <a:rPr lang="en-US" sz="1200" dirty="0"/>
-              <a:t> </a:t>
-            </a:r>
-            <a:r>
-              <a:rPr lang="en-US" sz="1200" dirty="0" err="1"/>
-              <a:t>alla</a:t>
-            </a:r>
-            <a:r>
-              <a:rPr lang="en-US" sz="1200" dirty="0"/>
-              <a:t> </a:t>
-            </a:r>
-            <a:r>
-              <a:rPr lang="en-US" sz="1200" dirty="0" err="1"/>
-              <a:t>javascript</a:t>
-            </a:r>
-            <a:r>
-              <a:rPr lang="en-US" sz="1200" dirty="0"/>
-              <a:t> </a:t>
-            </a:r>
-            <a:r>
-              <a:rPr lang="en-US" sz="1200" dirty="0" err="1"/>
-              <a:t>bibliotek</a:t>
-            </a:r>
-            <a:r>
-              <a:rPr lang="en-US" sz="1200" dirty="0"/>
-              <a:t> </a:t>
-            </a:r>
-            <a:r>
-              <a:rPr lang="en-US" sz="1200" dirty="0" err="1"/>
-              <a:t>som</a:t>
-            </a:r>
-            <a:r>
-              <a:rPr lang="en-US" sz="1200" dirty="0"/>
-              <a:t> </a:t>
-            </a:r>
-            <a:r>
-              <a:rPr lang="en-US" sz="1200" dirty="0" err="1"/>
-              <a:t>projektet</a:t>
-            </a:r>
-            <a:r>
-              <a:rPr lang="en-US" sz="1200" dirty="0"/>
-              <a:t> </a:t>
-            </a:r>
-            <a:r>
-              <a:rPr lang="en-US" sz="1200" dirty="0" err="1"/>
-              <a:t>använder</a:t>
-            </a:r>
-            <a:r>
-              <a:rPr lang="en-US" sz="1200" dirty="0"/>
-              <a:t> sig </a:t>
-            </a:r>
-            <a:r>
-              <a:rPr lang="en-US" sz="1200" dirty="0" err="1"/>
-              <a:t>utav</a:t>
-            </a:r>
-            <a:r>
-              <a:rPr lang="en-US" sz="1200" dirty="0"/>
-              <a:t> </a:t>
-            </a:r>
-            <a:r>
-              <a:rPr lang="en-US" sz="1200" dirty="0" err="1"/>
-              <a:t>och</a:t>
-            </a:r>
-            <a:r>
-              <a:rPr lang="en-US" sz="1200" dirty="0"/>
-              <a:t> </a:t>
-            </a:r>
-            <a:r>
-              <a:rPr lang="en-US" sz="1200" dirty="0" err="1"/>
-              <a:t>en</a:t>
-            </a:r>
-            <a:r>
-              <a:rPr lang="en-US" sz="1200" dirty="0"/>
-              <a:t> del </a:t>
-            </a:r>
-            <a:r>
-              <a:rPr lang="en-US" sz="1200" dirty="0" err="1"/>
-              <a:t>inställningar</a:t>
-            </a:r>
-            <a:r>
-              <a:rPr lang="en-US" sz="1200" dirty="0"/>
-              <a:t> </a:t>
-            </a:r>
-            <a:r>
-              <a:rPr lang="en-US" sz="1200" dirty="0" err="1"/>
-              <a:t>och</a:t>
-            </a:r>
-            <a:r>
-              <a:rPr lang="en-US" sz="1200" dirty="0"/>
-              <a:t> </a:t>
-            </a:r>
-            <a:r>
-              <a:rPr lang="en-US" sz="1200" dirty="0" err="1"/>
-              <a:t>konfigurationer</a:t>
-            </a:r>
-            <a:r>
-              <a:rPr lang="en-US" sz="1200" dirty="0"/>
-              <a:t>.</a:t>
-            </a:r>
-            <a:endParaRPr lang="en-SE" sz="1200" dirty="0"/>
-          </a:p>
-        </p:txBody>
-      </p:sp>
-      <p:pic>
-        <p:nvPicPr>
-          <p:cNvPr id="5" name="Picture 4">
-            <a:extLst>
-              <a:ext uri="{FF2B5EF4-FFF2-40B4-BE49-F238E27FC236}">
-                <a16:creationId xmlns:a16="http://schemas.microsoft.com/office/drawing/2014/main" id="{BE885182-9518-4149-9732-163988920D3F}"/>
-              </a:ext>
-            </a:extLst>
-          </p:cNvPr>
-          <p:cNvPicPr>
-            <a:picLocks noChangeAspect="1"/>
-          </p:cNvPicPr>
-          <p:nvPr/>
-        </p:nvPicPr>
-        <p:blipFill>
-          <a:blip r:embed="rId2"/>
-          <a:stretch>
-            <a:fillRect/>
-          </a:stretch>
-        </p:blipFill>
-        <p:spPr>
-          <a:xfrm>
-            <a:off x="8193404" y="1699631"/>
-            <a:ext cx="2375535" cy="4374461"/>
-          </a:xfrm>
-          <a:prstGeom prst="rect">
-            <a:avLst/>
-          </a:prstGeom>
-        </p:spPr>
-      </p:pic>
-    </p:spTree>
-    <p:extLst>
-      <p:ext uri="{BB962C8B-B14F-4D97-AF65-F5344CB8AC3E}">
-        <p14:creationId xmlns:p14="http://schemas.microsoft.com/office/powerpoint/2010/main" val="1863028339"/>
-      </p:ext>
-    </p:extLst>
-  </p:cSld>
-  <p:clrMapOvr>
-    <a:masterClrMapping/>
-  </p:clrMapOvr>
-</p:sld>
-</file>
-
-<file path=ppt/slides/slide5.xml><?xml version="1.0" encoding="utf-8"?>
 <p:sld xmlns:a="http://schemas.openxmlformats.org/drawingml/2006/main" xmlns:r="http://schemas.openxmlformats.org/officeDocument/2006/relationships" xmlns:p="http://schemas.openxmlformats.org/presentationml/2006/main">
   <p:cSld>
     <p:bg>
@@ -16061,13 +9021,13 @@
         </p:nvSpPr>
         <p:spPr>
           <a:xfrm>
-            <a:off x="6749271" y="1128451"/>
-            <a:ext cx="4680729" cy="4566609"/>
+            <a:off x="6425967" y="1128451"/>
+            <a:ext cx="5494789" cy="4566609"/>
           </a:xfrm>
         </p:spPr>
         <p:txBody>
           <a:bodyPr anchor="ctr">
-            <a:normAutofit fontScale="62500" lnSpcReduction="20000"/>
+            <a:normAutofit/>
           </a:bodyPr>
           <a:lstStyle/>
           <a:p>
@@ -16167,95 +9127,13 @@
             </a:r>
           </a:p>
           <a:p>
-            <a:pPr marL="514350" indent="-514350">
-              <a:buFont typeface="+mj-lt"/>
-              <a:buAutoNum type="arabicPeriod"/>
+            <a:pPr marL="0" indent="0">
+              <a:buNone/>
             </a:pPr>
-            <a:r>
-              <a:rPr lang="en-US" sz="2800" dirty="0">
-                <a:latin typeface="Gill Sans MT (Body)"/>
-                <a:cs typeface="Times New Roman" panose="02020603050405020304" pitchFamily="18" charset="0"/>
-              </a:rPr>
-              <a:t>Computed properties</a:t>
-            </a:r>
-          </a:p>
-          <a:p>
-            <a:pPr marL="514350" indent="-514350">
-              <a:buFont typeface="+mj-lt"/>
-              <a:buAutoNum type="arabicPeriod"/>
-            </a:pPr>
-            <a:r>
-              <a:rPr lang="en-US" sz="2800" dirty="0">
-                <a:latin typeface="Gill Sans MT (Body)"/>
-                <a:cs typeface="Times New Roman" panose="02020603050405020304" pitchFamily="18" charset="0"/>
-              </a:rPr>
-              <a:t>Watchers</a:t>
-            </a:r>
-          </a:p>
-          <a:p>
-            <a:pPr marL="514350" indent="-514350">
-              <a:buFont typeface="+mj-lt"/>
-              <a:buAutoNum type="arabicPeriod"/>
-            </a:pPr>
-            <a:r>
-              <a:rPr lang="en-US" sz="2800" dirty="0">
-                <a:latin typeface="Gill Sans MT (Body)"/>
-                <a:cs typeface="Times New Roman" panose="02020603050405020304" pitchFamily="18" charset="0"/>
-              </a:rPr>
-              <a:t>Class binding</a:t>
-            </a:r>
-          </a:p>
-          <a:p>
-            <a:pPr marL="514350" indent="-514350">
-              <a:buFont typeface="+mj-lt"/>
-              <a:buAutoNum type="arabicPeriod"/>
-            </a:pPr>
-            <a:r>
-              <a:rPr lang="en-US" sz="2800" dirty="0">
-                <a:latin typeface="Gill Sans MT (Body)"/>
-                <a:cs typeface="Times New Roman" panose="02020603050405020304" pitchFamily="18" charset="0"/>
-              </a:rPr>
-              <a:t>Style binding</a:t>
-            </a:r>
-          </a:p>
-          <a:p>
-            <a:pPr marL="514350" indent="-514350">
-              <a:buFont typeface="+mj-lt"/>
-              <a:buAutoNum type="arabicPeriod"/>
-            </a:pPr>
-            <a:r>
-              <a:rPr lang="en-US" sz="2800" dirty="0">
-                <a:latin typeface="Gill Sans MT (Body)"/>
-                <a:cs typeface="Times New Roman" panose="02020603050405020304" pitchFamily="18" charset="0"/>
-              </a:rPr>
-              <a:t>Components</a:t>
-            </a:r>
-          </a:p>
-          <a:p>
-            <a:pPr marL="514350" indent="-514350">
-              <a:buFont typeface="+mj-lt"/>
-              <a:buAutoNum type="arabicPeriod"/>
-            </a:pPr>
-            <a:r>
-              <a:rPr lang="en-US" sz="2800" dirty="0">
-                <a:latin typeface="Gill Sans MT (Body)"/>
-                <a:cs typeface="Times New Roman" panose="02020603050405020304" pitchFamily="18" charset="0"/>
-              </a:rPr>
-              <a:t>Life-cycle hooks</a:t>
-            </a:r>
-          </a:p>
-          <a:p>
-            <a:pPr marL="514350" indent="-514350">
-              <a:buFont typeface="+mj-lt"/>
-              <a:buAutoNum type="arabicPeriod"/>
-            </a:pPr>
-            <a:r>
-              <a:rPr lang="en-US" sz="2800" dirty="0">
-                <a:latin typeface="Gill Sans MT (Body)"/>
-                <a:cs typeface="Times New Roman" panose="02020603050405020304" pitchFamily="18" charset="0"/>
-              </a:rPr>
-              <a:t>Component communication</a:t>
-            </a:r>
+            <a:endParaRPr lang="en-US" sz="2800" dirty="0">
+              <a:latin typeface="Gill Sans MT (Body)"/>
+              <a:cs typeface="Times New Roman" panose="02020603050405020304" pitchFamily="18" charset="0"/>
+            </a:endParaRPr>
           </a:p>
           <a:p>
             <a:pPr marL="514350" indent="-514350">
@@ -16267,22 +9145,483 @@
               <a:cs typeface="Times New Roman" panose="02020603050405020304" pitchFamily="18" charset="0"/>
             </a:endParaRPr>
           </a:p>
-          <a:p>
-            <a:pPr marL="514350" indent="-514350">
-              <a:buFont typeface="+mj-lt"/>
-              <a:buAutoNum type="arabicPeriod"/>
-            </a:pPr>
-            <a:endParaRPr lang="en-US" sz="2800" dirty="0">
-              <a:latin typeface="Gill Sans MT (Body)"/>
-              <a:cs typeface="Times New Roman" panose="02020603050405020304" pitchFamily="18" charset="0"/>
-            </a:endParaRPr>
-          </a:p>
         </p:txBody>
       </p:sp>
     </p:spTree>
     <p:extLst>
       <p:ext uri="{BB962C8B-B14F-4D97-AF65-F5344CB8AC3E}">
         <p14:creationId xmlns:p14="http://schemas.microsoft.com/office/powerpoint/2010/main" val="2257163368"/>
+      </p:ext>
+    </p:extLst>
+  </p:cSld>
+  <p:clrMapOvr>
+    <a:masterClrMapping/>
+  </p:clrMapOvr>
+</p:sld>
+</file>
+
+<file path=ppt/slides/slide4.xml><?xml version="1.0" encoding="utf-8"?>
+<p:sld xmlns:a="http://schemas.openxmlformats.org/drawingml/2006/main" xmlns:r="http://schemas.openxmlformats.org/officeDocument/2006/relationships" xmlns:p="http://schemas.openxmlformats.org/presentationml/2006/main">
+  <p:cSld>
+    <p:spTree>
+      <p:nvGrpSpPr>
+        <p:cNvPr id="1" name=""/>
+        <p:cNvGrpSpPr/>
+        <p:nvPr/>
+      </p:nvGrpSpPr>
+      <p:grpSpPr>
+        <a:xfrm>
+          <a:off x="0" y="0"/>
+          <a:ext cx="0" cy="0"/>
+          <a:chOff x="0" y="0"/>
+          <a:chExt cx="0" cy="0"/>
+        </a:xfrm>
+      </p:grpSpPr>
+      <p:sp>
+        <p:nvSpPr>
+          <p:cNvPr id="2" name="Title 1">
+            <a:extLst>
+              <a:ext uri="{FF2B5EF4-FFF2-40B4-BE49-F238E27FC236}">
+                <a16:creationId xmlns:a16="http://schemas.microsoft.com/office/drawing/2014/main" id="{8EDAE078-3CB3-4D1F-8E4E-75C6D5DA8D1A}"/>
+              </a:ext>
+            </a:extLst>
+          </p:cNvPr>
+          <p:cNvSpPr>
+            <a:spLocks noGrp="1"/>
+          </p:cNvSpPr>
+          <p:nvPr>
+            <p:ph type="title"/>
+          </p:nvPr>
+        </p:nvSpPr>
+        <p:spPr>
+          <a:xfrm>
+            <a:off x="1203434" y="382385"/>
+            <a:ext cx="10893973" cy="596023"/>
+          </a:xfrm>
+        </p:spPr>
+        <p:txBody>
+          <a:bodyPr>
+            <a:normAutofit fontScale="90000"/>
+          </a:bodyPr>
+          <a:lstStyle/>
+          <a:p>
+            <a:pPr algn="ctr"/>
+            <a:r>
+              <a:rPr lang="en-US" sz="4000" dirty="0">
+                <a:latin typeface="Gill Sans MT (Body)"/>
+              </a:rPr>
+              <a:t>Interpolation</a:t>
+            </a:r>
+          </a:p>
+        </p:txBody>
+      </p:sp>
+      <p:sp>
+        <p:nvSpPr>
+          <p:cNvPr id="7" name="TextBox 6">
+            <a:extLst>
+              <a:ext uri="{FF2B5EF4-FFF2-40B4-BE49-F238E27FC236}">
+                <a16:creationId xmlns:a16="http://schemas.microsoft.com/office/drawing/2014/main" id="{245FB5DD-85A9-4F43-913B-3383D193826A}"/>
+              </a:ext>
+            </a:extLst>
+          </p:cNvPr>
+          <p:cNvSpPr txBox="1"/>
+          <p:nvPr/>
+        </p:nvSpPr>
+        <p:spPr>
+          <a:xfrm>
+            <a:off x="1704513" y="1176974"/>
+            <a:ext cx="7776838" cy="923330"/>
+          </a:xfrm>
+          <a:prstGeom prst="rect">
+            <a:avLst/>
+          </a:prstGeom>
+          <a:noFill/>
+        </p:spPr>
+        <p:txBody>
+          <a:bodyPr wrap="square" rtlCol="0">
+            <a:spAutoFit/>
+          </a:bodyPr>
+          <a:lstStyle/>
+          <a:p>
+            <a:pPr marL="285750" indent="-285750">
+              <a:buFont typeface="Arial" panose="020B0604020202020204" pitchFamily="34" charset="0"/>
+              <a:buChar char="•"/>
+            </a:pPr>
+            <a:r>
+              <a:rPr lang="sv-SE" dirty="0">
+                <a:solidFill>
+                  <a:schemeClr val="tx1">
+                    <a:lumMod val="65000"/>
+                    <a:lumOff val="35000"/>
+                  </a:schemeClr>
+                </a:solidFill>
+              </a:rPr>
+              <a:t>Visar data värden från </a:t>
+            </a:r>
+            <a:r>
+              <a:rPr lang="sv-SE" u="sng" dirty="0">
+                <a:solidFill>
+                  <a:schemeClr val="tx1">
+                    <a:lumMod val="65000"/>
+                    <a:lumOff val="35000"/>
+                  </a:schemeClr>
+                </a:solidFill>
+              </a:rPr>
+              <a:t>data</a:t>
+            </a:r>
+            <a:r>
+              <a:rPr lang="sv-SE" dirty="0">
+                <a:solidFill>
+                  <a:schemeClr val="tx1">
+                    <a:lumMod val="65000"/>
+                    <a:lumOff val="35000"/>
+                  </a:schemeClr>
+                </a:solidFill>
+              </a:rPr>
+              <a:t> sektionen eller </a:t>
+            </a:r>
+            <a:r>
+              <a:rPr lang="sv-SE" u="sng" dirty="0" err="1">
+                <a:solidFill>
+                  <a:schemeClr val="tx1">
+                    <a:lumMod val="65000"/>
+                    <a:lumOff val="35000"/>
+                  </a:schemeClr>
+                </a:solidFill>
+              </a:rPr>
+              <a:t>computed</a:t>
+            </a:r>
+            <a:r>
+              <a:rPr lang="sv-SE" dirty="0">
+                <a:solidFill>
+                  <a:schemeClr val="tx1">
+                    <a:lumMod val="65000"/>
+                    <a:lumOff val="35000"/>
+                  </a:schemeClr>
+                </a:solidFill>
+              </a:rPr>
+              <a:t> sektionen.</a:t>
+            </a:r>
+          </a:p>
+          <a:p>
+            <a:pPr marL="285750" indent="-285750">
+              <a:buFont typeface="Arial" panose="020B0604020202020204" pitchFamily="34" charset="0"/>
+              <a:buChar char="•"/>
+            </a:pPr>
+            <a:endParaRPr lang="sv-SE" dirty="0">
+              <a:solidFill>
+                <a:schemeClr val="tx1">
+                  <a:lumMod val="65000"/>
+                  <a:lumOff val="35000"/>
+                </a:schemeClr>
+              </a:solidFill>
+            </a:endParaRPr>
+          </a:p>
+          <a:p>
+            <a:pPr marL="285750" indent="-285750">
+              <a:buFont typeface="Arial" panose="020B0604020202020204" pitchFamily="34" charset="0"/>
+              <a:buChar char="•"/>
+            </a:pPr>
+            <a:r>
+              <a:rPr lang="sv-SE" dirty="0">
+                <a:solidFill>
+                  <a:schemeClr val="tx1">
+                    <a:lumMod val="65000"/>
+                    <a:lumOff val="35000"/>
+                  </a:schemeClr>
+                </a:solidFill>
+              </a:rPr>
+              <a:t>Kan också utföra mindre uttryck innanför {{ … }}.</a:t>
+            </a:r>
+          </a:p>
+        </p:txBody>
+      </p:sp>
+      <p:pic>
+        <p:nvPicPr>
+          <p:cNvPr id="9" name="Picture 8">
+            <a:extLst>
+              <a:ext uri="{FF2B5EF4-FFF2-40B4-BE49-F238E27FC236}">
+                <a16:creationId xmlns:a16="http://schemas.microsoft.com/office/drawing/2014/main" id="{4B7F19F7-B392-9A92-274B-6AE5B99B9F54}"/>
+              </a:ext>
+            </a:extLst>
+          </p:cNvPr>
+          <p:cNvPicPr>
+            <a:picLocks noChangeAspect="1"/>
+          </p:cNvPicPr>
+          <p:nvPr/>
+        </p:nvPicPr>
+        <p:blipFill>
+          <a:blip r:embed="rId2"/>
+          <a:stretch>
+            <a:fillRect/>
+          </a:stretch>
+        </p:blipFill>
+        <p:spPr>
+          <a:xfrm>
+            <a:off x="3057402" y="2823526"/>
+            <a:ext cx="5432258" cy="2857500"/>
+          </a:xfrm>
+          <a:prstGeom prst="rect">
+            <a:avLst/>
+          </a:prstGeom>
+        </p:spPr>
+      </p:pic>
+    </p:spTree>
+    <p:extLst>
+      <p:ext uri="{BB962C8B-B14F-4D97-AF65-F5344CB8AC3E}">
+        <p14:creationId xmlns:p14="http://schemas.microsoft.com/office/powerpoint/2010/main" val="1847705705"/>
+      </p:ext>
+    </p:extLst>
+  </p:cSld>
+  <p:clrMapOvr>
+    <a:masterClrMapping/>
+  </p:clrMapOvr>
+</p:sld>
+</file>
+
+<file path=ppt/slides/slide5.xml><?xml version="1.0" encoding="utf-8"?>
+<p:sld xmlns:a="http://schemas.openxmlformats.org/drawingml/2006/main" xmlns:r="http://schemas.openxmlformats.org/officeDocument/2006/relationships" xmlns:p="http://schemas.openxmlformats.org/presentationml/2006/main">
+  <p:cSld>
+    <p:spTree>
+      <p:nvGrpSpPr>
+        <p:cNvPr id="1" name=""/>
+        <p:cNvGrpSpPr/>
+        <p:nvPr/>
+      </p:nvGrpSpPr>
+      <p:grpSpPr>
+        <a:xfrm>
+          <a:off x="0" y="0"/>
+          <a:ext cx="0" cy="0"/>
+          <a:chOff x="0" y="0"/>
+          <a:chExt cx="0" cy="0"/>
+        </a:xfrm>
+      </p:grpSpPr>
+      <p:sp>
+        <p:nvSpPr>
+          <p:cNvPr id="2" name="Title 1">
+            <a:extLst>
+              <a:ext uri="{FF2B5EF4-FFF2-40B4-BE49-F238E27FC236}">
+                <a16:creationId xmlns:a16="http://schemas.microsoft.com/office/drawing/2014/main" id="{8EDAE078-3CB3-4D1F-8E4E-75C6D5DA8D1A}"/>
+              </a:ext>
+            </a:extLst>
+          </p:cNvPr>
+          <p:cNvSpPr>
+            <a:spLocks noGrp="1"/>
+          </p:cNvSpPr>
+          <p:nvPr>
+            <p:ph type="title"/>
+          </p:nvPr>
+        </p:nvSpPr>
+        <p:spPr>
+          <a:xfrm>
+            <a:off x="1203434" y="382385"/>
+            <a:ext cx="10893973" cy="596023"/>
+          </a:xfrm>
+        </p:spPr>
+        <p:txBody>
+          <a:bodyPr>
+            <a:normAutofit fontScale="90000"/>
+          </a:bodyPr>
+          <a:lstStyle/>
+          <a:p>
+            <a:pPr algn="ctr"/>
+            <a:r>
+              <a:rPr lang="en-US" sz="4000" dirty="0">
+                <a:latin typeface="Gill Sans MT (Body)"/>
+              </a:rPr>
+              <a:t>Attribute Binding</a:t>
+            </a:r>
+          </a:p>
+        </p:txBody>
+      </p:sp>
+      <p:sp>
+        <p:nvSpPr>
+          <p:cNvPr id="8" name="TextBox 7">
+            <a:extLst>
+              <a:ext uri="{FF2B5EF4-FFF2-40B4-BE49-F238E27FC236}">
+                <a16:creationId xmlns:a16="http://schemas.microsoft.com/office/drawing/2014/main" id="{F1F7F031-908D-4E7C-A487-436BA88AC338}"/>
+              </a:ext>
+            </a:extLst>
+          </p:cNvPr>
+          <p:cNvSpPr txBox="1"/>
+          <p:nvPr/>
+        </p:nvSpPr>
+        <p:spPr>
+          <a:xfrm>
+            <a:off x="1704512" y="1176974"/>
+            <a:ext cx="9490229" cy="923330"/>
+          </a:xfrm>
+          <a:prstGeom prst="rect">
+            <a:avLst/>
+          </a:prstGeom>
+          <a:noFill/>
+        </p:spPr>
+        <p:txBody>
+          <a:bodyPr wrap="square" rtlCol="0">
+            <a:spAutoFit/>
+          </a:bodyPr>
+          <a:lstStyle/>
+          <a:p>
+            <a:pPr marL="285750" indent="-285750">
+              <a:buFont typeface="Arial" panose="020B0604020202020204" pitchFamily="34" charset="0"/>
+              <a:buChar char="•"/>
+            </a:pPr>
+            <a:r>
+              <a:rPr lang="sv-SE" dirty="0">
+                <a:solidFill>
+                  <a:schemeClr val="tx1">
+                    <a:lumMod val="65000"/>
+                    <a:lumOff val="35000"/>
+                  </a:schemeClr>
+                </a:solidFill>
+              </a:rPr>
+              <a:t>Binder data värden från </a:t>
+            </a:r>
+            <a:r>
+              <a:rPr lang="sv-SE" u="sng" dirty="0">
+                <a:solidFill>
+                  <a:schemeClr val="tx1">
+                    <a:lumMod val="65000"/>
+                    <a:lumOff val="35000"/>
+                  </a:schemeClr>
+                </a:solidFill>
+              </a:rPr>
+              <a:t>data</a:t>
+            </a:r>
+            <a:r>
+              <a:rPr lang="sv-SE" dirty="0">
+                <a:solidFill>
+                  <a:schemeClr val="tx1">
+                    <a:lumMod val="65000"/>
+                    <a:lumOff val="35000"/>
+                  </a:schemeClr>
+                </a:solidFill>
+              </a:rPr>
+              <a:t> sektionen eller </a:t>
+            </a:r>
+            <a:r>
+              <a:rPr lang="sv-SE" u="sng" dirty="0" err="1">
+                <a:solidFill>
+                  <a:schemeClr val="tx1">
+                    <a:lumMod val="65000"/>
+                    <a:lumOff val="35000"/>
+                  </a:schemeClr>
+                </a:solidFill>
+              </a:rPr>
+              <a:t>computed</a:t>
+            </a:r>
+            <a:r>
+              <a:rPr lang="sv-SE" dirty="0">
+                <a:solidFill>
+                  <a:schemeClr val="tx1">
+                    <a:lumMod val="65000"/>
+                    <a:lumOff val="35000"/>
+                  </a:schemeClr>
+                </a:solidFill>
+              </a:rPr>
+              <a:t> sektionen till ett html-elements attribut.</a:t>
+            </a:r>
+          </a:p>
+          <a:p>
+            <a:pPr marL="285750" indent="-285750">
+              <a:buFont typeface="Arial" panose="020B0604020202020204" pitchFamily="34" charset="0"/>
+              <a:buChar char="•"/>
+            </a:pPr>
+            <a:endParaRPr lang="sv-SE" dirty="0">
+              <a:solidFill>
+                <a:schemeClr val="tx1">
+                  <a:lumMod val="65000"/>
+                  <a:lumOff val="35000"/>
+                </a:schemeClr>
+              </a:solidFill>
+            </a:endParaRPr>
+          </a:p>
+          <a:p>
+            <a:pPr marL="285750" indent="-285750">
+              <a:buFont typeface="Arial" panose="020B0604020202020204" pitchFamily="34" charset="0"/>
+              <a:buChar char="•"/>
+            </a:pPr>
+            <a:r>
+              <a:rPr lang="sv-SE" dirty="0" err="1">
+                <a:solidFill>
+                  <a:schemeClr val="tx2">
+                    <a:lumMod val="75000"/>
+                    <a:lumOff val="25000"/>
+                  </a:schemeClr>
+                </a:solidFill>
+              </a:rPr>
+              <a:t>v-bind:attribut-namn</a:t>
+            </a:r>
+            <a:r>
+              <a:rPr lang="sv-SE" dirty="0">
+                <a:solidFill>
+                  <a:schemeClr val="tx1">
+                    <a:lumMod val="65000"/>
+                    <a:lumOff val="35000"/>
+                  </a:schemeClr>
+                </a:solidFill>
+              </a:rPr>
+              <a:t> kan förkortas </a:t>
+            </a:r>
+            <a:r>
+              <a:rPr lang="sv-SE" dirty="0">
+                <a:solidFill>
+                  <a:schemeClr val="tx2">
+                    <a:lumMod val="75000"/>
+                    <a:lumOff val="25000"/>
+                  </a:schemeClr>
+                </a:solidFill>
+              </a:rPr>
+              <a:t>:attribut-namn</a:t>
+            </a:r>
+            <a:r>
+              <a:rPr lang="sv-SE" dirty="0">
+                <a:solidFill>
+                  <a:schemeClr val="tx1">
+                    <a:lumMod val="65000"/>
+                    <a:lumOff val="35000"/>
+                  </a:schemeClr>
+                </a:solidFill>
+              </a:rPr>
+              <a:t>.</a:t>
+            </a:r>
+          </a:p>
+        </p:txBody>
+      </p:sp>
+      <p:pic>
+        <p:nvPicPr>
+          <p:cNvPr id="5" name="Picture 4">
+            <a:extLst>
+              <a:ext uri="{FF2B5EF4-FFF2-40B4-BE49-F238E27FC236}">
+                <a16:creationId xmlns:a16="http://schemas.microsoft.com/office/drawing/2014/main" id="{A1396AFF-85A6-C8CD-83E8-1161B1AD68F1}"/>
+              </a:ext>
+            </a:extLst>
+          </p:cNvPr>
+          <p:cNvPicPr>
+            <a:picLocks noChangeAspect="1"/>
+          </p:cNvPicPr>
+          <p:nvPr/>
+        </p:nvPicPr>
+        <p:blipFill>
+          <a:blip r:embed="rId2"/>
+          <a:stretch>
+            <a:fillRect/>
+          </a:stretch>
+        </p:blipFill>
+        <p:spPr>
+          <a:xfrm>
+            <a:off x="3355039" y="2847643"/>
+            <a:ext cx="5222398" cy="2560458"/>
+          </a:xfrm>
+          <a:prstGeom prst="rect">
+            <a:avLst/>
+          </a:prstGeom>
+        </p:spPr>
+      </p:pic>
+    </p:spTree>
+    <p:extLst>
+      <p:ext uri="{BB962C8B-B14F-4D97-AF65-F5344CB8AC3E}">
+        <p14:creationId xmlns:p14="http://schemas.microsoft.com/office/powerpoint/2010/main" val="2963220724"/>
       </p:ext>
     </p:extLst>
   </p:cSld>
@@ -16342,97 +9681,43 @@
               <a:rPr lang="en-US" sz="4000" dirty="0">
                 <a:latin typeface="Gill Sans MT (Body)"/>
               </a:rPr>
-              <a:t>Interpolation</a:t>
-            </a:r>
+              <a:t>Conditionals - </a:t>
+            </a:r>
+            <a:r>
+              <a:rPr lang="en-US" sz="4000" dirty="0" err="1">
+                <a:latin typeface="Gill Sans MT (Body)"/>
+              </a:rPr>
+              <a:t>Villkor</a:t>
+            </a:r>
+            <a:endParaRPr lang="en-US" sz="4000" dirty="0">
+              <a:latin typeface="Gill Sans MT (Body)"/>
+            </a:endParaRPr>
           </a:p>
         </p:txBody>
       </p:sp>
-      <p:pic>
-        <p:nvPicPr>
-          <p:cNvPr id="4" name="Content Placeholder 3">
+      <p:sp>
+        <p:nvSpPr>
+          <p:cNvPr id="3" name="Rectangle 2">
             <a:extLst>
               <a:ext uri="{FF2B5EF4-FFF2-40B4-BE49-F238E27FC236}">
-                <a16:creationId xmlns:a16="http://schemas.microsoft.com/office/drawing/2014/main" id="{5C1E80FD-216D-4F95-B5A4-CF2678256E17}"/>
+                <a16:creationId xmlns:a16="http://schemas.microsoft.com/office/drawing/2014/main" id="{21CB1246-36FE-4919-8844-41F8DE2809AD}"/>
               </a:ext>
             </a:extLst>
           </p:cNvPr>
-          <p:cNvPicPr>
-            <a:picLocks noGrp="1" noChangeAspect="1"/>
-          </p:cNvPicPr>
-          <p:nvPr>
-            <p:ph idx="1"/>
-          </p:nvPr>
-        </p:nvPicPr>
-        <p:blipFill>
-          <a:blip r:embed="rId2"/>
-          <a:stretch>
-            <a:fillRect/>
-          </a:stretch>
-        </p:blipFill>
+          <p:cNvSpPr/>
+          <p:nvPr/>
+        </p:nvSpPr>
         <p:spPr>
           <a:xfrm>
-            <a:off x="1514475" y="2472773"/>
-            <a:ext cx="4581525" cy="3733800"/>
+            <a:off x="1415253" y="1134120"/>
+            <a:ext cx="10086935" cy="1846659"/>
           </a:xfrm>
           <a:prstGeom prst="rect">
             <a:avLst/>
           </a:prstGeom>
         </p:spPr>
-      </p:pic>
-      <p:pic>
-        <p:nvPicPr>
-          <p:cNvPr id="6" name="Picture 5">
-            <a:extLst>
-              <a:ext uri="{FF2B5EF4-FFF2-40B4-BE49-F238E27FC236}">
-                <a16:creationId xmlns:a16="http://schemas.microsoft.com/office/drawing/2014/main" id="{5FC2D91F-FD32-4647-B6C6-4A91DB02CF36}"/>
-              </a:ext>
-            </a:extLst>
-          </p:cNvPr>
-          <p:cNvPicPr>
-            <a:picLocks noChangeAspect="1"/>
-          </p:cNvPicPr>
-          <p:nvPr/>
-        </p:nvPicPr>
-        <p:blipFill>
-          <a:blip r:embed="rId3"/>
-          <a:stretch>
-            <a:fillRect/>
-          </a:stretch>
-        </p:blipFill>
-        <p:spPr>
-          <a:xfrm>
-            <a:off x="6834359" y="3511463"/>
-            <a:ext cx="4581524" cy="1837644"/>
-          </a:xfrm>
-          <a:prstGeom prst="rect">
-            <a:avLst/>
-          </a:prstGeom>
-        </p:spPr>
-      </p:pic>
-      <p:sp>
-        <p:nvSpPr>
-          <p:cNvPr id="7" name="TextBox 6">
-            <a:extLst>
-              <a:ext uri="{FF2B5EF4-FFF2-40B4-BE49-F238E27FC236}">
-                <a16:creationId xmlns:a16="http://schemas.microsoft.com/office/drawing/2014/main" id="{245FB5DD-85A9-4F43-913B-3383D193826A}"/>
-              </a:ext>
-            </a:extLst>
-          </p:cNvPr>
-          <p:cNvSpPr txBox="1"/>
-          <p:nvPr/>
-        </p:nvSpPr>
-        <p:spPr>
-          <a:xfrm>
-            <a:off x="1704513" y="1176974"/>
-            <a:ext cx="7776838" cy="923330"/>
-          </a:xfrm>
-          <a:prstGeom prst="rect">
-            <a:avLst/>
-          </a:prstGeom>
-          <a:noFill/>
-        </p:spPr>
         <p:txBody>
-          <a:bodyPr wrap="square" rtlCol="0">
+          <a:bodyPr wrap="square">
             <a:spAutoFit/>
           </a:bodyPr>
           <a:lstStyle/>
@@ -16441,6 +9726,28 @@
               <a:buFont typeface="Arial" panose="020B0604020202020204" pitchFamily="34" charset="0"/>
               <a:buChar char="•"/>
             </a:pPr>
+            <a:r>
+              <a:rPr lang="sv-SE" u="sng" dirty="0">
+                <a:solidFill>
+                  <a:schemeClr val="tx2">
+                    <a:lumMod val="75000"/>
+                    <a:lumOff val="25000"/>
+                  </a:schemeClr>
+                </a:solidFill>
+              </a:rPr>
+              <a:t>v-</a:t>
+            </a:r>
+            <a:r>
+              <a:rPr lang="sv-SE" u="sng" dirty="0" err="1">
+                <a:solidFill>
+                  <a:schemeClr val="tx2">
+                    <a:lumMod val="75000"/>
+                    <a:lumOff val="25000"/>
+                  </a:schemeClr>
+                </a:solidFill>
+              </a:rPr>
+              <a:t>if</a:t>
+            </a:r>
             <a:r>
               <a:rPr lang="sv-SE" dirty="0">
                 <a:solidFill>
@@ -16450,51 +9757,7 @@
                   </a:schemeClr>
                 </a:solidFill>
               </a:rPr>
-              <a:t>Visar data värden från </a:t>
-            </a:r>
-            <a:r>
-              <a:rPr lang="sv-SE" u="sng" dirty="0">
-                <a:solidFill>
-                  <a:schemeClr val="tx1">
-                    <a:lumMod val="65000"/>
-                    <a:lumOff val="35000"/>
-                  </a:schemeClr>
-                </a:solidFill>
-              </a:rPr>
-              <a:t>data</a:t>
-            </a:r>
-            <a:r>
-              <a:rPr lang="sv-SE" dirty="0">
-                <a:solidFill>
-                  <a:schemeClr val="tx1">
-                    <a:lumMod val="65000"/>
-                    <a:lumOff val="35000"/>
-                  </a:schemeClr>
-                </a:solidFill>
-              </a:rPr>
-              <a:t> sektionen eller </a:t>
-            </a:r>
-            <a:r>
-              <a:rPr lang="sv-SE" u="sng" dirty="0" err="1">
-                <a:solidFill>
-                  <a:schemeClr val="tx1">
-                    <a:lumMod val="65000"/>
-                    <a:lumOff val="35000"/>
-                  </a:schemeClr>
-                </a:solidFill>
-              </a:rPr>
-              <a:t>computed</a:t>
-            </a:r>
-            <a:r>
-              <a:rPr lang="sv-SE" dirty="0">
-                <a:solidFill>
-                  <a:schemeClr val="tx1">
-                    <a:lumMod val="65000"/>
-                    <a:lumOff val="35000"/>
-                  </a:schemeClr>
-                </a:solidFill>
-              </a:rPr>
-              <a:t> sektionen.</a:t>
+              <a:t> direktivet används för att testa villkor över t.ex. variabler i data objektet.</a:t>
             </a:r>
           </a:p>
           <a:p>
@@ -16517,6 +9780,28 @@
               <a:buChar char="•"/>
             </a:pPr>
             <a:r>
+              <a:rPr lang="sv-SE" u="sng" dirty="0">
+                <a:solidFill>
+                  <a:schemeClr val="tx2">
+                    <a:lumMod val="75000"/>
+                    <a:lumOff val="25000"/>
+                  </a:schemeClr>
+                </a:solidFill>
+              </a:rPr>
+              <a:t>v-</a:t>
+            </a:r>
+            <a:r>
+              <a:rPr lang="sv-SE" u="sng" dirty="0" err="1">
+                <a:solidFill>
+                  <a:schemeClr val="tx2">
+                    <a:lumMod val="75000"/>
+                    <a:lumOff val="25000"/>
+                  </a:schemeClr>
+                </a:solidFill>
+              </a:rPr>
+              <a:t>else</a:t>
+            </a:r>
+            <a:r>
               <a:rPr lang="sv-SE" dirty="0">
                 <a:solidFill>
                   <a:schemeClr val="tx1">
@@ -16525,15 +9810,200 @@
                   </a:schemeClr>
                 </a:solidFill>
               </a:rPr>
-              <a:t>Kan också utföra mindre uttryck innanför {{ … }}.</a:t>
-            </a:r>
+              <a:t> direktivet kan användas när villkoren på v-</a:t>
+            </a:r>
+            <a:r>
+              <a:rPr lang="sv-SE" dirty="0" err="1">
+                <a:solidFill>
+                  <a:schemeClr val="tx1">
+                    <a:lumMod val="65000"/>
+                    <a:lumOff val="35000"/>
+                  </a:schemeClr>
+                </a:solidFill>
+              </a:rPr>
+              <a:t>if</a:t>
+            </a:r>
+            <a:r>
+              <a:rPr lang="sv-SE" dirty="0">
+                <a:solidFill>
+                  <a:schemeClr val="tx1">
+                    <a:lumMod val="65000"/>
+                    <a:lumOff val="35000"/>
+                  </a:schemeClr>
+                </a:solidFill>
+              </a:rPr>
+              <a:t> inte räcker till.</a:t>
+            </a:r>
+          </a:p>
+          <a:p>
+            <a:pPr marL="285750" indent="-285750">
+              <a:buFont typeface="Arial" panose="020B0604020202020204" pitchFamily="34" charset="0"/>
+              <a:buChar char="•"/>
+            </a:pPr>
+            <a:endParaRPr lang="sv-SE" dirty="0">
+              <a:solidFill>
+                <a:schemeClr val="tx1">
+                  <a:lumMod val="65000"/>
+                  <a:lumOff val="35000"/>
+                </a:schemeClr>
+              </a:solidFill>
+            </a:endParaRPr>
+          </a:p>
+          <a:p>
+            <a:pPr marL="285750" indent="-285750">
+              <a:buFont typeface="Arial" panose="020B0604020202020204" pitchFamily="34" charset="0"/>
+              <a:buChar char="•"/>
+            </a:pPr>
+            <a:r>
+              <a:rPr lang="sv-SE" u="sng" dirty="0">
+                <a:solidFill>
+                  <a:schemeClr val="tx2">
+                    <a:lumMod val="75000"/>
+                    <a:lumOff val="25000"/>
+                  </a:schemeClr>
+                </a:solidFill>
+              </a:rPr>
+              <a:t>v-</a:t>
+            </a:r>
+            <a:r>
+              <a:rPr lang="sv-SE" u="sng" dirty="0" err="1">
+                <a:solidFill>
+                  <a:schemeClr val="tx2">
+                    <a:lumMod val="75000"/>
+                    <a:lumOff val="25000"/>
+                  </a:schemeClr>
+                </a:solidFill>
+              </a:rPr>
+              <a:t>else</a:t>
+            </a:r>
+            <a:r>
+              <a:rPr lang="sv-SE" u="sng" dirty="0">
+                <a:solidFill>
+                  <a:schemeClr val="tx2">
+                    <a:lumMod val="75000"/>
+                    <a:lumOff val="25000"/>
+                  </a:schemeClr>
+                </a:solidFill>
+              </a:rPr>
+              <a:t>-</a:t>
+            </a:r>
+            <a:r>
+              <a:rPr lang="sv-SE" u="sng" dirty="0" err="1">
+                <a:solidFill>
+                  <a:schemeClr val="tx2">
+                    <a:lumMod val="75000"/>
+                    <a:lumOff val="25000"/>
+                  </a:schemeClr>
+                </a:solidFill>
+              </a:rPr>
+              <a:t>if</a:t>
+            </a:r>
+            <a:r>
+              <a:rPr lang="sv-SE" dirty="0">
+                <a:solidFill>
+                  <a:schemeClr val="tx1">
+                    <a:lumMod val="65000"/>
+                    <a:lumOff val="35000"/>
+                  </a:schemeClr>
+                </a:solidFill>
+              </a:rPr>
+              <a:t> direktivet kan användas på samma sätt som om du vill använda </a:t>
+            </a:r>
+            <a:r>
+              <a:rPr lang="sv-SE" dirty="0" err="1">
+                <a:solidFill>
+                  <a:schemeClr val="tx1">
+                    <a:lumMod val="65000"/>
+                    <a:lumOff val="35000"/>
+                  </a:schemeClr>
+                </a:solidFill>
+              </a:rPr>
+              <a:t>else</a:t>
+            </a:r>
+            <a:r>
+              <a:rPr lang="sv-SE" dirty="0">
+                <a:solidFill>
+                  <a:schemeClr val="tx1">
+                    <a:lumMod val="65000"/>
+                    <a:lumOff val="35000"/>
+                  </a:schemeClr>
+                </a:solidFill>
+              </a:rPr>
+              <a:t>-</a:t>
+            </a:r>
+            <a:r>
+              <a:rPr lang="sv-SE" dirty="0" err="1">
+                <a:solidFill>
+                  <a:schemeClr val="tx1">
+                    <a:lumMod val="65000"/>
+                    <a:lumOff val="35000"/>
+                  </a:schemeClr>
+                </a:solidFill>
+              </a:rPr>
+              <a:t>if</a:t>
+            </a:r>
+            <a:r>
+              <a:rPr lang="sv-SE" dirty="0">
+                <a:solidFill>
+                  <a:schemeClr val="tx1">
+                    <a:lumMod val="65000"/>
+                    <a:lumOff val="35000"/>
+                  </a:schemeClr>
+                </a:solidFill>
+              </a:rPr>
+              <a:t>-klausuler i JavaScript.</a:t>
+            </a:r>
+          </a:p>
+          <a:p>
+            <a:pPr marL="285750" indent="-285750">
+              <a:buFont typeface="Arial" panose="020B0604020202020204" pitchFamily="34" charset="0"/>
+              <a:buChar char="•"/>
+            </a:pPr>
+            <a:endParaRPr lang="sv-SE" sz="2400" dirty="0">
+              <a:solidFill>
+                <a:schemeClr val="tx1">
+                  <a:lumMod val="65000"/>
+                  <a:lumOff val="35000"/>
+                </a:schemeClr>
+              </a:solidFill>
+            </a:endParaRPr>
           </a:p>
         </p:txBody>
       </p:sp>
+      <p:pic>
+        <p:nvPicPr>
+          <p:cNvPr id="9" name="Picture 8">
+            <a:extLst>
+              <a:ext uri="{FF2B5EF4-FFF2-40B4-BE49-F238E27FC236}">
+                <a16:creationId xmlns:a16="http://schemas.microsoft.com/office/drawing/2014/main" id="{58A69083-A7C6-478B-DA04-341A5DA4F6A2}"/>
+              </a:ext>
+            </a:extLst>
+          </p:cNvPr>
+          <p:cNvPicPr>
+            <a:picLocks noChangeAspect="1"/>
+          </p:cNvPicPr>
+          <p:nvPr/>
+        </p:nvPicPr>
+        <p:blipFill>
+          <a:blip r:embed="rId2"/>
+          <a:stretch>
+            <a:fillRect/>
+          </a:stretch>
+        </p:blipFill>
+        <p:spPr>
+          <a:xfrm>
+            <a:off x="3183236" y="3074550"/>
+            <a:ext cx="5186751" cy="2892611"/>
+          </a:xfrm>
+          <a:prstGeom prst="rect">
+            <a:avLst/>
+          </a:prstGeom>
+        </p:spPr>
+      </p:pic>
     </p:spTree>
     <p:extLst>
       <p:ext uri="{BB962C8B-B14F-4D97-AF65-F5344CB8AC3E}">
-        <p14:creationId xmlns:p14="http://schemas.microsoft.com/office/powerpoint/2010/main" val="1847705705"/>
+        <p14:creationId xmlns:p14="http://schemas.microsoft.com/office/powerpoint/2010/main" val="3765353947"/>
       </p:ext>
     </p:extLst>
   </p:cSld>
@@ -16578,7 +10048,7 @@
         </p:nvSpPr>
         <p:spPr>
           <a:xfrm>
-            <a:off x="1203434" y="382385"/>
+            <a:off x="1203434" y="214824"/>
             <a:ext cx="10893973" cy="596023"/>
           </a:xfrm>
         </p:spPr>
@@ -16590,11 +10060,161 @@
           <a:p>
             <a:pPr algn="ctr"/>
             <a:r>
+              <a:rPr lang="en-US" sz="4000" dirty="0" err="1">
+                <a:latin typeface="Gill Sans MT (Body)"/>
+              </a:rPr>
+              <a:t>Loopar</a:t>
+            </a:r>
+            <a:r>
               <a:rPr lang="en-US" sz="4000" dirty="0">
                 <a:latin typeface="Gill Sans MT (Body)"/>
               </a:rPr>
-              <a:t>Attribute Binding</a:t>
-            </a:r>
+              <a:t>-List Rendering</a:t>
+            </a:r>
+          </a:p>
+        </p:txBody>
+      </p:sp>
+      <p:sp>
+        <p:nvSpPr>
+          <p:cNvPr id="8" name="TextBox 7">
+            <a:extLst>
+              <a:ext uri="{FF2B5EF4-FFF2-40B4-BE49-F238E27FC236}">
+                <a16:creationId xmlns:a16="http://schemas.microsoft.com/office/drawing/2014/main" id="{5B090859-7155-4AD4-92EF-0AA49FD1EFAF}"/>
+              </a:ext>
+            </a:extLst>
+          </p:cNvPr>
+          <p:cNvSpPr txBox="1"/>
+          <p:nvPr/>
+        </p:nvSpPr>
+        <p:spPr>
+          <a:xfrm>
+            <a:off x="1203434" y="810847"/>
+            <a:ext cx="10106716" cy="1200329"/>
+          </a:xfrm>
+          <a:prstGeom prst="rect">
+            <a:avLst/>
+          </a:prstGeom>
+          <a:noFill/>
+        </p:spPr>
+        <p:txBody>
+          <a:bodyPr wrap="square" rtlCol="0">
+            <a:spAutoFit/>
+          </a:bodyPr>
+          <a:lstStyle/>
+          <a:p>
+            <a:pPr marL="285750" indent="-285750">
+              <a:buFont typeface="Arial" panose="020B0604020202020204" pitchFamily="34" charset="0"/>
+              <a:buChar char="•"/>
+            </a:pPr>
+            <a:r>
+              <a:rPr lang="sv-SE" dirty="0">
+                <a:solidFill>
+                  <a:schemeClr val="tx1">
+                    <a:lumMod val="65000"/>
+                    <a:lumOff val="35000"/>
+                  </a:schemeClr>
+                </a:solidFill>
+              </a:rPr>
+              <a:t>Ett sätta att inte repetera samma kod, loopar igenom en lista/</a:t>
+            </a:r>
+            <a:r>
+              <a:rPr lang="sv-SE" dirty="0" err="1">
+                <a:solidFill>
+                  <a:schemeClr val="tx1">
+                    <a:lumMod val="65000"/>
+                    <a:lumOff val="35000"/>
+                  </a:schemeClr>
+                </a:solidFill>
+              </a:rPr>
+              <a:t>array</a:t>
+            </a:r>
+            <a:r>
+              <a:rPr lang="sv-SE" dirty="0">
+                <a:solidFill>
+                  <a:schemeClr val="tx1">
+                    <a:lumMod val="65000"/>
+                    <a:lumOff val="35000"/>
+                  </a:schemeClr>
+                </a:solidFill>
+              </a:rPr>
+              <a:t> och genererar html-kod för varje instans i listan. </a:t>
+            </a:r>
+            <a:r>
+              <a:rPr lang="sv-SE" dirty="0">
+                <a:solidFill>
+                  <a:schemeClr val="tx2">
+                    <a:lumMod val="75000"/>
+                    <a:lumOff val="25000"/>
+                  </a:schemeClr>
+                </a:solidFill>
+              </a:rPr>
+              <a:t>v-for</a:t>
+            </a:r>
+            <a:r>
+              <a:rPr lang="sv-SE" dirty="0">
+                <a:solidFill>
+                  <a:schemeClr val="tx1">
+                    <a:lumMod val="65000"/>
+                    <a:lumOff val="35000"/>
+                  </a:schemeClr>
+                </a:solidFill>
+              </a:rPr>
+              <a:t> direktivet används för det och det är rekommenderat att också använda </a:t>
+            </a:r>
+            <a:r>
+              <a:rPr lang="sv-SE" dirty="0">
+                <a:solidFill>
+                  <a:schemeClr val="tx2">
+                    <a:lumMod val="75000"/>
+                    <a:lumOff val="25000"/>
+                  </a:schemeClr>
+                </a:solidFill>
+              </a:rPr>
+              <a:t>:</a:t>
+            </a:r>
+            <a:r>
+              <a:rPr lang="sv-SE" dirty="0" err="1">
+                <a:solidFill>
+                  <a:schemeClr val="tx2">
+                    <a:lumMod val="75000"/>
+                    <a:lumOff val="25000"/>
+                  </a:schemeClr>
+                </a:solidFill>
+              </a:rPr>
+              <a:t>key</a:t>
+            </a:r>
+            <a:r>
+              <a:rPr lang="sv-SE" dirty="0">
+                <a:solidFill>
+                  <a:schemeClr val="tx2">
+                    <a:lumMod val="75000"/>
+                    <a:lumOff val="25000"/>
+                  </a:schemeClr>
+                </a:solidFill>
+              </a:rPr>
+              <a:t> </a:t>
+            </a:r>
+            <a:r>
+              <a:rPr lang="sv-SE" dirty="0">
+                <a:solidFill>
+                  <a:schemeClr val="tx1">
+                    <a:lumMod val="65000"/>
+                    <a:lumOff val="35000"/>
+                  </a:schemeClr>
+                </a:solidFill>
+              </a:rPr>
+              <a:t>attributet.</a:t>
+            </a:r>
+          </a:p>
+          <a:p>
+            <a:endParaRPr lang="sv-SE" dirty="0">
+              <a:solidFill>
+                <a:schemeClr val="tx1">
+                  <a:lumMod val="65000"/>
+                  <a:lumOff val="35000"/>
+                </a:schemeClr>
+              </a:solidFill>
+            </a:endParaRPr>
           </a:p>
         </p:txBody>
       </p:sp>
@@ -16603,7 +10223,7 @@
           <p:cNvPr id="4" name="Picture 3">
             <a:extLst>
               <a:ext uri="{FF2B5EF4-FFF2-40B4-BE49-F238E27FC236}">
-                <a16:creationId xmlns:a16="http://schemas.microsoft.com/office/drawing/2014/main" id="{7FBEE82D-B422-46E3-8B38-C7B729290DC4}"/>
+                <a16:creationId xmlns:a16="http://schemas.microsoft.com/office/drawing/2014/main" id="{047C7B28-FD08-12E8-DA2A-16468627AE9C}"/>
               </a:ext>
             </a:extLst>
           </p:cNvPr>
@@ -16620,202 +10240,18 @@
         </p:blipFill>
         <p:spPr>
           <a:xfrm>
-            <a:off x="1342367" y="2540612"/>
-            <a:ext cx="5664235" cy="3822540"/>
+            <a:off x="2923520" y="2369103"/>
+            <a:ext cx="6143625" cy="3143250"/>
           </a:xfrm>
           <a:prstGeom prst="rect">
             <a:avLst/>
           </a:prstGeom>
         </p:spPr>
       </p:pic>
-      <p:pic>
-        <p:nvPicPr>
-          <p:cNvPr id="7" name="Picture 6">
-            <a:extLst>
-              <a:ext uri="{FF2B5EF4-FFF2-40B4-BE49-F238E27FC236}">
-                <a16:creationId xmlns:a16="http://schemas.microsoft.com/office/drawing/2014/main" id="{635F8FCA-1B6C-4E66-BCF7-3C80E6C352B4}"/>
-              </a:ext>
-            </a:extLst>
-          </p:cNvPr>
-          <p:cNvPicPr>
-            <a:picLocks noChangeAspect="1"/>
-          </p:cNvPicPr>
-          <p:nvPr/>
-        </p:nvPicPr>
-        <p:blipFill>
-          <a:blip r:embed="rId3"/>
-          <a:stretch>
-            <a:fillRect/>
-          </a:stretch>
-        </p:blipFill>
-        <p:spPr>
-          <a:xfrm>
-            <a:off x="7266219" y="2990123"/>
-            <a:ext cx="4317583" cy="1210320"/>
-          </a:xfrm>
-          <a:prstGeom prst="rect">
-            <a:avLst/>
-          </a:prstGeom>
-        </p:spPr>
-      </p:pic>
-      <p:sp>
-        <p:nvSpPr>
-          <p:cNvPr id="8" name="TextBox 7">
-            <a:extLst>
-              <a:ext uri="{FF2B5EF4-FFF2-40B4-BE49-F238E27FC236}">
-                <a16:creationId xmlns:a16="http://schemas.microsoft.com/office/drawing/2014/main" id="{F1F7F031-908D-4E7C-A487-436BA88AC338}"/>
-              </a:ext>
-            </a:extLst>
-          </p:cNvPr>
-          <p:cNvSpPr txBox="1"/>
-          <p:nvPr/>
-        </p:nvSpPr>
-        <p:spPr>
-          <a:xfrm>
-            <a:off x="1704512" y="1176974"/>
-            <a:ext cx="9490229" cy="923330"/>
-          </a:xfrm>
-          <a:prstGeom prst="rect">
-            <a:avLst/>
-          </a:prstGeom>
-          <a:noFill/>
-        </p:spPr>
-        <p:txBody>
-          <a:bodyPr wrap="square" rtlCol="0">
-            <a:spAutoFit/>
-          </a:bodyPr>
-          <a:lstStyle/>
-          <a:p>
-            <a:pPr marL="285750" indent="-285750">
-              <a:buFont typeface="Arial" panose="020B0604020202020204" pitchFamily="34" charset="0"/>
-              <a:buChar char="•"/>
-            </a:pPr>
-            <a:r>
-              <a:rPr lang="sv-SE" dirty="0">
-                <a:solidFill>
-                  <a:schemeClr val="tx1">
-                    <a:lumMod val="65000"/>
-                    <a:lumOff val="35000"/>
-                  </a:schemeClr>
-                </a:solidFill>
-              </a:rPr>
-              <a:t>Binder data värden från </a:t>
-            </a:r>
-            <a:r>
-              <a:rPr lang="sv-SE" u="sng" dirty="0">
-                <a:solidFill>
-                  <a:schemeClr val="tx1">
-                    <a:lumMod val="65000"/>
-                    <a:lumOff val="35000"/>
-                  </a:schemeClr>
-                </a:solidFill>
-              </a:rPr>
-              <a:t>data</a:t>
-            </a:r>
-            <a:r>
-              <a:rPr lang="sv-SE" dirty="0">
-                <a:solidFill>
-                  <a:schemeClr val="tx1">
-                    <a:lumMod val="65000"/>
-                    <a:lumOff val="35000"/>
-                  </a:schemeClr>
-                </a:solidFill>
-              </a:rPr>
-              <a:t> sektionen eller </a:t>
-            </a:r>
-            <a:r>
-              <a:rPr lang="sv-SE" u="sng" dirty="0" err="1">
-                <a:solidFill>
-                  <a:schemeClr val="tx1">
-                    <a:lumMod val="65000"/>
-                    <a:lumOff val="35000"/>
-                  </a:schemeClr>
-                </a:solidFill>
-              </a:rPr>
-              <a:t>computed</a:t>
-            </a:r>
-            <a:r>
-              <a:rPr lang="sv-SE" dirty="0">
-                <a:solidFill>
-                  <a:schemeClr val="tx1">
-                    <a:lumMod val="65000"/>
-                    <a:lumOff val="35000"/>
-                  </a:schemeClr>
-                </a:solidFill>
-              </a:rPr>
-              <a:t> sektionen till ett html-elements attribut.</a:t>
-            </a:r>
-          </a:p>
-          <a:p>
-            <a:pPr marL="285750" indent="-285750">
-              <a:buFont typeface="Arial" panose="020B0604020202020204" pitchFamily="34" charset="0"/>
-              <a:buChar char="•"/>
-            </a:pPr>
-            <a:endParaRPr lang="sv-SE" dirty="0">
-              <a:solidFill>
-                <a:schemeClr val="tx1">
-                  <a:lumMod val="65000"/>
-                  <a:lumOff val="35000"/>
-                </a:schemeClr>
-              </a:solidFill>
-            </a:endParaRPr>
-          </a:p>
-          <a:p>
-            <a:pPr marL="285750" indent="-285750">
-              <a:buFont typeface="Arial" panose="020B0604020202020204" pitchFamily="34" charset="0"/>
-              <a:buChar char="•"/>
-            </a:pPr>
-            <a:r>
-              <a:rPr lang="sv-SE" dirty="0" err="1">
-                <a:solidFill>
-                  <a:schemeClr val="tx2">
-                    <a:lumMod val="75000"/>
-                    <a:lumOff val="25000"/>
-                  </a:schemeClr>
-                </a:solidFill>
-              </a:rPr>
-              <a:t>v-bind:attribut-namn</a:t>
-            </a:r>
-            <a:r>
-              <a:rPr lang="sv-SE" dirty="0">
-                <a:solidFill>
-                  <a:schemeClr val="tx1">
-                    <a:lumMod val="65000"/>
-                    <a:lumOff val="35000"/>
-                  </a:schemeClr>
-                </a:solidFill>
-              </a:rPr>
-              <a:t> kan förkortas </a:t>
-            </a:r>
-            <a:r>
-              <a:rPr lang="sv-SE" dirty="0">
-                <a:solidFill>
-                  <a:schemeClr val="tx2">
-                    <a:lumMod val="75000"/>
-                    <a:lumOff val="25000"/>
-                  </a:schemeClr>
-                </a:solidFill>
-              </a:rPr>
-              <a:t>:attribut-namn</a:t>
-            </a:r>
-            <a:r>
-              <a:rPr lang="sv-SE" dirty="0">
-                <a:solidFill>
-                  <a:schemeClr val="tx1">
-                    <a:lumMod val="65000"/>
-                    <a:lumOff val="35000"/>
-                  </a:schemeClr>
-                </a:solidFill>
-              </a:rPr>
-              <a:t>.</a:t>
-            </a:r>
-          </a:p>
-        </p:txBody>
-      </p:sp>
     </p:spTree>
     <p:extLst>
       <p:ext uri="{BB962C8B-B14F-4D97-AF65-F5344CB8AC3E}">
-        <p14:creationId xmlns:p14="http://schemas.microsoft.com/office/powerpoint/2010/main" val="2963220724"/>
+        <p14:creationId xmlns:p14="http://schemas.microsoft.com/office/powerpoint/2010/main" val="1986911698"/>
       </p:ext>
     </p:extLst>
   </p:cSld>
@@ -16872,78 +10308,44 @@
           <a:p>
             <a:pPr algn="ctr"/>
             <a:r>
+              <a:rPr lang="en-US" sz="4000" dirty="0" err="1">
+                <a:latin typeface="Gill Sans MT (Body)"/>
+              </a:rPr>
+              <a:t>Eventhantering</a:t>
+            </a:r>
+            <a:r>
               <a:rPr lang="en-US" sz="4000" dirty="0">
                 <a:latin typeface="Gill Sans MT (Body)"/>
               </a:rPr>
-              <a:t>Conditionals - </a:t>
-            </a:r>
-            <a:r>
-              <a:rPr lang="en-US" sz="4000" dirty="0" err="1">
-                <a:latin typeface="Gill Sans MT (Body)"/>
-              </a:rPr>
-              <a:t>Villkor</a:t>
-            </a:r>
-            <a:endParaRPr lang="en-US" sz="4000" dirty="0">
-              <a:latin typeface="Gill Sans MT (Body)"/>
-            </a:endParaRPr>
+              <a:t> - user input</a:t>
+            </a:r>
           </a:p>
         </p:txBody>
       </p:sp>
-      <p:pic>
-        <p:nvPicPr>
-          <p:cNvPr id="5" name="Content Placeholder 3">
+      <p:sp>
+        <p:nvSpPr>
+          <p:cNvPr id="6" name="TextBox 5">
             <a:extLst>
               <a:ext uri="{FF2B5EF4-FFF2-40B4-BE49-F238E27FC236}">
-                <a16:creationId xmlns:a16="http://schemas.microsoft.com/office/drawing/2014/main" id="{8EDD45DE-05E8-416B-9A87-6D044C8B4994}"/>
+                <a16:creationId xmlns:a16="http://schemas.microsoft.com/office/drawing/2014/main" id="{143E6AC4-0354-4434-83B4-69ED984BB1C6}"/>
               </a:ext>
             </a:extLst>
           </p:cNvPr>
-          <p:cNvPicPr>
-            <a:picLocks noGrp="1" noChangeAspect="1"/>
-          </p:cNvPicPr>
-          <p:nvPr>
-            <p:ph idx="1"/>
-          </p:nvPr>
-        </p:nvPicPr>
-        <p:blipFill>
-          <a:blip r:embed="rId2"/>
-          <a:stretch>
-            <a:fillRect/>
-          </a:stretch>
-        </p:blipFill>
+          <p:cNvSpPr txBox="1"/>
+          <p:nvPr/>
+        </p:nvSpPr>
         <p:spPr>
           <a:xfrm>
-            <a:off x="1415253" y="2831269"/>
-            <a:ext cx="4743832" cy="3879532"/>
+            <a:off x="1359017" y="874053"/>
+            <a:ext cx="10494627" cy="1477328"/>
           </a:xfrm>
           <a:prstGeom prst="rect">
             <a:avLst/>
           </a:prstGeom>
-        </p:spPr>
-      </p:pic>
-      <p:sp>
-        <p:nvSpPr>
-          <p:cNvPr id="3" name="Rectangle 2">
-            <a:extLst>
-              <a:ext uri="{FF2B5EF4-FFF2-40B4-BE49-F238E27FC236}">
-                <a16:creationId xmlns:a16="http://schemas.microsoft.com/office/drawing/2014/main" id="{21CB1246-36FE-4919-8844-41F8DE2809AD}"/>
-              </a:ext>
-            </a:extLst>
-          </p:cNvPr>
-          <p:cNvSpPr/>
-          <p:nvPr/>
-        </p:nvSpPr>
-        <p:spPr>
-          <a:xfrm>
-            <a:off x="1415253" y="1134120"/>
-            <a:ext cx="10086935" cy="1846659"/>
-          </a:xfrm>
-          <a:prstGeom prst="rect">
-            <a:avLst/>
-          </a:prstGeom>
+          <a:noFill/>
         </p:spPr>
         <p:txBody>
-          <a:bodyPr wrap="square">
+          <a:bodyPr wrap="square" rtlCol="0">
             <a:spAutoFit/>
           </a:bodyPr>
           <a:lstStyle/>
@@ -16953,7 +10355,7 @@
               <a:buChar char="•"/>
             </a:pPr>
             <a:r>
-              <a:rPr lang="sv-SE" u="sng" dirty="0">
+              <a:rPr lang="sv-SE" dirty="0" err="1">
                 <a:solidFill>
                   <a:schemeClr val="tx2">
                     <a:lumMod val="75000"/>
@@ -16961,10 +10363,10 @@
                   </a:schemeClr>
                 </a:solidFill>
               </a:rPr>
-              <a:t>v-</a:t>
-            </a:r>
-            <a:r>
-              <a:rPr lang="sv-SE" u="sng" dirty="0" err="1">
+              <a:t>v-on:event-namn</a:t>
+            </a:r>
+            <a:r>
+              <a:rPr lang="sv-SE" dirty="0">
                 <a:solidFill>
                   <a:schemeClr val="tx2">
                     <a:lumMod val="75000"/>
@@ -16972,7 +10374,7 @@
                   </a:schemeClr>
                 </a:solidFill>
               </a:rPr>
-              <a:t>if</a:t>
+              <a:t> </a:t>
             </a:r>
             <a:r>
               <a:rPr lang="sv-SE" dirty="0">
@@ -16983,7 +10385,29 @@
                   </a:schemeClr>
                 </a:solidFill>
               </a:rPr>
-              <a:t> direktivet används för att testa villkor över t.ex. variabler i data objektet.</a:t>
+              <a:t>direktivet används för att applicera event på element. Direktivet kan förkortas ytterligare med </a:t>
+            </a:r>
+            <a:r>
+              <a:rPr lang="sv-SE" dirty="0">
+                <a:solidFill>
+                  <a:schemeClr val="tx2">
+                    <a:lumMod val="75000"/>
+                    <a:lumOff val="25000"/>
+                  </a:schemeClr>
+                </a:solidFill>
+              </a:rPr>
+              <a:t>@event-namn</a:t>
+            </a:r>
+            <a:r>
+              <a:rPr lang="sv-SE" dirty="0">
+                <a:solidFill>
+                  <a:schemeClr val="tx1">
+                    <a:lumMod val="65000"/>
+                    <a:lumOff val="35000"/>
+                  </a:schemeClr>
+                </a:solidFill>
+              </a:rPr>
+              <a:t>.</a:t>
             </a:r>
           </a:p>
           <a:p>
@@ -17006,28 +10430,6 @@
               <a:buChar char="•"/>
             </a:pPr>
             <a:r>
-              <a:rPr lang="sv-SE" u="sng" dirty="0">
-                <a:solidFill>
-                  <a:schemeClr val="tx2">
-                    <a:lumMod val="75000"/>
-                    <a:lumOff val="25000"/>
-                  </a:schemeClr>
-                </a:solidFill>
-              </a:rPr>
-              <a:t>v-</a:t>
-            </a:r>
-            <a:r>
-              <a:rPr lang="sv-SE" u="sng" dirty="0" err="1">
-                <a:solidFill>
-                  <a:schemeClr val="tx2">
-                    <a:lumMod val="75000"/>
-                    <a:lumOff val="25000"/>
-                  </a:schemeClr>
-                </a:solidFill>
-              </a:rPr>
-              <a:t>else</a:t>
-            </a:r>
-            <a:r>
               <a:rPr lang="sv-SE" dirty="0">
                 <a:solidFill>
                   <a:schemeClr val="tx1">
@@ -17036,18 +10438,51 @@
                   </a:schemeClr>
                 </a:solidFill>
               </a:rPr>
-              <a:t> direktivet kan användas när villkoren på v-</a:t>
+              <a:t>Vanligaste eventet är en knapp-tryckning/klick </a:t>
             </a:r>
             <a:r>
               <a:rPr lang="sv-SE" dirty="0" err="1">
                 <a:solidFill>
-                  <a:schemeClr val="tx1">
-                    <a:lumMod val="65000"/>
-                    <a:lumOff val="35000"/>
+                  <a:schemeClr val="tx2">
+                    <a:lumMod val="75000"/>
+                    <a:lumOff val="25000"/>
                   </a:schemeClr>
                 </a:solidFill>
               </a:rPr>
-              <a:t>if</a:t>
+              <a:t>v-on:click</a:t>
+            </a:r>
+            <a:r>
+              <a:rPr lang="sv-SE" dirty="0">
+                <a:solidFill>
+                  <a:schemeClr val="tx2">
+                    <a:lumMod val="75000"/>
+                    <a:lumOff val="25000"/>
+                  </a:schemeClr>
+                </a:solidFill>
+              </a:rPr>
+              <a:t>=”</a:t>
+            </a:r>
+            <a:r>
+              <a:rPr lang="sv-SE" dirty="0" err="1">
+                <a:solidFill>
+                  <a:schemeClr val="tx2">
+                    <a:lumMod val="75000"/>
+                    <a:lumOff val="25000"/>
+                  </a:schemeClr>
+                </a:solidFill>
+              </a:rPr>
+              <a:t>method</a:t>
+            </a:r>
+            <a:r>
+              <a:rPr lang="sv-SE" dirty="0">
+                <a:solidFill>
+                  <a:schemeClr val="tx2">
+                    <a:lumMod val="75000"/>
+                    <a:lumOff val="25000"/>
+                  </a:schemeClr>
+                </a:solidFill>
+              </a:rPr>
+              <a:t>”</a:t>
             </a:r>
             <a:r>
               <a:rPr lang="sv-SE" dirty="0">
@@ -17058,14 +10493,65 @@
                   </a:schemeClr>
                 </a:solidFill>
               </a:rPr>
-              <a:t> inte räcker till.</a:t>
-            </a:r>
-          </a:p>
-          <a:p>
-            <a:pPr marL="285750" indent="-285750">
-              <a:buFont typeface="Arial" panose="020B0604020202020204" pitchFamily="34" charset="0"/>
-              <a:buChar char="•"/>
-            </a:pPr>
+              <a:t> alternativt </a:t>
+            </a:r>
+            <a:r>
+              <a:rPr lang="sv-SE" dirty="0">
+                <a:solidFill>
+                  <a:schemeClr val="tx2">
+                    <a:lumMod val="75000"/>
+                    <a:lumOff val="25000"/>
+                  </a:schemeClr>
+                </a:solidFill>
+              </a:rPr>
+              <a:t>@</a:t>
+            </a:r>
+            <a:r>
+              <a:rPr lang="sv-SE" dirty="0" err="1">
+                <a:solidFill>
+                  <a:schemeClr val="tx2">
+                    <a:lumMod val="75000"/>
+                    <a:lumOff val="25000"/>
+                  </a:schemeClr>
+                </a:solidFill>
+              </a:rPr>
+              <a:t>click</a:t>
+            </a:r>
+            <a:r>
+              <a:rPr lang="sv-SE" dirty="0">
+                <a:solidFill>
+                  <a:schemeClr val="tx2">
+                    <a:lumMod val="75000"/>
+                    <a:lumOff val="25000"/>
+                  </a:schemeClr>
+                </a:solidFill>
+              </a:rPr>
+              <a:t>=”</a:t>
+            </a:r>
+            <a:r>
+              <a:rPr lang="sv-SE" dirty="0" err="1">
+                <a:solidFill>
+                  <a:schemeClr val="tx2">
+                    <a:lumMod val="75000"/>
+                    <a:lumOff val="25000"/>
+                  </a:schemeClr>
+                </a:solidFill>
+              </a:rPr>
+              <a:t>method</a:t>
+            </a:r>
+            <a:r>
+              <a:rPr lang="sv-SE" dirty="0">
+                <a:solidFill>
+                  <a:schemeClr val="tx2">
+                    <a:lumMod val="75000"/>
+                    <a:lumOff val="25000"/>
+                  </a:schemeClr>
+                </a:solidFill>
+              </a:rPr>
+              <a:t>”.</a:t>
+            </a:r>
+          </a:p>
+          <a:p>
             <a:endParaRPr lang="sv-SE" dirty="0">
               <a:solidFill>
                 <a:schemeClr val="tx1">
@@ -17075,133 +10561,14 @@
               </a:solidFill>
             </a:endParaRPr>
           </a:p>
-          <a:p>
-            <a:pPr marL="285750" indent="-285750">
-              <a:buFont typeface="Arial" panose="020B0604020202020204" pitchFamily="34" charset="0"/>
-              <a:buChar char="•"/>
-            </a:pPr>
-            <a:r>
-              <a:rPr lang="sv-SE" u="sng" dirty="0">
-                <a:solidFill>
-                  <a:schemeClr val="tx2">
-                    <a:lumMod val="75000"/>
-                    <a:lumOff val="25000"/>
-                  </a:schemeClr>
-                </a:solidFill>
-              </a:rPr>
-              <a:t>v-</a:t>
-            </a:r>
-            <a:r>
-              <a:rPr lang="sv-SE" u="sng" dirty="0" err="1">
-                <a:solidFill>
-                  <a:schemeClr val="tx2">
-                    <a:lumMod val="75000"/>
-                    <a:lumOff val="25000"/>
-                  </a:schemeClr>
-                </a:solidFill>
-              </a:rPr>
-              <a:t>else</a:t>
-            </a:r>
-            <a:r>
-              <a:rPr lang="sv-SE" u="sng" dirty="0">
-                <a:solidFill>
-                  <a:schemeClr val="tx2">
-                    <a:lumMod val="75000"/>
-                    <a:lumOff val="25000"/>
-                  </a:schemeClr>
-                </a:solidFill>
-              </a:rPr>
-              <a:t>-</a:t>
-            </a:r>
-            <a:r>
-              <a:rPr lang="sv-SE" u="sng" dirty="0" err="1">
-                <a:solidFill>
-                  <a:schemeClr val="tx2">
-                    <a:lumMod val="75000"/>
-                    <a:lumOff val="25000"/>
-                  </a:schemeClr>
-                </a:solidFill>
-              </a:rPr>
-              <a:t>if</a:t>
-            </a:r>
-            <a:r>
-              <a:rPr lang="sv-SE" dirty="0">
-                <a:solidFill>
-                  <a:schemeClr val="tx1">
-                    <a:lumMod val="65000"/>
-                    <a:lumOff val="35000"/>
-                  </a:schemeClr>
-                </a:solidFill>
-              </a:rPr>
-              <a:t> direktivet kan användas på samma sätt som om du vill använda </a:t>
-            </a:r>
-            <a:r>
-              <a:rPr lang="sv-SE" dirty="0" err="1">
-                <a:solidFill>
-                  <a:schemeClr val="tx1">
-                    <a:lumMod val="65000"/>
-                    <a:lumOff val="35000"/>
-                  </a:schemeClr>
-                </a:solidFill>
-              </a:rPr>
-              <a:t>else</a:t>
-            </a:r>
-            <a:r>
-              <a:rPr lang="sv-SE" dirty="0">
-                <a:solidFill>
-                  <a:schemeClr val="tx1">
-                    <a:lumMod val="65000"/>
-                    <a:lumOff val="35000"/>
-                  </a:schemeClr>
-                </a:solidFill>
-              </a:rPr>
-              <a:t>-</a:t>
-            </a:r>
-            <a:r>
-              <a:rPr lang="sv-SE" dirty="0" err="1">
-                <a:solidFill>
-                  <a:schemeClr val="tx1">
-                    <a:lumMod val="65000"/>
-                    <a:lumOff val="35000"/>
-                  </a:schemeClr>
-                </a:solidFill>
-              </a:rPr>
-              <a:t>if</a:t>
-            </a:r>
-            <a:r>
-              <a:rPr lang="sv-SE" dirty="0">
-                <a:solidFill>
-                  <a:schemeClr val="tx1">
-                    <a:lumMod val="65000"/>
-                    <a:lumOff val="35000"/>
-                  </a:schemeClr>
-                </a:solidFill>
-              </a:rPr>
-              <a:t>-klausuler i JavaScript.</a:t>
-            </a:r>
-          </a:p>
-          <a:p>
-            <a:pPr marL="285750" indent="-285750">
-              <a:buFont typeface="Arial" panose="020B0604020202020204" pitchFamily="34" charset="0"/>
-              <a:buChar char="•"/>
-            </a:pPr>
-            <a:endParaRPr lang="sv-SE" sz="2400" dirty="0">
-              <a:solidFill>
-                <a:schemeClr val="tx1">
-                  <a:lumMod val="65000"/>
-                  <a:lumOff val="35000"/>
-                </a:schemeClr>
-              </a:solidFill>
-            </a:endParaRPr>
-          </a:p>
         </p:txBody>
       </p:sp>
       <p:pic>
         <p:nvPicPr>
-          <p:cNvPr id="6" name="Picture 5">
+          <p:cNvPr id="10" name="Picture 9">
             <a:extLst>
               <a:ext uri="{FF2B5EF4-FFF2-40B4-BE49-F238E27FC236}">
-                <a16:creationId xmlns:a16="http://schemas.microsoft.com/office/drawing/2014/main" id="{3273AD2E-DB4C-4B42-A5F8-535354F5E83C}"/>
+                <a16:creationId xmlns:a16="http://schemas.microsoft.com/office/drawing/2014/main" id="{5D69BEFE-1CD3-070F-F3D9-2DC025E3EB34}"/>
               </a:ext>
             </a:extLst>
           </p:cNvPr>
@@ -17211,15 +10578,15 @@
           <p:nvPr/>
         </p:nvPicPr>
         <p:blipFill>
-          <a:blip r:embed="rId3"/>
+          <a:blip r:embed="rId2"/>
           <a:stretch>
             <a:fillRect/>
           </a:stretch>
         </p:blipFill>
         <p:spPr>
           <a:xfrm>
-            <a:off x="6458720" y="2831269"/>
-            <a:ext cx="4743832" cy="2608468"/>
+            <a:off x="3043918" y="2566987"/>
+            <a:ext cx="5581650" cy="3552825"/>
           </a:xfrm>
           <a:prstGeom prst="rect">
             <a:avLst/>
@@ -17229,7 +10596,7 @@
     </p:spTree>
     <p:extLst>
       <p:ext uri="{BB962C8B-B14F-4D97-AF65-F5344CB8AC3E}">
-        <p14:creationId xmlns:p14="http://schemas.microsoft.com/office/powerpoint/2010/main" val="3765353947"/>
+        <p14:creationId xmlns:p14="http://schemas.microsoft.com/office/powerpoint/2010/main" val="1072623882"/>
       </p:ext>
     </p:extLst>
   </p:cSld>
@@ -17274,7 +10641,7 @@
         </p:nvSpPr>
         <p:spPr>
           <a:xfrm>
-            <a:off x="1203434" y="214824"/>
+            <a:off x="1228601" y="228440"/>
             <a:ext cx="10893973" cy="596023"/>
           </a:xfrm>
         </p:spPr>
@@ -17286,16 +10653,193 @@
           <a:p>
             <a:pPr algn="ctr"/>
             <a:r>
-              <a:rPr lang="en-US" sz="4000" dirty="0" err="1">
-                <a:latin typeface="Gill Sans MT (Body)"/>
-              </a:rPr>
-              <a:t>Loopar</a:t>
-            </a:r>
-            <a:r>
               <a:rPr lang="en-US" sz="4000" dirty="0">
                 <a:latin typeface="Gill Sans MT (Body)"/>
               </a:rPr>
-              <a:t>-List Rendering</a:t>
+              <a:t>Two-way Binding v-model</a:t>
+            </a:r>
+          </a:p>
+        </p:txBody>
+      </p:sp>
+      <p:sp>
+        <p:nvSpPr>
+          <p:cNvPr id="8" name="TextBox 7">
+            <a:extLst>
+              <a:ext uri="{FF2B5EF4-FFF2-40B4-BE49-F238E27FC236}">
+                <a16:creationId xmlns:a16="http://schemas.microsoft.com/office/drawing/2014/main" id="{B1548BBC-62E6-467E-BFCA-ACF54B43493B}"/>
+              </a:ext>
+            </a:extLst>
+          </p:cNvPr>
+          <p:cNvSpPr txBox="1"/>
+          <p:nvPr/>
+        </p:nvSpPr>
+        <p:spPr>
+          <a:xfrm>
+            <a:off x="1900969" y="978408"/>
+            <a:ext cx="9127222" cy="1754326"/>
+          </a:xfrm>
+          <a:prstGeom prst="rect">
+            <a:avLst/>
+          </a:prstGeom>
+          <a:noFill/>
+        </p:spPr>
+        <p:txBody>
+          <a:bodyPr wrap="square" rtlCol="0">
+            <a:spAutoFit/>
+          </a:bodyPr>
+          <a:lstStyle/>
+          <a:p>
+            <a:pPr marL="285750" indent="-285750">
+              <a:buFont typeface="Arial" panose="020B0604020202020204" pitchFamily="34" charset="0"/>
+              <a:buChar char="•"/>
+            </a:pPr>
+            <a:r>
+              <a:rPr lang="sv-SE" u="sng" dirty="0">
+                <a:solidFill>
+                  <a:schemeClr val="tx2">
+                    <a:lumMod val="75000"/>
+                    <a:lumOff val="25000"/>
+                  </a:schemeClr>
+                </a:solidFill>
+                <a:latin typeface="Gill Sans MT (Body)"/>
+                <a:cs typeface="Times New Roman" panose="02020603050405020304" pitchFamily="18" charset="0"/>
+              </a:rPr>
+              <a:t>v-</a:t>
+            </a:r>
+            <a:r>
+              <a:rPr lang="sv-SE" u="sng" dirty="0" err="1">
+                <a:solidFill>
+                  <a:schemeClr val="tx2">
+                    <a:lumMod val="75000"/>
+                    <a:lumOff val="25000"/>
+                  </a:schemeClr>
+                </a:solidFill>
+                <a:latin typeface="Gill Sans MT (Body)"/>
+                <a:cs typeface="Times New Roman" panose="02020603050405020304" pitchFamily="18" charset="0"/>
+              </a:rPr>
+              <a:t>model</a:t>
+            </a:r>
+            <a:r>
+              <a:rPr lang="sv-SE" u="sng" dirty="0">
+                <a:solidFill>
+                  <a:schemeClr val="tx1">
+                    <a:lumMod val="65000"/>
+                    <a:lumOff val="35000"/>
+                  </a:schemeClr>
+                </a:solidFill>
+                <a:latin typeface="Gill Sans MT (Body)"/>
+                <a:cs typeface="Times New Roman" panose="02020603050405020304" pitchFamily="18" charset="0"/>
+              </a:rPr>
+              <a:t> </a:t>
+            </a:r>
+            <a:r>
+              <a:rPr lang="sv-SE" dirty="0">
+                <a:solidFill>
+                  <a:schemeClr val="tx1">
+                    <a:lumMod val="65000"/>
+                    <a:lumOff val="35000"/>
+                  </a:schemeClr>
+                </a:solidFill>
+                <a:latin typeface="Gill Sans MT (Body)"/>
+                <a:cs typeface="Times New Roman" panose="02020603050405020304" pitchFamily="18" charset="0"/>
+              </a:rPr>
+              <a:t>direktivet används för att göra tvåvägsbindning mellan HTML-elementet och data-variabeln.</a:t>
+            </a:r>
+          </a:p>
+          <a:p>
+            <a:pPr marL="285750" indent="-285750">
+              <a:buFont typeface="Arial" panose="020B0604020202020204" pitchFamily="34" charset="0"/>
+              <a:buChar char="•"/>
+            </a:pPr>
+            <a:endParaRPr lang="sv-SE" dirty="0">
+              <a:solidFill>
+                <a:schemeClr val="tx1">
+                  <a:lumMod val="65000"/>
+                  <a:lumOff val="35000"/>
+                </a:schemeClr>
+              </a:solidFill>
+              <a:latin typeface="Gill Sans MT (Body)"/>
+              <a:cs typeface="Times New Roman" panose="02020603050405020304" pitchFamily="18" charset="0"/>
+            </a:endParaRPr>
+          </a:p>
+          <a:p>
+            <a:pPr marL="285750" indent="-285750">
+              <a:buFont typeface="Arial" panose="020B0604020202020204" pitchFamily="34" charset="0"/>
+              <a:buChar char="•"/>
+            </a:pPr>
+            <a:r>
+              <a:rPr lang="sv-SE" dirty="0">
+                <a:solidFill>
+                  <a:schemeClr val="tx1">
+                    <a:lumMod val="65000"/>
+                    <a:lumOff val="35000"/>
+                  </a:schemeClr>
+                </a:solidFill>
+                <a:latin typeface="Gill Sans MT (Body)"/>
+                <a:cs typeface="Times New Roman" panose="02020603050405020304" pitchFamily="18" charset="0"/>
+              </a:rPr>
+              <a:t>Det innebär att värdet uppdateras om fältet ändras men även om variabeln ändras.</a:t>
+            </a:r>
+          </a:p>
+          <a:p>
+            <a:pPr marL="285750" indent="-285750">
+              <a:buFont typeface="Arial" panose="020B0604020202020204" pitchFamily="34" charset="0"/>
+              <a:buChar char="•"/>
+            </a:pPr>
+            <a:endParaRPr lang="sv-SE" dirty="0">
+              <a:solidFill>
+                <a:schemeClr val="tx1">
+                  <a:lumMod val="65000"/>
+                  <a:lumOff val="35000"/>
+                </a:schemeClr>
+              </a:solidFill>
+              <a:latin typeface="Gill Sans MT (Body)"/>
+              <a:cs typeface="Times New Roman" panose="02020603050405020304" pitchFamily="18" charset="0"/>
+            </a:endParaRPr>
+          </a:p>
+          <a:p>
+            <a:pPr marL="285750" indent="-285750">
+              <a:buFont typeface="Arial" panose="020B0604020202020204" pitchFamily="34" charset="0"/>
+              <a:buChar char="•"/>
+            </a:pPr>
+            <a:r>
+              <a:rPr lang="sv-SE" dirty="0">
+                <a:solidFill>
+                  <a:schemeClr val="tx1">
+                    <a:lumMod val="65000"/>
+                    <a:lumOff val="35000"/>
+                  </a:schemeClr>
+                </a:solidFill>
+                <a:latin typeface="Gill Sans MT (Body)"/>
+                <a:cs typeface="Times New Roman" panose="02020603050405020304" pitchFamily="18" charset="0"/>
+              </a:rPr>
+              <a:t>Används oftast för input-element och </a:t>
+            </a:r>
+            <a:r>
+              <a:rPr lang="sv-SE" dirty="0" err="1">
+                <a:solidFill>
+                  <a:schemeClr val="tx1">
+                    <a:lumMod val="65000"/>
+                    <a:lumOff val="35000"/>
+                  </a:schemeClr>
+                </a:solidFill>
+                <a:latin typeface="Gill Sans MT (Body)"/>
+                <a:cs typeface="Times New Roman" panose="02020603050405020304" pitchFamily="18" charset="0"/>
+              </a:rPr>
+              <a:t>förmulär</a:t>
+            </a:r>
+            <a:r>
+              <a:rPr lang="sv-SE" dirty="0">
+                <a:solidFill>
+                  <a:schemeClr val="tx1">
+                    <a:lumMod val="65000"/>
+                    <a:lumOff val="35000"/>
+                  </a:schemeClr>
+                </a:solidFill>
+                <a:latin typeface="Gill Sans MT (Body)"/>
+                <a:cs typeface="Times New Roman" panose="02020603050405020304" pitchFamily="18" charset="0"/>
+              </a:rPr>
+              <a:t>-element.</a:t>
             </a:r>
           </a:p>
         </p:txBody>
@@ -17305,7 +10849,7 @@
           <p:cNvPr id="6" name="Picture 5">
             <a:extLst>
               <a:ext uri="{FF2B5EF4-FFF2-40B4-BE49-F238E27FC236}">
-                <a16:creationId xmlns:a16="http://schemas.microsoft.com/office/drawing/2014/main" id="{B9899C2E-F77D-44DA-9AEA-728FEF6351A6}"/>
+                <a16:creationId xmlns:a16="http://schemas.microsoft.com/office/drawing/2014/main" id="{ACA49778-AD8B-DA99-558B-13FB6EF14D97}"/>
               </a:ext>
             </a:extLst>
           </p:cNvPr>
@@ -17322,192 +10866,18 @@
         </p:blipFill>
         <p:spPr>
           <a:xfrm>
-            <a:off x="1203434" y="1706115"/>
-            <a:ext cx="5686905" cy="5235179"/>
+            <a:off x="2928744" y="2886679"/>
+            <a:ext cx="5673328" cy="3467586"/>
           </a:xfrm>
           <a:prstGeom prst="rect">
             <a:avLst/>
           </a:prstGeom>
         </p:spPr>
       </p:pic>
-      <p:pic>
-        <p:nvPicPr>
-          <p:cNvPr id="7" name="Picture 6">
-            <a:extLst>
-              <a:ext uri="{FF2B5EF4-FFF2-40B4-BE49-F238E27FC236}">
-                <a16:creationId xmlns:a16="http://schemas.microsoft.com/office/drawing/2014/main" id="{0FB4F902-E0EA-4B80-A96A-6F6D5A90C61E}"/>
-              </a:ext>
-            </a:extLst>
-          </p:cNvPr>
-          <p:cNvPicPr>
-            <a:picLocks noChangeAspect="1"/>
-          </p:cNvPicPr>
-          <p:nvPr/>
-        </p:nvPicPr>
-        <p:blipFill>
-          <a:blip r:embed="rId3"/>
-          <a:stretch>
-            <a:fillRect/>
-          </a:stretch>
-        </p:blipFill>
-        <p:spPr>
-          <a:xfrm>
-            <a:off x="6650420" y="2399531"/>
-            <a:ext cx="4781281" cy="3848348"/>
-          </a:xfrm>
-          <a:prstGeom prst="rect">
-            <a:avLst/>
-          </a:prstGeom>
-        </p:spPr>
-      </p:pic>
-      <p:sp>
-        <p:nvSpPr>
-          <p:cNvPr id="8" name="TextBox 7">
-            <a:extLst>
-              <a:ext uri="{FF2B5EF4-FFF2-40B4-BE49-F238E27FC236}">
-                <a16:creationId xmlns:a16="http://schemas.microsoft.com/office/drawing/2014/main" id="{5B090859-7155-4AD4-92EF-0AA49FD1EFAF}"/>
-              </a:ext>
-            </a:extLst>
-          </p:cNvPr>
-          <p:cNvSpPr txBox="1"/>
-          <p:nvPr/>
-        </p:nvSpPr>
-        <p:spPr>
-          <a:xfrm>
-            <a:off x="1203434" y="810847"/>
-            <a:ext cx="10106716" cy="1200329"/>
-          </a:xfrm>
-          <a:prstGeom prst="rect">
-            <a:avLst/>
-          </a:prstGeom>
-          <a:noFill/>
-        </p:spPr>
-        <p:txBody>
-          <a:bodyPr wrap="square" rtlCol="0">
-            <a:spAutoFit/>
-          </a:bodyPr>
-          <a:lstStyle/>
-          <a:p>
-            <a:pPr marL="285750" indent="-285750">
-              <a:buFont typeface="Arial" panose="020B0604020202020204" pitchFamily="34" charset="0"/>
-              <a:buChar char="•"/>
-            </a:pPr>
-            <a:r>
-              <a:rPr lang="sv-SE" dirty="0">
-                <a:solidFill>
-                  <a:schemeClr val="tx1">
-                    <a:lumMod val="65000"/>
-                    <a:lumOff val="35000"/>
-                  </a:schemeClr>
-                </a:solidFill>
-              </a:rPr>
-              <a:t>Ett sätta att inte repetera samma kod, loopar igenom en lista/</a:t>
-            </a:r>
-            <a:r>
-              <a:rPr lang="sv-SE" dirty="0" err="1">
-                <a:solidFill>
-                  <a:schemeClr val="tx1">
-                    <a:lumMod val="65000"/>
-                    <a:lumOff val="35000"/>
-                  </a:schemeClr>
-                </a:solidFill>
-              </a:rPr>
-              <a:t>array</a:t>
-            </a:r>
-            <a:r>
-              <a:rPr lang="sv-SE" dirty="0">
-                <a:solidFill>
-                  <a:schemeClr val="tx1">
-                    <a:lumMod val="65000"/>
-                    <a:lumOff val="35000"/>
-                  </a:schemeClr>
-                </a:solidFill>
-              </a:rPr>
-              <a:t> och genererar html-kod för varje instans i listan. </a:t>
-            </a:r>
-            <a:r>
-              <a:rPr lang="sv-SE" dirty="0">
-                <a:solidFill>
-                  <a:schemeClr val="tx2">
-                    <a:lumMod val="75000"/>
-                    <a:lumOff val="25000"/>
-                  </a:schemeClr>
-                </a:solidFill>
-              </a:rPr>
-              <a:t>v-for</a:t>
-            </a:r>
-            <a:r>
-              <a:rPr lang="sv-SE" dirty="0">
-                <a:solidFill>
-                  <a:schemeClr val="tx1">
-                    <a:lumMod val="65000"/>
-                    <a:lumOff val="35000"/>
-                  </a:schemeClr>
-                </a:solidFill>
-              </a:rPr>
-              <a:t> direktivet används för det och det är rekommenderat att också använda </a:t>
-            </a:r>
-            <a:r>
-              <a:rPr lang="sv-SE" dirty="0">
-                <a:solidFill>
-                  <a:schemeClr val="tx2">
-                    <a:lumMod val="75000"/>
-                    <a:lumOff val="25000"/>
-                  </a:schemeClr>
-                </a:solidFill>
-              </a:rPr>
-              <a:t>:</a:t>
-            </a:r>
-            <a:r>
-              <a:rPr lang="sv-SE" dirty="0" err="1">
-                <a:solidFill>
-                  <a:schemeClr val="tx2">
-                    <a:lumMod val="75000"/>
-                    <a:lumOff val="25000"/>
-                  </a:schemeClr>
-                </a:solidFill>
-              </a:rPr>
-              <a:t>key</a:t>
-            </a:r>
-            <a:r>
-              <a:rPr lang="sv-SE" dirty="0">
-                <a:solidFill>
-                  <a:schemeClr val="tx2">
-                    <a:lumMod val="75000"/>
-                    <a:lumOff val="25000"/>
-                  </a:schemeClr>
-                </a:solidFill>
-              </a:rPr>
-              <a:t> </a:t>
-            </a:r>
-            <a:r>
-              <a:rPr lang="sv-SE" dirty="0">
-                <a:solidFill>
-                  <a:schemeClr val="tx1">
-                    <a:lumMod val="65000"/>
-                    <a:lumOff val="35000"/>
-                  </a:schemeClr>
-                </a:solidFill>
-              </a:rPr>
-              <a:t>attributet.</a:t>
-            </a:r>
-          </a:p>
-          <a:p>
-            <a:endParaRPr lang="sv-SE" dirty="0">
-              <a:solidFill>
-                <a:schemeClr val="tx1">
-                  <a:lumMod val="65000"/>
-                  <a:lumOff val="35000"/>
-                </a:schemeClr>
-              </a:solidFill>
-            </a:endParaRPr>
-          </a:p>
-        </p:txBody>
-      </p:sp>
     </p:spTree>
     <p:extLst>
       <p:ext uri="{BB962C8B-B14F-4D97-AF65-F5344CB8AC3E}">
-        <p14:creationId xmlns:p14="http://schemas.microsoft.com/office/powerpoint/2010/main" val="1986911698"/>
+        <p14:creationId xmlns:p14="http://schemas.microsoft.com/office/powerpoint/2010/main" val="870116151"/>
       </p:ext>
     </p:extLst>
   </p:cSld>
@@ -18368,6 +11738,15 @@
 </file>
 
 <file path=customXml/item1.xml><?xml version="1.0" encoding="utf-8"?>
+<?mso-contentType ?>
+<FormTemplates xmlns="http://schemas.microsoft.com/sharepoint/v3/contenttype/forms">
+  <Display>DocumentLibraryForm</Display>
+  <Edit>DocumentLibraryForm</Edit>
+  <New>DocumentLibraryForm</New>
+</FormTemplates>
+</file>
+
+<file path=customXml/item2.xml><?xml version="1.0" encoding="utf-8"?>
 <ct:contentTypeSchema xmlns:ct="http://schemas.microsoft.com/office/2006/metadata/contentType" xmlns:ma="http://schemas.microsoft.com/office/2006/metadata/properties/metaAttributes" ct:_="" ma:_="" ma:contentTypeName="Document" ma:contentTypeID="0x01010079F111ED35F8CC479449609E8A0923A6" ma:contentTypeVersion="11" ma:contentTypeDescription="Create a new document." ma:contentTypeScope="" ma:versionID="96291512c1ee715ab617f4c07df79fc1">
   <xsd:schema xmlns:xsd="http://www.w3.org/2001/XMLSchema" xmlns:xs="http://www.w3.org/2001/XMLSchema" xmlns:p="http://schemas.microsoft.com/office/2006/metadata/properties" xmlns:ns2="71af3243-3dd4-4a8d-8c0d-dd76da1f02a5" xmlns:ns3="16c05727-aa75-4e4a-9b5f-8a80a1165891" targetNamespace="http://schemas.microsoft.com/office/2006/metadata/properties" ma:root="true" ma:fieldsID="8256c27c40ca5c40ce1cf6c44f0205df" ns2:_="" ns3:_="">
     <xsd:import namespace="71af3243-3dd4-4a8d-8c0d-dd76da1f02a5"/>
@@ -18578,15 +11957,6 @@
 </ct:contentTypeSchema>
 </file>
 
-<file path=customXml/item2.xml><?xml version="1.0" encoding="utf-8"?>
-<?mso-contentType ?>
-<FormTemplates xmlns="http://schemas.microsoft.com/sharepoint/v3/contenttype/forms">
-  <Display>DocumentLibraryForm</Display>
-  <Edit>DocumentLibraryForm</Edit>
-  <New>DocumentLibraryForm</New>
-</FormTemplates>
-</file>
-
 <file path=customXml/item3.xml><?xml version="1.0" encoding="utf-8"?>
 <p:properties xmlns:p="http://schemas.microsoft.com/office/2006/metadata/properties" xmlns:xsi="http://www.w3.org/2001/XMLSchema-instance" xmlns:pc="http://schemas.microsoft.com/office/infopath/2007/PartnerControls">
   <documentManagement>
@@ -18596,6 +11966,14 @@
 </file>
 
 <file path=customXml/itemProps1.xml><?xml version="1.0" encoding="utf-8"?>
+<ds:datastoreItem xmlns:ds="http://schemas.openxmlformats.org/officeDocument/2006/customXml" ds:itemID="{52D0167F-E486-4F9B-83E2-993954E11F03}">
+  <ds:schemaRefs>
+    <ds:schemaRef ds:uri="http://schemas.microsoft.com/sharepoint/v3/contenttype/forms"/>
+  </ds:schemaRefs>
+</ds:datastoreItem>
+</file>
+
+<file path=customXml/itemProps2.xml><?xml version="1.0" encoding="utf-8"?>
 <ds:datastoreItem xmlns:ds="http://schemas.openxmlformats.org/officeDocument/2006/customXml" ds:itemID="{15A714DE-2D72-4B69-B5D2-B9FD4274177E}">
   <ds:schemaRefs>
     <ds:schemaRef ds:uri="http://schemas.microsoft.com/office/2006/metadata/contentType"/>
@@ -18614,14 +11992,6 @@
 </ds:datastoreItem>
 </file>
 
-<file path=customXml/itemProps2.xml><?xml version="1.0" encoding="utf-8"?>
-<ds:datastoreItem xmlns:ds="http://schemas.openxmlformats.org/officeDocument/2006/customXml" ds:itemID="{52D0167F-E486-4F9B-83E2-993954E11F03}">
-  <ds:schemaRefs>
-    <ds:schemaRef ds:uri="http://schemas.microsoft.com/sharepoint/v3/contenttype/forms"/>
-  </ds:schemaRefs>
-</ds:datastoreItem>
-</file>
-
 <file path=customXml/itemProps3.xml><?xml version="1.0" encoding="utf-8"?>
 <ds:datastoreItem xmlns:ds="http://schemas.openxmlformats.org/officeDocument/2006/customXml" ds:itemID="{BDB3E54F-9BB9-4821-81E3-A4EFEC7BD0AD}">
   <ds:schemaRefs>

--- a/4. Vue/Vue.pptx
+++ b/4. Vue/Vue.pptx
@@ -5,10 +5,10 @@
     <p:sldMasterId id="2147483660" r:id="rId4"/>
   </p:sldMasterIdLst>
   <p:notesMasterIdLst>
-    <p:notesMasterId r:id="rId14"/>
+    <p:notesMasterId r:id="rId17"/>
   </p:notesMasterIdLst>
   <p:handoutMasterIdLst>
-    <p:handoutMasterId r:id="rId15"/>
+    <p:handoutMasterId r:id="rId18"/>
   </p:handoutMasterIdLst>
   <p:sldIdLst>
     <p:sldId id="256" r:id="rId5"/>
@@ -20,6 +20,9 @@
     <p:sldId id="282" r:id="rId11"/>
     <p:sldId id="284" r:id="rId12"/>
     <p:sldId id="285" r:id="rId13"/>
+    <p:sldId id="286" r:id="rId14"/>
+    <p:sldId id="287" r:id="rId15"/>
+    <p:sldId id="289" r:id="rId16"/>
   </p:sldIdLst>
   <p:sldSz cx="12192000" cy="6858000"/>
   <p:notesSz cx="6858000" cy="9144000"/>
@@ -223,7 +226,7 @@
           <a:p>
             <a:fld id="{18E9A1B5-1BE4-4CD6-80C4-143959F034D3}" type="datetimeFigureOut">
               <a:rPr lang="en-US" smtClean="0"/>
-              <a:t>10/27/2022</a:t>
+              <a:t>11/10/2022</a:t>
             </a:fld>
             <a:endParaRPr lang="en-US" dirty="0"/>
           </a:p>
@@ -400,7 +403,7 @@
           <a:p>
             <a:fld id="{D8E6120A-21AF-4F12-ABAA-66A70823631B}" type="datetimeFigureOut">
               <a:rPr lang="en-US" smtClean="0"/>
-              <a:t>10/27/2022</a:t>
+              <a:t>11/10/2022</a:t>
             </a:fld>
             <a:endParaRPr lang="en-US" dirty="0"/>
           </a:p>
@@ -1878,7 +1881,7 @@
           <a:p>
             <a:fld id="{EF63B152-7103-4FFE-90AC-D94EB7F44A7E}" type="datetimeFigureOut">
               <a:rPr lang="en-US" smtClean="0"/>
-              <a:t>10/27/2022</a:t>
+              <a:t>11/10/2022</a:t>
             </a:fld>
             <a:endParaRPr lang="en-US" dirty="0"/>
           </a:p>
@@ -2116,7 +2119,7 @@
           <a:p>
             <a:fld id="{EF63B152-7103-4FFE-90AC-D94EB7F44A7E}" type="datetimeFigureOut">
               <a:rPr lang="en-US" smtClean="0"/>
-              <a:t>10/27/2022</a:t>
+              <a:t>11/10/2022</a:t>
             </a:fld>
             <a:endParaRPr lang="en-US" dirty="0"/>
           </a:p>
@@ -2296,7 +2299,7 @@
           <a:p>
             <a:fld id="{EF63B152-7103-4FFE-90AC-D94EB7F44A7E}" type="datetimeFigureOut">
               <a:rPr lang="en-US" smtClean="0"/>
-              <a:t>10/27/2022</a:t>
+              <a:t>11/10/2022</a:t>
             </a:fld>
             <a:endParaRPr lang="en-US" dirty="0"/>
           </a:p>
@@ -2466,7 +2469,7 @@
           <a:p>
             <a:fld id="{EF63B152-7103-4FFE-90AC-D94EB7F44A7E}" type="datetimeFigureOut">
               <a:rPr lang="en-US" smtClean="0"/>
-              <a:t>10/27/2022</a:t>
+              <a:t>11/10/2022</a:t>
             </a:fld>
             <a:endParaRPr lang="en-US" dirty="0"/>
           </a:p>
@@ -2742,7 +2745,7 @@
           <a:p>
             <a:fld id="{EF63B152-7103-4FFE-90AC-D94EB7F44A7E}" type="datetimeFigureOut">
               <a:rPr lang="en-US" smtClean="0"/>
-              <a:t>10/27/2022</a:t>
+              <a:t>11/10/2022</a:t>
             </a:fld>
             <a:endParaRPr lang="en-US" dirty="0"/>
           </a:p>
@@ -3943,7 +3946,7 @@
           <a:p>
             <a:fld id="{EF63B152-7103-4FFE-90AC-D94EB7F44A7E}" type="datetimeFigureOut">
               <a:rPr lang="en-US" smtClean="0"/>
-              <a:t>10/27/2022</a:t>
+              <a:t>11/10/2022</a:t>
             </a:fld>
             <a:endParaRPr lang="en-US" dirty="0"/>
           </a:p>
@@ -4333,7 +4336,7 @@
           <a:p>
             <a:fld id="{EF63B152-7103-4FFE-90AC-D94EB7F44A7E}" type="datetimeFigureOut">
               <a:rPr lang="en-US" smtClean="0"/>
-              <a:t>10/27/2022</a:t>
+              <a:t>11/10/2022</a:t>
             </a:fld>
             <a:endParaRPr lang="en-US" dirty="0"/>
           </a:p>
@@ -4456,7 +4459,7 @@
           <a:p>
             <a:fld id="{EF63B152-7103-4FFE-90AC-D94EB7F44A7E}" type="datetimeFigureOut">
               <a:rPr lang="en-US" smtClean="0"/>
-              <a:t>10/27/2022</a:t>
+              <a:t>11/10/2022</a:t>
             </a:fld>
             <a:endParaRPr lang="en-US" dirty="0"/>
           </a:p>
@@ -4551,7 +4554,7 @@
           <a:p>
             <a:fld id="{EF63B152-7103-4FFE-90AC-D94EB7F44A7E}" type="datetimeFigureOut">
               <a:rPr lang="en-US" smtClean="0"/>
-              <a:t>10/27/2022</a:t>
+              <a:t>11/10/2022</a:t>
             </a:fld>
             <a:endParaRPr lang="en-US" dirty="0"/>
           </a:p>
@@ -5314,7 +5317,7 @@
           <a:p>
             <a:fld id="{EF63B152-7103-4FFE-90AC-D94EB7F44A7E}" type="datetimeFigureOut">
               <a:rPr lang="en-US" smtClean="0"/>
-              <a:t>10/27/2022</a:t>
+              <a:t>11/10/2022</a:t>
             </a:fld>
             <a:endParaRPr lang="en-US" dirty="0"/>
           </a:p>
@@ -6154,7 +6157,7 @@
           <a:p>
             <a:fld id="{EF63B152-7103-4FFE-90AC-D94EB7F44A7E}" type="datetimeFigureOut">
               <a:rPr lang="en-US" smtClean="0"/>
-              <a:t>10/27/2022</a:t>
+              <a:t>11/10/2022</a:t>
             </a:fld>
             <a:endParaRPr lang="en-US" dirty="0"/>
           </a:p>
@@ -6381,7 +6384,7 @@
           <a:p>
             <a:fld id="{EF63B152-7103-4FFE-90AC-D94EB7F44A7E}" type="datetimeFigureOut">
               <a:rPr lang="en-US" smtClean="0"/>
-              <a:t>10/27/2022</a:t>
+              <a:t>11/10/2022</a:t>
             </a:fld>
             <a:endParaRPr lang="en-US" dirty="0"/>
           </a:p>
@@ -7503,6 +7506,876 @@
 </p:sld>
 </file>
 
+<file path=ppt/slides/slide10.xml><?xml version="1.0" encoding="utf-8"?>
+<p:sld xmlns:a="http://schemas.openxmlformats.org/drawingml/2006/main" xmlns:r="http://schemas.openxmlformats.org/officeDocument/2006/relationships" xmlns:p="http://schemas.openxmlformats.org/presentationml/2006/main">
+  <p:cSld>
+    <p:spTree>
+      <p:nvGrpSpPr>
+        <p:cNvPr id="1" name=""/>
+        <p:cNvGrpSpPr/>
+        <p:nvPr/>
+      </p:nvGrpSpPr>
+      <p:grpSpPr>
+        <a:xfrm>
+          <a:off x="0" y="0"/>
+          <a:ext cx="0" cy="0"/>
+          <a:chOff x="0" y="0"/>
+          <a:chExt cx="0" cy="0"/>
+        </a:xfrm>
+      </p:grpSpPr>
+      <p:sp>
+        <p:nvSpPr>
+          <p:cNvPr id="2" name="Title 1">
+            <a:extLst>
+              <a:ext uri="{FF2B5EF4-FFF2-40B4-BE49-F238E27FC236}">
+                <a16:creationId xmlns:a16="http://schemas.microsoft.com/office/drawing/2014/main" id="{8EDAE078-3CB3-4D1F-8E4E-75C6D5DA8D1A}"/>
+              </a:ext>
+            </a:extLst>
+          </p:cNvPr>
+          <p:cNvSpPr>
+            <a:spLocks noGrp="1"/>
+          </p:cNvSpPr>
+          <p:nvPr>
+            <p:ph type="title"/>
+          </p:nvPr>
+        </p:nvSpPr>
+        <p:spPr>
+          <a:xfrm>
+            <a:off x="1228601" y="228440"/>
+            <a:ext cx="10893973" cy="596023"/>
+          </a:xfrm>
+        </p:spPr>
+        <p:txBody>
+          <a:bodyPr>
+            <a:normAutofit fontScale="90000"/>
+          </a:bodyPr>
+          <a:lstStyle/>
+          <a:p>
+            <a:pPr algn="ctr"/>
+            <a:r>
+              <a:rPr lang="en-US" sz="4000" dirty="0">
+                <a:latin typeface="Gill Sans MT (Body)"/>
+              </a:rPr>
+              <a:t>Computed </a:t>
+            </a:r>
+            <a:r>
+              <a:rPr lang="en-US" sz="4000" dirty="0" err="1">
+                <a:latin typeface="Gill Sans MT (Body)"/>
+              </a:rPr>
+              <a:t>variabler</a:t>
+            </a:r>
+            <a:endParaRPr lang="en-US" sz="4000" dirty="0">
+              <a:latin typeface="Gill Sans MT (Body)"/>
+            </a:endParaRPr>
+          </a:p>
+        </p:txBody>
+      </p:sp>
+      <p:sp>
+        <p:nvSpPr>
+          <p:cNvPr id="8" name="TextBox 7">
+            <a:extLst>
+              <a:ext uri="{FF2B5EF4-FFF2-40B4-BE49-F238E27FC236}">
+                <a16:creationId xmlns:a16="http://schemas.microsoft.com/office/drawing/2014/main" id="{B1548BBC-62E6-467E-BFCA-ACF54B43493B}"/>
+              </a:ext>
+            </a:extLst>
+          </p:cNvPr>
+          <p:cNvSpPr txBox="1"/>
+          <p:nvPr/>
+        </p:nvSpPr>
+        <p:spPr>
+          <a:xfrm>
+            <a:off x="1900969" y="978408"/>
+            <a:ext cx="9127222" cy="1754326"/>
+          </a:xfrm>
+          <a:prstGeom prst="rect">
+            <a:avLst/>
+          </a:prstGeom>
+          <a:noFill/>
+        </p:spPr>
+        <p:txBody>
+          <a:bodyPr wrap="square" rtlCol="0">
+            <a:spAutoFit/>
+          </a:bodyPr>
+          <a:lstStyle/>
+          <a:p>
+            <a:pPr marL="285750" indent="-285750">
+              <a:buFont typeface="Arial" panose="020B0604020202020204" pitchFamily="34" charset="0"/>
+              <a:buChar char="•"/>
+            </a:pPr>
+            <a:r>
+              <a:rPr lang="sv-SE" u="sng" dirty="0">
+                <a:solidFill>
+                  <a:schemeClr val="tx2">
+                    <a:lumMod val="75000"/>
+                    <a:lumOff val="25000"/>
+                  </a:schemeClr>
+                </a:solidFill>
+                <a:latin typeface="Gill Sans MT (Body)"/>
+                <a:cs typeface="Times New Roman" panose="02020603050405020304" pitchFamily="18" charset="0"/>
+              </a:rPr>
+              <a:t>v-</a:t>
+            </a:r>
+            <a:r>
+              <a:rPr lang="sv-SE" u="sng" dirty="0" err="1">
+                <a:solidFill>
+                  <a:schemeClr val="tx2">
+                    <a:lumMod val="75000"/>
+                    <a:lumOff val="25000"/>
+                  </a:schemeClr>
+                </a:solidFill>
+                <a:latin typeface="Gill Sans MT (Body)"/>
+                <a:cs typeface="Times New Roman" panose="02020603050405020304" pitchFamily="18" charset="0"/>
+              </a:rPr>
+              <a:t>model</a:t>
+            </a:r>
+            <a:r>
+              <a:rPr lang="sv-SE" u="sng" dirty="0">
+                <a:solidFill>
+                  <a:schemeClr val="tx1">
+                    <a:lumMod val="65000"/>
+                    <a:lumOff val="35000"/>
+                  </a:schemeClr>
+                </a:solidFill>
+                <a:latin typeface="Gill Sans MT (Body)"/>
+                <a:cs typeface="Times New Roman" panose="02020603050405020304" pitchFamily="18" charset="0"/>
+              </a:rPr>
+              <a:t> </a:t>
+            </a:r>
+            <a:r>
+              <a:rPr lang="sv-SE" dirty="0">
+                <a:solidFill>
+                  <a:schemeClr val="tx1">
+                    <a:lumMod val="65000"/>
+                    <a:lumOff val="35000"/>
+                  </a:schemeClr>
+                </a:solidFill>
+                <a:latin typeface="Gill Sans MT (Body)"/>
+                <a:cs typeface="Times New Roman" panose="02020603050405020304" pitchFamily="18" charset="0"/>
+              </a:rPr>
+              <a:t>direktivet används för att göra tvåvägsbindning mellan HTML-elementet och data-variabeln.</a:t>
+            </a:r>
+          </a:p>
+          <a:p>
+            <a:pPr marL="285750" indent="-285750">
+              <a:buFont typeface="Arial" panose="020B0604020202020204" pitchFamily="34" charset="0"/>
+              <a:buChar char="•"/>
+            </a:pPr>
+            <a:endParaRPr lang="sv-SE" dirty="0">
+              <a:solidFill>
+                <a:schemeClr val="tx1">
+                  <a:lumMod val="65000"/>
+                  <a:lumOff val="35000"/>
+                </a:schemeClr>
+              </a:solidFill>
+              <a:latin typeface="Gill Sans MT (Body)"/>
+              <a:cs typeface="Times New Roman" panose="02020603050405020304" pitchFamily="18" charset="0"/>
+            </a:endParaRPr>
+          </a:p>
+          <a:p>
+            <a:pPr marL="285750" indent="-285750">
+              <a:buFont typeface="Arial" panose="020B0604020202020204" pitchFamily="34" charset="0"/>
+              <a:buChar char="•"/>
+            </a:pPr>
+            <a:r>
+              <a:rPr lang="sv-SE" dirty="0">
+                <a:solidFill>
+                  <a:schemeClr val="tx1">
+                    <a:lumMod val="65000"/>
+                    <a:lumOff val="35000"/>
+                  </a:schemeClr>
+                </a:solidFill>
+                <a:latin typeface="Gill Sans MT (Body)"/>
+                <a:cs typeface="Times New Roman" panose="02020603050405020304" pitchFamily="18" charset="0"/>
+              </a:rPr>
+              <a:t>Det innebär att värdet uppdateras om fältet ändras men även om variabeln ändras.</a:t>
+            </a:r>
+          </a:p>
+          <a:p>
+            <a:pPr marL="285750" indent="-285750">
+              <a:buFont typeface="Arial" panose="020B0604020202020204" pitchFamily="34" charset="0"/>
+              <a:buChar char="•"/>
+            </a:pPr>
+            <a:endParaRPr lang="sv-SE" dirty="0">
+              <a:solidFill>
+                <a:schemeClr val="tx1">
+                  <a:lumMod val="65000"/>
+                  <a:lumOff val="35000"/>
+                </a:schemeClr>
+              </a:solidFill>
+              <a:latin typeface="Gill Sans MT (Body)"/>
+              <a:cs typeface="Times New Roman" panose="02020603050405020304" pitchFamily="18" charset="0"/>
+            </a:endParaRPr>
+          </a:p>
+          <a:p>
+            <a:pPr marL="285750" indent="-285750">
+              <a:buFont typeface="Arial" panose="020B0604020202020204" pitchFamily="34" charset="0"/>
+              <a:buChar char="•"/>
+            </a:pPr>
+            <a:r>
+              <a:rPr lang="sv-SE" dirty="0">
+                <a:solidFill>
+                  <a:schemeClr val="tx1">
+                    <a:lumMod val="65000"/>
+                    <a:lumOff val="35000"/>
+                  </a:schemeClr>
+                </a:solidFill>
+                <a:latin typeface="Gill Sans MT (Body)"/>
+                <a:cs typeface="Times New Roman" panose="02020603050405020304" pitchFamily="18" charset="0"/>
+              </a:rPr>
+              <a:t>Används oftast för input-element och </a:t>
+            </a:r>
+            <a:r>
+              <a:rPr lang="sv-SE" dirty="0" err="1">
+                <a:solidFill>
+                  <a:schemeClr val="tx1">
+                    <a:lumMod val="65000"/>
+                    <a:lumOff val="35000"/>
+                  </a:schemeClr>
+                </a:solidFill>
+                <a:latin typeface="Gill Sans MT (Body)"/>
+                <a:cs typeface="Times New Roman" panose="02020603050405020304" pitchFamily="18" charset="0"/>
+              </a:rPr>
+              <a:t>förmulär</a:t>
+            </a:r>
+            <a:r>
+              <a:rPr lang="sv-SE" dirty="0">
+                <a:solidFill>
+                  <a:schemeClr val="tx1">
+                    <a:lumMod val="65000"/>
+                    <a:lumOff val="35000"/>
+                  </a:schemeClr>
+                </a:solidFill>
+                <a:latin typeface="Gill Sans MT (Body)"/>
+                <a:cs typeface="Times New Roman" panose="02020603050405020304" pitchFamily="18" charset="0"/>
+              </a:rPr>
+              <a:t>-element.</a:t>
+            </a:r>
+          </a:p>
+        </p:txBody>
+      </p:sp>
+      <p:pic>
+        <p:nvPicPr>
+          <p:cNvPr id="6" name="Picture 5">
+            <a:extLst>
+              <a:ext uri="{FF2B5EF4-FFF2-40B4-BE49-F238E27FC236}">
+                <a16:creationId xmlns:a16="http://schemas.microsoft.com/office/drawing/2014/main" id="{ACA49778-AD8B-DA99-558B-13FB6EF14D97}"/>
+              </a:ext>
+            </a:extLst>
+          </p:cNvPr>
+          <p:cNvPicPr>
+            <a:picLocks noChangeAspect="1"/>
+          </p:cNvPicPr>
+          <p:nvPr/>
+        </p:nvPicPr>
+        <p:blipFill>
+          <a:blip r:embed="rId2"/>
+          <a:stretch>
+            <a:fillRect/>
+          </a:stretch>
+        </p:blipFill>
+        <p:spPr>
+          <a:xfrm>
+            <a:off x="2928744" y="2886679"/>
+            <a:ext cx="5673328" cy="3467586"/>
+          </a:xfrm>
+          <a:prstGeom prst="rect">
+            <a:avLst/>
+          </a:prstGeom>
+        </p:spPr>
+      </p:pic>
+    </p:spTree>
+    <p:extLst>
+      <p:ext uri="{BB962C8B-B14F-4D97-AF65-F5344CB8AC3E}">
+        <p14:creationId xmlns:p14="http://schemas.microsoft.com/office/powerpoint/2010/main" val="1733251273"/>
+      </p:ext>
+    </p:extLst>
+  </p:cSld>
+  <p:clrMapOvr>
+    <a:masterClrMapping/>
+  </p:clrMapOvr>
+</p:sld>
+</file>
+
+<file path=ppt/slides/slide11.xml><?xml version="1.0" encoding="utf-8"?>
+<p:sld xmlns:a="http://schemas.openxmlformats.org/drawingml/2006/main" xmlns:r="http://schemas.openxmlformats.org/officeDocument/2006/relationships" xmlns:p="http://schemas.openxmlformats.org/presentationml/2006/main">
+  <p:cSld>
+    <p:spTree>
+      <p:nvGrpSpPr>
+        <p:cNvPr id="1" name=""/>
+        <p:cNvGrpSpPr/>
+        <p:nvPr/>
+      </p:nvGrpSpPr>
+      <p:grpSpPr>
+        <a:xfrm>
+          <a:off x="0" y="0"/>
+          <a:ext cx="0" cy="0"/>
+          <a:chOff x="0" y="0"/>
+          <a:chExt cx="0" cy="0"/>
+        </a:xfrm>
+      </p:grpSpPr>
+      <p:sp>
+        <p:nvSpPr>
+          <p:cNvPr id="2" name="Title 1">
+            <a:extLst>
+              <a:ext uri="{FF2B5EF4-FFF2-40B4-BE49-F238E27FC236}">
+                <a16:creationId xmlns:a16="http://schemas.microsoft.com/office/drawing/2014/main" id="{8EDAE078-3CB3-4D1F-8E4E-75C6D5DA8D1A}"/>
+              </a:ext>
+            </a:extLst>
+          </p:cNvPr>
+          <p:cNvSpPr>
+            <a:spLocks noGrp="1"/>
+          </p:cNvSpPr>
+          <p:nvPr>
+            <p:ph type="title"/>
+          </p:nvPr>
+        </p:nvSpPr>
+        <p:spPr>
+          <a:xfrm>
+            <a:off x="1228601" y="228440"/>
+            <a:ext cx="10893973" cy="596023"/>
+          </a:xfrm>
+        </p:spPr>
+        <p:txBody>
+          <a:bodyPr>
+            <a:normAutofit fontScale="90000"/>
+          </a:bodyPr>
+          <a:lstStyle/>
+          <a:p>
+            <a:pPr algn="ctr"/>
+            <a:r>
+              <a:rPr lang="en-US" sz="4000" dirty="0">
+                <a:latin typeface="Gill Sans MT (Body)"/>
+              </a:rPr>
+              <a:t>Watchers - </a:t>
+            </a:r>
+            <a:r>
+              <a:rPr lang="en-US" sz="4000" dirty="0" err="1">
+                <a:latin typeface="Gill Sans MT (Body)"/>
+              </a:rPr>
+              <a:t>lyssnare</a:t>
+            </a:r>
+            <a:endParaRPr lang="en-US" sz="4000" dirty="0">
+              <a:latin typeface="Gill Sans MT (Body)"/>
+            </a:endParaRPr>
+          </a:p>
+        </p:txBody>
+      </p:sp>
+      <p:sp>
+        <p:nvSpPr>
+          <p:cNvPr id="8" name="TextBox 7">
+            <a:extLst>
+              <a:ext uri="{FF2B5EF4-FFF2-40B4-BE49-F238E27FC236}">
+                <a16:creationId xmlns:a16="http://schemas.microsoft.com/office/drawing/2014/main" id="{B1548BBC-62E6-467E-BFCA-ACF54B43493B}"/>
+              </a:ext>
+            </a:extLst>
+          </p:cNvPr>
+          <p:cNvSpPr txBox="1"/>
+          <p:nvPr/>
+        </p:nvSpPr>
+        <p:spPr>
+          <a:xfrm>
+            <a:off x="1900969" y="978408"/>
+            <a:ext cx="9127222" cy="1754326"/>
+          </a:xfrm>
+          <a:prstGeom prst="rect">
+            <a:avLst/>
+          </a:prstGeom>
+          <a:noFill/>
+        </p:spPr>
+        <p:txBody>
+          <a:bodyPr wrap="square" rtlCol="0">
+            <a:spAutoFit/>
+          </a:bodyPr>
+          <a:lstStyle/>
+          <a:p>
+            <a:pPr marL="285750" indent="-285750">
+              <a:buFont typeface="Arial" panose="020B0604020202020204" pitchFamily="34" charset="0"/>
+              <a:buChar char="•"/>
+            </a:pPr>
+            <a:r>
+              <a:rPr lang="sv-SE" u="sng" dirty="0">
+                <a:solidFill>
+                  <a:schemeClr val="tx2">
+                    <a:lumMod val="75000"/>
+                    <a:lumOff val="25000"/>
+                  </a:schemeClr>
+                </a:solidFill>
+                <a:latin typeface="Gill Sans MT (Body)"/>
+                <a:cs typeface="Times New Roman" panose="02020603050405020304" pitchFamily="18" charset="0"/>
+              </a:rPr>
+              <a:t>v-</a:t>
+            </a:r>
+            <a:r>
+              <a:rPr lang="sv-SE" u="sng" dirty="0" err="1">
+                <a:solidFill>
+                  <a:schemeClr val="tx2">
+                    <a:lumMod val="75000"/>
+                    <a:lumOff val="25000"/>
+                  </a:schemeClr>
+                </a:solidFill>
+                <a:latin typeface="Gill Sans MT (Body)"/>
+                <a:cs typeface="Times New Roman" panose="02020603050405020304" pitchFamily="18" charset="0"/>
+              </a:rPr>
+              <a:t>model</a:t>
+            </a:r>
+            <a:r>
+              <a:rPr lang="sv-SE" u="sng" dirty="0">
+                <a:solidFill>
+                  <a:schemeClr val="tx1">
+                    <a:lumMod val="65000"/>
+                    <a:lumOff val="35000"/>
+                  </a:schemeClr>
+                </a:solidFill>
+                <a:latin typeface="Gill Sans MT (Body)"/>
+                <a:cs typeface="Times New Roman" panose="02020603050405020304" pitchFamily="18" charset="0"/>
+              </a:rPr>
+              <a:t> </a:t>
+            </a:r>
+            <a:r>
+              <a:rPr lang="sv-SE" dirty="0">
+                <a:solidFill>
+                  <a:schemeClr val="tx1">
+                    <a:lumMod val="65000"/>
+                    <a:lumOff val="35000"/>
+                  </a:schemeClr>
+                </a:solidFill>
+                <a:latin typeface="Gill Sans MT (Body)"/>
+                <a:cs typeface="Times New Roman" panose="02020603050405020304" pitchFamily="18" charset="0"/>
+              </a:rPr>
+              <a:t>direktivet används för att göra tvåvägsbindning mellan HTML-elementet och data-variabeln.</a:t>
+            </a:r>
+          </a:p>
+          <a:p>
+            <a:pPr marL="285750" indent="-285750">
+              <a:buFont typeface="Arial" panose="020B0604020202020204" pitchFamily="34" charset="0"/>
+              <a:buChar char="•"/>
+            </a:pPr>
+            <a:endParaRPr lang="sv-SE" dirty="0">
+              <a:solidFill>
+                <a:schemeClr val="tx1">
+                  <a:lumMod val="65000"/>
+                  <a:lumOff val="35000"/>
+                </a:schemeClr>
+              </a:solidFill>
+              <a:latin typeface="Gill Sans MT (Body)"/>
+              <a:cs typeface="Times New Roman" panose="02020603050405020304" pitchFamily="18" charset="0"/>
+            </a:endParaRPr>
+          </a:p>
+          <a:p>
+            <a:pPr marL="285750" indent="-285750">
+              <a:buFont typeface="Arial" panose="020B0604020202020204" pitchFamily="34" charset="0"/>
+              <a:buChar char="•"/>
+            </a:pPr>
+            <a:r>
+              <a:rPr lang="sv-SE" dirty="0">
+                <a:solidFill>
+                  <a:schemeClr val="tx1">
+                    <a:lumMod val="65000"/>
+                    <a:lumOff val="35000"/>
+                  </a:schemeClr>
+                </a:solidFill>
+                <a:latin typeface="Gill Sans MT (Body)"/>
+                <a:cs typeface="Times New Roman" panose="02020603050405020304" pitchFamily="18" charset="0"/>
+              </a:rPr>
+              <a:t>Det innebär att värdet uppdateras om fältet ändras men även om variabeln ändras.</a:t>
+            </a:r>
+          </a:p>
+          <a:p>
+            <a:pPr marL="285750" indent="-285750">
+              <a:buFont typeface="Arial" panose="020B0604020202020204" pitchFamily="34" charset="0"/>
+              <a:buChar char="•"/>
+            </a:pPr>
+            <a:endParaRPr lang="sv-SE" dirty="0">
+              <a:solidFill>
+                <a:schemeClr val="tx1">
+                  <a:lumMod val="65000"/>
+                  <a:lumOff val="35000"/>
+                </a:schemeClr>
+              </a:solidFill>
+              <a:latin typeface="Gill Sans MT (Body)"/>
+              <a:cs typeface="Times New Roman" panose="02020603050405020304" pitchFamily="18" charset="0"/>
+            </a:endParaRPr>
+          </a:p>
+          <a:p>
+            <a:pPr marL="285750" indent="-285750">
+              <a:buFont typeface="Arial" panose="020B0604020202020204" pitchFamily="34" charset="0"/>
+              <a:buChar char="•"/>
+            </a:pPr>
+            <a:r>
+              <a:rPr lang="sv-SE" dirty="0">
+                <a:solidFill>
+                  <a:schemeClr val="tx1">
+                    <a:lumMod val="65000"/>
+                    <a:lumOff val="35000"/>
+                  </a:schemeClr>
+                </a:solidFill>
+                <a:latin typeface="Gill Sans MT (Body)"/>
+                <a:cs typeface="Times New Roman" panose="02020603050405020304" pitchFamily="18" charset="0"/>
+              </a:rPr>
+              <a:t>Används oftast för input-element och </a:t>
+            </a:r>
+            <a:r>
+              <a:rPr lang="sv-SE" dirty="0" err="1">
+                <a:solidFill>
+                  <a:schemeClr val="tx1">
+                    <a:lumMod val="65000"/>
+                    <a:lumOff val="35000"/>
+                  </a:schemeClr>
+                </a:solidFill>
+                <a:latin typeface="Gill Sans MT (Body)"/>
+                <a:cs typeface="Times New Roman" panose="02020603050405020304" pitchFamily="18" charset="0"/>
+              </a:rPr>
+              <a:t>förmulär</a:t>
+            </a:r>
+            <a:r>
+              <a:rPr lang="sv-SE" dirty="0">
+                <a:solidFill>
+                  <a:schemeClr val="tx1">
+                    <a:lumMod val="65000"/>
+                    <a:lumOff val="35000"/>
+                  </a:schemeClr>
+                </a:solidFill>
+                <a:latin typeface="Gill Sans MT (Body)"/>
+                <a:cs typeface="Times New Roman" panose="02020603050405020304" pitchFamily="18" charset="0"/>
+              </a:rPr>
+              <a:t>-element.</a:t>
+            </a:r>
+          </a:p>
+        </p:txBody>
+      </p:sp>
+      <p:pic>
+        <p:nvPicPr>
+          <p:cNvPr id="6" name="Picture 5">
+            <a:extLst>
+              <a:ext uri="{FF2B5EF4-FFF2-40B4-BE49-F238E27FC236}">
+                <a16:creationId xmlns:a16="http://schemas.microsoft.com/office/drawing/2014/main" id="{ACA49778-AD8B-DA99-558B-13FB6EF14D97}"/>
+              </a:ext>
+            </a:extLst>
+          </p:cNvPr>
+          <p:cNvPicPr>
+            <a:picLocks noChangeAspect="1"/>
+          </p:cNvPicPr>
+          <p:nvPr/>
+        </p:nvPicPr>
+        <p:blipFill>
+          <a:blip r:embed="rId2"/>
+          <a:stretch>
+            <a:fillRect/>
+          </a:stretch>
+        </p:blipFill>
+        <p:spPr>
+          <a:xfrm>
+            <a:off x="2928744" y="2886679"/>
+            <a:ext cx="5673328" cy="3467586"/>
+          </a:xfrm>
+          <a:prstGeom prst="rect">
+            <a:avLst/>
+          </a:prstGeom>
+        </p:spPr>
+      </p:pic>
+    </p:spTree>
+    <p:extLst>
+      <p:ext uri="{BB962C8B-B14F-4D97-AF65-F5344CB8AC3E}">
+        <p14:creationId xmlns:p14="http://schemas.microsoft.com/office/powerpoint/2010/main" val="4179388586"/>
+      </p:ext>
+    </p:extLst>
+  </p:cSld>
+  <p:clrMapOvr>
+    <a:masterClrMapping/>
+  </p:clrMapOvr>
+</p:sld>
+</file>
+
+<file path=ppt/slides/slide12.xml><?xml version="1.0" encoding="utf-8"?>
+<p:sld xmlns:a="http://schemas.openxmlformats.org/drawingml/2006/main" xmlns:r="http://schemas.openxmlformats.org/officeDocument/2006/relationships" xmlns:p="http://schemas.openxmlformats.org/presentationml/2006/main">
+  <p:cSld>
+    <p:spTree>
+      <p:nvGrpSpPr>
+        <p:cNvPr id="1" name=""/>
+        <p:cNvGrpSpPr/>
+        <p:nvPr/>
+      </p:nvGrpSpPr>
+      <p:grpSpPr>
+        <a:xfrm>
+          <a:off x="0" y="0"/>
+          <a:ext cx="0" cy="0"/>
+          <a:chOff x="0" y="0"/>
+          <a:chExt cx="0" cy="0"/>
+        </a:xfrm>
+      </p:grpSpPr>
+      <p:sp>
+        <p:nvSpPr>
+          <p:cNvPr id="2" name="Title 1">
+            <a:extLst>
+              <a:ext uri="{FF2B5EF4-FFF2-40B4-BE49-F238E27FC236}">
+                <a16:creationId xmlns:a16="http://schemas.microsoft.com/office/drawing/2014/main" id="{8EDAE078-3CB3-4D1F-8E4E-75C6D5DA8D1A}"/>
+              </a:ext>
+            </a:extLst>
+          </p:cNvPr>
+          <p:cNvSpPr>
+            <a:spLocks noGrp="1"/>
+          </p:cNvSpPr>
+          <p:nvPr>
+            <p:ph type="title"/>
+          </p:nvPr>
+        </p:nvSpPr>
+        <p:spPr>
+          <a:xfrm>
+            <a:off x="1228601" y="228440"/>
+            <a:ext cx="10893973" cy="596023"/>
+          </a:xfrm>
+        </p:spPr>
+        <p:txBody>
+          <a:bodyPr>
+            <a:normAutofit fontScale="90000"/>
+          </a:bodyPr>
+          <a:lstStyle/>
+          <a:p>
+            <a:pPr algn="ctr"/>
+            <a:r>
+              <a:rPr lang="en-US" sz="4000" dirty="0">
+                <a:latin typeface="Gill Sans MT (Body)"/>
+              </a:rPr>
+              <a:t>Watchers - </a:t>
+            </a:r>
+            <a:r>
+              <a:rPr lang="en-US" sz="4000" dirty="0" err="1">
+                <a:latin typeface="Gill Sans MT (Body)"/>
+              </a:rPr>
+              <a:t>lyssnare</a:t>
+            </a:r>
+            <a:endParaRPr lang="en-US" sz="4000" dirty="0">
+              <a:latin typeface="Gill Sans MT (Body)"/>
+            </a:endParaRPr>
+          </a:p>
+        </p:txBody>
+      </p:sp>
+      <p:sp>
+        <p:nvSpPr>
+          <p:cNvPr id="8" name="TextBox 7">
+            <a:extLst>
+              <a:ext uri="{FF2B5EF4-FFF2-40B4-BE49-F238E27FC236}">
+                <a16:creationId xmlns:a16="http://schemas.microsoft.com/office/drawing/2014/main" id="{B1548BBC-62E6-467E-BFCA-ACF54B43493B}"/>
+              </a:ext>
+            </a:extLst>
+          </p:cNvPr>
+          <p:cNvSpPr txBox="1"/>
+          <p:nvPr/>
+        </p:nvSpPr>
+        <p:spPr>
+          <a:xfrm>
+            <a:off x="1900969" y="978408"/>
+            <a:ext cx="9127222" cy="1754326"/>
+          </a:xfrm>
+          <a:prstGeom prst="rect">
+            <a:avLst/>
+          </a:prstGeom>
+          <a:noFill/>
+        </p:spPr>
+        <p:txBody>
+          <a:bodyPr wrap="square" rtlCol="0">
+            <a:spAutoFit/>
+          </a:bodyPr>
+          <a:lstStyle/>
+          <a:p>
+            <a:pPr marL="285750" indent="-285750">
+              <a:buFont typeface="Arial" panose="020B0604020202020204" pitchFamily="34" charset="0"/>
+              <a:buChar char="•"/>
+            </a:pPr>
+            <a:r>
+              <a:rPr lang="sv-SE" u="sng" dirty="0">
+                <a:solidFill>
+                  <a:schemeClr val="tx2">
+                    <a:lumMod val="75000"/>
+                    <a:lumOff val="25000"/>
+                  </a:schemeClr>
+                </a:solidFill>
+                <a:latin typeface="Gill Sans MT (Body)"/>
+                <a:cs typeface="Times New Roman" panose="02020603050405020304" pitchFamily="18" charset="0"/>
+              </a:rPr>
+              <a:t>v-</a:t>
+            </a:r>
+            <a:r>
+              <a:rPr lang="sv-SE" u="sng" dirty="0" err="1">
+                <a:solidFill>
+                  <a:schemeClr val="tx2">
+                    <a:lumMod val="75000"/>
+                    <a:lumOff val="25000"/>
+                  </a:schemeClr>
+                </a:solidFill>
+                <a:latin typeface="Gill Sans MT (Body)"/>
+                <a:cs typeface="Times New Roman" panose="02020603050405020304" pitchFamily="18" charset="0"/>
+              </a:rPr>
+              <a:t>model</a:t>
+            </a:r>
+            <a:r>
+              <a:rPr lang="sv-SE" u="sng" dirty="0">
+                <a:solidFill>
+                  <a:schemeClr val="tx1">
+                    <a:lumMod val="65000"/>
+                    <a:lumOff val="35000"/>
+                  </a:schemeClr>
+                </a:solidFill>
+                <a:latin typeface="Gill Sans MT (Body)"/>
+                <a:cs typeface="Times New Roman" panose="02020603050405020304" pitchFamily="18" charset="0"/>
+              </a:rPr>
+              <a:t> </a:t>
+            </a:r>
+            <a:r>
+              <a:rPr lang="sv-SE" dirty="0">
+                <a:solidFill>
+                  <a:schemeClr val="tx1">
+                    <a:lumMod val="65000"/>
+                    <a:lumOff val="35000"/>
+                  </a:schemeClr>
+                </a:solidFill>
+                <a:latin typeface="Gill Sans MT (Body)"/>
+                <a:cs typeface="Times New Roman" panose="02020603050405020304" pitchFamily="18" charset="0"/>
+              </a:rPr>
+              <a:t>direktivet används för att göra tvåvägsbindning mellan HTML-elementet och data-variabeln.</a:t>
+            </a:r>
+          </a:p>
+          <a:p>
+            <a:pPr marL="285750" indent="-285750">
+              <a:buFont typeface="Arial" panose="020B0604020202020204" pitchFamily="34" charset="0"/>
+              <a:buChar char="•"/>
+            </a:pPr>
+            <a:endParaRPr lang="sv-SE" dirty="0">
+              <a:solidFill>
+                <a:schemeClr val="tx1">
+                  <a:lumMod val="65000"/>
+                  <a:lumOff val="35000"/>
+                </a:schemeClr>
+              </a:solidFill>
+              <a:latin typeface="Gill Sans MT (Body)"/>
+              <a:cs typeface="Times New Roman" panose="02020603050405020304" pitchFamily="18" charset="0"/>
+            </a:endParaRPr>
+          </a:p>
+          <a:p>
+            <a:pPr marL="285750" indent="-285750">
+              <a:buFont typeface="Arial" panose="020B0604020202020204" pitchFamily="34" charset="0"/>
+              <a:buChar char="•"/>
+            </a:pPr>
+            <a:r>
+              <a:rPr lang="sv-SE" dirty="0">
+                <a:solidFill>
+                  <a:schemeClr val="tx1">
+                    <a:lumMod val="65000"/>
+                    <a:lumOff val="35000"/>
+                  </a:schemeClr>
+                </a:solidFill>
+                <a:latin typeface="Gill Sans MT (Body)"/>
+                <a:cs typeface="Times New Roman" panose="02020603050405020304" pitchFamily="18" charset="0"/>
+              </a:rPr>
+              <a:t>Det innebär att värdet uppdateras om fältet ändras men även om variabeln ändras.</a:t>
+            </a:r>
+          </a:p>
+          <a:p>
+            <a:pPr marL="285750" indent="-285750">
+              <a:buFont typeface="Arial" panose="020B0604020202020204" pitchFamily="34" charset="0"/>
+              <a:buChar char="•"/>
+            </a:pPr>
+            <a:endParaRPr lang="sv-SE" dirty="0">
+              <a:solidFill>
+                <a:schemeClr val="tx1">
+                  <a:lumMod val="65000"/>
+                  <a:lumOff val="35000"/>
+                </a:schemeClr>
+              </a:solidFill>
+              <a:latin typeface="Gill Sans MT (Body)"/>
+              <a:cs typeface="Times New Roman" panose="02020603050405020304" pitchFamily="18" charset="0"/>
+            </a:endParaRPr>
+          </a:p>
+          <a:p>
+            <a:pPr marL="285750" indent="-285750">
+              <a:buFont typeface="Arial" panose="020B0604020202020204" pitchFamily="34" charset="0"/>
+              <a:buChar char="•"/>
+            </a:pPr>
+            <a:r>
+              <a:rPr lang="sv-SE" dirty="0">
+                <a:solidFill>
+                  <a:schemeClr val="tx1">
+                    <a:lumMod val="65000"/>
+                    <a:lumOff val="35000"/>
+                  </a:schemeClr>
+                </a:solidFill>
+                <a:latin typeface="Gill Sans MT (Body)"/>
+                <a:cs typeface="Times New Roman" panose="02020603050405020304" pitchFamily="18" charset="0"/>
+              </a:rPr>
+              <a:t>Används oftast för input-element och </a:t>
+            </a:r>
+            <a:r>
+              <a:rPr lang="sv-SE" dirty="0" err="1">
+                <a:solidFill>
+                  <a:schemeClr val="tx1">
+                    <a:lumMod val="65000"/>
+                    <a:lumOff val="35000"/>
+                  </a:schemeClr>
+                </a:solidFill>
+                <a:latin typeface="Gill Sans MT (Body)"/>
+                <a:cs typeface="Times New Roman" panose="02020603050405020304" pitchFamily="18" charset="0"/>
+              </a:rPr>
+              <a:t>förmulär</a:t>
+            </a:r>
+            <a:r>
+              <a:rPr lang="sv-SE" dirty="0">
+                <a:solidFill>
+                  <a:schemeClr val="tx1">
+                    <a:lumMod val="65000"/>
+                    <a:lumOff val="35000"/>
+                  </a:schemeClr>
+                </a:solidFill>
+                <a:latin typeface="Gill Sans MT (Body)"/>
+                <a:cs typeface="Times New Roman" panose="02020603050405020304" pitchFamily="18" charset="0"/>
+              </a:rPr>
+              <a:t>-element.</a:t>
+            </a:r>
+          </a:p>
+        </p:txBody>
+      </p:sp>
+      <p:pic>
+        <p:nvPicPr>
+          <p:cNvPr id="6" name="Picture 5">
+            <a:extLst>
+              <a:ext uri="{FF2B5EF4-FFF2-40B4-BE49-F238E27FC236}">
+                <a16:creationId xmlns:a16="http://schemas.microsoft.com/office/drawing/2014/main" id="{ACA49778-AD8B-DA99-558B-13FB6EF14D97}"/>
+              </a:ext>
+            </a:extLst>
+          </p:cNvPr>
+          <p:cNvPicPr>
+            <a:picLocks noChangeAspect="1"/>
+          </p:cNvPicPr>
+          <p:nvPr/>
+        </p:nvPicPr>
+        <p:blipFill>
+          <a:blip r:embed="rId2"/>
+          <a:stretch>
+            <a:fillRect/>
+          </a:stretch>
+        </p:blipFill>
+        <p:spPr>
+          <a:xfrm>
+            <a:off x="2928744" y="2886679"/>
+            <a:ext cx="5673328" cy="3467586"/>
+          </a:xfrm>
+          <a:prstGeom prst="rect">
+            <a:avLst/>
+          </a:prstGeom>
+        </p:spPr>
+      </p:pic>
+    </p:spTree>
+    <p:extLst>
+      <p:ext uri="{BB962C8B-B14F-4D97-AF65-F5344CB8AC3E}">
+        <p14:creationId xmlns:p14="http://schemas.microsoft.com/office/powerpoint/2010/main" val="1362117674"/>
+      </p:ext>
+    </p:extLst>
+  </p:cSld>
+  <p:clrMapOvr>
+    <a:masterClrMapping/>
+  </p:clrMapOvr>
+</p:sld>
+</file>
+
 <file path=ppt/slides/slide2.xml><?xml version="1.0" encoding="utf-8"?>
 <p:sld xmlns:a="http://schemas.openxmlformats.org/drawingml/2006/main" xmlns:r="http://schemas.openxmlformats.org/officeDocument/2006/relationships" xmlns:p="http://schemas.openxmlformats.org/presentationml/2006/main">
   <p:cSld>
@@ -9027,7 +9900,7 @@
         </p:spPr>
         <p:txBody>
           <a:bodyPr anchor="ctr">
-            <a:normAutofit/>
+            <a:normAutofit fontScale="92500" lnSpcReduction="10000"/>
           </a:bodyPr>
           <a:lstStyle/>
           <a:p>
@@ -9125,6 +9998,84 @@
               </a:rPr>
               <a:t>Two-way binding med v-model</a:t>
             </a:r>
+          </a:p>
+          <a:p>
+            <a:pPr marL="514350" indent="-514350">
+              <a:buFont typeface="+mj-lt"/>
+              <a:buAutoNum type="arabicPeriod"/>
+            </a:pPr>
+            <a:r>
+              <a:rPr lang="en-US" sz="2800" dirty="0">
+                <a:latin typeface="Gill Sans MT (Body)"/>
+                <a:cs typeface="Times New Roman" panose="02020603050405020304" pitchFamily="18" charset="0"/>
+              </a:rPr>
+              <a:t>Computed</a:t>
+            </a:r>
+          </a:p>
+          <a:p>
+            <a:pPr marL="514350" indent="-514350">
+              <a:buFont typeface="+mj-lt"/>
+              <a:buAutoNum type="arabicPeriod"/>
+            </a:pPr>
+            <a:r>
+              <a:rPr lang="en-US" sz="2800" dirty="0">
+                <a:latin typeface="Gill Sans MT (Body)"/>
+                <a:cs typeface="Times New Roman" panose="02020603050405020304" pitchFamily="18" charset="0"/>
+              </a:rPr>
+              <a:t>Watchers</a:t>
+            </a:r>
+          </a:p>
+          <a:p>
+            <a:pPr marL="514350" indent="-514350">
+              <a:buFont typeface="+mj-lt"/>
+              <a:buAutoNum type="arabicPeriod"/>
+            </a:pPr>
+            <a:r>
+              <a:rPr lang="en-US" sz="2800" dirty="0">
+                <a:latin typeface="Gill Sans MT (Body)"/>
+                <a:cs typeface="Times New Roman" panose="02020603050405020304" pitchFamily="18" charset="0"/>
+              </a:rPr>
+              <a:t>Fetch – </a:t>
+            </a:r>
+            <a:r>
+              <a:rPr lang="en-US" sz="2800" dirty="0" err="1">
+                <a:latin typeface="Gill Sans MT (Body)"/>
+                <a:cs typeface="Times New Roman" panose="02020603050405020304" pitchFamily="18" charset="0"/>
+              </a:rPr>
+              <a:t>Hämta</a:t>
+            </a:r>
+            <a:r>
+              <a:rPr lang="en-US" sz="2800" dirty="0">
+                <a:latin typeface="Gill Sans MT (Body)"/>
+                <a:cs typeface="Times New Roman" panose="02020603050405020304" pitchFamily="18" charset="0"/>
+              </a:rPr>
+              <a:t> data </a:t>
+            </a:r>
+            <a:r>
+              <a:rPr lang="en-US" sz="2800" dirty="0" err="1">
+                <a:latin typeface="Gill Sans MT (Body)"/>
+                <a:cs typeface="Times New Roman" panose="02020603050405020304" pitchFamily="18" charset="0"/>
+              </a:rPr>
+              <a:t>från</a:t>
+            </a:r>
+            <a:r>
+              <a:rPr lang="en-US" sz="2800" dirty="0">
+                <a:latin typeface="Gill Sans MT (Body)"/>
+                <a:cs typeface="Times New Roman" panose="02020603050405020304" pitchFamily="18" charset="0"/>
+              </a:rPr>
+              <a:t> </a:t>
+            </a:r>
+            <a:r>
+              <a:rPr lang="en-US" sz="2800" dirty="0" err="1">
+                <a:latin typeface="Gill Sans MT (Body)"/>
+                <a:cs typeface="Times New Roman" panose="02020603050405020304" pitchFamily="18" charset="0"/>
+              </a:rPr>
+              <a:t>api</a:t>
+            </a:r>
+            <a:endParaRPr lang="en-US" sz="2800" dirty="0">
+              <a:latin typeface="Gill Sans MT (Body)"/>
+              <a:cs typeface="Times New Roman" panose="02020603050405020304" pitchFamily="18" charset="0"/>
+            </a:endParaRPr>
           </a:p>
           <a:p>
             <a:pPr marL="0" indent="0">
@@ -11738,15 +12689,6 @@
 </file>
 
 <file path=customXml/item1.xml><?xml version="1.0" encoding="utf-8"?>
-<?mso-contentType ?>
-<FormTemplates xmlns="http://schemas.microsoft.com/sharepoint/v3/contenttype/forms">
-  <Display>DocumentLibraryForm</Display>
-  <Edit>DocumentLibraryForm</Edit>
-  <New>DocumentLibraryForm</New>
-</FormTemplates>
-</file>
-
-<file path=customXml/item2.xml><?xml version="1.0" encoding="utf-8"?>
 <ct:contentTypeSchema xmlns:ct="http://schemas.microsoft.com/office/2006/metadata/contentType" xmlns:ma="http://schemas.microsoft.com/office/2006/metadata/properties/metaAttributes" ct:_="" ma:_="" ma:contentTypeName="Document" ma:contentTypeID="0x01010079F111ED35F8CC479449609E8A0923A6" ma:contentTypeVersion="11" ma:contentTypeDescription="Create a new document." ma:contentTypeScope="" ma:versionID="96291512c1ee715ab617f4c07df79fc1">
   <xsd:schema xmlns:xsd="http://www.w3.org/2001/XMLSchema" xmlns:xs="http://www.w3.org/2001/XMLSchema" xmlns:p="http://schemas.microsoft.com/office/2006/metadata/properties" xmlns:ns2="71af3243-3dd4-4a8d-8c0d-dd76da1f02a5" xmlns:ns3="16c05727-aa75-4e4a-9b5f-8a80a1165891" targetNamespace="http://schemas.microsoft.com/office/2006/metadata/properties" ma:root="true" ma:fieldsID="8256c27c40ca5c40ce1cf6c44f0205df" ns2:_="" ns3:_="">
     <xsd:import namespace="71af3243-3dd4-4a8d-8c0d-dd76da1f02a5"/>
@@ -11957,6 +12899,15 @@
 </ct:contentTypeSchema>
 </file>
 
+<file path=customXml/item2.xml><?xml version="1.0" encoding="utf-8"?>
+<?mso-contentType ?>
+<FormTemplates xmlns="http://schemas.microsoft.com/sharepoint/v3/contenttype/forms">
+  <Display>DocumentLibraryForm</Display>
+  <Edit>DocumentLibraryForm</Edit>
+  <New>DocumentLibraryForm</New>
+</FormTemplates>
+</file>
+
 <file path=customXml/item3.xml><?xml version="1.0" encoding="utf-8"?>
 <p:properties xmlns:p="http://schemas.microsoft.com/office/2006/metadata/properties" xmlns:xsi="http://www.w3.org/2001/XMLSchema-instance" xmlns:pc="http://schemas.microsoft.com/office/infopath/2007/PartnerControls">
   <documentManagement>
@@ -11966,14 +12917,6 @@
 </file>
 
 <file path=customXml/itemProps1.xml><?xml version="1.0" encoding="utf-8"?>
-<ds:datastoreItem xmlns:ds="http://schemas.openxmlformats.org/officeDocument/2006/customXml" ds:itemID="{52D0167F-E486-4F9B-83E2-993954E11F03}">
-  <ds:schemaRefs>
-    <ds:schemaRef ds:uri="http://schemas.microsoft.com/sharepoint/v3/contenttype/forms"/>
-  </ds:schemaRefs>
-</ds:datastoreItem>
-</file>
-
-<file path=customXml/itemProps2.xml><?xml version="1.0" encoding="utf-8"?>
 <ds:datastoreItem xmlns:ds="http://schemas.openxmlformats.org/officeDocument/2006/customXml" ds:itemID="{15A714DE-2D72-4B69-B5D2-B9FD4274177E}">
   <ds:schemaRefs>
     <ds:schemaRef ds:uri="http://schemas.microsoft.com/office/2006/metadata/contentType"/>
@@ -11992,6 +12935,14 @@
 </ds:datastoreItem>
 </file>
 
+<file path=customXml/itemProps2.xml><?xml version="1.0" encoding="utf-8"?>
+<ds:datastoreItem xmlns:ds="http://schemas.openxmlformats.org/officeDocument/2006/customXml" ds:itemID="{52D0167F-E486-4F9B-83E2-993954E11F03}">
+  <ds:schemaRefs>
+    <ds:schemaRef ds:uri="http://schemas.microsoft.com/sharepoint/v3/contenttype/forms"/>
+  </ds:schemaRefs>
+</ds:datastoreItem>
+</file>
+
 <file path=customXml/itemProps3.xml><?xml version="1.0" encoding="utf-8"?>
 <ds:datastoreItem xmlns:ds="http://schemas.openxmlformats.org/officeDocument/2006/customXml" ds:itemID="{BDB3E54F-9BB9-4821-81E3-A4EFEC7BD0AD}">
   <ds:schemaRefs>
